--- a/ASSIGNMENT.pptx
+++ b/ASSIGNMENT.pptx
@@ -25,6 +25,34 @@
     <p:sldId id="274" r:id="rId19"/>
     <p:sldId id="275" r:id="rId20"/>
     <p:sldId id="276" r:id="rId21"/>
+    <p:sldId id="277" r:id="rId22"/>
+    <p:sldId id="278" r:id="rId23"/>
+    <p:sldId id="279" r:id="rId24"/>
+    <p:sldId id="280" r:id="rId25"/>
+    <p:sldId id="281" r:id="rId26"/>
+    <p:sldId id="282" r:id="rId27"/>
+    <p:sldId id="283" r:id="rId28"/>
+    <p:sldId id="284" r:id="rId29"/>
+    <p:sldId id="285" r:id="rId30"/>
+    <p:sldId id="286" r:id="rId31"/>
+    <p:sldId id="287" r:id="rId32"/>
+    <p:sldId id="288" r:id="rId33"/>
+    <p:sldId id="289" r:id="rId34"/>
+    <p:sldId id="290" r:id="rId35"/>
+    <p:sldId id="291" r:id="rId36"/>
+    <p:sldId id="292" r:id="rId37"/>
+    <p:sldId id="293" r:id="rId38"/>
+    <p:sldId id="294" r:id="rId39"/>
+    <p:sldId id="295" r:id="rId40"/>
+    <p:sldId id="296" r:id="rId41"/>
+    <p:sldId id="297" r:id="rId42"/>
+    <p:sldId id="298" r:id="rId43"/>
+    <p:sldId id="299" r:id="rId44"/>
+    <p:sldId id="300" r:id="rId45"/>
+    <p:sldId id="304" r:id="rId46"/>
+    <p:sldId id="301" r:id="rId47"/>
+    <p:sldId id="302" r:id="rId48"/>
+    <p:sldId id="303" r:id="rId49"/>
   </p:sldIdLst>
   <p:sldSz cx="12192000" cy="6858000"/>
   <p:notesSz cx="6858000" cy="9144000"/>
@@ -877,7 +905,7 @@
             <a:fld id="{B61BEF0D-F0BB-DE4B-95CE-6DB70DBA9567}" type="datetimeFigureOut">
               <a:rPr lang="en-US" dirty="0"/>
               <a:pPr/>
-              <a:t>21-Nov-22</a:t>
+              <a:t>27-Nov-22</a:t>
             </a:fld>
             <a:endParaRPr lang="en-US" dirty="0"/>
           </a:p>
@@ -1125,7 +1153,7 @@
             <a:fld id="{B61BEF0D-F0BB-DE4B-95CE-6DB70DBA9567}" type="datetimeFigureOut">
               <a:rPr lang="en-US" dirty="0"/>
               <a:pPr/>
-              <a:t>21-Nov-22</a:t>
+              <a:t>27-Nov-22</a:t>
             </a:fld>
             <a:endParaRPr lang="en-US" dirty="0"/>
           </a:p>
@@ -1436,7 +1464,7 @@
             <a:fld id="{B61BEF0D-F0BB-DE4B-95CE-6DB70DBA9567}" type="datetimeFigureOut">
               <a:rPr lang="en-US" dirty="0"/>
               <a:pPr/>
-              <a:t>21-Nov-22</a:t>
+              <a:t>27-Nov-22</a:t>
             </a:fld>
             <a:endParaRPr lang="en-US" dirty="0"/>
           </a:p>
@@ -1766,7 +1794,7 @@
             <a:fld id="{B61BEF0D-F0BB-DE4B-95CE-6DB70DBA9567}" type="datetimeFigureOut">
               <a:rPr lang="en-US" dirty="0"/>
               <a:pPr/>
-              <a:t>21-Nov-22</a:t>
+              <a:t>27-Nov-22</a:t>
             </a:fld>
             <a:endParaRPr lang="en-US" dirty="0"/>
           </a:p>
@@ -2077,7 +2105,7 @@
             <a:fld id="{B61BEF0D-F0BB-DE4B-95CE-6DB70DBA9567}" type="datetimeFigureOut">
               <a:rPr lang="en-US" dirty="0"/>
               <a:pPr/>
-              <a:t>21-Nov-22</a:t>
+              <a:t>27-Nov-22</a:t>
             </a:fld>
             <a:endParaRPr lang="en-US" dirty="0"/>
           </a:p>
@@ -2467,7 +2495,7 @@
             <a:fld id="{B61BEF0D-F0BB-DE4B-95CE-6DB70DBA9567}" type="datetimeFigureOut">
               <a:rPr lang="en-US" dirty="0"/>
               <a:pPr/>
-              <a:t>21-Nov-22</a:t>
+              <a:t>27-Nov-22</a:t>
             </a:fld>
             <a:endParaRPr lang="en-US" dirty="0"/>
           </a:p>
@@ -2633,7 +2661,7 @@
           <a:p>
             <a:fld id="{55C6B4A9-1611-4792-9094-5F34BCA07E0B}" type="datetimeFigureOut">
               <a:rPr lang="en-US" dirty="0"/>
-              <a:t>21-Nov-22</a:t>
+              <a:t>27-Nov-22</a:t>
             </a:fld>
             <a:endParaRPr lang="en-US" dirty="0"/>
           </a:p>
@@ -2809,7 +2837,7 @@
             <a:fld id="{B61BEF0D-F0BB-DE4B-95CE-6DB70DBA9567}" type="datetimeFigureOut">
               <a:rPr lang="en-US" dirty="0"/>
               <a:pPr/>
-              <a:t>21-Nov-22</a:t>
+              <a:t>27-Nov-22</a:t>
             </a:fld>
             <a:endParaRPr lang="en-US" dirty="0"/>
           </a:p>
@@ -2975,7 +3003,7 @@
           <a:p>
             <a:fld id="{42A54C80-263E-416B-A8E0-580EDEADCBDC}" type="datetimeFigureOut">
               <a:rPr lang="en-US" dirty="0"/>
-              <a:t>21-Nov-22</a:t>
+              <a:t>27-Nov-22</a:t>
             </a:fld>
             <a:endParaRPr lang="en-US" dirty="0"/>
           </a:p>
@@ -3218,7 +3246,7 @@
             <a:fld id="{B61BEF0D-F0BB-DE4B-95CE-6DB70DBA9567}" type="datetimeFigureOut">
               <a:rPr lang="en-US" dirty="0"/>
               <a:pPr/>
-              <a:t>21-Nov-22</a:t>
+              <a:t>27-Nov-22</a:t>
             </a:fld>
             <a:endParaRPr lang="en-US" dirty="0"/>
           </a:p>
@@ -3446,7 +3474,7 @@
           <a:p>
             <a:fld id="{42A54C80-263E-416B-A8E0-580EDEADCBDC}" type="datetimeFigureOut">
               <a:rPr lang="en-US" dirty="0"/>
-              <a:t>21-Nov-22</a:t>
+              <a:t>27-Nov-22</a:t>
             </a:fld>
             <a:endParaRPr lang="en-US" dirty="0"/>
           </a:p>
@@ -3816,7 +3844,7 @@
             <a:fld id="{B61BEF0D-F0BB-DE4B-95CE-6DB70DBA9567}" type="datetimeFigureOut">
               <a:rPr lang="en-US" dirty="0"/>
               <a:pPr/>
-              <a:t>21-Nov-22</a:t>
+              <a:t>27-Nov-22</a:t>
             </a:fld>
             <a:endParaRPr lang="en-US" dirty="0"/>
           </a:p>
@@ -3936,7 +3964,7 @@
             <a:fld id="{B61BEF0D-F0BB-DE4B-95CE-6DB70DBA9567}" type="datetimeFigureOut">
               <a:rPr lang="en-US" dirty="0"/>
               <a:pPr/>
-              <a:t>21-Nov-22</a:t>
+              <a:t>27-Nov-22</a:t>
             </a:fld>
             <a:endParaRPr lang="en-US" dirty="0"/>
           </a:p>
@@ -4028,7 +4056,7 @@
             <a:fld id="{B61BEF0D-F0BB-DE4B-95CE-6DB70DBA9567}" type="datetimeFigureOut">
               <a:rPr lang="en-US" dirty="0"/>
               <a:pPr/>
-              <a:t>21-Nov-22</a:t>
+              <a:t>27-Nov-22</a:t>
             </a:fld>
             <a:endParaRPr lang="en-US" dirty="0"/>
           </a:p>
@@ -4279,7 +4307,7 @@
           <a:p>
             <a:fld id="{42A54C80-263E-416B-A8E0-580EDEADCBDC}" type="datetimeFigureOut">
               <a:rPr lang="en-US" dirty="0"/>
-              <a:t>21-Nov-22</a:t>
+              <a:t>27-Nov-22</a:t>
             </a:fld>
             <a:endParaRPr lang="en-US" dirty="0"/>
           </a:p>
@@ -4581,7 +4609,7 @@
             <a:fld id="{B61BEF0D-F0BB-DE4B-95CE-6DB70DBA9567}" type="datetimeFigureOut">
               <a:rPr lang="en-US" dirty="0"/>
               <a:pPr/>
-              <a:t>21-Nov-22</a:t>
+              <a:t>27-Nov-22</a:t>
             </a:fld>
             <a:endParaRPr lang="en-US" dirty="0"/>
           </a:p>
@@ -5279,7 +5307,7 @@
             <a:fld id="{B61BEF0D-F0BB-DE4B-95CE-6DB70DBA9567}" type="datetimeFigureOut">
               <a:rPr lang="en-US" dirty="0"/>
               <a:pPr/>
-              <a:t>21-Nov-22</a:t>
+              <a:t>27-Nov-22</a:t>
             </a:fld>
             <a:endParaRPr lang="en-US" dirty="0"/>
           </a:p>
@@ -6705,25 +6733,6 @@
       </p:grpSpPr>
       <p:sp>
         <p:nvSpPr>
-          <p:cNvPr id="2" name="Title 1"/>
-          <p:cNvSpPr>
-            <a:spLocks noGrp="1"/>
-          </p:cNvSpPr>
-          <p:nvPr>
-            <p:ph type="title"/>
-          </p:nvPr>
-        </p:nvSpPr>
-        <p:spPr/>
-        <p:txBody>
-          <a:bodyPr/>
-          <a:lstStyle/>
-          <a:p>
-            <a:endParaRPr lang="en-US"/>
-          </a:p>
-        </p:txBody>
-      </p:sp>
-      <p:sp>
-        <p:nvSpPr>
           <p:cNvPr id="3" name="Content Placeholder 2"/>
           <p:cNvSpPr>
             <a:spLocks noGrp="1"/>
@@ -6732,10 +6741,15 @@
             <p:ph idx="1"/>
           </p:nvPr>
         </p:nvSpPr>
-        <p:spPr/>
+        <p:spPr>
+          <a:xfrm>
+            <a:off x="1012185" y="1246189"/>
+            <a:ext cx="8596668" cy="3880773"/>
+          </a:xfrm>
+        </p:spPr>
         <p:txBody>
           <a:bodyPr>
-            <a:normAutofit fontScale="92500" lnSpcReduction="20000"/>
+            <a:normAutofit fontScale="92500" lnSpcReduction="10000"/>
           </a:bodyPr>
           <a:lstStyle/>
           <a:p>
@@ -6745,60 +6759,70 @@
             </a:r>
           </a:p>
           <a:p>
+            <a:pPr lvl="1"/>
             <a:r>
               <a:rPr lang="en-US" dirty="0"/>
               <a:t>	&lt;!DOCTYPE html&gt;</a:t>
             </a:r>
           </a:p>
           <a:p>
+            <a:pPr lvl="1"/>
             <a:r>
               <a:rPr lang="en-US" dirty="0"/>
               <a:t>&lt;html&gt;</a:t>
             </a:r>
           </a:p>
           <a:p>
+            <a:pPr lvl="1"/>
             <a:r>
               <a:rPr lang="en-US" dirty="0"/>
               <a:t>   &lt;head&gt;</a:t>
             </a:r>
           </a:p>
           <a:p>
+            <a:pPr lvl="1"/>
             <a:r>
               <a:rPr lang="en-US" dirty="0"/>
               <a:t>      &lt;title&gt;Example of HTML Link&lt;/title&gt;</a:t>
             </a:r>
           </a:p>
           <a:p>
+            <a:pPr lvl="1"/>
             <a:r>
               <a:rPr lang="en-US" dirty="0"/>
               <a:t>   &lt;/head&gt;  </a:t>
             </a:r>
           </a:p>
           <a:p>
+            <a:pPr lvl="1"/>
             <a:r>
               <a:rPr lang="en-US" dirty="0"/>
               <a:t>   &lt;body&gt;</a:t>
             </a:r>
           </a:p>
           <a:p>
+            <a:pPr lvl="1"/>
             <a:r>
               <a:rPr lang="en-US" dirty="0"/>
               <a:t>      &lt;p&gt;Click on the below link&lt;/p&gt;</a:t>
             </a:r>
           </a:p>
           <a:p>
+            <a:pPr lvl="1"/>
             <a:r>
               <a:rPr lang="en-US" dirty="0"/>
               <a:t>      &lt;a href = "https://www.naukri.com/learning"&gt;Naukri Learning&lt;/a&gt;</a:t>
             </a:r>
           </a:p>
           <a:p>
+            <a:pPr lvl="1"/>
             <a:r>
               <a:rPr lang="en-US" dirty="0"/>
               <a:t>   &lt;/body&gt;</a:t>
             </a:r>
           </a:p>
           <a:p>
+            <a:pPr lvl="1"/>
             <a:r>
               <a:rPr lang="en-US" dirty="0"/>
               <a:t>&lt;/html&gt;</a:t>
@@ -6954,12 +6978,8 @@
           <a:lstStyle/>
           <a:p>
             <a:r>
-              <a:rPr lang="en-US" smtClean="0"/>
-              <a:t>12) What </a:t>
-            </a:r>
-            <a:r>
               <a:rPr lang="en-US" dirty="0" smtClean="0"/>
-              <a:t>is the use of an iframe tag?</a:t>
+              <a:t>12) What is the use of an iframe tag?</a:t>
             </a:r>
             <a:endParaRPr lang="en-US" dirty="0"/>
           </a:p>
@@ -8350,6 +8370,1836 @@
 </p:sld>
 </file>
 
+<file path=ppt/slides/slide21.xml><?xml version="1.0" encoding="utf-8"?>
+<p:sld xmlns:a="http://schemas.openxmlformats.org/drawingml/2006/main" xmlns:r="http://schemas.openxmlformats.org/officeDocument/2006/relationships" xmlns:p="http://schemas.openxmlformats.org/presentationml/2006/main">
+  <p:cSld>
+    <p:spTree>
+      <p:nvGrpSpPr>
+        <p:cNvPr id="1" name=""/>
+        <p:cNvGrpSpPr/>
+        <p:nvPr/>
+      </p:nvGrpSpPr>
+      <p:grpSpPr>
+        <a:xfrm>
+          <a:off x="0" y="0"/>
+          <a:ext cx="0" cy="0"/>
+          <a:chOff x="0" y="0"/>
+          <a:chExt cx="0" cy="0"/>
+        </a:xfrm>
+      </p:grpSpPr>
+      <p:sp>
+        <p:nvSpPr>
+          <p:cNvPr id="2" name="Title 1"/>
+          <p:cNvSpPr>
+            <a:spLocks noGrp="1"/>
+          </p:cNvSpPr>
+          <p:nvPr>
+            <p:ph type="title"/>
+          </p:nvPr>
+        </p:nvSpPr>
+        <p:spPr/>
+        <p:txBody>
+          <a:bodyPr/>
+          <a:lstStyle/>
+          <a:p>
+            <a:r>
+              <a:rPr lang="en-US" dirty="0" smtClean="0"/>
+              <a:t>5) Different Types of lists in HTML?</a:t>
+            </a:r>
+            <a:endParaRPr lang="en-US" dirty="0"/>
+          </a:p>
+        </p:txBody>
+      </p:sp>
+      <p:sp>
+        <p:nvSpPr>
+          <p:cNvPr id="3" name="Content Placeholder 2"/>
+          <p:cNvSpPr>
+            <a:spLocks noGrp="1"/>
+          </p:cNvSpPr>
+          <p:nvPr>
+            <p:ph idx="1"/>
+          </p:nvPr>
+        </p:nvSpPr>
+        <p:spPr/>
+        <p:txBody>
+          <a:bodyPr/>
+          <a:lstStyle/>
+          <a:p>
+            <a:r>
+              <a:rPr lang="en-US" dirty="0" smtClean="0"/>
+              <a:t>HTML Lists are used to specify lists of information. </a:t>
+            </a:r>
+          </a:p>
+          <a:p>
+            <a:r>
+              <a:rPr lang="en-US" dirty="0" smtClean="0"/>
+              <a:t>All list may contain one or more list elements.</a:t>
+            </a:r>
+          </a:p>
+          <a:p>
+            <a:r>
+              <a:rPr lang="en-US" dirty="0" smtClean="0"/>
+              <a:t>&lt;li&gt; element in HTML is used to define list of item.</a:t>
+            </a:r>
+          </a:p>
+          <a:p>
+            <a:r>
+              <a:rPr lang="en-US" dirty="0" smtClean="0"/>
+              <a:t>Every list can have one or more list element.</a:t>
+            </a:r>
+          </a:p>
+          <a:p>
+            <a:r>
+              <a:rPr lang="en-US" dirty="0" smtClean="0"/>
+              <a:t>List items must be contained within a parent element. Such as, an ordered list&lt;</a:t>
+            </a:r>
+            <a:r>
+              <a:rPr lang="en-US" dirty="0" err="1" smtClean="0"/>
+              <a:t>ol</a:t>
+            </a:r>
+            <a:r>
+              <a:rPr lang="en-US" dirty="0" smtClean="0"/>
+              <a:t>&gt;, an unordered list&lt;</a:t>
+            </a:r>
+            <a:r>
+              <a:rPr lang="en-US" dirty="0" err="1" smtClean="0"/>
+              <a:t>ul</a:t>
+            </a:r>
+            <a:r>
+              <a:rPr lang="en-US" dirty="0" smtClean="0"/>
+              <a:t>&gt;.</a:t>
+            </a:r>
+          </a:p>
+          <a:p>
+            <a:r>
+              <a:rPr lang="en-US" dirty="0" smtClean="0"/>
+              <a:t>Mainly three types of lists in HTML:</a:t>
+            </a:r>
+          </a:p>
+          <a:p>
+            <a:pPr lvl="1"/>
+            <a:r>
+              <a:rPr lang="en-US" dirty="0" smtClean="0"/>
+              <a:t>Ordered list</a:t>
+            </a:r>
+          </a:p>
+          <a:p>
+            <a:pPr lvl="1"/>
+            <a:r>
+              <a:rPr lang="en-US" dirty="0" smtClean="0"/>
+              <a:t>Unordered list</a:t>
+            </a:r>
+          </a:p>
+          <a:p>
+            <a:pPr lvl="1"/>
+            <a:r>
+              <a:rPr lang="en-US" dirty="0" smtClean="0"/>
+              <a:t>Nested list</a:t>
+            </a:r>
+            <a:endParaRPr lang="en-US" dirty="0"/>
+          </a:p>
+        </p:txBody>
+      </p:sp>
+    </p:spTree>
+    <p:extLst>
+      <p:ext uri="{BB962C8B-B14F-4D97-AF65-F5344CB8AC3E}">
+        <p14:creationId xmlns:p14="http://schemas.microsoft.com/office/powerpoint/2010/main" val="54379730"/>
+      </p:ext>
+    </p:extLst>
+  </p:cSld>
+  <p:clrMapOvr>
+    <a:masterClrMapping/>
+  </p:clrMapOvr>
+  <p:timing>
+    <p:tnLst>
+      <p:par>
+        <p:cTn id="1" dur="indefinite" restart="never" nodeType="tmRoot"/>
+      </p:par>
+    </p:tnLst>
+  </p:timing>
+</p:sld>
+</file>
+
+<file path=ppt/slides/slide22.xml><?xml version="1.0" encoding="utf-8"?>
+<p:sld xmlns:a="http://schemas.openxmlformats.org/drawingml/2006/main" xmlns:r="http://schemas.openxmlformats.org/officeDocument/2006/relationships" xmlns:p="http://schemas.openxmlformats.org/presentationml/2006/main">
+  <p:cSld>
+    <p:spTree>
+      <p:nvGrpSpPr>
+        <p:cNvPr id="1" name=""/>
+        <p:cNvGrpSpPr/>
+        <p:nvPr/>
+      </p:nvGrpSpPr>
+      <p:grpSpPr>
+        <a:xfrm>
+          <a:off x="0" y="0"/>
+          <a:ext cx="0" cy="0"/>
+          <a:chOff x="0" y="0"/>
+          <a:chExt cx="0" cy="0"/>
+        </a:xfrm>
+      </p:grpSpPr>
+      <p:sp>
+        <p:nvSpPr>
+          <p:cNvPr id="2" name="Title 1"/>
+          <p:cNvSpPr>
+            <a:spLocks noGrp="1"/>
+          </p:cNvSpPr>
+          <p:nvPr>
+            <p:ph type="title"/>
+          </p:nvPr>
+        </p:nvSpPr>
+        <p:spPr/>
+        <p:txBody>
+          <a:bodyPr/>
+          <a:lstStyle/>
+          <a:p>
+            <a:pPr algn="ctr"/>
+            <a:r>
+              <a:rPr lang="en-US" dirty="0"/>
+              <a:t>For a better </a:t>
+            </a:r>
+            <a:r>
+              <a:rPr lang="en-US" dirty="0" smtClean="0"/>
+              <a:t>understanding, look at the below image.</a:t>
+            </a:r>
+            <a:endParaRPr lang="en-US" dirty="0"/>
+          </a:p>
+        </p:txBody>
+      </p:sp>
+      <p:pic>
+        <p:nvPicPr>
+          <p:cNvPr id="4" name="Content Placeholder 3"/>
+          <p:cNvPicPr>
+            <a:picLocks noGrp="1" noChangeAspect="1"/>
+          </p:cNvPicPr>
+          <p:nvPr>
+            <p:ph idx="1"/>
+          </p:nvPr>
+        </p:nvPicPr>
+        <p:blipFill>
+          <a:blip r:embed="rId2">
+            <a:extLst>
+              <a:ext uri="{28A0092B-C50C-407E-A947-70E740481C1C}">
+                <a14:useLocalDpi xmlns:a14="http://schemas.microsoft.com/office/drawing/2010/main" val="0"/>
+              </a:ext>
+            </a:extLst>
+          </a:blip>
+          <a:stretch>
+            <a:fillRect/>
+          </a:stretch>
+        </p:blipFill>
+        <p:spPr>
+          <a:xfrm>
+            <a:off x="1573116" y="2160588"/>
+            <a:ext cx="6805806" cy="3881437"/>
+          </a:xfrm>
+        </p:spPr>
+      </p:pic>
+    </p:spTree>
+    <p:extLst>
+      <p:ext uri="{BB962C8B-B14F-4D97-AF65-F5344CB8AC3E}">
+        <p14:creationId xmlns:p14="http://schemas.microsoft.com/office/powerpoint/2010/main" val="2474305063"/>
+      </p:ext>
+    </p:extLst>
+  </p:cSld>
+  <p:clrMapOvr>
+    <a:masterClrMapping/>
+  </p:clrMapOvr>
+  <p:timing>
+    <p:tnLst>
+      <p:par>
+        <p:cTn id="1" dur="indefinite" restart="never" nodeType="tmRoot"/>
+      </p:par>
+    </p:tnLst>
+  </p:timing>
+</p:sld>
+</file>
+
+<file path=ppt/slides/slide23.xml><?xml version="1.0" encoding="utf-8"?>
+<p:sld xmlns:a="http://schemas.openxmlformats.org/drawingml/2006/main" xmlns:r="http://schemas.openxmlformats.org/officeDocument/2006/relationships" xmlns:p="http://schemas.openxmlformats.org/presentationml/2006/main">
+  <p:cSld>
+    <p:spTree>
+      <p:nvGrpSpPr>
+        <p:cNvPr id="1" name=""/>
+        <p:cNvGrpSpPr/>
+        <p:nvPr/>
+      </p:nvGrpSpPr>
+      <p:grpSpPr>
+        <a:xfrm>
+          <a:off x="0" y="0"/>
+          <a:ext cx="0" cy="0"/>
+          <a:chOff x="0" y="0"/>
+          <a:chExt cx="0" cy="0"/>
+        </a:xfrm>
+      </p:grpSpPr>
+      <p:sp>
+        <p:nvSpPr>
+          <p:cNvPr id="2" name="Title 1"/>
+          <p:cNvSpPr>
+            <a:spLocks noGrp="1"/>
+          </p:cNvSpPr>
+          <p:nvPr>
+            <p:ph type="title"/>
+          </p:nvPr>
+        </p:nvSpPr>
+        <p:spPr/>
+        <p:txBody>
+          <a:bodyPr/>
+          <a:lstStyle/>
+          <a:p>
+            <a:pPr algn="ctr"/>
+            <a:r>
+              <a:rPr lang="en-US" dirty="0" smtClean="0"/>
+              <a:t>ORDER LIST</a:t>
+            </a:r>
+            <a:endParaRPr lang="en-US" dirty="0"/>
+          </a:p>
+        </p:txBody>
+      </p:sp>
+      <p:sp>
+        <p:nvSpPr>
+          <p:cNvPr id="3" name="Content Placeholder 2"/>
+          <p:cNvSpPr>
+            <a:spLocks noGrp="1"/>
+          </p:cNvSpPr>
+          <p:nvPr>
+            <p:ph idx="1"/>
+          </p:nvPr>
+        </p:nvSpPr>
+        <p:spPr/>
+        <p:txBody>
+          <a:bodyPr/>
+          <a:lstStyle/>
+          <a:p>
+            <a:r>
+              <a:rPr lang="en-US" dirty="0" smtClean="0"/>
+              <a:t>Order list is used to display list elements in numbered or alphabetical format.</a:t>
+            </a:r>
+          </a:p>
+          <a:p>
+            <a:r>
+              <a:rPr lang="en-US" dirty="0" smtClean="0"/>
+              <a:t>We can display list elements in numerical numbers, alphabets and roman numbers.</a:t>
+            </a:r>
+          </a:p>
+          <a:p>
+            <a:r>
+              <a:rPr lang="en-US" sz="2000" b="1" u="sng" dirty="0" smtClean="0">
+                <a:solidFill>
+                  <a:schemeClr val="bg2">
+                    <a:lumMod val="75000"/>
+                  </a:schemeClr>
+                </a:solidFill>
+              </a:rPr>
+              <a:t>Order list syntax:</a:t>
+            </a:r>
+          </a:p>
+          <a:p>
+            <a:pPr lvl="1" fontAlgn="base"/>
+            <a:r>
+              <a:rPr lang="it-IT" b="1" dirty="0"/>
+              <a:t>&lt;ol&gt;</a:t>
+            </a:r>
+            <a:endParaRPr lang="it-IT" dirty="0"/>
+          </a:p>
+          <a:p>
+            <a:pPr lvl="2" fontAlgn="base"/>
+            <a:r>
+              <a:rPr lang="it-IT" b="1" dirty="0" smtClean="0"/>
+              <a:t>&lt;</a:t>
+            </a:r>
+            <a:r>
+              <a:rPr lang="it-IT" b="1" dirty="0"/>
+              <a:t>li&gt;</a:t>
+            </a:r>
+            <a:r>
+              <a:rPr lang="it-IT" dirty="0"/>
+              <a:t>Item 1</a:t>
+            </a:r>
+            <a:r>
+              <a:rPr lang="it-IT" b="1" dirty="0"/>
+              <a:t>&lt;/li&gt;</a:t>
+            </a:r>
+            <a:endParaRPr lang="it-IT" dirty="0"/>
+          </a:p>
+          <a:p>
+            <a:pPr lvl="2" fontAlgn="base"/>
+            <a:r>
+              <a:rPr lang="it-IT" b="1" dirty="0" smtClean="0"/>
+              <a:t>&lt;</a:t>
+            </a:r>
+            <a:r>
+              <a:rPr lang="it-IT" b="1" dirty="0"/>
+              <a:t>li&gt;</a:t>
+            </a:r>
+            <a:r>
+              <a:rPr lang="it-IT" dirty="0"/>
+              <a:t>Item 2</a:t>
+            </a:r>
+            <a:r>
+              <a:rPr lang="it-IT" b="1" dirty="0"/>
+              <a:t>&lt;/li&gt;</a:t>
+            </a:r>
+            <a:endParaRPr lang="it-IT" dirty="0"/>
+          </a:p>
+          <a:p>
+            <a:pPr lvl="2" fontAlgn="base"/>
+            <a:r>
+              <a:rPr lang="it-IT" b="1" dirty="0"/>
+              <a:t>&lt;li&gt;</a:t>
+            </a:r>
+            <a:r>
+              <a:rPr lang="it-IT" dirty="0"/>
+              <a:t>Item 3</a:t>
+            </a:r>
+            <a:r>
+              <a:rPr lang="it-IT" b="1" dirty="0"/>
+              <a:t>&lt;/li&gt;</a:t>
+            </a:r>
+            <a:endParaRPr lang="it-IT" dirty="0"/>
+          </a:p>
+          <a:p>
+            <a:pPr lvl="1" fontAlgn="base"/>
+            <a:r>
+              <a:rPr lang="it-IT" b="1" dirty="0"/>
+              <a:t>&lt;/ol&gt;</a:t>
+            </a:r>
+            <a:r>
+              <a:rPr lang="it-IT" dirty="0"/>
+              <a:t> </a:t>
+            </a:r>
+          </a:p>
+          <a:p>
+            <a:pPr lvl="3"/>
+            <a:endParaRPr lang="en-US" dirty="0"/>
+          </a:p>
+        </p:txBody>
+      </p:sp>
+    </p:spTree>
+    <p:extLst>
+      <p:ext uri="{BB962C8B-B14F-4D97-AF65-F5344CB8AC3E}">
+        <p14:creationId xmlns:p14="http://schemas.microsoft.com/office/powerpoint/2010/main" val="3423512933"/>
+      </p:ext>
+    </p:extLst>
+  </p:cSld>
+  <p:clrMapOvr>
+    <a:masterClrMapping/>
+  </p:clrMapOvr>
+  <p:timing>
+    <p:tnLst>
+      <p:par>
+        <p:cTn id="1" dur="indefinite" restart="never" nodeType="tmRoot"/>
+      </p:par>
+    </p:tnLst>
+  </p:timing>
+</p:sld>
+</file>
+
+<file path=ppt/slides/slide24.xml><?xml version="1.0" encoding="utf-8"?>
+<p:sld xmlns:a="http://schemas.openxmlformats.org/drawingml/2006/main" xmlns:r="http://schemas.openxmlformats.org/officeDocument/2006/relationships" xmlns:p="http://schemas.openxmlformats.org/presentationml/2006/main">
+  <p:cSld>
+    <p:spTree>
+      <p:nvGrpSpPr>
+        <p:cNvPr id="1" name=""/>
+        <p:cNvGrpSpPr/>
+        <p:nvPr/>
+      </p:nvGrpSpPr>
+      <p:grpSpPr>
+        <a:xfrm>
+          <a:off x="0" y="0"/>
+          <a:ext cx="0" cy="0"/>
+          <a:chOff x="0" y="0"/>
+          <a:chExt cx="0" cy="0"/>
+        </a:xfrm>
+      </p:grpSpPr>
+      <p:sp>
+        <p:nvSpPr>
+          <p:cNvPr id="3" name="Content Placeholder 2"/>
+          <p:cNvSpPr>
+            <a:spLocks noGrp="1"/>
+          </p:cNvSpPr>
+          <p:nvPr>
+            <p:ph idx="1"/>
+          </p:nvPr>
+        </p:nvSpPr>
+        <p:spPr>
+          <a:xfrm>
+            <a:off x="947791" y="1996226"/>
+            <a:ext cx="8596668" cy="3245476"/>
+          </a:xfrm>
+        </p:spPr>
+        <p:txBody>
+          <a:bodyPr/>
+          <a:lstStyle/>
+          <a:p>
+            <a:r>
+              <a:rPr lang="en-US" b="1" dirty="0">
+                <a:solidFill>
+                  <a:schemeClr val="bg2">
+                    <a:lumMod val="75000"/>
+                  </a:schemeClr>
+                </a:solidFill>
+              </a:rPr>
+              <a:t>There are a total of five numbering types in an ordered list</a:t>
+            </a:r>
+            <a:r>
+              <a:rPr lang="en-US" b="1" dirty="0" smtClean="0">
+                <a:solidFill>
+                  <a:schemeClr val="bg2">
+                    <a:lumMod val="75000"/>
+                  </a:schemeClr>
+                </a:solidFill>
+              </a:rPr>
+              <a:t>.</a:t>
+            </a:r>
+          </a:p>
+          <a:p>
+            <a:pPr lvl="1"/>
+            <a:r>
+              <a:rPr lang="en-US" b="1" dirty="0" smtClean="0">
+                <a:solidFill>
+                  <a:schemeClr val="bg2">
+                    <a:lumMod val="75000"/>
+                  </a:schemeClr>
+                </a:solidFill>
+              </a:rPr>
+              <a:t>1. </a:t>
+            </a:r>
+            <a:r>
+              <a:rPr lang="en-US" dirty="0"/>
+              <a:t>Numbers are defined by type=”1”</a:t>
+            </a:r>
+          </a:p>
+          <a:p>
+            <a:pPr lvl="1"/>
+            <a:r>
+              <a:rPr lang="en-US" dirty="0" smtClean="0"/>
+              <a:t>2. Uppercase </a:t>
+            </a:r>
+            <a:r>
+              <a:rPr lang="en-US" dirty="0"/>
+              <a:t>Letters are defined by type=” A</a:t>
+            </a:r>
+            <a:r>
+              <a:rPr lang="en-US" dirty="0" smtClean="0"/>
+              <a:t>”</a:t>
+            </a:r>
+          </a:p>
+          <a:p>
+            <a:pPr lvl="1"/>
+            <a:r>
+              <a:rPr lang="en-US" dirty="0" smtClean="0"/>
+              <a:t>3. </a:t>
+            </a:r>
+            <a:r>
+              <a:rPr lang="en-US" dirty="0"/>
+              <a:t>Lowercase letters are defined by type=” a”</a:t>
+            </a:r>
+          </a:p>
+          <a:p>
+            <a:pPr lvl="1"/>
+            <a:r>
+              <a:rPr lang="en-US" dirty="0" smtClean="0"/>
+              <a:t>4. </a:t>
+            </a:r>
+            <a:r>
+              <a:rPr lang="en-US" dirty="0"/>
+              <a:t>Uppercase Roman Numbers are defined by type=” I”</a:t>
+            </a:r>
+          </a:p>
+          <a:p>
+            <a:pPr lvl="1"/>
+            <a:r>
+              <a:rPr lang="en-US" dirty="0" smtClean="0"/>
+              <a:t>5. </a:t>
+            </a:r>
+            <a:r>
+              <a:rPr lang="en-US" dirty="0"/>
+              <a:t>Lowercase Roman Numbers are defined by type=” i”</a:t>
+            </a:r>
+          </a:p>
+          <a:p>
+            <a:pPr marL="457200" lvl="1" indent="0">
+              <a:buNone/>
+            </a:pPr>
+            <a:endParaRPr lang="en-US" dirty="0"/>
+          </a:p>
+          <a:p>
+            <a:pPr lvl="1"/>
+            <a:endParaRPr lang="en-US" b="1" dirty="0">
+              <a:solidFill>
+                <a:schemeClr val="bg2">
+                  <a:lumMod val="75000"/>
+                </a:schemeClr>
+              </a:solidFill>
+            </a:endParaRPr>
+          </a:p>
+        </p:txBody>
+      </p:sp>
+    </p:spTree>
+    <p:extLst>
+      <p:ext uri="{BB962C8B-B14F-4D97-AF65-F5344CB8AC3E}">
+        <p14:creationId xmlns:p14="http://schemas.microsoft.com/office/powerpoint/2010/main" val="4182448195"/>
+      </p:ext>
+    </p:extLst>
+  </p:cSld>
+  <p:clrMapOvr>
+    <a:masterClrMapping/>
+  </p:clrMapOvr>
+  <p:timing>
+    <p:tnLst>
+      <p:par>
+        <p:cTn id="1" dur="indefinite" restart="never" nodeType="tmRoot"/>
+      </p:par>
+    </p:tnLst>
+  </p:timing>
+</p:sld>
+</file>
+
+<file path=ppt/slides/slide25.xml><?xml version="1.0" encoding="utf-8"?>
+<p:sld xmlns:a="http://schemas.openxmlformats.org/drawingml/2006/main" xmlns:r="http://schemas.openxmlformats.org/officeDocument/2006/relationships" xmlns:p="http://schemas.openxmlformats.org/presentationml/2006/main">
+  <p:cSld>
+    <p:spTree>
+      <p:nvGrpSpPr>
+        <p:cNvPr id="1" name=""/>
+        <p:cNvGrpSpPr/>
+        <p:nvPr/>
+      </p:nvGrpSpPr>
+      <p:grpSpPr>
+        <a:xfrm>
+          <a:off x="0" y="0"/>
+          <a:ext cx="0" cy="0"/>
+          <a:chOff x="0" y="0"/>
+          <a:chExt cx="0" cy="0"/>
+        </a:xfrm>
+      </p:grpSpPr>
+      <p:sp>
+        <p:nvSpPr>
+          <p:cNvPr id="3" name="Content Placeholder 2"/>
+          <p:cNvSpPr>
+            <a:spLocks noGrp="1"/>
+          </p:cNvSpPr>
+          <p:nvPr>
+            <p:ph idx="1"/>
+          </p:nvPr>
+        </p:nvSpPr>
+        <p:spPr>
+          <a:xfrm>
+            <a:off x="780365" y="396184"/>
+            <a:ext cx="8596668" cy="4697410"/>
+          </a:xfrm>
+        </p:spPr>
+        <p:txBody>
+          <a:bodyPr>
+            <a:noAutofit/>
+          </a:bodyPr>
+          <a:lstStyle/>
+          <a:p>
+            <a:pPr fontAlgn="base"/>
+            <a:r>
+              <a:rPr lang="it-IT" sz="800" b="1" dirty="0"/>
+              <a:t>&lt;ol</a:t>
+            </a:r>
+            <a:r>
+              <a:rPr lang="it-IT" sz="800" dirty="0"/>
+              <a:t> type="1"</a:t>
+            </a:r>
+            <a:r>
+              <a:rPr lang="it-IT" sz="800" b="1" dirty="0"/>
+              <a:t>&gt;</a:t>
+            </a:r>
+            <a:endParaRPr lang="it-IT" sz="800" dirty="0"/>
+          </a:p>
+          <a:p>
+            <a:pPr fontAlgn="base"/>
+            <a:r>
+              <a:rPr lang="it-IT" sz="800" b="1" dirty="0"/>
+              <a:t>&lt;li&gt;</a:t>
+            </a:r>
+            <a:r>
+              <a:rPr lang="it-IT" sz="800" dirty="0"/>
+              <a:t>Item 1</a:t>
+            </a:r>
+            <a:r>
+              <a:rPr lang="it-IT" sz="800" b="1" dirty="0"/>
+              <a:t>&lt;/li&gt;</a:t>
+            </a:r>
+            <a:endParaRPr lang="it-IT" sz="800" dirty="0"/>
+          </a:p>
+          <a:p>
+            <a:pPr fontAlgn="base"/>
+            <a:r>
+              <a:rPr lang="it-IT" sz="800" b="1" dirty="0"/>
+              <a:t>&lt;li&gt;</a:t>
+            </a:r>
+            <a:r>
+              <a:rPr lang="it-IT" sz="800" dirty="0"/>
+              <a:t>Item 2</a:t>
+            </a:r>
+            <a:r>
+              <a:rPr lang="it-IT" sz="800" b="1" dirty="0"/>
+              <a:t>&lt;/li&gt;</a:t>
+            </a:r>
+            <a:endParaRPr lang="it-IT" sz="800" dirty="0"/>
+          </a:p>
+          <a:p>
+            <a:pPr fontAlgn="base"/>
+            <a:r>
+              <a:rPr lang="it-IT" sz="800" b="1" dirty="0"/>
+              <a:t>&lt;li&gt;</a:t>
+            </a:r>
+            <a:r>
+              <a:rPr lang="it-IT" sz="800" dirty="0"/>
+              <a:t>Item 3</a:t>
+            </a:r>
+            <a:r>
+              <a:rPr lang="it-IT" sz="800" b="1" dirty="0"/>
+              <a:t>&lt;/li&gt;</a:t>
+            </a:r>
+            <a:endParaRPr lang="it-IT" sz="800" dirty="0"/>
+          </a:p>
+          <a:p>
+            <a:pPr fontAlgn="base"/>
+            <a:r>
+              <a:rPr lang="it-IT" sz="800" b="1" dirty="0"/>
+              <a:t>&lt;/ol&gt;</a:t>
+            </a:r>
+            <a:r>
+              <a:rPr lang="it-IT" sz="800" dirty="0"/>
+              <a:t> </a:t>
+            </a:r>
+          </a:p>
+          <a:p>
+            <a:pPr fontAlgn="base"/>
+            <a:r>
+              <a:rPr lang="it-IT" sz="800" b="1" dirty="0"/>
+              <a:t>&lt;ol</a:t>
+            </a:r>
+            <a:r>
+              <a:rPr lang="it-IT" sz="800" dirty="0"/>
+              <a:t> type="A"</a:t>
+            </a:r>
+            <a:r>
+              <a:rPr lang="it-IT" sz="800" b="1" dirty="0"/>
+              <a:t>&gt;</a:t>
+            </a:r>
+            <a:endParaRPr lang="it-IT" sz="800" dirty="0"/>
+          </a:p>
+          <a:p>
+            <a:pPr fontAlgn="base"/>
+            <a:r>
+              <a:rPr lang="it-IT" sz="800" b="1" dirty="0"/>
+              <a:t>&lt;li&gt;</a:t>
+            </a:r>
+            <a:r>
+              <a:rPr lang="it-IT" sz="800" dirty="0"/>
+              <a:t>Item 1</a:t>
+            </a:r>
+            <a:r>
+              <a:rPr lang="it-IT" sz="800" b="1" dirty="0"/>
+              <a:t>&lt;/li&gt;</a:t>
+            </a:r>
+            <a:endParaRPr lang="it-IT" sz="800" dirty="0"/>
+          </a:p>
+          <a:p>
+            <a:pPr fontAlgn="base"/>
+            <a:r>
+              <a:rPr lang="it-IT" sz="800" b="1" dirty="0"/>
+              <a:t>&lt;li&gt;</a:t>
+            </a:r>
+            <a:r>
+              <a:rPr lang="it-IT" sz="800" dirty="0"/>
+              <a:t>Item 2</a:t>
+            </a:r>
+            <a:r>
+              <a:rPr lang="it-IT" sz="800" b="1" dirty="0"/>
+              <a:t>&lt;/li&gt;</a:t>
+            </a:r>
+            <a:endParaRPr lang="it-IT" sz="800" dirty="0"/>
+          </a:p>
+          <a:p>
+            <a:pPr fontAlgn="base"/>
+            <a:r>
+              <a:rPr lang="it-IT" sz="800" b="1" dirty="0"/>
+              <a:t>&lt;li&gt;</a:t>
+            </a:r>
+            <a:r>
+              <a:rPr lang="it-IT" sz="800" dirty="0"/>
+              <a:t>Item 3</a:t>
+            </a:r>
+            <a:r>
+              <a:rPr lang="it-IT" sz="800" b="1" dirty="0"/>
+              <a:t>&lt;/li&gt;</a:t>
+            </a:r>
+            <a:endParaRPr lang="it-IT" sz="800" dirty="0"/>
+          </a:p>
+          <a:p>
+            <a:pPr fontAlgn="base"/>
+            <a:r>
+              <a:rPr lang="it-IT" sz="800" b="1" dirty="0"/>
+              <a:t>&lt;/ol&gt;</a:t>
+            </a:r>
+            <a:r>
+              <a:rPr lang="it-IT" sz="800" dirty="0"/>
+              <a:t> </a:t>
+            </a:r>
+          </a:p>
+          <a:p>
+            <a:pPr fontAlgn="base"/>
+            <a:r>
+              <a:rPr lang="it-IT" sz="800" b="1" dirty="0"/>
+              <a:t>&lt;ol</a:t>
+            </a:r>
+            <a:r>
+              <a:rPr lang="it-IT" sz="800" dirty="0"/>
+              <a:t> type="a"</a:t>
+            </a:r>
+            <a:r>
+              <a:rPr lang="it-IT" sz="800" b="1" dirty="0"/>
+              <a:t>&gt;</a:t>
+            </a:r>
+            <a:endParaRPr lang="it-IT" sz="800" dirty="0"/>
+          </a:p>
+          <a:p>
+            <a:pPr fontAlgn="base"/>
+            <a:r>
+              <a:rPr lang="it-IT" sz="800" b="1" dirty="0"/>
+              <a:t>&lt;li&gt;</a:t>
+            </a:r>
+            <a:r>
+              <a:rPr lang="it-IT" sz="800" dirty="0"/>
+              <a:t>Item 1</a:t>
+            </a:r>
+            <a:r>
+              <a:rPr lang="it-IT" sz="800" b="1" dirty="0"/>
+              <a:t>&lt;/li&gt;</a:t>
+            </a:r>
+            <a:endParaRPr lang="it-IT" sz="800" dirty="0"/>
+          </a:p>
+          <a:p>
+            <a:pPr fontAlgn="base"/>
+            <a:r>
+              <a:rPr lang="it-IT" sz="800" b="1" dirty="0"/>
+              <a:t>&lt;li&gt;</a:t>
+            </a:r>
+            <a:r>
+              <a:rPr lang="it-IT" sz="800" dirty="0"/>
+              <a:t>Item 2</a:t>
+            </a:r>
+            <a:r>
+              <a:rPr lang="it-IT" sz="800" b="1" dirty="0"/>
+              <a:t>&lt;/li&gt;</a:t>
+            </a:r>
+            <a:endParaRPr lang="it-IT" sz="800" dirty="0"/>
+          </a:p>
+          <a:p>
+            <a:pPr fontAlgn="base"/>
+            <a:r>
+              <a:rPr lang="it-IT" sz="800" b="1" dirty="0"/>
+              <a:t>&lt;li&gt;</a:t>
+            </a:r>
+            <a:r>
+              <a:rPr lang="it-IT" sz="800" dirty="0"/>
+              <a:t>Item 3</a:t>
+            </a:r>
+            <a:r>
+              <a:rPr lang="it-IT" sz="800" b="1" dirty="0"/>
+              <a:t>&lt;/li&gt;</a:t>
+            </a:r>
+            <a:endParaRPr lang="it-IT" sz="800" dirty="0"/>
+          </a:p>
+          <a:p>
+            <a:pPr fontAlgn="base"/>
+            <a:r>
+              <a:rPr lang="it-IT" sz="800" b="1" dirty="0"/>
+              <a:t>&lt;/ol&gt;</a:t>
+            </a:r>
+            <a:endParaRPr lang="it-IT" sz="800" dirty="0"/>
+          </a:p>
+          <a:p>
+            <a:pPr fontAlgn="base"/>
+            <a:r>
+              <a:rPr lang="it-IT" sz="800" b="1" dirty="0"/>
+              <a:t>&lt;ol</a:t>
+            </a:r>
+            <a:r>
+              <a:rPr lang="it-IT" sz="800" dirty="0"/>
+              <a:t> type="I"</a:t>
+            </a:r>
+            <a:r>
+              <a:rPr lang="it-IT" sz="800" b="1" dirty="0"/>
+              <a:t>&gt;</a:t>
+            </a:r>
+            <a:endParaRPr lang="it-IT" sz="800" dirty="0"/>
+          </a:p>
+          <a:p>
+            <a:pPr fontAlgn="base"/>
+            <a:r>
+              <a:rPr lang="it-IT" sz="800" b="1" dirty="0"/>
+              <a:t>&lt;li&gt;</a:t>
+            </a:r>
+            <a:r>
+              <a:rPr lang="it-IT" sz="800" dirty="0"/>
+              <a:t>Item 1</a:t>
+            </a:r>
+            <a:r>
+              <a:rPr lang="it-IT" sz="800" b="1" dirty="0"/>
+              <a:t>&lt;/li&gt;</a:t>
+            </a:r>
+            <a:endParaRPr lang="it-IT" sz="800" dirty="0"/>
+          </a:p>
+          <a:p>
+            <a:pPr fontAlgn="base"/>
+            <a:r>
+              <a:rPr lang="it-IT" sz="800" b="1" dirty="0"/>
+              <a:t>&lt;li&gt;</a:t>
+            </a:r>
+            <a:r>
+              <a:rPr lang="it-IT" sz="800" dirty="0"/>
+              <a:t>Item 2</a:t>
+            </a:r>
+            <a:r>
+              <a:rPr lang="it-IT" sz="800" b="1" dirty="0"/>
+              <a:t>&lt;/li&gt;</a:t>
+            </a:r>
+            <a:endParaRPr lang="it-IT" sz="800" dirty="0"/>
+          </a:p>
+          <a:p>
+            <a:pPr fontAlgn="base"/>
+            <a:r>
+              <a:rPr lang="it-IT" sz="800" b="1" dirty="0"/>
+              <a:t>&lt;li&gt;</a:t>
+            </a:r>
+            <a:r>
+              <a:rPr lang="it-IT" sz="800" dirty="0"/>
+              <a:t>Item 3</a:t>
+            </a:r>
+            <a:r>
+              <a:rPr lang="it-IT" sz="800" b="1" dirty="0"/>
+              <a:t>&lt;/li&gt;</a:t>
+            </a:r>
+            <a:endParaRPr lang="it-IT" sz="800" dirty="0"/>
+          </a:p>
+          <a:p>
+            <a:pPr fontAlgn="base"/>
+            <a:r>
+              <a:rPr lang="it-IT" sz="800" b="1" dirty="0"/>
+              <a:t>&lt;/ol&gt;</a:t>
+            </a:r>
+            <a:r>
+              <a:rPr lang="it-IT" sz="800" dirty="0"/>
+              <a:t> </a:t>
+            </a:r>
+          </a:p>
+          <a:p>
+            <a:pPr fontAlgn="base"/>
+            <a:r>
+              <a:rPr lang="it-IT" sz="800" b="1" dirty="0"/>
+              <a:t>&lt;ol</a:t>
+            </a:r>
+            <a:r>
+              <a:rPr lang="it-IT" sz="800" dirty="0"/>
+              <a:t> type="i"</a:t>
+            </a:r>
+            <a:r>
+              <a:rPr lang="it-IT" sz="800" b="1" dirty="0"/>
+              <a:t>&gt;</a:t>
+            </a:r>
+            <a:endParaRPr lang="it-IT" sz="800" dirty="0"/>
+          </a:p>
+          <a:p>
+            <a:pPr fontAlgn="base"/>
+            <a:r>
+              <a:rPr lang="it-IT" sz="800" b="1" dirty="0"/>
+              <a:t>&lt;li&gt;</a:t>
+            </a:r>
+            <a:r>
+              <a:rPr lang="it-IT" sz="800" dirty="0"/>
+              <a:t>Item 1</a:t>
+            </a:r>
+            <a:r>
+              <a:rPr lang="it-IT" sz="800" b="1" dirty="0"/>
+              <a:t>&lt;/li&gt;</a:t>
+            </a:r>
+            <a:endParaRPr lang="it-IT" sz="800" dirty="0"/>
+          </a:p>
+          <a:p>
+            <a:pPr fontAlgn="base"/>
+            <a:r>
+              <a:rPr lang="it-IT" sz="800" b="1" dirty="0"/>
+              <a:t>&lt;li&gt;</a:t>
+            </a:r>
+            <a:r>
+              <a:rPr lang="it-IT" sz="800" dirty="0"/>
+              <a:t>Item 2</a:t>
+            </a:r>
+            <a:r>
+              <a:rPr lang="it-IT" sz="800" b="1" dirty="0"/>
+              <a:t>&lt;/li&gt;</a:t>
+            </a:r>
+            <a:endParaRPr lang="it-IT" sz="800" dirty="0"/>
+          </a:p>
+          <a:p>
+            <a:pPr fontAlgn="base"/>
+            <a:r>
+              <a:rPr lang="it-IT" sz="800" b="1" dirty="0"/>
+              <a:t>&lt;li&gt;</a:t>
+            </a:r>
+            <a:r>
+              <a:rPr lang="it-IT" sz="800" dirty="0"/>
+              <a:t>Item 3</a:t>
+            </a:r>
+            <a:r>
+              <a:rPr lang="it-IT" sz="800" b="1" dirty="0"/>
+              <a:t>&lt;/li&gt;</a:t>
+            </a:r>
+            <a:endParaRPr lang="it-IT" sz="800" dirty="0"/>
+          </a:p>
+          <a:p>
+            <a:pPr fontAlgn="base"/>
+            <a:r>
+              <a:rPr lang="it-IT" sz="800" b="1" dirty="0"/>
+              <a:t>&lt;/ol&gt;</a:t>
+            </a:r>
+            <a:r>
+              <a:rPr lang="it-IT" sz="800" dirty="0"/>
+              <a:t> </a:t>
+            </a:r>
+          </a:p>
+          <a:p>
+            <a:endParaRPr lang="en-US" sz="800" dirty="0"/>
+          </a:p>
+        </p:txBody>
+      </p:sp>
+    </p:spTree>
+    <p:extLst>
+      <p:ext uri="{BB962C8B-B14F-4D97-AF65-F5344CB8AC3E}">
+        <p14:creationId xmlns:p14="http://schemas.microsoft.com/office/powerpoint/2010/main" val="3618479848"/>
+      </p:ext>
+    </p:extLst>
+  </p:cSld>
+  <p:clrMapOvr>
+    <a:masterClrMapping/>
+  </p:clrMapOvr>
+  <p:timing>
+    <p:tnLst>
+      <p:par>
+        <p:cTn id="1" dur="indefinite" restart="never" nodeType="tmRoot"/>
+      </p:par>
+    </p:tnLst>
+  </p:timing>
+</p:sld>
+</file>
+
+<file path=ppt/slides/slide26.xml><?xml version="1.0" encoding="utf-8"?>
+<p:sld xmlns:a="http://schemas.openxmlformats.org/drawingml/2006/main" xmlns:r="http://schemas.openxmlformats.org/officeDocument/2006/relationships" xmlns:p="http://schemas.openxmlformats.org/presentationml/2006/main">
+  <p:cSld>
+    <p:spTree>
+      <p:nvGrpSpPr>
+        <p:cNvPr id="1" name=""/>
+        <p:cNvGrpSpPr/>
+        <p:nvPr/>
+      </p:nvGrpSpPr>
+      <p:grpSpPr>
+        <a:xfrm>
+          <a:off x="0" y="0"/>
+          <a:ext cx="0" cy="0"/>
+          <a:chOff x="0" y="0"/>
+          <a:chExt cx="0" cy="0"/>
+        </a:xfrm>
+      </p:grpSpPr>
+      <p:sp>
+        <p:nvSpPr>
+          <p:cNvPr id="2" name="Title 1"/>
+          <p:cNvSpPr>
+            <a:spLocks noGrp="1"/>
+          </p:cNvSpPr>
+          <p:nvPr>
+            <p:ph type="title"/>
+          </p:nvPr>
+        </p:nvSpPr>
+        <p:spPr>
+          <a:xfrm>
+            <a:off x="867997" y="1923245"/>
+            <a:ext cx="8596668" cy="1320800"/>
+          </a:xfrm>
+        </p:spPr>
+        <p:txBody>
+          <a:bodyPr>
+            <a:normAutofit/>
+          </a:bodyPr>
+          <a:lstStyle/>
+          <a:p>
+            <a:r>
+              <a:rPr lang="en-US" sz="5400" dirty="0" smtClean="0"/>
+              <a:t>Output:</a:t>
+            </a:r>
+            <a:endParaRPr lang="en-US" sz="5400" dirty="0"/>
+          </a:p>
+        </p:txBody>
+      </p:sp>
+      <p:pic>
+        <p:nvPicPr>
+          <p:cNvPr id="4" name="Content Placeholder 3"/>
+          <p:cNvPicPr>
+            <a:picLocks noGrp="1" noChangeAspect="1"/>
+          </p:cNvPicPr>
+          <p:nvPr>
+            <p:ph idx="1"/>
+          </p:nvPr>
+        </p:nvPicPr>
+        <p:blipFill>
+          <a:blip r:embed="rId2">
+            <a:extLst>
+              <a:ext uri="{28A0092B-C50C-407E-A947-70E740481C1C}">
+                <a14:useLocalDpi xmlns:a14="http://schemas.microsoft.com/office/drawing/2010/main" val="0"/>
+              </a:ext>
+            </a:extLst>
+          </a:blip>
+          <a:stretch>
+            <a:fillRect/>
+          </a:stretch>
+        </p:blipFill>
+        <p:spPr>
+          <a:xfrm>
+            <a:off x="867997" y="2976014"/>
+            <a:ext cx="8215341" cy="1776290"/>
+          </a:xfrm>
+        </p:spPr>
+      </p:pic>
+    </p:spTree>
+    <p:extLst>
+      <p:ext uri="{BB962C8B-B14F-4D97-AF65-F5344CB8AC3E}">
+        <p14:creationId xmlns:p14="http://schemas.microsoft.com/office/powerpoint/2010/main" val="2691870715"/>
+      </p:ext>
+    </p:extLst>
+  </p:cSld>
+  <p:clrMapOvr>
+    <a:masterClrMapping/>
+  </p:clrMapOvr>
+  <p:timing>
+    <p:tnLst>
+      <p:par>
+        <p:cTn id="1" dur="indefinite" restart="never" nodeType="tmRoot"/>
+      </p:par>
+    </p:tnLst>
+  </p:timing>
+</p:sld>
+</file>
+
+<file path=ppt/slides/slide27.xml><?xml version="1.0" encoding="utf-8"?>
+<p:sld xmlns:a="http://schemas.openxmlformats.org/drawingml/2006/main" xmlns:r="http://schemas.openxmlformats.org/officeDocument/2006/relationships" xmlns:p="http://schemas.openxmlformats.org/presentationml/2006/main">
+  <p:cSld>
+    <p:spTree>
+      <p:nvGrpSpPr>
+        <p:cNvPr id="1" name=""/>
+        <p:cNvGrpSpPr/>
+        <p:nvPr/>
+      </p:nvGrpSpPr>
+      <p:grpSpPr>
+        <a:xfrm>
+          <a:off x="0" y="0"/>
+          <a:ext cx="0" cy="0"/>
+          <a:chOff x="0" y="0"/>
+          <a:chExt cx="0" cy="0"/>
+        </a:xfrm>
+      </p:grpSpPr>
+      <p:sp>
+        <p:nvSpPr>
+          <p:cNvPr id="2" name="Title 1"/>
+          <p:cNvSpPr>
+            <a:spLocks noGrp="1"/>
+          </p:cNvSpPr>
+          <p:nvPr>
+            <p:ph type="title"/>
+          </p:nvPr>
+        </p:nvSpPr>
+        <p:spPr/>
+        <p:txBody>
+          <a:bodyPr/>
+          <a:lstStyle/>
+          <a:p>
+            <a:pPr algn="ctr"/>
+            <a:r>
+              <a:rPr lang="en-US" dirty="0" smtClean="0"/>
+              <a:t>UNORDER LIST</a:t>
+            </a:r>
+            <a:endParaRPr lang="en-US" dirty="0"/>
+          </a:p>
+        </p:txBody>
+      </p:sp>
+      <p:sp>
+        <p:nvSpPr>
+          <p:cNvPr id="3" name="Content Placeholder 2"/>
+          <p:cNvSpPr>
+            <a:spLocks noGrp="1"/>
+          </p:cNvSpPr>
+          <p:nvPr>
+            <p:ph idx="1"/>
+          </p:nvPr>
+        </p:nvSpPr>
+        <p:spPr/>
+        <p:txBody>
+          <a:bodyPr/>
+          <a:lstStyle/>
+          <a:p>
+            <a:r>
+              <a:rPr lang="en-US" dirty="0"/>
+              <a:t>Unordered lists are used to display list elements in bullet format</a:t>
+            </a:r>
+            <a:r>
+              <a:rPr lang="en-US" dirty="0" smtClean="0"/>
+              <a:t>.</a:t>
+            </a:r>
+          </a:p>
+          <a:p>
+            <a:r>
+              <a:rPr lang="en-US" dirty="0"/>
+              <a:t>When we don’t need to display things in a precise order, we can use an unordered list</a:t>
+            </a:r>
+            <a:r>
+              <a:rPr lang="en-US" dirty="0" smtClean="0"/>
+              <a:t>.</a:t>
+            </a:r>
+          </a:p>
+          <a:p>
+            <a:r>
+              <a:rPr lang="en-US" u="sng" dirty="0" smtClean="0">
+                <a:solidFill>
+                  <a:schemeClr val="bg2">
+                    <a:lumMod val="75000"/>
+                  </a:schemeClr>
+                </a:solidFill>
+              </a:rPr>
+              <a:t>Unordered list syntax:</a:t>
+            </a:r>
+          </a:p>
+          <a:p>
+            <a:pPr lvl="1"/>
+            <a:r>
+              <a:rPr lang="en-US" dirty="0" smtClean="0"/>
+              <a:t>&lt;ul&gt;</a:t>
+            </a:r>
+          </a:p>
+          <a:p>
+            <a:pPr lvl="2"/>
+            <a:r>
+              <a:rPr lang="en-US" dirty="0"/>
+              <a:t>&lt;li&gt;item 1&lt;/li&gt;</a:t>
+            </a:r>
+          </a:p>
+          <a:p>
+            <a:pPr lvl="2"/>
+            <a:r>
+              <a:rPr lang="en-US" dirty="0"/>
+              <a:t>&lt;li&gt;item 2&lt;/li&gt;</a:t>
+            </a:r>
+          </a:p>
+          <a:p>
+            <a:pPr lvl="2"/>
+            <a:r>
+              <a:rPr lang="en-US" dirty="0"/>
+              <a:t>&lt;li&gt;item 3&lt;/li</a:t>
+            </a:r>
+            <a:r>
+              <a:rPr lang="en-US" dirty="0" smtClean="0"/>
+              <a:t>&gt;</a:t>
+            </a:r>
+          </a:p>
+          <a:p>
+            <a:pPr lvl="1"/>
+            <a:r>
+              <a:rPr lang="en-US" dirty="0" smtClean="0"/>
+              <a:t>&lt;/ul&gt;</a:t>
+            </a:r>
+            <a:endParaRPr lang="en-US" dirty="0"/>
+          </a:p>
+          <a:p>
+            <a:pPr lvl="2"/>
+            <a:r>
+              <a:rPr lang="en-US" dirty="0"/>
+              <a:t>By default, unordered list items are marked with bullets </a:t>
+            </a:r>
+            <a:r>
+              <a:rPr lang="en-US" dirty="0" smtClean="0"/>
+              <a:t>(•)</a:t>
+            </a:r>
+            <a:endParaRPr lang="en-US" dirty="0"/>
+          </a:p>
+          <a:p>
+            <a:pPr lvl="2"/>
+            <a:endParaRPr lang="en-US" dirty="0" smtClean="0"/>
+          </a:p>
+        </p:txBody>
+      </p:sp>
+      <p:pic>
+        <p:nvPicPr>
+          <p:cNvPr id="4" name="Picture 3"/>
+          <p:cNvPicPr>
+            <a:picLocks noChangeAspect="1"/>
+          </p:cNvPicPr>
+          <p:nvPr/>
+        </p:nvPicPr>
+        <p:blipFill>
+          <a:blip r:embed="rId2">
+            <a:extLst>
+              <a:ext uri="{28A0092B-C50C-407E-A947-70E740481C1C}">
+                <a14:useLocalDpi xmlns:a14="http://schemas.microsoft.com/office/drawing/2010/main" val="0"/>
+              </a:ext>
+            </a:extLst>
+          </a:blip>
+          <a:stretch>
+            <a:fillRect/>
+          </a:stretch>
+        </p:blipFill>
+        <p:spPr>
+          <a:xfrm>
+            <a:off x="3582271" y="5757201"/>
+            <a:ext cx="1266825" cy="1028700"/>
+          </a:xfrm>
+          <a:prstGeom prst="rect">
+            <a:avLst/>
+          </a:prstGeom>
+        </p:spPr>
+      </p:pic>
+    </p:spTree>
+    <p:extLst>
+      <p:ext uri="{BB962C8B-B14F-4D97-AF65-F5344CB8AC3E}">
+        <p14:creationId xmlns:p14="http://schemas.microsoft.com/office/powerpoint/2010/main" val="3446558636"/>
+      </p:ext>
+    </p:extLst>
+  </p:cSld>
+  <p:clrMapOvr>
+    <a:masterClrMapping/>
+  </p:clrMapOvr>
+  <p:timing>
+    <p:tnLst>
+      <p:par>
+        <p:cTn id="1" dur="indefinite" restart="never" nodeType="tmRoot"/>
+      </p:par>
+    </p:tnLst>
+  </p:timing>
+</p:sld>
+</file>
+
+<file path=ppt/slides/slide28.xml><?xml version="1.0" encoding="utf-8"?>
+<p:sld xmlns:a="http://schemas.openxmlformats.org/drawingml/2006/main" xmlns:r="http://schemas.openxmlformats.org/officeDocument/2006/relationships" xmlns:p="http://schemas.openxmlformats.org/presentationml/2006/main">
+  <p:cSld>
+    <p:spTree>
+      <p:nvGrpSpPr>
+        <p:cNvPr id="1" name=""/>
+        <p:cNvGrpSpPr/>
+        <p:nvPr/>
+      </p:nvGrpSpPr>
+      <p:grpSpPr>
+        <a:xfrm>
+          <a:off x="0" y="0"/>
+          <a:ext cx="0" cy="0"/>
+          <a:chOff x="0" y="0"/>
+          <a:chExt cx="0" cy="0"/>
+        </a:xfrm>
+      </p:grpSpPr>
+      <p:sp>
+        <p:nvSpPr>
+          <p:cNvPr id="3" name="Content Placeholder 2"/>
+          <p:cNvSpPr>
+            <a:spLocks noGrp="1"/>
+          </p:cNvSpPr>
+          <p:nvPr>
+            <p:ph idx="1"/>
+          </p:nvPr>
+        </p:nvSpPr>
+        <p:spPr>
+          <a:xfrm>
+            <a:off x="806123" y="1928770"/>
+            <a:ext cx="8596668" cy="3880773"/>
+          </a:xfrm>
+        </p:spPr>
+        <p:txBody>
+          <a:bodyPr/>
+          <a:lstStyle/>
+          <a:p>
+            <a:r>
+              <a:rPr lang="en-US" b="1" dirty="0">
+                <a:solidFill>
+                  <a:schemeClr val="bg2">
+                    <a:lumMod val="75000"/>
+                  </a:schemeClr>
+                </a:solidFill>
+              </a:rPr>
+              <a:t>Note:</a:t>
+            </a:r>
+            <a:r>
+              <a:rPr lang="en-US" dirty="0"/>
+              <a:t> </a:t>
+            </a:r>
+            <a:r>
+              <a:rPr lang="en-US" dirty="0">
+                <a:solidFill>
+                  <a:schemeClr val="tx1"/>
+                </a:solidFill>
+              </a:rPr>
+              <a:t>In HTML Unordered list, all the list items are marked with bullets. It is also known as a bulleted list also. The Unordered list starts with &lt;ul&gt; tag and list items start with the &lt;li&gt; tag</a:t>
+            </a:r>
+            <a:r>
+              <a:rPr lang="en-US" dirty="0" smtClean="0">
+                <a:solidFill>
+                  <a:schemeClr val="tx1"/>
+                </a:solidFill>
+              </a:rPr>
+              <a:t>.</a:t>
+            </a:r>
+          </a:p>
+          <a:p>
+            <a:pPr fontAlgn="base"/>
+            <a:r>
+              <a:rPr lang="en-US" dirty="0"/>
+              <a:t>There are four types of list bullets:</a:t>
+            </a:r>
+          </a:p>
+          <a:p>
+            <a:pPr lvl="1" fontAlgn="base"/>
+            <a:r>
+              <a:rPr lang="en-US" b="1" dirty="0"/>
+              <a:t>Disc</a:t>
+            </a:r>
+            <a:endParaRPr lang="en-US" dirty="0"/>
+          </a:p>
+          <a:p>
+            <a:pPr lvl="1" fontAlgn="base"/>
+            <a:r>
+              <a:rPr lang="en-US" b="1" dirty="0"/>
+              <a:t>Circle</a:t>
+            </a:r>
+            <a:endParaRPr lang="en-US" dirty="0"/>
+          </a:p>
+          <a:p>
+            <a:pPr lvl="1" fontAlgn="base"/>
+            <a:r>
+              <a:rPr lang="en-US" b="1" dirty="0"/>
+              <a:t>Square</a:t>
+            </a:r>
+            <a:endParaRPr lang="en-US" dirty="0"/>
+          </a:p>
+          <a:p>
+            <a:pPr lvl="1" fontAlgn="base"/>
+            <a:r>
+              <a:rPr lang="en-US" b="1" dirty="0" smtClean="0"/>
+              <a:t>None</a:t>
+            </a:r>
+            <a:endParaRPr lang="en-US" dirty="0" smtClean="0">
+              <a:solidFill>
+                <a:schemeClr val="tx1"/>
+              </a:solidFill>
+            </a:endParaRPr>
+          </a:p>
+          <a:p>
+            <a:pPr marL="457200" lvl="1" indent="0" fontAlgn="base">
+              <a:buNone/>
+            </a:pPr>
+            <a:endParaRPr lang="en-US" dirty="0"/>
+          </a:p>
+        </p:txBody>
+      </p:sp>
+    </p:spTree>
+    <p:extLst>
+      <p:ext uri="{BB962C8B-B14F-4D97-AF65-F5344CB8AC3E}">
+        <p14:creationId xmlns:p14="http://schemas.microsoft.com/office/powerpoint/2010/main" val="1977569185"/>
+      </p:ext>
+    </p:extLst>
+  </p:cSld>
+  <p:clrMapOvr>
+    <a:masterClrMapping/>
+  </p:clrMapOvr>
+  <p:timing>
+    <p:tnLst>
+      <p:par>
+        <p:cTn id="1" dur="indefinite" restart="never" nodeType="tmRoot"/>
+      </p:par>
+    </p:tnLst>
+  </p:timing>
+</p:sld>
+</file>
+
+<file path=ppt/slides/slide29.xml><?xml version="1.0" encoding="utf-8"?>
+<p:sld xmlns:a="http://schemas.openxmlformats.org/drawingml/2006/main" xmlns:r="http://schemas.openxmlformats.org/officeDocument/2006/relationships" xmlns:p="http://schemas.openxmlformats.org/presentationml/2006/main">
+  <p:cSld>
+    <p:spTree>
+      <p:nvGrpSpPr>
+        <p:cNvPr id="1" name=""/>
+        <p:cNvGrpSpPr/>
+        <p:nvPr/>
+      </p:nvGrpSpPr>
+      <p:grpSpPr>
+        <a:xfrm>
+          <a:off x="0" y="0"/>
+          <a:ext cx="0" cy="0"/>
+          <a:chOff x="0" y="0"/>
+          <a:chExt cx="0" cy="0"/>
+        </a:xfrm>
+      </p:grpSpPr>
+      <p:sp>
+        <p:nvSpPr>
+          <p:cNvPr id="3" name="Content Placeholder 2"/>
+          <p:cNvSpPr>
+            <a:spLocks noGrp="1"/>
+          </p:cNvSpPr>
+          <p:nvPr>
+            <p:ph idx="1"/>
+          </p:nvPr>
+        </p:nvSpPr>
+        <p:spPr>
+          <a:xfrm>
+            <a:off x="909153" y="0"/>
+            <a:ext cx="8596668" cy="3880773"/>
+          </a:xfrm>
+        </p:spPr>
+        <p:txBody>
+          <a:bodyPr>
+            <a:noAutofit/>
+          </a:bodyPr>
+          <a:lstStyle/>
+          <a:p>
+            <a:pPr fontAlgn="base"/>
+            <a:r>
+              <a:rPr lang="it-IT" sz="1400" b="1" dirty="0"/>
+              <a:t>&lt;ul</a:t>
+            </a:r>
+            <a:r>
+              <a:rPr lang="it-IT" sz="1400" dirty="0"/>
+              <a:t> style="list-style-type:disc;"</a:t>
+            </a:r>
+            <a:r>
+              <a:rPr lang="it-IT" sz="1400" b="1" dirty="0"/>
+              <a:t>&gt;</a:t>
+            </a:r>
+            <a:endParaRPr lang="it-IT" sz="1400" dirty="0"/>
+          </a:p>
+          <a:p>
+            <a:pPr fontAlgn="base"/>
+            <a:r>
+              <a:rPr lang="it-IT" sz="1400" b="1" dirty="0"/>
+              <a:t>&lt;li&gt;</a:t>
+            </a:r>
+            <a:r>
+              <a:rPr lang="it-IT" sz="1400" dirty="0"/>
+              <a:t>One</a:t>
+            </a:r>
+            <a:r>
+              <a:rPr lang="it-IT" sz="1400" b="1" dirty="0"/>
+              <a:t>&lt;/li&gt;</a:t>
+            </a:r>
+            <a:endParaRPr lang="it-IT" sz="1400" dirty="0"/>
+          </a:p>
+          <a:p>
+            <a:pPr fontAlgn="base"/>
+            <a:r>
+              <a:rPr lang="it-IT" sz="1400" b="1" dirty="0"/>
+              <a:t>&lt;li&gt;</a:t>
+            </a:r>
+            <a:r>
+              <a:rPr lang="it-IT" sz="1400" dirty="0"/>
+              <a:t>Two</a:t>
+            </a:r>
+            <a:r>
+              <a:rPr lang="it-IT" sz="1400" b="1" dirty="0"/>
+              <a:t>&lt;/li&gt;</a:t>
+            </a:r>
+            <a:endParaRPr lang="it-IT" sz="1400" dirty="0"/>
+          </a:p>
+          <a:p>
+            <a:pPr fontAlgn="base"/>
+            <a:r>
+              <a:rPr lang="it-IT" sz="1400" b="1" dirty="0"/>
+              <a:t>&lt;li&gt;</a:t>
+            </a:r>
+            <a:r>
+              <a:rPr lang="it-IT" sz="1400" dirty="0"/>
+              <a:t>Three</a:t>
+            </a:r>
+            <a:r>
+              <a:rPr lang="it-IT" sz="1400" b="1" dirty="0"/>
+              <a:t>&lt;/li&gt;</a:t>
+            </a:r>
+            <a:endParaRPr lang="it-IT" sz="1400" dirty="0"/>
+          </a:p>
+          <a:p>
+            <a:pPr fontAlgn="base"/>
+            <a:r>
+              <a:rPr lang="it-IT" sz="1400" b="1" dirty="0" smtClean="0"/>
+              <a:t>&lt;/</a:t>
+            </a:r>
+            <a:r>
+              <a:rPr lang="it-IT" sz="1400" b="1" dirty="0"/>
+              <a:t>ul&gt;</a:t>
+            </a:r>
+            <a:r>
+              <a:rPr lang="it-IT" sz="1400" dirty="0"/>
+              <a:t> </a:t>
+            </a:r>
+          </a:p>
+          <a:p>
+            <a:pPr fontAlgn="base"/>
+            <a:r>
+              <a:rPr lang="it-IT" sz="1400" b="1" dirty="0"/>
+              <a:t>&lt;ul</a:t>
+            </a:r>
+            <a:r>
+              <a:rPr lang="it-IT" sz="1400" dirty="0"/>
+              <a:t> style="list-style-type:square;"</a:t>
+            </a:r>
+            <a:r>
+              <a:rPr lang="it-IT" sz="1400" b="1" dirty="0"/>
+              <a:t>&gt;</a:t>
+            </a:r>
+            <a:endParaRPr lang="it-IT" sz="1400" dirty="0"/>
+          </a:p>
+          <a:p>
+            <a:pPr fontAlgn="base"/>
+            <a:r>
+              <a:rPr lang="it-IT" sz="1400" b="1" dirty="0"/>
+              <a:t>&lt;li&gt;</a:t>
+            </a:r>
+            <a:r>
+              <a:rPr lang="it-IT" sz="1400" dirty="0"/>
+              <a:t>One</a:t>
+            </a:r>
+            <a:r>
+              <a:rPr lang="it-IT" sz="1400" b="1" dirty="0"/>
+              <a:t>&lt;/li&gt;</a:t>
+            </a:r>
+            <a:endParaRPr lang="it-IT" sz="1400" dirty="0"/>
+          </a:p>
+          <a:p>
+            <a:pPr fontAlgn="base"/>
+            <a:r>
+              <a:rPr lang="it-IT" sz="1400" b="1" dirty="0"/>
+              <a:t>&lt;li&gt;</a:t>
+            </a:r>
+            <a:r>
+              <a:rPr lang="it-IT" sz="1400" dirty="0"/>
+              <a:t>Two</a:t>
+            </a:r>
+            <a:r>
+              <a:rPr lang="it-IT" sz="1400" b="1" dirty="0"/>
+              <a:t>&lt;/li&gt;</a:t>
+            </a:r>
+            <a:endParaRPr lang="it-IT" sz="1400" dirty="0"/>
+          </a:p>
+          <a:p>
+            <a:pPr fontAlgn="base"/>
+            <a:r>
+              <a:rPr lang="it-IT" sz="1400" b="1" dirty="0"/>
+              <a:t>&lt;li&gt;</a:t>
+            </a:r>
+            <a:r>
+              <a:rPr lang="it-IT" sz="1400" dirty="0"/>
+              <a:t>Three</a:t>
+            </a:r>
+            <a:r>
+              <a:rPr lang="it-IT" sz="1400" b="1" dirty="0"/>
+              <a:t>&lt;/li&gt;</a:t>
+            </a:r>
+            <a:endParaRPr lang="it-IT" sz="1400" dirty="0"/>
+          </a:p>
+          <a:p>
+            <a:pPr fontAlgn="base"/>
+            <a:r>
+              <a:rPr lang="it-IT" sz="1400" b="1" dirty="0" smtClean="0"/>
+              <a:t>&lt;/</a:t>
+            </a:r>
+            <a:r>
+              <a:rPr lang="it-IT" sz="1400" b="1" dirty="0"/>
+              <a:t>ul&gt;</a:t>
+            </a:r>
+            <a:r>
+              <a:rPr lang="it-IT" sz="1400" dirty="0"/>
+              <a:t> </a:t>
+            </a:r>
+          </a:p>
+          <a:p>
+            <a:pPr fontAlgn="base"/>
+            <a:r>
+              <a:rPr lang="it-IT" sz="1400" b="1" dirty="0"/>
+              <a:t>&lt;ul</a:t>
+            </a:r>
+            <a:r>
+              <a:rPr lang="it-IT" sz="1400" dirty="0"/>
+              <a:t> style="list-style-type:circle;"</a:t>
+            </a:r>
+            <a:r>
+              <a:rPr lang="it-IT" sz="1400" b="1" dirty="0"/>
+              <a:t>&gt;</a:t>
+            </a:r>
+            <a:endParaRPr lang="it-IT" sz="1400" dirty="0"/>
+          </a:p>
+          <a:p>
+            <a:pPr fontAlgn="base"/>
+            <a:r>
+              <a:rPr lang="it-IT" sz="1400" b="1" dirty="0"/>
+              <a:t>&lt;li&gt;</a:t>
+            </a:r>
+            <a:r>
+              <a:rPr lang="it-IT" sz="1400" dirty="0"/>
+              <a:t>One</a:t>
+            </a:r>
+            <a:r>
+              <a:rPr lang="it-IT" sz="1400" b="1" dirty="0"/>
+              <a:t>&lt;/li&gt;</a:t>
+            </a:r>
+            <a:endParaRPr lang="it-IT" sz="1400" dirty="0"/>
+          </a:p>
+          <a:p>
+            <a:pPr fontAlgn="base"/>
+            <a:r>
+              <a:rPr lang="it-IT" sz="1400" b="1" dirty="0"/>
+              <a:t>&lt;li&gt;</a:t>
+            </a:r>
+            <a:r>
+              <a:rPr lang="it-IT" sz="1400" dirty="0"/>
+              <a:t>Two</a:t>
+            </a:r>
+            <a:r>
+              <a:rPr lang="it-IT" sz="1400" b="1" dirty="0"/>
+              <a:t>&lt;/li&gt;</a:t>
+            </a:r>
+            <a:endParaRPr lang="it-IT" sz="1400" dirty="0"/>
+          </a:p>
+          <a:p>
+            <a:pPr fontAlgn="base"/>
+            <a:r>
+              <a:rPr lang="it-IT" sz="1400" b="1" dirty="0"/>
+              <a:t>&lt;li&gt;</a:t>
+            </a:r>
+            <a:r>
+              <a:rPr lang="it-IT" sz="1400" dirty="0"/>
+              <a:t>Three</a:t>
+            </a:r>
+            <a:r>
+              <a:rPr lang="it-IT" sz="1400" b="1" dirty="0"/>
+              <a:t>&lt;/li&gt;</a:t>
+            </a:r>
+            <a:endParaRPr lang="it-IT" sz="1400" dirty="0"/>
+          </a:p>
+          <a:p>
+            <a:pPr fontAlgn="base"/>
+            <a:r>
+              <a:rPr lang="it-IT" sz="1400" b="1" dirty="0" smtClean="0"/>
+              <a:t>&lt;/</a:t>
+            </a:r>
+            <a:r>
+              <a:rPr lang="it-IT" sz="1400" b="1" dirty="0"/>
+              <a:t>ul&gt;</a:t>
+            </a:r>
+            <a:r>
+              <a:rPr lang="it-IT" sz="1400" dirty="0"/>
+              <a:t> </a:t>
+            </a:r>
+          </a:p>
+          <a:p>
+            <a:pPr fontAlgn="base"/>
+            <a:r>
+              <a:rPr lang="it-IT" sz="1400" b="1" dirty="0"/>
+              <a:t>&lt;ul</a:t>
+            </a:r>
+            <a:r>
+              <a:rPr lang="it-IT" sz="1400" dirty="0"/>
+              <a:t> style="list-style-type:none;"</a:t>
+            </a:r>
+            <a:r>
+              <a:rPr lang="it-IT" sz="1400" b="1" dirty="0"/>
+              <a:t>&gt;</a:t>
+            </a:r>
+            <a:endParaRPr lang="it-IT" sz="1400" dirty="0"/>
+          </a:p>
+          <a:p>
+            <a:pPr fontAlgn="base"/>
+            <a:r>
+              <a:rPr lang="it-IT" sz="1400" b="1" dirty="0"/>
+              <a:t>&lt;li&gt;</a:t>
+            </a:r>
+            <a:r>
+              <a:rPr lang="it-IT" sz="1400" dirty="0"/>
+              <a:t>One</a:t>
+            </a:r>
+            <a:r>
+              <a:rPr lang="it-IT" sz="1400" b="1" dirty="0"/>
+              <a:t>&lt;/li&gt;</a:t>
+            </a:r>
+            <a:endParaRPr lang="it-IT" sz="1400" dirty="0"/>
+          </a:p>
+          <a:p>
+            <a:pPr fontAlgn="base"/>
+            <a:r>
+              <a:rPr lang="it-IT" sz="1400" b="1" dirty="0"/>
+              <a:t>&lt;li&gt;</a:t>
+            </a:r>
+            <a:r>
+              <a:rPr lang="it-IT" sz="1400" dirty="0"/>
+              <a:t>Two</a:t>
+            </a:r>
+            <a:r>
+              <a:rPr lang="it-IT" sz="1400" b="1" dirty="0"/>
+              <a:t>&lt;/li&gt;</a:t>
+            </a:r>
+            <a:endParaRPr lang="it-IT" sz="1400" dirty="0"/>
+          </a:p>
+          <a:p>
+            <a:pPr fontAlgn="base"/>
+            <a:r>
+              <a:rPr lang="it-IT" sz="1400" b="1" dirty="0"/>
+              <a:t>&lt;li&gt;</a:t>
+            </a:r>
+            <a:r>
+              <a:rPr lang="it-IT" sz="1400" dirty="0"/>
+              <a:t>Three</a:t>
+            </a:r>
+            <a:r>
+              <a:rPr lang="it-IT" sz="1400" b="1" dirty="0"/>
+              <a:t>&lt;/li</a:t>
+            </a:r>
+            <a:r>
+              <a:rPr lang="it-IT" sz="1400" b="1" dirty="0" smtClean="0"/>
+              <a:t>&gt;</a:t>
+            </a:r>
+            <a:endParaRPr lang="it-IT" sz="1400" dirty="0"/>
+          </a:p>
+          <a:p>
+            <a:pPr fontAlgn="base"/>
+            <a:r>
+              <a:rPr lang="it-IT" sz="1400" b="1" dirty="0" smtClean="0"/>
+              <a:t>&lt;/</a:t>
+            </a:r>
+            <a:r>
+              <a:rPr lang="it-IT" sz="1400" b="1" dirty="0"/>
+              <a:t>ul&gt;</a:t>
+            </a:r>
+            <a:r>
+              <a:rPr lang="it-IT" sz="1400" dirty="0"/>
+              <a:t> </a:t>
+            </a:r>
+          </a:p>
+        </p:txBody>
+      </p:sp>
+    </p:spTree>
+    <p:extLst>
+      <p:ext uri="{BB962C8B-B14F-4D97-AF65-F5344CB8AC3E}">
+        <p14:creationId xmlns:p14="http://schemas.microsoft.com/office/powerpoint/2010/main" val="2313361257"/>
+      </p:ext>
+    </p:extLst>
+  </p:cSld>
+  <p:clrMapOvr>
+    <a:masterClrMapping/>
+  </p:clrMapOvr>
+  <p:timing>
+    <p:tnLst>
+      <p:par>
+        <p:cTn id="1" dur="indefinite" restart="never" nodeType="tmRoot"/>
+      </p:par>
+    </p:tnLst>
+  </p:timing>
+</p:sld>
+</file>
+
 <file path=ppt/slides/slide3.xml><?xml version="1.0" encoding="utf-8"?>
 <p:sld xmlns:a="http://schemas.openxmlformats.org/drawingml/2006/main" xmlns:r="http://schemas.openxmlformats.org/officeDocument/2006/relationships" xmlns:p="http://schemas.openxmlformats.org/presentationml/2006/main">
   <p:cSld>
@@ -8442,6 +10292,2168 @@
 </p:sld>
 </file>
 
+<file path=ppt/slides/slide30.xml><?xml version="1.0" encoding="utf-8"?>
+<p:sld xmlns:a="http://schemas.openxmlformats.org/drawingml/2006/main" xmlns:r="http://schemas.openxmlformats.org/officeDocument/2006/relationships" xmlns:p="http://schemas.openxmlformats.org/presentationml/2006/main">
+  <p:cSld>
+    <p:spTree>
+      <p:nvGrpSpPr>
+        <p:cNvPr id="1" name=""/>
+        <p:cNvGrpSpPr/>
+        <p:nvPr/>
+      </p:nvGrpSpPr>
+      <p:grpSpPr>
+        <a:xfrm>
+          <a:off x="0" y="0"/>
+          <a:ext cx="0" cy="0"/>
+          <a:chOff x="0" y="0"/>
+          <a:chExt cx="0" cy="0"/>
+        </a:xfrm>
+      </p:grpSpPr>
+      <p:sp>
+        <p:nvSpPr>
+          <p:cNvPr id="2" name="Title 1"/>
+          <p:cNvSpPr>
+            <a:spLocks noGrp="1"/>
+          </p:cNvSpPr>
+          <p:nvPr>
+            <p:ph type="title"/>
+          </p:nvPr>
+        </p:nvSpPr>
+        <p:spPr>
+          <a:xfrm>
+            <a:off x="831880" y="1845972"/>
+            <a:ext cx="8596668" cy="1320800"/>
+          </a:xfrm>
+        </p:spPr>
+        <p:txBody>
+          <a:bodyPr>
+            <a:normAutofit/>
+          </a:bodyPr>
+          <a:lstStyle/>
+          <a:p>
+            <a:r>
+              <a:rPr lang="en-US" sz="5400" dirty="0" smtClean="0"/>
+              <a:t>Output:</a:t>
+            </a:r>
+            <a:endParaRPr lang="en-US" sz="5400" dirty="0"/>
+          </a:p>
+        </p:txBody>
+      </p:sp>
+      <p:pic>
+        <p:nvPicPr>
+          <p:cNvPr id="4" name="Content Placeholder 3"/>
+          <p:cNvPicPr>
+            <a:picLocks noGrp="1" noChangeAspect="1"/>
+          </p:cNvPicPr>
+          <p:nvPr>
+            <p:ph idx="1"/>
+          </p:nvPr>
+        </p:nvPicPr>
+        <p:blipFill rotWithShape="1">
+          <a:blip r:embed="rId2">
+            <a:extLst>
+              <a:ext uri="{28A0092B-C50C-407E-A947-70E740481C1C}">
+                <a14:useLocalDpi xmlns:a14="http://schemas.microsoft.com/office/drawing/2010/main" val="0"/>
+              </a:ext>
+            </a:extLst>
+          </a:blip>
+          <a:srcRect b="47937"/>
+          <a:stretch/>
+        </p:blipFill>
+        <p:spPr>
+          <a:xfrm>
+            <a:off x="831880" y="2893845"/>
+            <a:ext cx="7073038" cy="1381941"/>
+          </a:xfrm>
+        </p:spPr>
+      </p:pic>
+    </p:spTree>
+    <p:extLst>
+      <p:ext uri="{BB962C8B-B14F-4D97-AF65-F5344CB8AC3E}">
+        <p14:creationId xmlns:p14="http://schemas.microsoft.com/office/powerpoint/2010/main" val="417713604"/>
+      </p:ext>
+    </p:extLst>
+  </p:cSld>
+  <p:clrMapOvr>
+    <a:masterClrMapping/>
+  </p:clrMapOvr>
+  <p:timing>
+    <p:tnLst>
+      <p:par>
+        <p:cTn id="1" dur="indefinite" restart="never" nodeType="tmRoot"/>
+      </p:par>
+    </p:tnLst>
+  </p:timing>
+</p:sld>
+</file>
+
+<file path=ppt/slides/slide31.xml><?xml version="1.0" encoding="utf-8"?>
+<p:sld xmlns:a="http://schemas.openxmlformats.org/drawingml/2006/main" xmlns:r="http://schemas.openxmlformats.org/officeDocument/2006/relationships" xmlns:p="http://schemas.openxmlformats.org/presentationml/2006/main">
+  <p:cSld>
+    <p:spTree>
+      <p:nvGrpSpPr>
+        <p:cNvPr id="1" name=""/>
+        <p:cNvGrpSpPr/>
+        <p:nvPr/>
+      </p:nvGrpSpPr>
+      <p:grpSpPr>
+        <a:xfrm>
+          <a:off x="0" y="0"/>
+          <a:ext cx="0" cy="0"/>
+          <a:chOff x="0" y="0"/>
+          <a:chExt cx="0" cy="0"/>
+        </a:xfrm>
+      </p:grpSpPr>
+      <p:sp>
+        <p:nvSpPr>
+          <p:cNvPr id="2" name="Title 1"/>
+          <p:cNvSpPr>
+            <a:spLocks noGrp="1"/>
+          </p:cNvSpPr>
+          <p:nvPr>
+            <p:ph type="title"/>
+          </p:nvPr>
+        </p:nvSpPr>
+        <p:spPr>
+          <a:xfrm>
+            <a:off x="677334" y="0"/>
+            <a:ext cx="8596668" cy="553792"/>
+          </a:xfrm>
+        </p:spPr>
+        <p:txBody>
+          <a:bodyPr>
+            <a:normAutofit fontScale="90000"/>
+          </a:bodyPr>
+          <a:lstStyle/>
+          <a:p>
+            <a:pPr algn="ctr"/>
+            <a:r>
+              <a:rPr lang="en-US" sz="3200" b="1" dirty="0" smtClean="0"/>
+              <a:t>NESTED LIST</a:t>
+            </a:r>
+            <a:endParaRPr lang="en-US" sz="3200" b="1" dirty="0"/>
+          </a:p>
+        </p:txBody>
+      </p:sp>
+      <p:sp>
+        <p:nvSpPr>
+          <p:cNvPr id="3" name="Content Placeholder 2"/>
+          <p:cNvSpPr>
+            <a:spLocks noGrp="1"/>
+          </p:cNvSpPr>
+          <p:nvPr>
+            <p:ph idx="1"/>
+          </p:nvPr>
+        </p:nvSpPr>
+        <p:spPr>
+          <a:xfrm>
+            <a:off x="677334" y="553792"/>
+            <a:ext cx="8596668" cy="6181859"/>
+          </a:xfrm>
+        </p:spPr>
+        <p:txBody>
+          <a:bodyPr>
+            <a:noAutofit/>
+          </a:bodyPr>
+          <a:lstStyle/>
+          <a:p>
+            <a:r>
+              <a:rPr lang="en-US" sz="1200" dirty="0"/>
+              <a:t>We can nest unordered lists, which means we can place one list inside another</a:t>
+            </a:r>
+            <a:r>
+              <a:rPr lang="en-US" sz="1200" dirty="0" smtClean="0"/>
+              <a:t>.</a:t>
+            </a:r>
+          </a:p>
+          <a:p>
+            <a:pPr lvl="1"/>
+            <a:r>
+              <a:rPr lang="it-IT" sz="1200" dirty="0"/>
+              <a:t>&lt;body&gt;</a:t>
+            </a:r>
+          </a:p>
+          <a:p>
+            <a:pPr lvl="1"/>
+            <a:r>
+              <a:rPr lang="it-IT" sz="1200" dirty="0"/>
+              <a:t>    &lt;ul&gt;</a:t>
+            </a:r>
+          </a:p>
+          <a:p>
+            <a:pPr lvl="1"/>
+            <a:r>
+              <a:rPr lang="it-IT" sz="1200" dirty="0"/>
+              <a:t>        &lt;li&gt;Fruits &lt;/li&gt;</a:t>
+            </a:r>
+          </a:p>
+          <a:p>
+            <a:pPr lvl="1"/>
+            <a:r>
+              <a:rPr lang="it-IT" sz="1200" dirty="0"/>
+              <a:t>        &lt;ul&gt;</a:t>
+            </a:r>
+          </a:p>
+          <a:p>
+            <a:pPr lvl="1"/>
+            <a:r>
+              <a:rPr lang="it-IT" sz="1200" dirty="0"/>
+              <a:t>            &lt;li&gt;Mango&lt;/li&gt;</a:t>
+            </a:r>
+          </a:p>
+          <a:p>
+            <a:pPr lvl="1"/>
+            <a:r>
+              <a:rPr lang="it-IT" sz="1200" dirty="0"/>
+              <a:t>            &lt;li&gt;Orange&lt;/li&gt;</a:t>
+            </a:r>
+          </a:p>
+          <a:p>
+            <a:pPr lvl="1"/>
+            <a:r>
+              <a:rPr lang="it-IT" sz="1200" dirty="0"/>
+              <a:t>        &lt;/ul&gt;</a:t>
+            </a:r>
+          </a:p>
+          <a:p>
+            <a:pPr lvl="1"/>
+            <a:r>
+              <a:rPr lang="it-IT" sz="1200" dirty="0"/>
+              <a:t>        &lt;li&gt;Vegetables&lt;/li&gt;</a:t>
+            </a:r>
+          </a:p>
+          <a:p>
+            <a:pPr lvl="1"/>
+            <a:r>
+              <a:rPr lang="it-IT" sz="1200" dirty="0"/>
+              <a:t>        &lt;ul&gt;</a:t>
+            </a:r>
+          </a:p>
+          <a:p>
+            <a:pPr lvl="1"/>
+            <a:r>
+              <a:rPr lang="it-IT" sz="1200" dirty="0"/>
+              <a:t>            &lt;li&gt;Cabbage&lt;/li&gt;</a:t>
+            </a:r>
+          </a:p>
+          <a:p>
+            <a:pPr lvl="1"/>
+            <a:r>
+              <a:rPr lang="it-IT" sz="1200" dirty="0"/>
+              <a:t>            &lt;li&gt;Capsicum&lt;/li&gt;</a:t>
+            </a:r>
+          </a:p>
+          <a:p>
+            <a:pPr lvl="1"/>
+            <a:r>
+              <a:rPr lang="it-IT" sz="1200" dirty="0"/>
+              <a:t>            &lt;ul&gt;</a:t>
+            </a:r>
+          </a:p>
+          <a:p>
+            <a:pPr lvl="1"/>
+            <a:r>
+              <a:rPr lang="it-IT" sz="1200" dirty="0"/>
+              <a:t>                &lt;li&gt;Green Capsicum&lt;/li&gt;</a:t>
+            </a:r>
+          </a:p>
+          <a:p>
+            <a:pPr lvl="1"/>
+            <a:r>
+              <a:rPr lang="it-IT" sz="1200" dirty="0"/>
+              <a:t>                &lt;li&gt;Yellow Capsicum&lt;/li&gt;</a:t>
+            </a:r>
+          </a:p>
+          <a:p>
+            <a:pPr lvl="1"/>
+            <a:r>
+              <a:rPr lang="it-IT" sz="1200" dirty="0"/>
+              <a:t>                &lt;li&gt;Red Capsicum&lt;/li&gt;</a:t>
+            </a:r>
+          </a:p>
+          <a:p>
+            <a:pPr lvl="1"/>
+            <a:r>
+              <a:rPr lang="it-IT" sz="1200" dirty="0"/>
+              <a:t>            &lt;/ul&gt;</a:t>
+            </a:r>
+          </a:p>
+          <a:p>
+            <a:pPr lvl="1"/>
+            <a:r>
+              <a:rPr lang="it-IT" sz="1200" dirty="0"/>
+              <a:t>          &lt;/ul&gt;</a:t>
+            </a:r>
+          </a:p>
+          <a:p>
+            <a:pPr lvl="1"/>
+            <a:r>
+              <a:rPr lang="it-IT" sz="1200" dirty="0"/>
+              <a:t>      &lt;/ul&gt;</a:t>
+            </a:r>
+          </a:p>
+          <a:p>
+            <a:pPr lvl="1"/>
+            <a:r>
+              <a:rPr lang="it-IT" sz="1200" dirty="0"/>
+              <a:t>&lt;/body</a:t>
+            </a:r>
+            <a:r>
+              <a:rPr lang="it-IT" sz="1200" dirty="0" smtClean="0"/>
+              <a:t>&gt;</a:t>
+            </a:r>
+            <a:endParaRPr lang="it-IT" sz="1200" dirty="0"/>
+          </a:p>
+        </p:txBody>
+      </p:sp>
+    </p:spTree>
+    <p:extLst>
+      <p:ext uri="{BB962C8B-B14F-4D97-AF65-F5344CB8AC3E}">
+        <p14:creationId xmlns:p14="http://schemas.microsoft.com/office/powerpoint/2010/main" val="2766513569"/>
+      </p:ext>
+    </p:extLst>
+  </p:cSld>
+  <p:clrMapOvr>
+    <a:masterClrMapping/>
+  </p:clrMapOvr>
+  <p:timing>
+    <p:tnLst>
+      <p:par>
+        <p:cTn id="1" dur="indefinite" restart="never" nodeType="tmRoot"/>
+      </p:par>
+    </p:tnLst>
+  </p:timing>
+</p:sld>
+</file>
+
+<file path=ppt/slides/slide32.xml><?xml version="1.0" encoding="utf-8"?>
+<p:sld xmlns:a="http://schemas.openxmlformats.org/drawingml/2006/main" xmlns:r="http://schemas.openxmlformats.org/officeDocument/2006/relationships" xmlns:p="http://schemas.openxmlformats.org/presentationml/2006/main">
+  <p:cSld>
+    <p:spTree>
+      <p:nvGrpSpPr>
+        <p:cNvPr id="1" name=""/>
+        <p:cNvGrpSpPr/>
+        <p:nvPr/>
+      </p:nvGrpSpPr>
+      <p:grpSpPr>
+        <a:xfrm>
+          <a:off x="0" y="0"/>
+          <a:ext cx="0" cy="0"/>
+          <a:chOff x="0" y="0"/>
+          <a:chExt cx="0" cy="0"/>
+        </a:xfrm>
+      </p:grpSpPr>
+      <p:sp>
+        <p:nvSpPr>
+          <p:cNvPr id="2" name="Title 1"/>
+          <p:cNvSpPr>
+            <a:spLocks noGrp="1"/>
+          </p:cNvSpPr>
+          <p:nvPr>
+            <p:ph type="title"/>
+          </p:nvPr>
+        </p:nvSpPr>
+        <p:spPr/>
+        <p:txBody>
+          <a:bodyPr/>
+          <a:lstStyle/>
+          <a:p>
+            <a:r>
+              <a:rPr lang="en-US" b="1" dirty="0"/>
+              <a:t>Start Attribute in HTML Lists</a:t>
+            </a:r>
+            <a:r>
+              <a:rPr lang="en-US" dirty="0"/>
+              <a:t/>
+            </a:r>
+            <a:br>
+              <a:rPr lang="en-US" dirty="0"/>
+            </a:br>
+            <a:endParaRPr lang="en-US" dirty="0"/>
+          </a:p>
+        </p:txBody>
+      </p:sp>
+      <p:sp>
+        <p:nvSpPr>
+          <p:cNvPr id="3" name="Content Placeholder 2"/>
+          <p:cNvSpPr>
+            <a:spLocks noGrp="1"/>
+          </p:cNvSpPr>
+          <p:nvPr>
+            <p:ph idx="1"/>
+          </p:nvPr>
+        </p:nvSpPr>
+        <p:spPr/>
+        <p:txBody>
+          <a:bodyPr>
+            <a:normAutofit fontScale="92500" lnSpcReduction="20000"/>
+          </a:bodyPr>
+          <a:lstStyle/>
+          <a:p>
+            <a:r>
+              <a:rPr lang="en-US" dirty="0"/>
+              <a:t>A start attribute is used to define an </a:t>
+            </a:r>
+            <a:r>
+              <a:rPr lang="en-US" b="1" u="sng" dirty="0"/>
+              <a:t>initial value for the numbering </a:t>
+            </a:r>
+            <a:r>
+              <a:rPr lang="en-US" dirty="0"/>
+              <a:t>of the list </a:t>
+            </a:r>
+            <a:r>
+              <a:rPr lang="en-US" dirty="0" smtClean="0"/>
+              <a:t>item.</a:t>
+            </a:r>
+          </a:p>
+          <a:p>
+            <a:r>
+              <a:rPr lang="en-US" dirty="0"/>
+              <a:t>if we specify the start value 10 then the list will start numbering from 10 onwards. start=” value” attribute is used to set start value</a:t>
+            </a:r>
+            <a:r>
+              <a:rPr lang="en-US" dirty="0" smtClean="0"/>
+              <a:t>.</a:t>
+            </a:r>
+          </a:p>
+          <a:p>
+            <a:r>
+              <a:rPr lang="en-US" b="1" u="sng" dirty="0" smtClean="0"/>
+              <a:t>Example:</a:t>
+            </a:r>
+          </a:p>
+          <a:p>
+            <a:pPr lvl="1"/>
+            <a:r>
+              <a:rPr lang="en-US" b="1" dirty="0"/>
+              <a:t>&lt;ol</a:t>
+            </a:r>
+            <a:r>
+              <a:rPr lang="en-US" dirty="0"/>
+              <a:t> start="10</a:t>
+            </a:r>
+            <a:r>
+              <a:rPr lang="en-US" dirty="0" smtClean="0"/>
+              <a:t>"</a:t>
+            </a:r>
+            <a:r>
+              <a:rPr lang="en-US" b="1" dirty="0" smtClean="0"/>
+              <a:t>&gt;</a:t>
+            </a:r>
+          </a:p>
+          <a:p>
+            <a:pPr lvl="2" fontAlgn="base"/>
+            <a:r>
+              <a:rPr lang="it-IT" b="1" dirty="0"/>
+              <a:t>&lt;li&gt;</a:t>
+            </a:r>
+            <a:r>
+              <a:rPr lang="it-IT" dirty="0"/>
+              <a:t>one </a:t>
+            </a:r>
+            <a:r>
+              <a:rPr lang="it-IT" b="1" dirty="0"/>
+              <a:t>&lt;/li&gt;</a:t>
+            </a:r>
+            <a:endParaRPr lang="it-IT" dirty="0"/>
+          </a:p>
+          <a:p>
+            <a:pPr lvl="2" fontAlgn="base"/>
+            <a:r>
+              <a:rPr lang="it-IT" b="1" dirty="0"/>
+              <a:t>&lt;li&gt;</a:t>
+            </a:r>
+            <a:r>
+              <a:rPr lang="it-IT" dirty="0"/>
+              <a:t>two</a:t>
+            </a:r>
+            <a:r>
+              <a:rPr lang="it-IT" b="1" dirty="0"/>
+              <a:t>&lt;/li&gt;</a:t>
+            </a:r>
+            <a:endParaRPr lang="it-IT" dirty="0"/>
+          </a:p>
+          <a:p>
+            <a:pPr lvl="2" fontAlgn="base"/>
+            <a:r>
+              <a:rPr lang="it-IT" b="1" dirty="0"/>
+              <a:t>&lt;li&gt;</a:t>
+            </a:r>
+            <a:r>
+              <a:rPr lang="it-IT" dirty="0"/>
+              <a:t>three</a:t>
+            </a:r>
+            <a:r>
+              <a:rPr lang="it-IT" b="1" dirty="0"/>
+              <a:t>&lt;/li&gt;</a:t>
+            </a:r>
+            <a:endParaRPr lang="it-IT" dirty="0"/>
+          </a:p>
+          <a:p>
+            <a:pPr lvl="2" fontAlgn="base"/>
+            <a:r>
+              <a:rPr lang="it-IT" b="1" dirty="0"/>
+              <a:t>&lt;li&gt;</a:t>
+            </a:r>
+            <a:r>
+              <a:rPr lang="it-IT" dirty="0"/>
+              <a:t>four</a:t>
+            </a:r>
+            <a:r>
+              <a:rPr lang="it-IT" b="1" dirty="0"/>
+              <a:t>&lt;/li&gt;</a:t>
+            </a:r>
+            <a:endParaRPr lang="it-IT" dirty="0"/>
+          </a:p>
+          <a:p>
+            <a:pPr lvl="2" fontAlgn="base"/>
+            <a:r>
+              <a:rPr lang="it-IT" b="1" dirty="0"/>
+              <a:t>&lt;li&gt;</a:t>
+            </a:r>
+            <a:r>
+              <a:rPr lang="it-IT" dirty="0"/>
+              <a:t>five</a:t>
+            </a:r>
+            <a:r>
+              <a:rPr lang="it-IT" b="1" dirty="0"/>
+              <a:t>&lt;/li&gt;</a:t>
+            </a:r>
+            <a:endParaRPr lang="it-IT" dirty="0"/>
+          </a:p>
+          <a:p>
+            <a:pPr lvl="2" fontAlgn="base"/>
+            <a:r>
+              <a:rPr lang="it-IT" b="1" dirty="0"/>
+              <a:t>&lt;li&gt;</a:t>
+            </a:r>
+            <a:r>
+              <a:rPr lang="it-IT" dirty="0"/>
+              <a:t>six</a:t>
+            </a:r>
+            <a:r>
+              <a:rPr lang="it-IT" b="1" dirty="0"/>
+              <a:t>&lt;/li&gt;</a:t>
+            </a:r>
+            <a:endParaRPr lang="it-IT" dirty="0"/>
+          </a:p>
+          <a:p>
+            <a:pPr lvl="2" fontAlgn="base"/>
+            <a:r>
+              <a:rPr lang="it-IT" b="1" dirty="0"/>
+              <a:t>&lt;li&gt;</a:t>
+            </a:r>
+            <a:r>
+              <a:rPr lang="it-IT" dirty="0"/>
+              <a:t>seven</a:t>
+            </a:r>
+            <a:r>
+              <a:rPr lang="it-IT" b="1" dirty="0"/>
+              <a:t>&lt;/li&gt;</a:t>
+            </a:r>
+            <a:r>
+              <a:rPr lang="it-IT" dirty="0"/>
+              <a:t> </a:t>
+            </a:r>
+            <a:r>
+              <a:rPr lang="it-IT" dirty="0" smtClean="0"/>
+              <a:t>&lt;/ol&gt;</a:t>
+            </a:r>
+            <a:endParaRPr lang="it-IT" dirty="0"/>
+          </a:p>
+          <a:p>
+            <a:pPr marL="914400" lvl="2" indent="0">
+              <a:buNone/>
+            </a:pPr>
+            <a:endParaRPr lang="en-US" b="1" u="sng" dirty="0"/>
+          </a:p>
+        </p:txBody>
+      </p:sp>
+    </p:spTree>
+    <p:extLst>
+      <p:ext uri="{BB962C8B-B14F-4D97-AF65-F5344CB8AC3E}">
+        <p14:creationId xmlns:p14="http://schemas.microsoft.com/office/powerpoint/2010/main" val="453410157"/>
+      </p:ext>
+    </p:extLst>
+  </p:cSld>
+  <p:clrMapOvr>
+    <a:masterClrMapping/>
+  </p:clrMapOvr>
+  <p:timing>
+    <p:tnLst>
+      <p:par>
+        <p:cTn id="1" dur="indefinite" restart="never" nodeType="tmRoot"/>
+      </p:par>
+    </p:tnLst>
+  </p:timing>
+</p:sld>
+</file>
+
+<file path=ppt/slides/slide33.xml><?xml version="1.0" encoding="utf-8"?>
+<p:sld xmlns:a="http://schemas.openxmlformats.org/drawingml/2006/main" xmlns:r="http://schemas.openxmlformats.org/officeDocument/2006/relationships" xmlns:p="http://schemas.openxmlformats.org/presentationml/2006/main">
+  <p:cSld>
+    <p:spTree>
+      <p:nvGrpSpPr>
+        <p:cNvPr id="1" name=""/>
+        <p:cNvGrpSpPr/>
+        <p:nvPr/>
+      </p:nvGrpSpPr>
+      <p:grpSpPr>
+        <a:xfrm>
+          <a:off x="0" y="0"/>
+          <a:ext cx="0" cy="0"/>
+          <a:chOff x="0" y="0"/>
+          <a:chExt cx="0" cy="0"/>
+        </a:xfrm>
+      </p:grpSpPr>
+      <p:sp>
+        <p:nvSpPr>
+          <p:cNvPr id="2" name="Title 1"/>
+          <p:cNvSpPr>
+            <a:spLocks noGrp="1"/>
+          </p:cNvSpPr>
+          <p:nvPr>
+            <p:ph type="title"/>
+          </p:nvPr>
+        </p:nvSpPr>
+        <p:spPr>
+          <a:xfrm>
+            <a:off x="2813911" y="931572"/>
+            <a:ext cx="8596668" cy="1320800"/>
+          </a:xfrm>
+        </p:spPr>
+        <p:txBody>
+          <a:bodyPr>
+            <a:normAutofit/>
+          </a:bodyPr>
+          <a:lstStyle/>
+          <a:p>
+            <a:r>
+              <a:rPr lang="en-US" sz="5400" dirty="0" smtClean="0"/>
+              <a:t>Output:</a:t>
+            </a:r>
+            <a:endParaRPr lang="en-US" sz="5400" dirty="0"/>
+          </a:p>
+        </p:txBody>
+      </p:sp>
+      <p:pic>
+        <p:nvPicPr>
+          <p:cNvPr id="4" name="Content Placeholder 3"/>
+          <p:cNvPicPr>
+            <a:picLocks noGrp="1" noChangeAspect="1"/>
+          </p:cNvPicPr>
+          <p:nvPr>
+            <p:ph idx="1"/>
+          </p:nvPr>
+        </p:nvPicPr>
+        <p:blipFill>
+          <a:blip r:embed="rId2">
+            <a:extLst>
+              <a:ext uri="{28A0092B-C50C-407E-A947-70E740481C1C}">
+                <a14:useLocalDpi xmlns:a14="http://schemas.microsoft.com/office/drawing/2010/main" val="0"/>
+              </a:ext>
+            </a:extLst>
+          </a:blip>
+          <a:stretch>
+            <a:fillRect/>
+          </a:stretch>
+        </p:blipFill>
+        <p:spPr>
+          <a:xfrm>
+            <a:off x="2813911" y="1930400"/>
+            <a:ext cx="3252039" cy="4411857"/>
+          </a:xfrm>
+        </p:spPr>
+      </p:pic>
+    </p:spTree>
+    <p:extLst>
+      <p:ext uri="{BB962C8B-B14F-4D97-AF65-F5344CB8AC3E}">
+        <p14:creationId xmlns:p14="http://schemas.microsoft.com/office/powerpoint/2010/main" val="4190144771"/>
+      </p:ext>
+    </p:extLst>
+  </p:cSld>
+  <p:clrMapOvr>
+    <a:masterClrMapping/>
+  </p:clrMapOvr>
+  <p:timing>
+    <p:tnLst>
+      <p:par>
+        <p:cTn id="1" dur="indefinite" restart="never" nodeType="tmRoot"/>
+      </p:par>
+    </p:tnLst>
+  </p:timing>
+</p:sld>
+</file>
+
+<file path=ppt/slides/slide34.xml><?xml version="1.0" encoding="utf-8"?>
+<p:sld xmlns:a="http://schemas.openxmlformats.org/drawingml/2006/main" xmlns:r="http://schemas.openxmlformats.org/officeDocument/2006/relationships" xmlns:p="http://schemas.openxmlformats.org/presentationml/2006/main">
+  <p:cSld>
+    <p:spTree>
+      <p:nvGrpSpPr>
+        <p:cNvPr id="1" name=""/>
+        <p:cNvGrpSpPr/>
+        <p:nvPr/>
+      </p:nvGrpSpPr>
+      <p:grpSpPr>
+        <a:xfrm>
+          <a:off x="0" y="0"/>
+          <a:ext cx="0" cy="0"/>
+          <a:chOff x="0" y="0"/>
+          <a:chExt cx="0" cy="0"/>
+        </a:xfrm>
+      </p:grpSpPr>
+      <p:sp>
+        <p:nvSpPr>
+          <p:cNvPr id="2" name="Title 1"/>
+          <p:cNvSpPr>
+            <a:spLocks noGrp="1"/>
+          </p:cNvSpPr>
+          <p:nvPr>
+            <p:ph type="title"/>
+          </p:nvPr>
+        </p:nvSpPr>
+        <p:spPr/>
+        <p:txBody>
+          <a:bodyPr/>
+          <a:lstStyle/>
+          <a:p>
+            <a:r>
+              <a:rPr lang="en-US" b="1" dirty="0"/>
+              <a:t>Reversed Attribute in HTML Lists</a:t>
+            </a:r>
+            <a:r>
+              <a:rPr lang="en-US" dirty="0"/>
+              <a:t/>
+            </a:r>
+            <a:br>
+              <a:rPr lang="en-US" dirty="0"/>
+            </a:br>
+            <a:endParaRPr lang="en-US" dirty="0"/>
+          </a:p>
+        </p:txBody>
+      </p:sp>
+      <p:sp>
+        <p:nvSpPr>
+          <p:cNvPr id="3" name="Content Placeholder 2"/>
+          <p:cNvSpPr>
+            <a:spLocks noGrp="1"/>
+          </p:cNvSpPr>
+          <p:nvPr>
+            <p:ph idx="1"/>
+          </p:nvPr>
+        </p:nvSpPr>
+        <p:spPr/>
+        <p:txBody>
+          <a:bodyPr/>
+          <a:lstStyle/>
+          <a:p>
+            <a:r>
+              <a:rPr lang="en-US" dirty="0"/>
+              <a:t>A reversed attribute is a Boolean attribute in Html with a reversed attribute we can number the list in descending format</a:t>
+            </a:r>
+            <a:r>
+              <a:rPr lang="en-US" dirty="0" smtClean="0"/>
+              <a:t>.</a:t>
+            </a:r>
+          </a:p>
+          <a:p>
+            <a:r>
+              <a:rPr lang="en-US" b="1" u="sng" dirty="0" smtClean="0"/>
+              <a:t>Example:</a:t>
+            </a:r>
+          </a:p>
+          <a:p>
+            <a:pPr lvl="1" fontAlgn="base"/>
+            <a:r>
+              <a:rPr lang="it-IT" sz="2400" b="1" dirty="0"/>
+              <a:t>&lt;ol</a:t>
+            </a:r>
+            <a:r>
+              <a:rPr lang="it-IT" sz="2400" dirty="0"/>
+              <a:t> reversed</a:t>
+            </a:r>
+            <a:r>
+              <a:rPr lang="it-IT" sz="2400" b="1" dirty="0"/>
+              <a:t>&gt;</a:t>
+            </a:r>
+            <a:endParaRPr lang="it-IT" sz="2400" dirty="0"/>
+          </a:p>
+          <a:p>
+            <a:pPr lvl="2" fontAlgn="base"/>
+            <a:r>
+              <a:rPr lang="it-IT" sz="2400" b="1" dirty="0"/>
+              <a:t>&lt;li&gt;</a:t>
+            </a:r>
+            <a:r>
+              <a:rPr lang="it-IT" sz="2400" dirty="0"/>
+              <a:t>Item 1</a:t>
+            </a:r>
+            <a:r>
+              <a:rPr lang="it-IT" sz="2400" b="1" dirty="0"/>
+              <a:t>&lt;/li&gt;</a:t>
+            </a:r>
+            <a:endParaRPr lang="it-IT" sz="2400" dirty="0"/>
+          </a:p>
+          <a:p>
+            <a:pPr lvl="2" fontAlgn="base"/>
+            <a:r>
+              <a:rPr lang="it-IT" sz="2400" b="1" dirty="0"/>
+              <a:t>&lt;li&gt;</a:t>
+            </a:r>
+            <a:r>
+              <a:rPr lang="it-IT" sz="2400" dirty="0"/>
+              <a:t>Item 2</a:t>
+            </a:r>
+            <a:r>
+              <a:rPr lang="it-IT" sz="2400" b="1" dirty="0"/>
+              <a:t>&lt;/li&gt;</a:t>
+            </a:r>
+            <a:endParaRPr lang="it-IT" sz="2400" dirty="0"/>
+          </a:p>
+          <a:p>
+            <a:pPr lvl="2" fontAlgn="base"/>
+            <a:r>
+              <a:rPr lang="it-IT" sz="2400" b="1" dirty="0"/>
+              <a:t>&lt;li&gt;</a:t>
+            </a:r>
+            <a:r>
+              <a:rPr lang="it-IT" sz="2400" dirty="0"/>
+              <a:t>Item 3</a:t>
+            </a:r>
+            <a:r>
+              <a:rPr lang="it-IT" sz="2400" b="1" dirty="0"/>
+              <a:t>&lt;/li&gt;</a:t>
+            </a:r>
+            <a:endParaRPr lang="it-IT" sz="2400" dirty="0"/>
+          </a:p>
+          <a:p>
+            <a:pPr lvl="1" fontAlgn="base"/>
+            <a:r>
+              <a:rPr lang="it-IT" sz="2400" b="1" dirty="0"/>
+              <a:t>&lt;/ol&gt;</a:t>
+            </a:r>
+            <a:endParaRPr lang="it-IT" sz="2400" dirty="0"/>
+          </a:p>
+          <a:p>
+            <a:pPr lvl="2"/>
+            <a:endParaRPr lang="en-US" b="1" u="sng" dirty="0"/>
+          </a:p>
+        </p:txBody>
+      </p:sp>
+    </p:spTree>
+    <p:extLst>
+      <p:ext uri="{BB962C8B-B14F-4D97-AF65-F5344CB8AC3E}">
+        <p14:creationId xmlns:p14="http://schemas.microsoft.com/office/powerpoint/2010/main" val="3776432690"/>
+      </p:ext>
+    </p:extLst>
+  </p:cSld>
+  <p:clrMapOvr>
+    <a:masterClrMapping/>
+  </p:clrMapOvr>
+  <p:timing>
+    <p:tnLst>
+      <p:par>
+        <p:cTn id="1" dur="indefinite" restart="never" nodeType="tmRoot"/>
+      </p:par>
+    </p:tnLst>
+  </p:timing>
+</p:sld>
+</file>
+
+<file path=ppt/slides/slide35.xml><?xml version="1.0" encoding="utf-8"?>
+<p:sld xmlns:a="http://schemas.openxmlformats.org/drawingml/2006/main" xmlns:r="http://schemas.openxmlformats.org/officeDocument/2006/relationships" xmlns:p="http://schemas.openxmlformats.org/presentationml/2006/main">
+  <p:cSld>
+    <p:spTree>
+      <p:nvGrpSpPr>
+        <p:cNvPr id="1" name=""/>
+        <p:cNvGrpSpPr/>
+        <p:nvPr/>
+      </p:nvGrpSpPr>
+      <p:grpSpPr>
+        <a:xfrm>
+          <a:off x="0" y="0"/>
+          <a:ext cx="0" cy="0"/>
+          <a:chOff x="0" y="0"/>
+          <a:chExt cx="0" cy="0"/>
+        </a:xfrm>
+      </p:grpSpPr>
+      <p:sp>
+        <p:nvSpPr>
+          <p:cNvPr id="2" name="Title 1"/>
+          <p:cNvSpPr>
+            <a:spLocks noGrp="1"/>
+          </p:cNvSpPr>
+          <p:nvPr>
+            <p:ph type="title"/>
+          </p:nvPr>
+        </p:nvSpPr>
+        <p:spPr>
+          <a:xfrm>
+            <a:off x="1362462" y="1369453"/>
+            <a:ext cx="8596668" cy="1320800"/>
+          </a:xfrm>
+        </p:spPr>
+        <p:txBody>
+          <a:bodyPr>
+            <a:normAutofit/>
+          </a:bodyPr>
+          <a:lstStyle/>
+          <a:p>
+            <a:r>
+              <a:rPr lang="en-US" sz="5400" dirty="0" smtClean="0"/>
+              <a:t>Output:</a:t>
+            </a:r>
+            <a:endParaRPr lang="en-US" sz="5400" dirty="0"/>
+          </a:p>
+        </p:txBody>
+      </p:sp>
+      <p:pic>
+        <p:nvPicPr>
+          <p:cNvPr id="4" name="Content Placeholder 3"/>
+          <p:cNvPicPr>
+            <a:picLocks noGrp="1" noChangeAspect="1"/>
+          </p:cNvPicPr>
+          <p:nvPr>
+            <p:ph idx="1"/>
+          </p:nvPr>
+        </p:nvPicPr>
+        <p:blipFill>
+          <a:blip r:embed="rId2">
+            <a:extLst>
+              <a:ext uri="{28A0092B-C50C-407E-A947-70E740481C1C}">
+                <a14:useLocalDpi xmlns:a14="http://schemas.microsoft.com/office/drawing/2010/main" val="0"/>
+              </a:ext>
+            </a:extLst>
+          </a:blip>
+          <a:stretch>
+            <a:fillRect/>
+          </a:stretch>
+        </p:blipFill>
+        <p:spPr>
+          <a:xfrm>
+            <a:off x="1362462" y="2500768"/>
+            <a:ext cx="3613206" cy="3205702"/>
+          </a:xfrm>
+        </p:spPr>
+      </p:pic>
+    </p:spTree>
+    <p:extLst>
+      <p:ext uri="{BB962C8B-B14F-4D97-AF65-F5344CB8AC3E}">
+        <p14:creationId xmlns:p14="http://schemas.microsoft.com/office/powerpoint/2010/main" val="3826396299"/>
+      </p:ext>
+    </p:extLst>
+  </p:cSld>
+  <p:clrMapOvr>
+    <a:masterClrMapping/>
+  </p:clrMapOvr>
+  <p:timing>
+    <p:tnLst>
+      <p:par>
+        <p:cTn id="1" dur="indefinite" restart="never" nodeType="tmRoot"/>
+      </p:par>
+    </p:tnLst>
+  </p:timing>
+</p:sld>
+</file>
+
+<file path=ppt/slides/slide36.xml><?xml version="1.0" encoding="utf-8"?>
+<p:sld xmlns:a="http://schemas.openxmlformats.org/drawingml/2006/main" xmlns:r="http://schemas.openxmlformats.org/officeDocument/2006/relationships" xmlns:p="http://schemas.openxmlformats.org/presentationml/2006/main">
+  <p:cSld>
+    <p:spTree>
+      <p:nvGrpSpPr>
+        <p:cNvPr id="1" name=""/>
+        <p:cNvGrpSpPr/>
+        <p:nvPr/>
+      </p:nvGrpSpPr>
+      <p:grpSpPr>
+        <a:xfrm>
+          <a:off x="0" y="0"/>
+          <a:ext cx="0" cy="0"/>
+          <a:chOff x="0" y="0"/>
+          <a:chExt cx="0" cy="0"/>
+        </a:xfrm>
+      </p:grpSpPr>
+      <p:sp>
+        <p:nvSpPr>
+          <p:cNvPr id="2" name="Title 1"/>
+          <p:cNvSpPr>
+            <a:spLocks noGrp="1"/>
+          </p:cNvSpPr>
+          <p:nvPr>
+            <p:ph type="title"/>
+          </p:nvPr>
+        </p:nvSpPr>
+        <p:spPr/>
+        <p:txBody>
+          <a:bodyPr>
+            <a:normAutofit fontScale="90000"/>
+          </a:bodyPr>
+          <a:lstStyle/>
+          <a:p>
+            <a:r>
+              <a:rPr lang="en-US" b="1" dirty="0" smtClean="0"/>
+              <a:t>7) What </a:t>
+            </a:r>
+            <a:r>
+              <a:rPr lang="en-US" b="1" dirty="0"/>
+              <a:t>are the various formatting tags in HTML? </a:t>
+            </a:r>
+            <a:r>
+              <a:rPr lang="en-US" dirty="0"/>
+              <a:t/>
+            </a:r>
+            <a:br>
+              <a:rPr lang="en-US" dirty="0"/>
+            </a:br>
+            <a:endParaRPr lang="en-US" b="1" dirty="0"/>
+          </a:p>
+        </p:txBody>
+      </p:sp>
+      <p:sp>
+        <p:nvSpPr>
+          <p:cNvPr id="3" name="Content Placeholder 2"/>
+          <p:cNvSpPr>
+            <a:spLocks noGrp="1"/>
+          </p:cNvSpPr>
+          <p:nvPr>
+            <p:ph idx="1"/>
+          </p:nvPr>
+        </p:nvSpPr>
+        <p:spPr/>
+        <p:txBody>
+          <a:bodyPr>
+            <a:normAutofit fontScale="85000" lnSpcReduction="20000"/>
+          </a:bodyPr>
+          <a:lstStyle/>
+          <a:p>
+            <a:r>
+              <a:rPr lang="en-US" dirty="0" smtClean="0"/>
+              <a:t>Html formatting is </a:t>
+            </a:r>
+            <a:r>
+              <a:rPr lang="en-US" b="1" dirty="0" smtClean="0"/>
+              <a:t>process </a:t>
+            </a:r>
+            <a:r>
+              <a:rPr lang="en-US" b="1" dirty="0"/>
+              <a:t>of formatting</a:t>
+            </a:r>
+            <a:r>
+              <a:rPr lang="en-US" dirty="0"/>
+              <a:t> text for better look and feel. </a:t>
+            </a:r>
+          </a:p>
+          <a:p>
+            <a:r>
+              <a:rPr lang="en-US" dirty="0" smtClean="0"/>
+              <a:t>Formatting Elements were </a:t>
+            </a:r>
+            <a:r>
+              <a:rPr lang="en-US" b="1" u="sng" dirty="0" smtClean="0">
+                <a:solidFill>
+                  <a:schemeClr val="accent1">
+                    <a:lumMod val="50000"/>
+                  </a:schemeClr>
+                </a:solidFill>
+              </a:rPr>
+              <a:t>designed to display special types of text.</a:t>
+            </a:r>
+          </a:p>
+          <a:p>
+            <a:r>
+              <a:rPr lang="en-US" b="1" u="sng" dirty="0" smtClean="0">
+                <a:solidFill>
+                  <a:schemeClr val="accent1">
+                    <a:lumMod val="50000"/>
+                  </a:schemeClr>
+                </a:solidFill>
+              </a:rPr>
+              <a:t>&lt;b&gt;</a:t>
+            </a:r>
+            <a:r>
+              <a:rPr lang="en-US" dirty="0" smtClean="0">
+                <a:solidFill>
+                  <a:schemeClr val="accent1">
+                    <a:lumMod val="50000"/>
+                  </a:schemeClr>
+                </a:solidFill>
+              </a:rPr>
+              <a:t> - </a:t>
+            </a:r>
+            <a:r>
+              <a:rPr lang="en-US" dirty="0" smtClean="0">
+                <a:solidFill>
+                  <a:schemeClr val="tx1"/>
+                </a:solidFill>
+              </a:rPr>
+              <a:t>bold text</a:t>
+            </a:r>
+            <a:endParaRPr lang="en-US" b="1" u="sng" dirty="0" smtClean="0">
+              <a:solidFill>
+                <a:schemeClr val="accent1">
+                  <a:lumMod val="50000"/>
+                </a:schemeClr>
+              </a:solidFill>
+            </a:endParaRPr>
+          </a:p>
+          <a:p>
+            <a:r>
+              <a:rPr lang="en-US" b="1" u="sng" dirty="0" smtClean="0">
+                <a:solidFill>
+                  <a:schemeClr val="accent1">
+                    <a:lumMod val="50000"/>
+                  </a:schemeClr>
+                </a:solidFill>
+              </a:rPr>
+              <a:t>&lt;strong&gt; </a:t>
+            </a:r>
+            <a:r>
+              <a:rPr lang="en-US" dirty="0" smtClean="0">
+                <a:solidFill>
+                  <a:schemeClr val="tx1"/>
+                </a:solidFill>
+              </a:rPr>
+              <a:t>-  important text</a:t>
+            </a:r>
+          </a:p>
+          <a:p>
+            <a:r>
+              <a:rPr lang="en-US" b="1" u="sng" dirty="0" smtClean="0">
+                <a:solidFill>
+                  <a:schemeClr val="accent1">
+                    <a:lumMod val="50000"/>
+                  </a:schemeClr>
+                </a:solidFill>
+              </a:rPr>
+              <a:t>&lt;i&gt; </a:t>
+            </a:r>
+            <a:r>
+              <a:rPr lang="en-US" b="1" u="sng" dirty="0" smtClean="0">
+                <a:solidFill>
+                  <a:schemeClr val="tx1"/>
+                </a:solidFill>
+              </a:rPr>
+              <a:t>- </a:t>
+            </a:r>
+            <a:r>
+              <a:rPr lang="en-US" dirty="0" smtClean="0">
+                <a:solidFill>
+                  <a:schemeClr val="tx1"/>
+                </a:solidFill>
+              </a:rPr>
+              <a:t>italic text</a:t>
+            </a:r>
+          </a:p>
+          <a:p>
+            <a:r>
+              <a:rPr lang="en-US" b="1" u="sng" dirty="0" smtClean="0">
+                <a:solidFill>
+                  <a:schemeClr val="accent1">
+                    <a:lumMod val="50000"/>
+                  </a:schemeClr>
+                </a:solidFill>
+              </a:rPr>
+              <a:t>&lt;em&gt; </a:t>
+            </a:r>
+            <a:r>
+              <a:rPr lang="en-US" dirty="0" smtClean="0">
+                <a:solidFill>
+                  <a:schemeClr val="tx1"/>
+                </a:solidFill>
+              </a:rPr>
+              <a:t>-  emphasized text</a:t>
+            </a:r>
+          </a:p>
+          <a:p>
+            <a:r>
+              <a:rPr lang="en-US" b="1" u="sng" dirty="0" smtClean="0">
+                <a:solidFill>
+                  <a:schemeClr val="accent1">
+                    <a:lumMod val="50000"/>
+                  </a:schemeClr>
+                </a:solidFill>
+              </a:rPr>
+              <a:t>&lt;mark&gt; </a:t>
+            </a:r>
+            <a:r>
+              <a:rPr lang="en-US" dirty="0" smtClean="0">
+                <a:solidFill>
+                  <a:schemeClr val="tx1"/>
+                </a:solidFill>
+              </a:rPr>
+              <a:t>-  marked text</a:t>
+            </a:r>
+            <a:endParaRPr lang="en-US" dirty="0">
+              <a:solidFill>
+                <a:schemeClr val="tx1"/>
+              </a:solidFill>
+            </a:endParaRPr>
+          </a:p>
+          <a:p>
+            <a:r>
+              <a:rPr lang="en-US" b="1" u="sng" dirty="0" smtClean="0">
+                <a:solidFill>
+                  <a:schemeClr val="accent1">
+                    <a:lumMod val="50000"/>
+                  </a:schemeClr>
+                </a:solidFill>
+              </a:rPr>
+              <a:t>&lt;small&gt; </a:t>
+            </a:r>
+            <a:r>
+              <a:rPr lang="en-US" dirty="0" smtClean="0">
+                <a:solidFill>
+                  <a:schemeClr val="tx1"/>
+                </a:solidFill>
+              </a:rPr>
+              <a:t>- smaller text</a:t>
+            </a:r>
+          </a:p>
+          <a:p>
+            <a:r>
+              <a:rPr lang="en-US" b="1" u="sng" dirty="0" smtClean="0">
+                <a:solidFill>
+                  <a:schemeClr val="accent1">
+                    <a:lumMod val="50000"/>
+                  </a:schemeClr>
+                </a:solidFill>
+              </a:rPr>
+              <a:t>&lt;del&gt; </a:t>
+            </a:r>
+            <a:r>
+              <a:rPr lang="en-US" dirty="0" smtClean="0">
+                <a:solidFill>
+                  <a:schemeClr val="tx1"/>
+                </a:solidFill>
+              </a:rPr>
+              <a:t>- deleted text</a:t>
+            </a:r>
+          </a:p>
+          <a:p>
+            <a:r>
+              <a:rPr lang="en-US" b="1" u="sng" dirty="0" smtClean="0">
+                <a:solidFill>
+                  <a:schemeClr val="accent1">
+                    <a:lumMod val="50000"/>
+                  </a:schemeClr>
+                </a:solidFill>
+              </a:rPr>
+              <a:t>&lt;ins&gt; </a:t>
+            </a:r>
+            <a:r>
+              <a:rPr lang="en-US" dirty="0" smtClean="0">
+                <a:solidFill>
+                  <a:schemeClr val="tx1"/>
+                </a:solidFill>
+              </a:rPr>
+              <a:t>-  inserted text</a:t>
+            </a:r>
+          </a:p>
+          <a:p>
+            <a:r>
+              <a:rPr lang="en-US" b="1" u="sng" dirty="0" smtClean="0">
+                <a:solidFill>
+                  <a:schemeClr val="accent1">
+                    <a:lumMod val="50000"/>
+                  </a:schemeClr>
+                </a:solidFill>
+              </a:rPr>
+              <a:t>&lt;sub&gt; </a:t>
+            </a:r>
+            <a:r>
+              <a:rPr lang="en-US" dirty="0" smtClean="0">
+                <a:solidFill>
+                  <a:schemeClr val="tx1"/>
+                </a:solidFill>
+              </a:rPr>
+              <a:t>-  subscript text</a:t>
+            </a:r>
+          </a:p>
+          <a:p>
+            <a:r>
+              <a:rPr lang="en-US" b="1" u="sng" dirty="0" smtClean="0">
+                <a:solidFill>
+                  <a:schemeClr val="accent1">
+                    <a:lumMod val="50000"/>
+                  </a:schemeClr>
+                </a:solidFill>
+              </a:rPr>
+              <a:t>&lt;sup&gt; </a:t>
+            </a:r>
+            <a:r>
+              <a:rPr lang="en-US" dirty="0" smtClean="0">
+                <a:solidFill>
+                  <a:schemeClr val="tx1"/>
+                </a:solidFill>
+              </a:rPr>
+              <a:t>-  superscript text</a:t>
+            </a:r>
+          </a:p>
+        </p:txBody>
+      </p:sp>
+    </p:spTree>
+    <p:extLst>
+      <p:ext uri="{BB962C8B-B14F-4D97-AF65-F5344CB8AC3E}">
+        <p14:creationId xmlns:p14="http://schemas.microsoft.com/office/powerpoint/2010/main" val="526473057"/>
+      </p:ext>
+    </p:extLst>
+  </p:cSld>
+  <p:clrMapOvr>
+    <a:masterClrMapping/>
+  </p:clrMapOvr>
+  <p:timing>
+    <p:tnLst>
+      <p:par>
+        <p:cTn id="1" dur="indefinite" restart="never" nodeType="tmRoot"/>
+      </p:par>
+    </p:tnLst>
+  </p:timing>
+</p:sld>
+</file>
+
+<file path=ppt/slides/slide37.xml><?xml version="1.0" encoding="utf-8"?>
+<p:sld xmlns:a="http://schemas.openxmlformats.org/drawingml/2006/main" xmlns:r="http://schemas.openxmlformats.org/officeDocument/2006/relationships" xmlns:p="http://schemas.openxmlformats.org/presentationml/2006/main">
+  <p:cSld>
+    <p:spTree>
+      <p:nvGrpSpPr>
+        <p:cNvPr id="1" name=""/>
+        <p:cNvGrpSpPr/>
+        <p:nvPr/>
+      </p:nvGrpSpPr>
+      <p:grpSpPr>
+        <a:xfrm>
+          <a:off x="0" y="0"/>
+          <a:ext cx="0" cy="0"/>
+          <a:chOff x="0" y="0"/>
+          <a:chExt cx="0" cy="0"/>
+        </a:xfrm>
+      </p:grpSpPr>
+      <p:sp>
+        <p:nvSpPr>
+          <p:cNvPr id="2" name="Title 1"/>
+          <p:cNvSpPr>
+            <a:spLocks noGrp="1"/>
+          </p:cNvSpPr>
+          <p:nvPr>
+            <p:ph type="title"/>
+          </p:nvPr>
+        </p:nvSpPr>
+        <p:spPr/>
+        <p:txBody>
+          <a:bodyPr/>
+          <a:lstStyle/>
+          <a:p>
+            <a:r>
+              <a:rPr lang="en-US" dirty="0" smtClean="0"/>
+              <a:t>&lt;b&gt; tag:	</a:t>
+            </a:r>
+            <a:endParaRPr lang="en-US" dirty="0"/>
+          </a:p>
+        </p:txBody>
+      </p:sp>
+      <p:sp>
+        <p:nvSpPr>
+          <p:cNvPr id="3" name="Content Placeholder 2"/>
+          <p:cNvSpPr>
+            <a:spLocks noGrp="1"/>
+          </p:cNvSpPr>
+          <p:nvPr>
+            <p:ph idx="1"/>
+          </p:nvPr>
+        </p:nvSpPr>
+        <p:spPr>
+          <a:xfrm>
+            <a:off x="677334" y="1426494"/>
+            <a:ext cx="8596668" cy="2540200"/>
+          </a:xfrm>
+        </p:spPr>
+        <p:txBody>
+          <a:bodyPr/>
+          <a:lstStyle/>
+          <a:p>
+            <a:r>
+              <a:rPr lang="en-US" dirty="0"/>
+              <a:t>&lt;!DOCTYPE&gt;</a:t>
+            </a:r>
+          </a:p>
+          <a:p>
+            <a:r>
+              <a:rPr lang="en-US" dirty="0"/>
+              <a:t>&lt;html&gt;  </a:t>
+            </a:r>
+          </a:p>
+          <a:p>
+            <a:r>
+              <a:rPr lang="en-US" dirty="0"/>
+              <a:t>&lt;body&gt;  </a:t>
+            </a:r>
+          </a:p>
+          <a:p>
+            <a:r>
+              <a:rPr lang="en-US" dirty="0"/>
+              <a:t>&lt;p&gt; &lt;b&gt;Write Your First Paragraph in bold text.&lt;/b&gt;&lt;/p&gt; </a:t>
+            </a:r>
+          </a:p>
+          <a:p>
+            <a:r>
+              <a:rPr lang="en-US" dirty="0"/>
+              <a:t>&lt;/body&gt;  </a:t>
+            </a:r>
+          </a:p>
+          <a:p>
+            <a:r>
+              <a:rPr lang="en-US" dirty="0"/>
+              <a:t>&lt;/html&gt; </a:t>
+            </a:r>
+            <a:endParaRPr lang="en-US" dirty="0" smtClean="0"/>
+          </a:p>
+          <a:p>
+            <a:pPr marL="0" indent="0">
+              <a:buNone/>
+            </a:pPr>
+            <a:endParaRPr lang="en-US" dirty="0"/>
+          </a:p>
+          <a:p>
+            <a:pPr marL="0" indent="0">
+              <a:buNone/>
+            </a:pPr>
+            <a:endParaRPr lang="en-US" dirty="0"/>
+          </a:p>
+        </p:txBody>
+      </p:sp>
+      <p:pic>
+        <p:nvPicPr>
+          <p:cNvPr id="4" name="Picture 3"/>
+          <p:cNvPicPr>
+            <a:picLocks noChangeAspect="1"/>
+          </p:cNvPicPr>
+          <p:nvPr/>
+        </p:nvPicPr>
+        <p:blipFill>
+          <a:blip r:embed="rId2">
+            <a:extLst>
+              <a:ext uri="{28A0092B-C50C-407E-A947-70E740481C1C}">
+                <a14:useLocalDpi xmlns:a14="http://schemas.microsoft.com/office/drawing/2010/main" val="0"/>
+              </a:ext>
+            </a:extLst>
+          </a:blip>
+          <a:stretch>
+            <a:fillRect/>
+          </a:stretch>
+        </p:blipFill>
+        <p:spPr>
+          <a:xfrm>
+            <a:off x="677334" y="4906851"/>
+            <a:ext cx="5779750" cy="606401"/>
+          </a:xfrm>
+          <a:prstGeom prst="rect">
+            <a:avLst/>
+          </a:prstGeom>
+        </p:spPr>
+      </p:pic>
+      <p:sp>
+        <p:nvSpPr>
+          <p:cNvPr id="5" name="Title 1"/>
+          <p:cNvSpPr txBox="1">
+            <a:spLocks/>
+          </p:cNvSpPr>
+          <p:nvPr/>
+        </p:nvSpPr>
+        <p:spPr>
+          <a:xfrm>
+            <a:off x="844759" y="4123188"/>
+            <a:ext cx="8596668" cy="783663"/>
+          </a:xfrm>
+          <a:prstGeom prst="rect">
+            <a:avLst/>
+          </a:prstGeom>
+        </p:spPr>
+        <p:txBody>
+          <a:bodyPr vert="horz" lIns="91440" tIns="45720" rIns="91440" bIns="45720" rtlCol="0" anchor="t">
+            <a:normAutofit/>
+          </a:bodyPr>
+          <a:lstStyle>
+            <a:lvl1pPr algn="l" defTabSz="457200" rtl="0" eaLnBrk="1" latinLnBrk="0" hangingPunct="1">
+              <a:spcBef>
+                <a:spcPct val="0"/>
+              </a:spcBef>
+              <a:buNone/>
+              <a:defRPr sz="3600" kern="1200">
+                <a:solidFill>
+                  <a:schemeClr val="accent1"/>
+                </a:solidFill>
+                <a:latin typeface="+mj-lt"/>
+                <a:ea typeface="+mj-ea"/>
+                <a:cs typeface="+mj-cs"/>
+              </a:defRPr>
+            </a:lvl1pPr>
+            <a:lvl2pPr eaLnBrk="1" hangingPunct="1">
+              <a:defRPr>
+                <a:solidFill>
+                  <a:schemeClr val="tx2"/>
+                </a:solidFill>
+              </a:defRPr>
+            </a:lvl2pPr>
+            <a:lvl3pPr eaLnBrk="1" hangingPunct="1">
+              <a:defRPr>
+                <a:solidFill>
+                  <a:schemeClr val="tx2"/>
+                </a:solidFill>
+              </a:defRPr>
+            </a:lvl3pPr>
+            <a:lvl4pPr eaLnBrk="1" hangingPunct="1">
+              <a:defRPr>
+                <a:solidFill>
+                  <a:schemeClr val="tx2"/>
+                </a:solidFill>
+              </a:defRPr>
+            </a:lvl4pPr>
+            <a:lvl5pPr eaLnBrk="1" hangingPunct="1">
+              <a:defRPr>
+                <a:solidFill>
+                  <a:schemeClr val="tx2"/>
+                </a:solidFill>
+              </a:defRPr>
+            </a:lvl5pPr>
+            <a:lvl6pPr eaLnBrk="1" hangingPunct="1">
+              <a:defRPr>
+                <a:solidFill>
+                  <a:schemeClr val="tx2"/>
+                </a:solidFill>
+              </a:defRPr>
+            </a:lvl6pPr>
+            <a:lvl7pPr eaLnBrk="1" hangingPunct="1">
+              <a:defRPr>
+                <a:solidFill>
+                  <a:schemeClr val="tx2"/>
+                </a:solidFill>
+              </a:defRPr>
+            </a:lvl7pPr>
+            <a:lvl8pPr eaLnBrk="1" hangingPunct="1">
+              <a:defRPr>
+                <a:solidFill>
+                  <a:schemeClr val="tx2"/>
+                </a:solidFill>
+              </a:defRPr>
+            </a:lvl8pPr>
+            <a:lvl9pPr eaLnBrk="1" hangingPunct="1">
+              <a:defRPr>
+                <a:solidFill>
+                  <a:schemeClr val="tx2"/>
+                </a:solidFill>
+              </a:defRPr>
+            </a:lvl9pPr>
+          </a:lstStyle>
+          <a:p>
+            <a:r>
+              <a:rPr lang="en-US" dirty="0" smtClean="0"/>
+              <a:t>Output:</a:t>
+            </a:r>
+            <a:endParaRPr lang="en-US" dirty="0"/>
+          </a:p>
+        </p:txBody>
+      </p:sp>
+    </p:spTree>
+    <p:extLst>
+      <p:ext uri="{BB962C8B-B14F-4D97-AF65-F5344CB8AC3E}">
+        <p14:creationId xmlns:p14="http://schemas.microsoft.com/office/powerpoint/2010/main" val="752656747"/>
+      </p:ext>
+    </p:extLst>
+  </p:cSld>
+  <p:clrMapOvr>
+    <a:masterClrMapping/>
+  </p:clrMapOvr>
+  <p:timing>
+    <p:tnLst>
+      <p:par>
+        <p:cTn id="1" dur="indefinite" restart="never" nodeType="tmRoot"/>
+      </p:par>
+    </p:tnLst>
+  </p:timing>
+</p:sld>
+</file>
+
+<file path=ppt/slides/slide38.xml><?xml version="1.0" encoding="utf-8"?>
+<p:sld xmlns:a="http://schemas.openxmlformats.org/drawingml/2006/main" xmlns:r="http://schemas.openxmlformats.org/officeDocument/2006/relationships" xmlns:p="http://schemas.openxmlformats.org/presentationml/2006/main">
+  <p:cSld>
+    <p:spTree>
+      <p:nvGrpSpPr>
+        <p:cNvPr id="1" name=""/>
+        <p:cNvGrpSpPr/>
+        <p:nvPr/>
+      </p:nvGrpSpPr>
+      <p:grpSpPr>
+        <a:xfrm>
+          <a:off x="0" y="0"/>
+          <a:ext cx="0" cy="0"/>
+          <a:chOff x="0" y="0"/>
+          <a:chExt cx="0" cy="0"/>
+        </a:xfrm>
+      </p:grpSpPr>
+      <p:sp>
+        <p:nvSpPr>
+          <p:cNvPr id="2" name="Title 1"/>
+          <p:cNvSpPr>
+            <a:spLocks noGrp="1"/>
+          </p:cNvSpPr>
+          <p:nvPr>
+            <p:ph type="title"/>
+          </p:nvPr>
+        </p:nvSpPr>
+        <p:spPr>
+          <a:xfrm>
+            <a:off x="677334" y="609600"/>
+            <a:ext cx="8596668" cy="678287"/>
+          </a:xfrm>
+        </p:spPr>
+        <p:txBody>
+          <a:bodyPr/>
+          <a:lstStyle/>
+          <a:p>
+            <a:r>
+              <a:rPr lang="en-US" dirty="0" smtClean="0"/>
+              <a:t>&lt;strong&gt; Tag:</a:t>
+            </a:r>
+            <a:endParaRPr lang="en-US" dirty="0"/>
+          </a:p>
+        </p:txBody>
+      </p:sp>
+      <p:sp>
+        <p:nvSpPr>
+          <p:cNvPr id="3" name="Content Placeholder 2"/>
+          <p:cNvSpPr>
+            <a:spLocks noGrp="1"/>
+          </p:cNvSpPr>
+          <p:nvPr>
+            <p:ph idx="1"/>
+          </p:nvPr>
+        </p:nvSpPr>
+        <p:spPr>
+          <a:xfrm>
+            <a:off x="677334" y="1287887"/>
+            <a:ext cx="8596668" cy="3880773"/>
+          </a:xfrm>
+        </p:spPr>
+        <p:txBody>
+          <a:bodyPr/>
+          <a:lstStyle/>
+          <a:p>
+            <a:r>
+              <a:rPr lang="en-US" b="1" u="sng" dirty="0"/>
+              <a:t>EXAMPLE: </a:t>
+            </a:r>
+            <a:endParaRPr lang="en-US" b="1" u="sng" dirty="0" smtClean="0"/>
+          </a:p>
+          <a:p>
+            <a:r>
+              <a:rPr lang="en-US" dirty="0" smtClean="0"/>
+              <a:t>&lt;</a:t>
+            </a:r>
+            <a:r>
+              <a:rPr lang="en-US" dirty="0"/>
+              <a:t>p&gt;&lt;strong&gt;This is an important content&lt;/strong&gt;, and this is normal content&lt;/p&gt; </a:t>
+            </a:r>
+          </a:p>
+        </p:txBody>
+      </p:sp>
+      <p:sp>
+        <p:nvSpPr>
+          <p:cNvPr id="5" name="Title 1"/>
+          <p:cNvSpPr txBox="1">
+            <a:spLocks/>
+          </p:cNvSpPr>
+          <p:nvPr/>
+        </p:nvSpPr>
+        <p:spPr>
+          <a:xfrm>
+            <a:off x="677334" y="2567158"/>
+            <a:ext cx="8596668" cy="678287"/>
+          </a:xfrm>
+          <a:prstGeom prst="rect">
+            <a:avLst/>
+          </a:prstGeom>
+        </p:spPr>
+        <p:txBody>
+          <a:bodyPr vert="horz" lIns="91440" tIns="45720" rIns="91440" bIns="45720" rtlCol="0" anchor="t">
+            <a:normAutofit/>
+          </a:bodyPr>
+          <a:lstStyle>
+            <a:lvl1pPr algn="l" defTabSz="457200" rtl="0" eaLnBrk="1" latinLnBrk="0" hangingPunct="1">
+              <a:spcBef>
+                <a:spcPct val="0"/>
+              </a:spcBef>
+              <a:buNone/>
+              <a:defRPr sz="3600" kern="1200">
+                <a:solidFill>
+                  <a:schemeClr val="accent1"/>
+                </a:solidFill>
+                <a:latin typeface="+mj-lt"/>
+                <a:ea typeface="+mj-ea"/>
+                <a:cs typeface="+mj-cs"/>
+              </a:defRPr>
+            </a:lvl1pPr>
+            <a:lvl2pPr eaLnBrk="1" hangingPunct="1">
+              <a:defRPr>
+                <a:solidFill>
+                  <a:schemeClr val="tx2"/>
+                </a:solidFill>
+              </a:defRPr>
+            </a:lvl2pPr>
+            <a:lvl3pPr eaLnBrk="1" hangingPunct="1">
+              <a:defRPr>
+                <a:solidFill>
+                  <a:schemeClr val="tx2"/>
+                </a:solidFill>
+              </a:defRPr>
+            </a:lvl3pPr>
+            <a:lvl4pPr eaLnBrk="1" hangingPunct="1">
+              <a:defRPr>
+                <a:solidFill>
+                  <a:schemeClr val="tx2"/>
+                </a:solidFill>
+              </a:defRPr>
+            </a:lvl4pPr>
+            <a:lvl5pPr eaLnBrk="1" hangingPunct="1">
+              <a:defRPr>
+                <a:solidFill>
+                  <a:schemeClr val="tx2"/>
+                </a:solidFill>
+              </a:defRPr>
+            </a:lvl5pPr>
+            <a:lvl6pPr eaLnBrk="1" hangingPunct="1">
+              <a:defRPr>
+                <a:solidFill>
+                  <a:schemeClr val="tx2"/>
+                </a:solidFill>
+              </a:defRPr>
+            </a:lvl6pPr>
+            <a:lvl7pPr eaLnBrk="1" hangingPunct="1">
+              <a:defRPr>
+                <a:solidFill>
+                  <a:schemeClr val="tx2"/>
+                </a:solidFill>
+              </a:defRPr>
+            </a:lvl7pPr>
+            <a:lvl8pPr eaLnBrk="1" hangingPunct="1">
+              <a:defRPr>
+                <a:solidFill>
+                  <a:schemeClr val="tx2"/>
+                </a:solidFill>
+              </a:defRPr>
+            </a:lvl8pPr>
+            <a:lvl9pPr eaLnBrk="1" hangingPunct="1">
+              <a:defRPr>
+                <a:solidFill>
+                  <a:schemeClr val="tx2"/>
+                </a:solidFill>
+              </a:defRPr>
+            </a:lvl9pPr>
+          </a:lstStyle>
+          <a:p>
+            <a:r>
+              <a:rPr lang="en-US" b="1" dirty="0" smtClean="0"/>
+              <a:t>OUTPUT:</a:t>
+            </a:r>
+            <a:endParaRPr lang="en-US" b="1" dirty="0"/>
+          </a:p>
+        </p:txBody>
+      </p:sp>
+      <p:pic>
+        <p:nvPicPr>
+          <p:cNvPr id="6" name="Picture 5"/>
+          <p:cNvPicPr>
+            <a:picLocks noChangeAspect="1"/>
+          </p:cNvPicPr>
+          <p:nvPr/>
+        </p:nvPicPr>
+        <p:blipFill>
+          <a:blip r:embed="rId2">
+            <a:extLst>
+              <a:ext uri="{28A0092B-C50C-407E-A947-70E740481C1C}">
+                <a14:useLocalDpi xmlns:a14="http://schemas.microsoft.com/office/drawing/2010/main" val="0"/>
+              </a:ext>
+            </a:extLst>
+          </a:blip>
+          <a:stretch>
+            <a:fillRect/>
+          </a:stretch>
+        </p:blipFill>
+        <p:spPr>
+          <a:xfrm>
+            <a:off x="677334" y="3245445"/>
+            <a:ext cx="7715978" cy="686762"/>
+          </a:xfrm>
+          <a:prstGeom prst="rect">
+            <a:avLst/>
+          </a:prstGeom>
+        </p:spPr>
+      </p:pic>
+    </p:spTree>
+    <p:extLst>
+      <p:ext uri="{BB962C8B-B14F-4D97-AF65-F5344CB8AC3E}">
+        <p14:creationId xmlns:p14="http://schemas.microsoft.com/office/powerpoint/2010/main" val="1107040084"/>
+      </p:ext>
+    </p:extLst>
+  </p:cSld>
+  <p:clrMapOvr>
+    <a:masterClrMapping/>
+  </p:clrMapOvr>
+  <p:timing>
+    <p:tnLst>
+      <p:par>
+        <p:cTn id="1" dur="indefinite" restart="never" nodeType="tmRoot"/>
+      </p:par>
+    </p:tnLst>
+  </p:timing>
+</p:sld>
+</file>
+
+<file path=ppt/slides/slide39.xml><?xml version="1.0" encoding="utf-8"?>
+<p:sld xmlns:a="http://schemas.openxmlformats.org/drawingml/2006/main" xmlns:r="http://schemas.openxmlformats.org/officeDocument/2006/relationships" xmlns:p="http://schemas.openxmlformats.org/presentationml/2006/main">
+  <p:cSld>
+    <p:spTree>
+      <p:nvGrpSpPr>
+        <p:cNvPr id="1" name=""/>
+        <p:cNvGrpSpPr/>
+        <p:nvPr/>
+      </p:nvGrpSpPr>
+      <p:grpSpPr>
+        <a:xfrm>
+          <a:off x="0" y="0"/>
+          <a:ext cx="0" cy="0"/>
+          <a:chOff x="0" y="0"/>
+          <a:chExt cx="0" cy="0"/>
+        </a:xfrm>
+      </p:grpSpPr>
+      <p:sp>
+        <p:nvSpPr>
+          <p:cNvPr id="2" name="Title 1"/>
+          <p:cNvSpPr>
+            <a:spLocks noGrp="1"/>
+          </p:cNvSpPr>
+          <p:nvPr>
+            <p:ph type="title"/>
+          </p:nvPr>
+        </p:nvSpPr>
+        <p:spPr>
+          <a:xfrm>
+            <a:off x="677334" y="609600"/>
+            <a:ext cx="8596668" cy="691166"/>
+          </a:xfrm>
+        </p:spPr>
+        <p:txBody>
+          <a:bodyPr/>
+          <a:lstStyle/>
+          <a:p>
+            <a:r>
+              <a:rPr lang="en-US" dirty="0" smtClean="0"/>
+              <a:t>&lt;i&gt; and &lt;em&gt; tag:</a:t>
+            </a:r>
+            <a:endParaRPr lang="en-US" dirty="0"/>
+          </a:p>
+        </p:txBody>
+      </p:sp>
+      <p:sp>
+        <p:nvSpPr>
+          <p:cNvPr id="3" name="Content Placeholder 2"/>
+          <p:cNvSpPr>
+            <a:spLocks noGrp="1"/>
+          </p:cNvSpPr>
+          <p:nvPr>
+            <p:ph idx="1"/>
+          </p:nvPr>
+        </p:nvSpPr>
+        <p:spPr>
+          <a:xfrm>
+            <a:off x="806123" y="1413614"/>
+            <a:ext cx="8596668" cy="1522769"/>
+          </a:xfrm>
+        </p:spPr>
+        <p:txBody>
+          <a:bodyPr/>
+          <a:lstStyle/>
+          <a:p>
+            <a:r>
+              <a:rPr lang="en-US" b="1" u="sng" dirty="0" smtClean="0"/>
+              <a:t>EXAMPLE: </a:t>
+            </a:r>
+            <a:endParaRPr lang="en-US" dirty="0" smtClean="0"/>
+          </a:p>
+          <a:p>
+            <a:r>
+              <a:rPr lang="en-US" dirty="0" smtClean="0">
+                <a:solidFill>
+                  <a:srgbClr val="2A11BF"/>
+                </a:solidFill>
+              </a:rPr>
+              <a:t>&lt;p&gt;</a:t>
+            </a:r>
+            <a:r>
+              <a:rPr lang="en-US" dirty="0" smtClean="0">
+                <a:solidFill>
+                  <a:srgbClr val="FF0000"/>
+                </a:solidFill>
+              </a:rPr>
+              <a:t>&lt;i&gt;</a:t>
+            </a:r>
+            <a:r>
+              <a:rPr lang="en-US" dirty="0" smtClean="0"/>
+              <a:t>Write paragraph in italic text.</a:t>
+            </a:r>
+            <a:r>
+              <a:rPr lang="en-US" dirty="0" smtClean="0">
+                <a:solidFill>
+                  <a:srgbClr val="FF0000"/>
+                </a:solidFill>
+              </a:rPr>
+              <a:t>&lt;/i&gt;</a:t>
+            </a:r>
+            <a:r>
+              <a:rPr lang="en-US" dirty="0" smtClean="0">
+                <a:solidFill>
+                  <a:srgbClr val="2A11BF"/>
+                </a:solidFill>
+              </a:rPr>
+              <a:t>&lt;/p&gt;</a:t>
+            </a:r>
+            <a:endParaRPr lang="en-US" dirty="0">
+              <a:solidFill>
+                <a:srgbClr val="2A11BF"/>
+              </a:solidFill>
+            </a:endParaRPr>
+          </a:p>
+          <a:p>
+            <a:r>
+              <a:rPr lang="en-US" dirty="0" smtClean="0">
+                <a:solidFill>
+                  <a:srgbClr val="2A11BF"/>
+                </a:solidFill>
+              </a:rPr>
+              <a:t>&lt;p&gt;</a:t>
+            </a:r>
+            <a:r>
+              <a:rPr lang="en-US" dirty="0" smtClean="0">
+                <a:solidFill>
+                  <a:srgbClr val="FF0000"/>
+                </a:solidFill>
+              </a:rPr>
+              <a:t>&lt;em&gt;</a:t>
+            </a:r>
+            <a:r>
+              <a:rPr lang="en-US" dirty="0" smtClean="0"/>
+              <a:t>This is an important content</a:t>
+            </a:r>
+            <a:r>
+              <a:rPr lang="en-US" dirty="0" smtClean="0">
+                <a:solidFill>
+                  <a:srgbClr val="FF0000"/>
+                </a:solidFill>
+              </a:rPr>
+              <a:t>&lt;/em&gt;</a:t>
+            </a:r>
+            <a:r>
+              <a:rPr lang="en-US" dirty="0" smtClean="0"/>
+              <a:t>,which is displayed in italic text.</a:t>
+            </a:r>
+            <a:r>
+              <a:rPr lang="en-US" dirty="0" smtClean="0">
+                <a:solidFill>
+                  <a:srgbClr val="2A11BF"/>
+                </a:solidFill>
+              </a:rPr>
+              <a:t>&lt;/p&gt;</a:t>
+            </a:r>
+            <a:endParaRPr lang="en-US" dirty="0">
+              <a:solidFill>
+                <a:srgbClr val="2A11BF"/>
+              </a:solidFill>
+            </a:endParaRPr>
+          </a:p>
+        </p:txBody>
+      </p:sp>
+      <p:sp>
+        <p:nvSpPr>
+          <p:cNvPr id="4" name="Title 1"/>
+          <p:cNvSpPr txBox="1">
+            <a:spLocks/>
+          </p:cNvSpPr>
+          <p:nvPr/>
+        </p:nvSpPr>
+        <p:spPr>
+          <a:xfrm>
+            <a:off x="677334" y="2936383"/>
+            <a:ext cx="8596668" cy="691166"/>
+          </a:xfrm>
+          <a:prstGeom prst="rect">
+            <a:avLst/>
+          </a:prstGeom>
+        </p:spPr>
+        <p:txBody>
+          <a:bodyPr vert="horz" lIns="91440" tIns="45720" rIns="91440" bIns="45720" rtlCol="0" anchor="t">
+            <a:normAutofit/>
+          </a:bodyPr>
+          <a:lstStyle>
+            <a:lvl1pPr algn="l" defTabSz="457200" rtl="0" eaLnBrk="1" latinLnBrk="0" hangingPunct="1">
+              <a:spcBef>
+                <a:spcPct val="0"/>
+              </a:spcBef>
+              <a:buNone/>
+              <a:defRPr sz="3600" kern="1200">
+                <a:solidFill>
+                  <a:schemeClr val="accent1"/>
+                </a:solidFill>
+                <a:latin typeface="+mj-lt"/>
+                <a:ea typeface="+mj-ea"/>
+                <a:cs typeface="+mj-cs"/>
+              </a:defRPr>
+            </a:lvl1pPr>
+            <a:lvl2pPr eaLnBrk="1" hangingPunct="1">
+              <a:defRPr>
+                <a:solidFill>
+                  <a:schemeClr val="tx2"/>
+                </a:solidFill>
+              </a:defRPr>
+            </a:lvl2pPr>
+            <a:lvl3pPr eaLnBrk="1" hangingPunct="1">
+              <a:defRPr>
+                <a:solidFill>
+                  <a:schemeClr val="tx2"/>
+                </a:solidFill>
+              </a:defRPr>
+            </a:lvl3pPr>
+            <a:lvl4pPr eaLnBrk="1" hangingPunct="1">
+              <a:defRPr>
+                <a:solidFill>
+                  <a:schemeClr val="tx2"/>
+                </a:solidFill>
+              </a:defRPr>
+            </a:lvl4pPr>
+            <a:lvl5pPr eaLnBrk="1" hangingPunct="1">
+              <a:defRPr>
+                <a:solidFill>
+                  <a:schemeClr val="tx2"/>
+                </a:solidFill>
+              </a:defRPr>
+            </a:lvl5pPr>
+            <a:lvl6pPr eaLnBrk="1" hangingPunct="1">
+              <a:defRPr>
+                <a:solidFill>
+                  <a:schemeClr val="tx2"/>
+                </a:solidFill>
+              </a:defRPr>
+            </a:lvl6pPr>
+            <a:lvl7pPr eaLnBrk="1" hangingPunct="1">
+              <a:defRPr>
+                <a:solidFill>
+                  <a:schemeClr val="tx2"/>
+                </a:solidFill>
+              </a:defRPr>
+            </a:lvl7pPr>
+            <a:lvl8pPr eaLnBrk="1" hangingPunct="1">
+              <a:defRPr>
+                <a:solidFill>
+                  <a:schemeClr val="tx2"/>
+                </a:solidFill>
+              </a:defRPr>
+            </a:lvl8pPr>
+            <a:lvl9pPr eaLnBrk="1" hangingPunct="1">
+              <a:defRPr>
+                <a:solidFill>
+                  <a:schemeClr val="tx2"/>
+                </a:solidFill>
+              </a:defRPr>
+            </a:lvl9pPr>
+          </a:lstStyle>
+          <a:p>
+            <a:r>
+              <a:rPr lang="en-US" dirty="0" smtClean="0"/>
+              <a:t>Output :</a:t>
+            </a:r>
+            <a:endParaRPr lang="en-US" dirty="0"/>
+          </a:p>
+        </p:txBody>
+      </p:sp>
+      <p:pic>
+        <p:nvPicPr>
+          <p:cNvPr id="7" name="Picture 6"/>
+          <p:cNvPicPr>
+            <a:picLocks noChangeAspect="1"/>
+          </p:cNvPicPr>
+          <p:nvPr/>
+        </p:nvPicPr>
+        <p:blipFill>
+          <a:blip r:embed="rId2">
+            <a:extLst>
+              <a:ext uri="{28A0092B-C50C-407E-A947-70E740481C1C}">
+                <a14:useLocalDpi xmlns:a14="http://schemas.microsoft.com/office/drawing/2010/main" val="0"/>
+              </a:ext>
+            </a:extLst>
+          </a:blip>
+          <a:stretch>
+            <a:fillRect/>
+          </a:stretch>
+        </p:blipFill>
+        <p:spPr>
+          <a:xfrm>
+            <a:off x="1218247" y="3627549"/>
+            <a:ext cx="5163353" cy="583843"/>
+          </a:xfrm>
+          <a:prstGeom prst="rect">
+            <a:avLst/>
+          </a:prstGeom>
+        </p:spPr>
+      </p:pic>
+      <p:pic>
+        <p:nvPicPr>
+          <p:cNvPr id="8" name="Picture 7"/>
+          <p:cNvPicPr>
+            <a:picLocks noChangeAspect="1"/>
+          </p:cNvPicPr>
+          <p:nvPr/>
+        </p:nvPicPr>
+        <p:blipFill>
+          <a:blip r:embed="rId3">
+            <a:extLst>
+              <a:ext uri="{28A0092B-C50C-407E-A947-70E740481C1C}">
+                <a14:useLocalDpi xmlns:a14="http://schemas.microsoft.com/office/drawing/2010/main" val="0"/>
+              </a:ext>
+            </a:extLst>
+          </a:blip>
+          <a:stretch>
+            <a:fillRect/>
+          </a:stretch>
+        </p:blipFill>
+        <p:spPr>
+          <a:xfrm>
+            <a:off x="1128094" y="4207099"/>
+            <a:ext cx="7129675" cy="630149"/>
+          </a:xfrm>
+          <a:prstGeom prst="rect">
+            <a:avLst/>
+          </a:prstGeom>
+        </p:spPr>
+      </p:pic>
+    </p:spTree>
+    <p:extLst>
+      <p:ext uri="{BB962C8B-B14F-4D97-AF65-F5344CB8AC3E}">
+        <p14:creationId xmlns:p14="http://schemas.microsoft.com/office/powerpoint/2010/main" val="2287166166"/>
+      </p:ext>
+    </p:extLst>
+  </p:cSld>
+  <p:clrMapOvr>
+    <a:masterClrMapping/>
+  </p:clrMapOvr>
+  <p:timing>
+    <p:tnLst>
+      <p:par>
+        <p:cTn id="1" dur="indefinite" restart="never" nodeType="tmRoot"/>
+      </p:par>
+    </p:tnLst>
+  </p:timing>
+</p:sld>
+</file>
+
 <file path=ppt/slides/slide4.xml><?xml version="1.0" encoding="utf-8"?>
 <p:sld xmlns:a="http://schemas.openxmlformats.org/drawingml/2006/main" xmlns:r="http://schemas.openxmlformats.org/officeDocument/2006/relationships" xmlns:p="http://schemas.openxmlformats.org/presentationml/2006/main">
   <p:cSld>
@@ -8609,6 +12621,2443 @@
       </p:par>
     </p:tnLst>
   </p:timing>
+</p:sld>
+</file>
+
+<file path=ppt/slides/slide40.xml><?xml version="1.0" encoding="utf-8"?>
+<p:sld xmlns:a="http://schemas.openxmlformats.org/drawingml/2006/main" xmlns:r="http://schemas.openxmlformats.org/officeDocument/2006/relationships" xmlns:p="http://schemas.openxmlformats.org/presentationml/2006/main">
+  <p:cSld>
+    <p:spTree>
+      <p:nvGrpSpPr>
+        <p:cNvPr id="1" name=""/>
+        <p:cNvGrpSpPr/>
+        <p:nvPr/>
+      </p:nvGrpSpPr>
+      <p:grpSpPr>
+        <a:xfrm>
+          <a:off x="0" y="0"/>
+          <a:ext cx="0" cy="0"/>
+          <a:chOff x="0" y="0"/>
+          <a:chExt cx="0" cy="0"/>
+        </a:xfrm>
+      </p:grpSpPr>
+      <p:sp>
+        <p:nvSpPr>
+          <p:cNvPr id="2" name="Title 1"/>
+          <p:cNvSpPr>
+            <a:spLocks noGrp="1"/>
+          </p:cNvSpPr>
+          <p:nvPr>
+            <p:ph type="title"/>
+          </p:nvPr>
+        </p:nvSpPr>
+        <p:spPr>
+          <a:xfrm>
+            <a:off x="677334" y="120203"/>
+            <a:ext cx="8596668" cy="652529"/>
+          </a:xfrm>
+        </p:spPr>
+        <p:txBody>
+          <a:bodyPr/>
+          <a:lstStyle/>
+          <a:p>
+            <a:r>
+              <a:rPr lang="en-US" dirty="0" smtClean="0"/>
+              <a:t>&lt;mark&gt; Tag:	</a:t>
+            </a:r>
+            <a:endParaRPr lang="en-US" dirty="0"/>
+          </a:p>
+        </p:txBody>
+      </p:sp>
+      <p:sp>
+        <p:nvSpPr>
+          <p:cNvPr id="3" name="Content Placeholder 2"/>
+          <p:cNvSpPr>
+            <a:spLocks noGrp="1"/>
+          </p:cNvSpPr>
+          <p:nvPr>
+            <p:ph idx="1"/>
+          </p:nvPr>
+        </p:nvSpPr>
+        <p:spPr>
+          <a:xfrm>
+            <a:off x="677334" y="872701"/>
+            <a:ext cx="8596668" cy="2488685"/>
+          </a:xfrm>
+        </p:spPr>
+        <p:txBody>
+          <a:bodyPr/>
+          <a:lstStyle/>
+          <a:p>
+            <a:r>
+              <a:rPr lang="en-US" dirty="0"/>
+              <a:t>&lt;!DOCTYPE&gt;</a:t>
+            </a:r>
+          </a:p>
+          <a:p>
+            <a:r>
+              <a:rPr lang="en-US" dirty="0"/>
+              <a:t>&lt;html&gt;  </a:t>
+            </a:r>
+          </a:p>
+          <a:p>
+            <a:r>
+              <a:rPr lang="en-US" dirty="0"/>
+              <a:t>&lt;body&gt;  </a:t>
+            </a:r>
+          </a:p>
+          <a:p>
+            <a:r>
+              <a:rPr lang="en-US" dirty="0"/>
+              <a:t>&lt;h2&gt;  I want to put a &lt;mark&gt; Mark&lt;/mark&gt; on your face&lt;/h2&gt;  </a:t>
+            </a:r>
+          </a:p>
+          <a:p>
+            <a:r>
+              <a:rPr lang="en-US" dirty="0"/>
+              <a:t>&lt;/body&gt;  </a:t>
+            </a:r>
+          </a:p>
+          <a:p>
+            <a:r>
+              <a:rPr lang="en-US" dirty="0"/>
+              <a:t>&lt;/html&gt; </a:t>
+            </a:r>
+          </a:p>
+        </p:txBody>
+      </p:sp>
+      <p:sp>
+        <p:nvSpPr>
+          <p:cNvPr id="4" name="Title 1"/>
+          <p:cNvSpPr txBox="1">
+            <a:spLocks/>
+          </p:cNvSpPr>
+          <p:nvPr/>
+        </p:nvSpPr>
+        <p:spPr>
+          <a:xfrm>
+            <a:off x="677334" y="3361386"/>
+            <a:ext cx="8596668" cy="652529"/>
+          </a:xfrm>
+          <a:prstGeom prst="rect">
+            <a:avLst/>
+          </a:prstGeom>
+        </p:spPr>
+        <p:txBody>
+          <a:bodyPr vert="horz" lIns="91440" tIns="45720" rIns="91440" bIns="45720" rtlCol="0" anchor="t">
+            <a:normAutofit/>
+          </a:bodyPr>
+          <a:lstStyle>
+            <a:lvl1pPr algn="l" defTabSz="457200" rtl="0" eaLnBrk="1" latinLnBrk="0" hangingPunct="1">
+              <a:spcBef>
+                <a:spcPct val="0"/>
+              </a:spcBef>
+              <a:buNone/>
+              <a:defRPr sz="3600" kern="1200">
+                <a:solidFill>
+                  <a:schemeClr val="accent1"/>
+                </a:solidFill>
+                <a:latin typeface="+mj-lt"/>
+                <a:ea typeface="+mj-ea"/>
+                <a:cs typeface="+mj-cs"/>
+              </a:defRPr>
+            </a:lvl1pPr>
+            <a:lvl2pPr eaLnBrk="1" hangingPunct="1">
+              <a:defRPr>
+                <a:solidFill>
+                  <a:schemeClr val="tx2"/>
+                </a:solidFill>
+              </a:defRPr>
+            </a:lvl2pPr>
+            <a:lvl3pPr eaLnBrk="1" hangingPunct="1">
+              <a:defRPr>
+                <a:solidFill>
+                  <a:schemeClr val="tx2"/>
+                </a:solidFill>
+              </a:defRPr>
+            </a:lvl3pPr>
+            <a:lvl4pPr eaLnBrk="1" hangingPunct="1">
+              <a:defRPr>
+                <a:solidFill>
+                  <a:schemeClr val="tx2"/>
+                </a:solidFill>
+              </a:defRPr>
+            </a:lvl4pPr>
+            <a:lvl5pPr eaLnBrk="1" hangingPunct="1">
+              <a:defRPr>
+                <a:solidFill>
+                  <a:schemeClr val="tx2"/>
+                </a:solidFill>
+              </a:defRPr>
+            </a:lvl5pPr>
+            <a:lvl6pPr eaLnBrk="1" hangingPunct="1">
+              <a:defRPr>
+                <a:solidFill>
+                  <a:schemeClr val="tx2"/>
+                </a:solidFill>
+              </a:defRPr>
+            </a:lvl6pPr>
+            <a:lvl7pPr eaLnBrk="1" hangingPunct="1">
+              <a:defRPr>
+                <a:solidFill>
+                  <a:schemeClr val="tx2"/>
+                </a:solidFill>
+              </a:defRPr>
+            </a:lvl7pPr>
+            <a:lvl8pPr eaLnBrk="1" hangingPunct="1">
+              <a:defRPr>
+                <a:solidFill>
+                  <a:schemeClr val="tx2"/>
+                </a:solidFill>
+              </a:defRPr>
+            </a:lvl8pPr>
+            <a:lvl9pPr eaLnBrk="1" hangingPunct="1">
+              <a:defRPr>
+                <a:solidFill>
+                  <a:schemeClr val="tx2"/>
+                </a:solidFill>
+              </a:defRPr>
+            </a:lvl9pPr>
+          </a:lstStyle>
+          <a:p>
+            <a:r>
+              <a:rPr lang="en-US" dirty="0" smtClean="0"/>
+              <a:t>Output:	</a:t>
+            </a:r>
+            <a:endParaRPr lang="en-US" dirty="0"/>
+          </a:p>
+        </p:txBody>
+      </p:sp>
+      <p:pic>
+        <p:nvPicPr>
+          <p:cNvPr id="5" name="Picture 4"/>
+          <p:cNvPicPr>
+            <a:picLocks noChangeAspect="1"/>
+          </p:cNvPicPr>
+          <p:nvPr/>
+        </p:nvPicPr>
+        <p:blipFill>
+          <a:blip r:embed="rId2">
+            <a:extLst>
+              <a:ext uri="{28A0092B-C50C-407E-A947-70E740481C1C}">
+                <a14:useLocalDpi xmlns:a14="http://schemas.microsoft.com/office/drawing/2010/main" val="0"/>
+              </a:ext>
+            </a:extLst>
+          </a:blip>
+          <a:stretch>
+            <a:fillRect/>
+          </a:stretch>
+        </p:blipFill>
+        <p:spPr>
+          <a:xfrm>
+            <a:off x="813812" y="4178099"/>
+            <a:ext cx="5155812" cy="458295"/>
+          </a:xfrm>
+          <a:prstGeom prst="rect">
+            <a:avLst/>
+          </a:prstGeom>
+        </p:spPr>
+      </p:pic>
+    </p:spTree>
+    <p:extLst>
+      <p:ext uri="{BB962C8B-B14F-4D97-AF65-F5344CB8AC3E}">
+        <p14:creationId xmlns:p14="http://schemas.microsoft.com/office/powerpoint/2010/main" val="1915637923"/>
+      </p:ext>
+    </p:extLst>
+  </p:cSld>
+  <p:clrMapOvr>
+    <a:masterClrMapping/>
+  </p:clrMapOvr>
+  <p:timing>
+    <p:tnLst>
+      <p:par>
+        <p:cTn id="1" dur="indefinite" restart="never" nodeType="tmRoot"/>
+      </p:par>
+    </p:tnLst>
+  </p:timing>
+</p:sld>
+</file>
+
+<file path=ppt/slides/slide41.xml><?xml version="1.0" encoding="utf-8"?>
+<p:sld xmlns:a="http://schemas.openxmlformats.org/drawingml/2006/main" xmlns:r="http://schemas.openxmlformats.org/officeDocument/2006/relationships" xmlns:p="http://schemas.openxmlformats.org/presentationml/2006/main">
+  <p:cSld>
+    <p:spTree>
+      <p:nvGrpSpPr>
+        <p:cNvPr id="1" name=""/>
+        <p:cNvGrpSpPr/>
+        <p:nvPr/>
+      </p:nvGrpSpPr>
+      <p:grpSpPr>
+        <a:xfrm>
+          <a:off x="0" y="0"/>
+          <a:ext cx="0" cy="0"/>
+          <a:chOff x="0" y="0"/>
+          <a:chExt cx="0" cy="0"/>
+        </a:xfrm>
+      </p:grpSpPr>
+      <p:sp>
+        <p:nvSpPr>
+          <p:cNvPr id="2" name="Title 1"/>
+          <p:cNvSpPr>
+            <a:spLocks noGrp="1"/>
+          </p:cNvSpPr>
+          <p:nvPr>
+            <p:ph type="title"/>
+          </p:nvPr>
+        </p:nvSpPr>
+        <p:spPr>
+          <a:xfrm>
+            <a:off x="746151" y="197476"/>
+            <a:ext cx="8596668" cy="704045"/>
+          </a:xfrm>
+        </p:spPr>
+        <p:txBody>
+          <a:bodyPr/>
+          <a:lstStyle/>
+          <a:p>
+            <a:r>
+              <a:rPr lang="en-US" dirty="0" smtClean="0"/>
+              <a:t>&lt;u&gt; tag:</a:t>
+            </a:r>
+            <a:endParaRPr lang="en-US" dirty="0"/>
+          </a:p>
+        </p:txBody>
+      </p:sp>
+      <p:sp>
+        <p:nvSpPr>
+          <p:cNvPr id="3" name="Content Placeholder 2"/>
+          <p:cNvSpPr>
+            <a:spLocks noGrp="1"/>
+          </p:cNvSpPr>
+          <p:nvPr>
+            <p:ph idx="1"/>
+          </p:nvPr>
+        </p:nvSpPr>
+        <p:spPr>
+          <a:xfrm>
+            <a:off x="746151" y="901521"/>
+            <a:ext cx="8596668" cy="3309871"/>
+          </a:xfrm>
+        </p:spPr>
+        <p:txBody>
+          <a:bodyPr/>
+          <a:lstStyle/>
+          <a:p>
+            <a:r>
+              <a:rPr lang="en-US" dirty="0" smtClean="0">
+                <a:solidFill>
+                  <a:srgbClr val="FF0000"/>
+                </a:solidFill>
+              </a:rPr>
+              <a:t>This text is used to underlined the text.</a:t>
+            </a:r>
+          </a:p>
+          <a:p>
+            <a:r>
+              <a:rPr lang="en-US" b="1" u="sng" dirty="0" smtClean="0"/>
+              <a:t>EXAMPLE:</a:t>
+            </a:r>
+          </a:p>
+          <a:p>
+            <a:r>
+              <a:rPr lang="en-US" dirty="0"/>
+              <a:t>&lt;!DOCTYPE&gt;</a:t>
+            </a:r>
+          </a:p>
+          <a:p>
+            <a:r>
+              <a:rPr lang="en-US" dirty="0"/>
+              <a:t>&lt;html&gt;  </a:t>
+            </a:r>
+          </a:p>
+          <a:p>
+            <a:r>
+              <a:rPr lang="en-US" dirty="0"/>
+              <a:t>&lt;body&gt;  </a:t>
+            </a:r>
+          </a:p>
+          <a:p>
+            <a:r>
+              <a:rPr lang="en-US" dirty="0"/>
+              <a:t>&lt;p&gt; &lt;u&gt;Write Your First Paragraph in underlined text.&lt;/u&gt;&lt;/p&gt;   </a:t>
+            </a:r>
+          </a:p>
+          <a:p>
+            <a:r>
+              <a:rPr lang="en-US" dirty="0"/>
+              <a:t>&lt;/body&gt;  </a:t>
+            </a:r>
+          </a:p>
+          <a:p>
+            <a:r>
+              <a:rPr lang="en-US" dirty="0"/>
+              <a:t>&lt;/html&gt; </a:t>
+            </a:r>
+          </a:p>
+        </p:txBody>
+      </p:sp>
+      <p:sp>
+        <p:nvSpPr>
+          <p:cNvPr id="4" name="Title 1"/>
+          <p:cNvSpPr txBox="1">
+            <a:spLocks/>
+          </p:cNvSpPr>
+          <p:nvPr/>
+        </p:nvSpPr>
+        <p:spPr>
+          <a:xfrm>
+            <a:off x="746151" y="4563414"/>
+            <a:ext cx="8596668" cy="704045"/>
+          </a:xfrm>
+          <a:prstGeom prst="rect">
+            <a:avLst/>
+          </a:prstGeom>
+        </p:spPr>
+        <p:txBody>
+          <a:bodyPr vert="horz" lIns="91440" tIns="45720" rIns="91440" bIns="45720" rtlCol="0" anchor="t">
+            <a:normAutofit/>
+          </a:bodyPr>
+          <a:lstStyle>
+            <a:lvl1pPr algn="l" defTabSz="457200" rtl="0" eaLnBrk="1" latinLnBrk="0" hangingPunct="1">
+              <a:spcBef>
+                <a:spcPct val="0"/>
+              </a:spcBef>
+              <a:buNone/>
+              <a:defRPr sz="3600" kern="1200">
+                <a:solidFill>
+                  <a:schemeClr val="accent1"/>
+                </a:solidFill>
+                <a:latin typeface="+mj-lt"/>
+                <a:ea typeface="+mj-ea"/>
+                <a:cs typeface="+mj-cs"/>
+              </a:defRPr>
+            </a:lvl1pPr>
+            <a:lvl2pPr eaLnBrk="1" hangingPunct="1">
+              <a:defRPr>
+                <a:solidFill>
+                  <a:schemeClr val="tx2"/>
+                </a:solidFill>
+              </a:defRPr>
+            </a:lvl2pPr>
+            <a:lvl3pPr eaLnBrk="1" hangingPunct="1">
+              <a:defRPr>
+                <a:solidFill>
+                  <a:schemeClr val="tx2"/>
+                </a:solidFill>
+              </a:defRPr>
+            </a:lvl3pPr>
+            <a:lvl4pPr eaLnBrk="1" hangingPunct="1">
+              <a:defRPr>
+                <a:solidFill>
+                  <a:schemeClr val="tx2"/>
+                </a:solidFill>
+              </a:defRPr>
+            </a:lvl4pPr>
+            <a:lvl5pPr eaLnBrk="1" hangingPunct="1">
+              <a:defRPr>
+                <a:solidFill>
+                  <a:schemeClr val="tx2"/>
+                </a:solidFill>
+              </a:defRPr>
+            </a:lvl5pPr>
+            <a:lvl6pPr eaLnBrk="1" hangingPunct="1">
+              <a:defRPr>
+                <a:solidFill>
+                  <a:schemeClr val="tx2"/>
+                </a:solidFill>
+              </a:defRPr>
+            </a:lvl6pPr>
+            <a:lvl7pPr eaLnBrk="1" hangingPunct="1">
+              <a:defRPr>
+                <a:solidFill>
+                  <a:schemeClr val="tx2"/>
+                </a:solidFill>
+              </a:defRPr>
+            </a:lvl7pPr>
+            <a:lvl8pPr eaLnBrk="1" hangingPunct="1">
+              <a:defRPr>
+                <a:solidFill>
+                  <a:schemeClr val="tx2"/>
+                </a:solidFill>
+              </a:defRPr>
+            </a:lvl8pPr>
+            <a:lvl9pPr eaLnBrk="1" hangingPunct="1">
+              <a:defRPr>
+                <a:solidFill>
+                  <a:schemeClr val="tx2"/>
+                </a:solidFill>
+              </a:defRPr>
+            </a:lvl9pPr>
+          </a:lstStyle>
+          <a:p>
+            <a:r>
+              <a:rPr lang="en-US" dirty="0" smtClean="0"/>
+              <a:t>Output:</a:t>
+            </a:r>
+            <a:endParaRPr lang="en-US" dirty="0"/>
+          </a:p>
+        </p:txBody>
+      </p:sp>
+      <p:pic>
+        <p:nvPicPr>
+          <p:cNvPr id="5" name="Picture 4"/>
+          <p:cNvPicPr>
+            <a:picLocks noChangeAspect="1"/>
+          </p:cNvPicPr>
+          <p:nvPr/>
+        </p:nvPicPr>
+        <p:blipFill>
+          <a:blip r:embed="rId2">
+            <a:extLst>
+              <a:ext uri="{28A0092B-C50C-407E-A947-70E740481C1C}">
+                <a14:useLocalDpi xmlns:a14="http://schemas.microsoft.com/office/drawing/2010/main" val="0"/>
+              </a:ext>
+            </a:extLst>
+          </a:blip>
+          <a:stretch>
+            <a:fillRect/>
+          </a:stretch>
+        </p:blipFill>
+        <p:spPr>
+          <a:xfrm>
+            <a:off x="746151" y="5064614"/>
+            <a:ext cx="6034255" cy="898303"/>
+          </a:xfrm>
+          <a:prstGeom prst="rect">
+            <a:avLst/>
+          </a:prstGeom>
+        </p:spPr>
+      </p:pic>
+      <p:sp>
+        <p:nvSpPr>
+          <p:cNvPr id="6" name="Title 1"/>
+          <p:cNvSpPr txBox="1">
+            <a:spLocks/>
+          </p:cNvSpPr>
+          <p:nvPr/>
+        </p:nvSpPr>
+        <p:spPr>
+          <a:xfrm>
+            <a:off x="898551" y="4715814"/>
+            <a:ext cx="8596668" cy="704045"/>
+          </a:xfrm>
+          <a:prstGeom prst="rect">
+            <a:avLst/>
+          </a:prstGeom>
+        </p:spPr>
+        <p:txBody>
+          <a:bodyPr vert="horz" lIns="91440" tIns="45720" rIns="91440" bIns="45720" rtlCol="0" anchor="t">
+            <a:normAutofit/>
+          </a:bodyPr>
+          <a:lstStyle>
+            <a:lvl1pPr algn="l" defTabSz="457200" rtl="0" eaLnBrk="1" latinLnBrk="0" hangingPunct="1">
+              <a:spcBef>
+                <a:spcPct val="0"/>
+              </a:spcBef>
+              <a:buNone/>
+              <a:defRPr sz="3600" kern="1200">
+                <a:solidFill>
+                  <a:schemeClr val="accent1"/>
+                </a:solidFill>
+                <a:latin typeface="+mj-lt"/>
+                <a:ea typeface="+mj-ea"/>
+                <a:cs typeface="+mj-cs"/>
+              </a:defRPr>
+            </a:lvl1pPr>
+            <a:lvl2pPr eaLnBrk="1" hangingPunct="1">
+              <a:defRPr>
+                <a:solidFill>
+                  <a:schemeClr val="tx2"/>
+                </a:solidFill>
+              </a:defRPr>
+            </a:lvl2pPr>
+            <a:lvl3pPr eaLnBrk="1" hangingPunct="1">
+              <a:defRPr>
+                <a:solidFill>
+                  <a:schemeClr val="tx2"/>
+                </a:solidFill>
+              </a:defRPr>
+            </a:lvl3pPr>
+            <a:lvl4pPr eaLnBrk="1" hangingPunct="1">
+              <a:defRPr>
+                <a:solidFill>
+                  <a:schemeClr val="tx2"/>
+                </a:solidFill>
+              </a:defRPr>
+            </a:lvl4pPr>
+            <a:lvl5pPr eaLnBrk="1" hangingPunct="1">
+              <a:defRPr>
+                <a:solidFill>
+                  <a:schemeClr val="tx2"/>
+                </a:solidFill>
+              </a:defRPr>
+            </a:lvl5pPr>
+            <a:lvl6pPr eaLnBrk="1" hangingPunct="1">
+              <a:defRPr>
+                <a:solidFill>
+                  <a:schemeClr val="tx2"/>
+                </a:solidFill>
+              </a:defRPr>
+            </a:lvl6pPr>
+            <a:lvl7pPr eaLnBrk="1" hangingPunct="1">
+              <a:defRPr>
+                <a:solidFill>
+                  <a:schemeClr val="tx2"/>
+                </a:solidFill>
+              </a:defRPr>
+            </a:lvl7pPr>
+            <a:lvl8pPr eaLnBrk="1" hangingPunct="1">
+              <a:defRPr>
+                <a:solidFill>
+                  <a:schemeClr val="tx2"/>
+                </a:solidFill>
+              </a:defRPr>
+            </a:lvl8pPr>
+            <a:lvl9pPr eaLnBrk="1" hangingPunct="1">
+              <a:defRPr>
+                <a:solidFill>
+                  <a:schemeClr val="tx2"/>
+                </a:solidFill>
+              </a:defRPr>
+            </a:lvl9pPr>
+          </a:lstStyle>
+          <a:p>
+            <a:r>
+              <a:rPr lang="en-US" dirty="0" smtClean="0"/>
+              <a:t>Output:</a:t>
+            </a:r>
+            <a:endParaRPr lang="en-US" dirty="0"/>
+          </a:p>
+        </p:txBody>
+      </p:sp>
+    </p:spTree>
+    <p:extLst>
+      <p:ext uri="{BB962C8B-B14F-4D97-AF65-F5344CB8AC3E}">
+        <p14:creationId xmlns:p14="http://schemas.microsoft.com/office/powerpoint/2010/main" val="2306131947"/>
+      </p:ext>
+    </p:extLst>
+  </p:cSld>
+  <p:clrMapOvr>
+    <a:masterClrMapping/>
+  </p:clrMapOvr>
+  <p:timing>
+    <p:tnLst>
+      <p:par>
+        <p:cTn id="1" dur="indefinite" restart="never" nodeType="tmRoot"/>
+      </p:par>
+    </p:tnLst>
+  </p:timing>
+</p:sld>
+</file>
+
+<file path=ppt/slides/slide42.xml><?xml version="1.0" encoding="utf-8"?>
+<p:sld xmlns:a="http://schemas.openxmlformats.org/drawingml/2006/main" xmlns:r="http://schemas.openxmlformats.org/officeDocument/2006/relationships" xmlns:p="http://schemas.openxmlformats.org/presentationml/2006/main">
+  <p:cSld>
+    <p:spTree>
+      <p:nvGrpSpPr>
+        <p:cNvPr id="1" name=""/>
+        <p:cNvGrpSpPr/>
+        <p:nvPr/>
+      </p:nvGrpSpPr>
+      <p:grpSpPr>
+        <a:xfrm>
+          <a:off x="0" y="0"/>
+          <a:ext cx="0" cy="0"/>
+          <a:chOff x="0" y="0"/>
+          <a:chExt cx="0" cy="0"/>
+        </a:xfrm>
+      </p:grpSpPr>
+      <p:sp>
+        <p:nvSpPr>
+          <p:cNvPr id="2" name="Title 1"/>
+          <p:cNvSpPr>
+            <a:spLocks noGrp="1"/>
+          </p:cNvSpPr>
+          <p:nvPr>
+            <p:ph type="title"/>
+          </p:nvPr>
+        </p:nvSpPr>
+        <p:spPr>
+          <a:xfrm>
+            <a:off x="677334" y="609600"/>
+            <a:ext cx="8596668" cy="1296473"/>
+          </a:xfrm>
+        </p:spPr>
+        <p:txBody>
+          <a:bodyPr>
+            <a:normAutofit/>
+          </a:bodyPr>
+          <a:lstStyle/>
+          <a:p>
+            <a:r>
+              <a:rPr lang="en-US" u="sng" dirty="0" smtClean="0"/>
+              <a:t>&lt;small&gt;Tag:</a:t>
+            </a:r>
+            <a:r>
+              <a:rPr lang="en-US" dirty="0" smtClean="0"/>
+              <a:t/>
+            </a:r>
+            <a:br>
+              <a:rPr lang="en-US" dirty="0" smtClean="0"/>
+            </a:br>
+            <a:r>
+              <a:rPr lang="en-US" dirty="0"/>
+              <a:t>	</a:t>
+            </a:r>
+            <a:r>
+              <a:rPr lang="en-US" dirty="0" smtClean="0"/>
+              <a:t>	T</a:t>
+            </a:r>
+            <a:r>
+              <a:rPr lang="en-US" sz="1800" dirty="0" smtClean="0">
+                <a:solidFill>
+                  <a:srgbClr val="FF0000"/>
+                </a:solidFill>
+              </a:rPr>
+              <a:t>his tag is used to reduce the font size to one to the  previous one.</a:t>
+            </a:r>
+            <a:endParaRPr lang="en-US" dirty="0">
+              <a:solidFill>
+                <a:srgbClr val="FF0000"/>
+              </a:solidFill>
+            </a:endParaRPr>
+          </a:p>
+        </p:txBody>
+      </p:sp>
+      <p:sp>
+        <p:nvSpPr>
+          <p:cNvPr id="3" name="Content Placeholder 2"/>
+          <p:cNvSpPr>
+            <a:spLocks noGrp="1"/>
+          </p:cNvSpPr>
+          <p:nvPr>
+            <p:ph idx="1"/>
+          </p:nvPr>
+        </p:nvSpPr>
+        <p:spPr>
+          <a:xfrm>
+            <a:off x="677334" y="1812860"/>
+            <a:ext cx="8596668" cy="2424289"/>
+          </a:xfrm>
+        </p:spPr>
+        <p:txBody>
+          <a:bodyPr>
+            <a:normAutofit/>
+          </a:bodyPr>
+          <a:lstStyle/>
+          <a:p>
+            <a:r>
+              <a:rPr lang="en-US" dirty="0"/>
+              <a:t>&lt;!DOCTYPE&gt;</a:t>
+            </a:r>
+          </a:p>
+          <a:p>
+            <a:r>
+              <a:rPr lang="en-US" dirty="0"/>
+              <a:t>&lt;html&gt;  </a:t>
+            </a:r>
+          </a:p>
+          <a:p>
+            <a:r>
+              <a:rPr lang="en-US" dirty="0"/>
+              <a:t>&lt;body&gt;  </a:t>
+            </a:r>
+          </a:p>
+          <a:p>
+            <a:r>
+              <a:rPr lang="en-US" dirty="0"/>
+              <a:t>&lt;p&gt;Hello &lt;small&gt;Write the paragraph in smaller font.&lt;/small&gt;&lt;/p&gt;   </a:t>
+            </a:r>
+          </a:p>
+          <a:p>
+            <a:r>
+              <a:rPr lang="en-US" dirty="0"/>
+              <a:t>&lt;/body&gt;  </a:t>
+            </a:r>
+          </a:p>
+          <a:p>
+            <a:r>
+              <a:rPr lang="en-US" dirty="0"/>
+              <a:t>&lt;/html&gt;  </a:t>
+            </a:r>
+          </a:p>
+          <a:p>
+            <a:pPr marL="0" indent="0">
+              <a:buNone/>
+            </a:pPr>
+            <a:endParaRPr lang="en-US" dirty="0"/>
+          </a:p>
+        </p:txBody>
+      </p:sp>
+      <p:sp>
+        <p:nvSpPr>
+          <p:cNvPr id="4" name="Title 1"/>
+          <p:cNvSpPr txBox="1">
+            <a:spLocks/>
+          </p:cNvSpPr>
+          <p:nvPr/>
+        </p:nvSpPr>
+        <p:spPr>
+          <a:xfrm>
+            <a:off x="574303" y="4395989"/>
+            <a:ext cx="8596668" cy="1296473"/>
+          </a:xfrm>
+          <a:prstGeom prst="rect">
+            <a:avLst/>
+          </a:prstGeom>
+        </p:spPr>
+        <p:txBody>
+          <a:bodyPr vert="horz" lIns="91440" tIns="45720" rIns="91440" bIns="45720" rtlCol="0" anchor="t">
+            <a:normAutofit/>
+          </a:bodyPr>
+          <a:lstStyle>
+            <a:lvl1pPr algn="l" defTabSz="457200" rtl="0" eaLnBrk="1" latinLnBrk="0" hangingPunct="1">
+              <a:spcBef>
+                <a:spcPct val="0"/>
+              </a:spcBef>
+              <a:buNone/>
+              <a:defRPr sz="3600" kern="1200">
+                <a:solidFill>
+                  <a:schemeClr val="accent1"/>
+                </a:solidFill>
+                <a:latin typeface="+mj-lt"/>
+                <a:ea typeface="+mj-ea"/>
+                <a:cs typeface="+mj-cs"/>
+              </a:defRPr>
+            </a:lvl1pPr>
+            <a:lvl2pPr eaLnBrk="1" hangingPunct="1">
+              <a:defRPr>
+                <a:solidFill>
+                  <a:schemeClr val="tx2"/>
+                </a:solidFill>
+              </a:defRPr>
+            </a:lvl2pPr>
+            <a:lvl3pPr eaLnBrk="1" hangingPunct="1">
+              <a:defRPr>
+                <a:solidFill>
+                  <a:schemeClr val="tx2"/>
+                </a:solidFill>
+              </a:defRPr>
+            </a:lvl3pPr>
+            <a:lvl4pPr eaLnBrk="1" hangingPunct="1">
+              <a:defRPr>
+                <a:solidFill>
+                  <a:schemeClr val="tx2"/>
+                </a:solidFill>
+              </a:defRPr>
+            </a:lvl4pPr>
+            <a:lvl5pPr eaLnBrk="1" hangingPunct="1">
+              <a:defRPr>
+                <a:solidFill>
+                  <a:schemeClr val="tx2"/>
+                </a:solidFill>
+              </a:defRPr>
+            </a:lvl5pPr>
+            <a:lvl6pPr eaLnBrk="1" hangingPunct="1">
+              <a:defRPr>
+                <a:solidFill>
+                  <a:schemeClr val="tx2"/>
+                </a:solidFill>
+              </a:defRPr>
+            </a:lvl6pPr>
+            <a:lvl7pPr eaLnBrk="1" hangingPunct="1">
+              <a:defRPr>
+                <a:solidFill>
+                  <a:schemeClr val="tx2"/>
+                </a:solidFill>
+              </a:defRPr>
+            </a:lvl7pPr>
+            <a:lvl8pPr eaLnBrk="1" hangingPunct="1">
+              <a:defRPr>
+                <a:solidFill>
+                  <a:schemeClr val="tx2"/>
+                </a:solidFill>
+              </a:defRPr>
+            </a:lvl8pPr>
+            <a:lvl9pPr eaLnBrk="1" hangingPunct="1">
+              <a:defRPr>
+                <a:solidFill>
+                  <a:schemeClr val="tx2"/>
+                </a:solidFill>
+              </a:defRPr>
+            </a:lvl9pPr>
+          </a:lstStyle>
+          <a:p>
+            <a:r>
+              <a:rPr lang="en-US" u="sng" dirty="0" smtClean="0"/>
+              <a:t>Output:</a:t>
+            </a:r>
+            <a:endParaRPr lang="en-US" dirty="0">
+              <a:solidFill>
+                <a:srgbClr val="FF0000"/>
+              </a:solidFill>
+            </a:endParaRPr>
+          </a:p>
+        </p:txBody>
+      </p:sp>
+      <p:pic>
+        <p:nvPicPr>
+          <p:cNvPr id="5" name="Picture 4"/>
+          <p:cNvPicPr>
+            <a:picLocks noChangeAspect="1"/>
+          </p:cNvPicPr>
+          <p:nvPr/>
+        </p:nvPicPr>
+        <p:blipFill>
+          <a:blip r:embed="rId2">
+            <a:extLst>
+              <a:ext uri="{28A0092B-C50C-407E-A947-70E740481C1C}">
+                <a14:useLocalDpi xmlns:a14="http://schemas.microsoft.com/office/drawing/2010/main" val="0"/>
+              </a:ext>
+            </a:extLst>
+          </a:blip>
+          <a:stretch>
+            <a:fillRect/>
+          </a:stretch>
+        </p:blipFill>
+        <p:spPr>
+          <a:xfrm>
+            <a:off x="574303" y="5076499"/>
+            <a:ext cx="4907082" cy="774803"/>
+          </a:xfrm>
+          <a:prstGeom prst="rect">
+            <a:avLst/>
+          </a:prstGeom>
+        </p:spPr>
+      </p:pic>
+    </p:spTree>
+    <p:extLst>
+      <p:ext uri="{BB962C8B-B14F-4D97-AF65-F5344CB8AC3E}">
+        <p14:creationId xmlns:p14="http://schemas.microsoft.com/office/powerpoint/2010/main" val="1508753807"/>
+      </p:ext>
+    </p:extLst>
+  </p:cSld>
+  <p:clrMapOvr>
+    <a:masterClrMapping/>
+  </p:clrMapOvr>
+  <p:timing>
+    <p:tnLst>
+      <p:par>
+        <p:cTn id="1" dur="indefinite" restart="never" nodeType="tmRoot"/>
+      </p:par>
+    </p:tnLst>
+  </p:timing>
+</p:sld>
+</file>
+
+<file path=ppt/slides/slide43.xml><?xml version="1.0" encoding="utf-8"?>
+<p:sld xmlns:a="http://schemas.openxmlformats.org/drawingml/2006/main" xmlns:r="http://schemas.openxmlformats.org/officeDocument/2006/relationships" xmlns:p="http://schemas.openxmlformats.org/presentationml/2006/main">
+  <p:cSld>
+    <p:spTree>
+      <p:nvGrpSpPr>
+        <p:cNvPr id="1" name=""/>
+        <p:cNvGrpSpPr/>
+        <p:nvPr/>
+      </p:nvGrpSpPr>
+      <p:grpSpPr>
+        <a:xfrm>
+          <a:off x="0" y="0"/>
+          <a:ext cx="0" cy="0"/>
+          <a:chOff x="0" y="0"/>
+          <a:chExt cx="0" cy="0"/>
+        </a:xfrm>
+      </p:grpSpPr>
+      <p:sp>
+        <p:nvSpPr>
+          <p:cNvPr id="2" name="Title 1"/>
+          <p:cNvSpPr>
+            <a:spLocks noGrp="1"/>
+          </p:cNvSpPr>
+          <p:nvPr>
+            <p:ph type="title"/>
+          </p:nvPr>
+        </p:nvSpPr>
+        <p:spPr>
+          <a:xfrm>
+            <a:off x="677334" y="609600"/>
+            <a:ext cx="8596668" cy="665408"/>
+          </a:xfrm>
+        </p:spPr>
+        <p:txBody>
+          <a:bodyPr/>
+          <a:lstStyle/>
+          <a:p>
+            <a:r>
+              <a:rPr lang="en-US" dirty="0" smtClean="0"/>
+              <a:t>&lt;del&gt; Tag:</a:t>
+            </a:r>
+            <a:endParaRPr lang="en-US" dirty="0"/>
+          </a:p>
+        </p:txBody>
+      </p:sp>
+      <p:sp>
+        <p:nvSpPr>
+          <p:cNvPr id="3" name="Content Placeholder 2"/>
+          <p:cNvSpPr>
+            <a:spLocks noGrp="1"/>
+          </p:cNvSpPr>
+          <p:nvPr>
+            <p:ph idx="1"/>
+          </p:nvPr>
+        </p:nvSpPr>
+        <p:spPr>
+          <a:xfrm>
+            <a:off x="857639" y="1387858"/>
+            <a:ext cx="8596668" cy="3119748"/>
+          </a:xfrm>
+        </p:spPr>
+        <p:txBody>
+          <a:bodyPr/>
+          <a:lstStyle/>
+          <a:p>
+            <a:r>
+              <a:rPr lang="en-US" u="sng" dirty="0"/>
+              <a:t>Anything that puts within </a:t>
+            </a:r>
+            <a:r>
+              <a:rPr lang="en-US" u="sng" dirty="0">
+                <a:solidFill>
+                  <a:srgbClr val="FF0000"/>
+                </a:solidFill>
+              </a:rPr>
+              <a:t>&lt;del&gt;..........&lt;/del&gt; </a:t>
+            </a:r>
+            <a:r>
+              <a:rPr lang="en-US" u="sng" dirty="0"/>
+              <a:t>is displayed </a:t>
+            </a:r>
+            <a:r>
+              <a:rPr lang="en-US" u="sng" dirty="0" smtClean="0"/>
+              <a:t>as </a:t>
+            </a:r>
+            <a:r>
+              <a:rPr lang="en-US" u="sng" dirty="0" smtClean="0">
+                <a:solidFill>
+                  <a:srgbClr val="FF0000"/>
+                </a:solidFill>
+              </a:rPr>
+              <a:t>deleted text.</a:t>
+            </a:r>
+          </a:p>
+          <a:p>
+            <a:r>
+              <a:rPr lang="en-US" b="1" u="sng" dirty="0" smtClean="0">
+                <a:solidFill>
+                  <a:srgbClr val="FF0000"/>
+                </a:solidFill>
+              </a:rPr>
+              <a:t>Example:</a:t>
+            </a:r>
+          </a:p>
+          <a:p>
+            <a:pPr lvl="1"/>
+            <a:r>
+              <a:rPr lang="en-US" b="1" dirty="0">
+                <a:solidFill>
+                  <a:schemeClr val="tx1"/>
+                </a:solidFill>
+              </a:rPr>
+              <a:t>&lt;!DOCTYPE&gt;</a:t>
+            </a:r>
+          </a:p>
+          <a:p>
+            <a:pPr lvl="1"/>
+            <a:r>
+              <a:rPr lang="en-US" b="1" dirty="0">
+                <a:solidFill>
+                  <a:schemeClr val="tx1"/>
+                </a:solidFill>
+              </a:rPr>
+              <a:t>&lt;html&gt;  </a:t>
+            </a:r>
+          </a:p>
+          <a:p>
+            <a:pPr lvl="1"/>
+            <a:r>
+              <a:rPr lang="en-US" b="1" dirty="0">
+                <a:solidFill>
+                  <a:schemeClr val="tx1"/>
+                </a:solidFill>
+              </a:rPr>
+              <a:t>&lt;body&gt;  </a:t>
+            </a:r>
+          </a:p>
+          <a:p>
+            <a:pPr lvl="1"/>
+            <a:r>
+              <a:rPr lang="en-US" b="1" dirty="0">
+                <a:solidFill>
+                  <a:schemeClr val="tx1"/>
+                </a:solidFill>
+              </a:rPr>
+              <a:t>&lt;p&gt;Hello &lt;del&gt;Delete your first paragraph.&lt;/del&gt;&lt;/p&gt;   </a:t>
+            </a:r>
+          </a:p>
+          <a:p>
+            <a:pPr lvl="1"/>
+            <a:r>
+              <a:rPr lang="en-US" b="1" dirty="0">
+                <a:solidFill>
+                  <a:schemeClr val="tx1"/>
+                </a:solidFill>
+              </a:rPr>
+              <a:t>&lt;/body&gt;  </a:t>
+            </a:r>
+          </a:p>
+          <a:p>
+            <a:pPr lvl="1"/>
+            <a:r>
+              <a:rPr lang="en-US" b="1" dirty="0">
+                <a:solidFill>
+                  <a:schemeClr val="tx1"/>
+                </a:solidFill>
+              </a:rPr>
+              <a:t>&lt;/html&gt;  </a:t>
+            </a:r>
+          </a:p>
+          <a:p>
+            <a:pPr lvl="1"/>
+            <a:endParaRPr lang="en-US" b="1" u="sng" dirty="0">
+              <a:solidFill>
+                <a:srgbClr val="FF0000"/>
+              </a:solidFill>
+            </a:endParaRPr>
+          </a:p>
+        </p:txBody>
+      </p:sp>
+      <p:sp>
+        <p:nvSpPr>
+          <p:cNvPr id="4" name="Title 1"/>
+          <p:cNvSpPr txBox="1">
+            <a:spLocks/>
+          </p:cNvSpPr>
+          <p:nvPr/>
+        </p:nvSpPr>
+        <p:spPr>
+          <a:xfrm>
+            <a:off x="677334" y="4620456"/>
+            <a:ext cx="8596668" cy="665408"/>
+          </a:xfrm>
+          <a:prstGeom prst="rect">
+            <a:avLst/>
+          </a:prstGeom>
+        </p:spPr>
+        <p:txBody>
+          <a:bodyPr vert="horz" lIns="91440" tIns="45720" rIns="91440" bIns="45720" rtlCol="0" anchor="t">
+            <a:normAutofit/>
+          </a:bodyPr>
+          <a:lstStyle>
+            <a:lvl1pPr algn="l" defTabSz="457200" rtl="0" eaLnBrk="1" latinLnBrk="0" hangingPunct="1">
+              <a:spcBef>
+                <a:spcPct val="0"/>
+              </a:spcBef>
+              <a:buNone/>
+              <a:defRPr sz="3600" kern="1200">
+                <a:solidFill>
+                  <a:schemeClr val="accent1"/>
+                </a:solidFill>
+                <a:latin typeface="+mj-lt"/>
+                <a:ea typeface="+mj-ea"/>
+                <a:cs typeface="+mj-cs"/>
+              </a:defRPr>
+            </a:lvl1pPr>
+            <a:lvl2pPr eaLnBrk="1" hangingPunct="1">
+              <a:defRPr>
+                <a:solidFill>
+                  <a:schemeClr val="tx2"/>
+                </a:solidFill>
+              </a:defRPr>
+            </a:lvl2pPr>
+            <a:lvl3pPr eaLnBrk="1" hangingPunct="1">
+              <a:defRPr>
+                <a:solidFill>
+                  <a:schemeClr val="tx2"/>
+                </a:solidFill>
+              </a:defRPr>
+            </a:lvl3pPr>
+            <a:lvl4pPr eaLnBrk="1" hangingPunct="1">
+              <a:defRPr>
+                <a:solidFill>
+                  <a:schemeClr val="tx2"/>
+                </a:solidFill>
+              </a:defRPr>
+            </a:lvl4pPr>
+            <a:lvl5pPr eaLnBrk="1" hangingPunct="1">
+              <a:defRPr>
+                <a:solidFill>
+                  <a:schemeClr val="tx2"/>
+                </a:solidFill>
+              </a:defRPr>
+            </a:lvl5pPr>
+            <a:lvl6pPr eaLnBrk="1" hangingPunct="1">
+              <a:defRPr>
+                <a:solidFill>
+                  <a:schemeClr val="tx2"/>
+                </a:solidFill>
+              </a:defRPr>
+            </a:lvl6pPr>
+            <a:lvl7pPr eaLnBrk="1" hangingPunct="1">
+              <a:defRPr>
+                <a:solidFill>
+                  <a:schemeClr val="tx2"/>
+                </a:solidFill>
+              </a:defRPr>
+            </a:lvl7pPr>
+            <a:lvl8pPr eaLnBrk="1" hangingPunct="1">
+              <a:defRPr>
+                <a:solidFill>
+                  <a:schemeClr val="tx2"/>
+                </a:solidFill>
+              </a:defRPr>
+            </a:lvl8pPr>
+            <a:lvl9pPr eaLnBrk="1" hangingPunct="1">
+              <a:defRPr>
+                <a:solidFill>
+                  <a:schemeClr val="tx2"/>
+                </a:solidFill>
+              </a:defRPr>
+            </a:lvl9pPr>
+          </a:lstStyle>
+          <a:p>
+            <a:r>
+              <a:rPr lang="en-US" dirty="0" smtClean="0"/>
+              <a:t>Output:</a:t>
+            </a:r>
+            <a:endParaRPr lang="en-US" dirty="0"/>
+          </a:p>
+        </p:txBody>
+      </p:sp>
+      <p:pic>
+        <p:nvPicPr>
+          <p:cNvPr id="5" name="Picture 4"/>
+          <p:cNvPicPr>
+            <a:picLocks noChangeAspect="1"/>
+          </p:cNvPicPr>
+          <p:nvPr/>
+        </p:nvPicPr>
+        <p:blipFill>
+          <a:blip r:embed="rId2">
+            <a:extLst>
+              <a:ext uri="{28A0092B-C50C-407E-A947-70E740481C1C}">
+                <a14:useLocalDpi xmlns:a14="http://schemas.microsoft.com/office/drawing/2010/main" val="0"/>
+              </a:ext>
+            </a:extLst>
+          </a:blip>
+          <a:stretch>
+            <a:fillRect/>
+          </a:stretch>
+        </p:blipFill>
+        <p:spPr>
+          <a:xfrm>
+            <a:off x="857639" y="5398714"/>
+            <a:ext cx="4763576" cy="800774"/>
+          </a:xfrm>
+          <a:prstGeom prst="rect">
+            <a:avLst/>
+          </a:prstGeom>
+        </p:spPr>
+      </p:pic>
+    </p:spTree>
+    <p:extLst>
+      <p:ext uri="{BB962C8B-B14F-4D97-AF65-F5344CB8AC3E}">
+        <p14:creationId xmlns:p14="http://schemas.microsoft.com/office/powerpoint/2010/main" val="1155531064"/>
+      </p:ext>
+    </p:extLst>
+  </p:cSld>
+  <p:clrMapOvr>
+    <a:masterClrMapping/>
+  </p:clrMapOvr>
+  <p:timing>
+    <p:tnLst>
+      <p:par>
+        <p:cTn id="1" dur="indefinite" restart="never" nodeType="tmRoot"/>
+      </p:par>
+    </p:tnLst>
+  </p:timing>
+</p:sld>
+</file>
+
+<file path=ppt/slides/slide44.xml><?xml version="1.0" encoding="utf-8"?>
+<p:sld xmlns:a="http://schemas.openxmlformats.org/drawingml/2006/main" xmlns:r="http://schemas.openxmlformats.org/officeDocument/2006/relationships" xmlns:p="http://schemas.openxmlformats.org/presentationml/2006/main">
+  <p:cSld>
+    <p:spTree>
+      <p:nvGrpSpPr>
+        <p:cNvPr id="1" name=""/>
+        <p:cNvGrpSpPr/>
+        <p:nvPr/>
+      </p:nvGrpSpPr>
+      <p:grpSpPr>
+        <a:xfrm>
+          <a:off x="0" y="0"/>
+          <a:ext cx="0" cy="0"/>
+          <a:chOff x="0" y="0"/>
+          <a:chExt cx="0" cy="0"/>
+        </a:xfrm>
+      </p:grpSpPr>
+      <p:sp>
+        <p:nvSpPr>
+          <p:cNvPr id="2" name="Title 1"/>
+          <p:cNvSpPr>
+            <a:spLocks noGrp="1"/>
+          </p:cNvSpPr>
+          <p:nvPr>
+            <p:ph type="title"/>
+          </p:nvPr>
+        </p:nvSpPr>
+        <p:spPr>
+          <a:xfrm>
+            <a:off x="677334" y="0"/>
+            <a:ext cx="8596668" cy="1038896"/>
+          </a:xfrm>
+        </p:spPr>
+        <p:txBody>
+          <a:bodyPr>
+            <a:normAutofit fontScale="90000"/>
+          </a:bodyPr>
+          <a:lstStyle/>
+          <a:p>
+            <a:pPr>
+              <a:lnSpc>
+                <a:spcPct val="150000"/>
+              </a:lnSpc>
+            </a:pPr>
+            <a:r>
+              <a:rPr lang="en-US" dirty="0" smtClean="0"/>
+              <a:t>&lt;ins&gt; Tag:</a:t>
+            </a:r>
+            <a:br>
+              <a:rPr lang="en-US" dirty="0" smtClean="0"/>
+            </a:br>
+            <a:r>
+              <a:rPr lang="en-US" sz="1800" dirty="0">
+                <a:solidFill>
+                  <a:srgbClr val="FF0000"/>
+                </a:solidFill>
+              </a:rPr>
+              <a:t>T</a:t>
+            </a:r>
+            <a:r>
+              <a:rPr lang="en-US" sz="1800" dirty="0" smtClean="0">
+                <a:solidFill>
+                  <a:srgbClr val="FF0000"/>
+                </a:solidFill>
+              </a:rPr>
+              <a:t>his tag is defines text has been inserted into a document, browser will usually underline inserted text. </a:t>
+            </a:r>
+            <a:endParaRPr lang="en-US" dirty="0">
+              <a:solidFill>
+                <a:srgbClr val="FF0000"/>
+              </a:solidFill>
+            </a:endParaRPr>
+          </a:p>
+        </p:txBody>
+      </p:sp>
+      <p:sp>
+        <p:nvSpPr>
+          <p:cNvPr id="3" name="Content Placeholder 2"/>
+          <p:cNvSpPr>
+            <a:spLocks noGrp="1"/>
+          </p:cNvSpPr>
+          <p:nvPr>
+            <p:ph idx="1"/>
+          </p:nvPr>
+        </p:nvSpPr>
+        <p:spPr>
+          <a:xfrm>
+            <a:off x="677334" y="1648496"/>
+            <a:ext cx="8596668" cy="3620133"/>
+          </a:xfrm>
+        </p:spPr>
+        <p:txBody>
+          <a:bodyPr>
+            <a:normAutofit fontScale="92500" lnSpcReduction="10000"/>
+          </a:bodyPr>
+          <a:lstStyle/>
+          <a:p>
+            <a:r>
+              <a:rPr lang="en-US" dirty="0"/>
+              <a:t>&lt;!DOCTYPE html&gt;</a:t>
+            </a:r>
+          </a:p>
+          <a:p>
+            <a:r>
+              <a:rPr lang="en-US" dirty="0"/>
+              <a:t>&lt;html&gt;</a:t>
+            </a:r>
+          </a:p>
+          <a:p>
+            <a:r>
+              <a:rPr lang="en-US" dirty="0"/>
+              <a:t>&lt;body&gt;</a:t>
+            </a:r>
+          </a:p>
+          <a:p>
+            <a:endParaRPr lang="en-US" dirty="0"/>
+          </a:p>
+          <a:p>
+            <a:r>
+              <a:rPr lang="en-US" dirty="0"/>
+              <a:t>&lt;h1&gt;The ins element&lt;/h1&gt;</a:t>
+            </a:r>
+          </a:p>
+          <a:p>
+            <a:endParaRPr lang="en-US" dirty="0"/>
+          </a:p>
+          <a:p>
+            <a:r>
+              <a:rPr lang="en-US" dirty="0"/>
+              <a:t>&lt;p&gt;My favorite color is &lt;del&gt;blue&lt;/del&gt; &lt;ins&gt;red&lt;/ins&gt;!&lt;/p&gt;</a:t>
+            </a:r>
+          </a:p>
+          <a:p>
+            <a:endParaRPr lang="en-US" dirty="0"/>
+          </a:p>
+          <a:p>
+            <a:r>
+              <a:rPr lang="en-US" dirty="0"/>
+              <a:t>&lt;/body&gt;</a:t>
+            </a:r>
+          </a:p>
+          <a:p>
+            <a:r>
+              <a:rPr lang="en-US" dirty="0"/>
+              <a:t>&lt;/html&gt;</a:t>
+            </a:r>
+          </a:p>
+          <a:p>
+            <a:endParaRPr lang="en-US" dirty="0"/>
+          </a:p>
+        </p:txBody>
+      </p:sp>
+      <p:sp>
+        <p:nvSpPr>
+          <p:cNvPr id="6" name="Title 1"/>
+          <p:cNvSpPr txBox="1">
+            <a:spLocks/>
+          </p:cNvSpPr>
+          <p:nvPr/>
+        </p:nvSpPr>
+        <p:spPr>
+          <a:xfrm>
+            <a:off x="677334" y="5268629"/>
+            <a:ext cx="8596668" cy="617016"/>
+          </a:xfrm>
+          <a:prstGeom prst="rect">
+            <a:avLst/>
+          </a:prstGeom>
+        </p:spPr>
+        <p:txBody>
+          <a:bodyPr vert="horz" lIns="91440" tIns="45720" rIns="91440" bIns="45720" rtlCol="0" anchor="t">
+            <a:normAutofit fontScale="97500" lnSpcReduction="10000"/>
+          </a:bodyPr>
+          <a:lstStyle>
+            <a:lvl1pPr algn="l" defTabSz="457200" rtl="0" eaLnBrk="1" latinLnBrk="0" hangingPunct="1">
+              <a:spcBef>
+                <a:spcPct val="0"/>
+              </a:spcBef>
+              <a:buNone/>
+              <a:defRPr sz="3600" kern="1200">
+                <a:solidFill>
+                  <a:schemeClr val="accent1"/>
+                </a:solidFill>
+                <a:latin typeface="+mj-lt"/>
+                <a:ea typeface="+mj-ea"/>
+                <a:cs typeface="+mj-cs"/>
+              </a:defRPr>
+            </a:lvl1pPr>
+            <a:lvl2pPr eaLnBrk="1" hangingPunct="1">
+              <a:defRPr>
+                <a:solidFill>
+                  <a:schemeClr val="tx2"/>
+                </a:solidFill>
+              </a:defRPr>
+            </a:lvl2pPr>
+            <a:lvl3pPr eaLnBrk="1" hangingPunct="1">
+              <a:defRPr>
+                <a:solidFill>
+                  <a:schemeClr val="tx2"/>
+                </a:solidFill>
+              </a:defRPr>
+            </a:lvl3pPr>
+            <a:lvl4pPr eaLnBrk="1" hangingPunct="1">
+              <a:defRPr>
+                <a:solidFill>
+                  <a:schemeClr val="tx2"/>
+                </a:solidFill>
+              </a:defRPr>
+            </a:lvl4pPr>
+            <a:lvl5pPr eaLnBrk="1" hangingPunct="1">
+              <a:defRPr>
+                <a:solidFill>
+                  <a:schemeClr val="tx2"/>
+                </a:solidFill>
+              </a:defRPr>
+            </a:lvl5pPr>
+            <a:lvl6pPr eaLnBrk="1" hangingPunct="1">
+              <a:defRPr>
+                <a:solidFill>
+                  <a:schemeClr val="tx2"/>
+                </a:solidFill>
+              </a:defRPr>
+            </a:lvl6pPr>
+            <a:lvl7pPr eaLnBrk="1" hangingPunct="1">
+              <a:defRPr>
+                <a:solidFill>
+                  <a:schemeClr val="tx2"/>
+                </a:solidFill>
+              </a:defRPr>
+            </a:lvl7pPr>
+            <a:lvl8pPr eaLnBrk="1" hangingPunct="1">
+              <a:defRPr>
+                <a:solidFill>
+                  <a:schemeClr val="tx2"/>
+                </a:solidFill>
+              </a:defRPr>
+            </a:lvl8pPr>
+            <a:lvl9pPr eaLnBrk="1" hangingPunct="1">
+              <a:defRPr>
+                <a:solidFill>
+                  <a:schemeClr val="tx2"/>
+                </a:solidFill>
+              </a:defRPr>
+            </a:lvl9pPr>
+          </a:lstStyle>
+          <a:p>
+            <a:r>
+              <a:rPr lang="en-US" dirty="0" smtClean="0"/>
+              <a:t>Output:</a:t>
+            </a:r>
+            <a:endParaRPr lang="en-US" dirty="0">
+              <a:solidFill>
+                <a:srgbClr val="FF0000"/>
+              </a:solidFill>
+            </a:endParaRPr>
+          </a:p>
+        </p:txBody>
+      </p:sp>
+      <p:pic>
+        <p:nvPicPr>
+          <p:cNvPr id="7" name="Picture 6"/>
+          <p:cNvPicPr>
+            <a:picLocks noChangeAspect="1"/>
+          </p:cNvPicPr>
+          <p:nvPr/>
+        </p:nvPicPr>
+        <p:blipFill>
+          <a:blip r:embed="rId2">
+            <a:extLst>
+              <a:ext uri="{28A0092B-C50C-407E-A947-70E740481C1C}">
+                <a14:useLocalDpi xmlns:a14="http://schemas.microsoft.com/office/drawing/2010/main" val="0"/>
+              </a:ext>
+            </a:extLst>
+          </a:blip>
+          <a:stretch>
+            <a:fillRect/>
+          </a:stretch>
+        </p:blipFill>
+        <p:spPr>
+          <a:xfrm>
+            <a:off x="2440156" y="5640946"/>
+            <a:ext cx="2778326" cy="1217054"/>
+          </a:xfrm>
+          <a:prstGeom prst="rect">
+            <a:avLst/>
+          </a:prstGeom>
+        </p:spPr>
+      </p:pic>
+    </p:spTree>
+    <p:extLst>
+      <p:ext uri="{BB962C8B-B14F-4D97-AF65-F5344CB8AC3E}">
+        <p14:creationId xmlns:p14="http://schemas.microsoft.com/office/powerpoint/2010/main" val="2605629342"/>
+      </p:ext>
+    </p:extLst>
+  </p:cSld>
+  <p:clrMapOvr>
+    <a:masterClrMapping/>
+  </p:clrMapOvr>
+  <p:timing>
+    <p:tnLst>
+      <p:par>
+        <p:cTn id="1" dur="indefinite" restart="never" nodeType="tmRoot"/>
+      </p:par>
+    </p:tnLst>
+  </p:timing>
+</p:sld>
+</file>
+
+<file path=ppt/slides/slide45.xml><?xml version="1.0" encoding="utf-8"?>
+<p:sld xmlns:a="http://schemas.openxmlformats.org/drawingml/2006/main" xmlns:r="http://schemas.openxmlformats.org/officeDocument/2006/relationships" xmlns:p="http://schemas.openxmlformats.org/presentationml/2006/main">
+  <p:cSld>
+    <p:spTree>
+      <p:nvGrpSpPr>
+        <p:cNvPr id="1" name=""/>
+        <p:cNvGrpSpPr/>
+        <p:nvPr/>
+      </p:nvGrpSpPr>
+      <p:grpSpPr>
+        <a:xfrm>
+          <a:off x="0" y="0"/>
+          <a:ext cx="0" cy="0"/>
+          <a:chOff x="0" y="0"/>
+          <a:chExt cx="0" cy="0"/>
+        </a:xfrm>
+      </p:grpSpPr>
+      <p:sp>
+        <p:nvSpPr>
+          <p:cNvPr id="2" name="Title 1"/>
+          <p:cNvSpPr>
+            <a:spLocks noGrp="1"/>
+          </p:cNvSpPr>
+          <p:nvPr>
+            <p:ph type="title"/>
+          </p:nvPr>
+        </p:nvSpPr>
+        <p:spPr>
+          <a:xfrm>
+            <a:off x="677334" y="609600"/>
+            <a:ext cx="8596668" cy="678287"/>
+          </a:xfrm>
+        </p:spPr>
+        <p:txBody>
+          <a:bodyPr/>
+          <a:lstStyle/>
+          <a:p>
+            <a:r>
+              <a:rPr lang="en-US" dirty="0" smtClean="0"/>
+              <a:t>Subscript tag:</a:t>
+            </a:r>
+            <a:endParaRPr lang="en-US" dirty="0"/>
+          </a:p>
+        </p:txBody>
+      </p:sp>
+      <p:sp>
+        <p:nvSpPr>
+          <p:cNvPr id="3" name="Content Placeholder 2"/>
+          <p:cNvSpPr>
+            <a:spLocks noGrp="1"/>
+          </p:cNvSpPr>
+          <p:nvPr>
+            <p:ph idx="1"/>
+          </p:nvPr>
+        </p:nvSpPr>
+        <p:spPr>
+          <a:xfrm>
+            <a:off x="677334" y="1287888"/>
+            <a:ext cx="8596668" cy="1352282"/>
+          </a:xfrm>
+        </p:spPr>
+        <p:txBody>
+          <a:bodyPr/>
+          <a:lstStyle/>
+          <a:p>
+            <a:pPr>
+              <a:lnSpc>
+                <a:spcPct val="150000"/>
+              </a:lnSpc>
+            </a:pPr>
+            <a:r>
+              <a:rPr lang="en-US" dirty="0"/>
+              <a:t>If you put the content within &lt;sub&gt;..............&lt;/sub&gt; element, is shown in subscript ; </a:t>
+            </a:r>
+            <a:r>
+              <a:rPr lang="en-US" dirty="0">
+                <a:solidFill>
+                  <a:srgbClr val="FF0000"/>
+                </a:solidFill>
+              </a:rPr>
+              <a:t>means</a:t>
+            </a:r>
+            <a:r>
+              <a:rPr lang="en-US" dirty="0"/>
+              <a:t> it is displayed half a character's </a:t>
+            </a:r>
+            <a:r>
+              <a:rPr lang="en-US" dirty="0">
+                <a:solidFill>
+                  <a:srgbClr val="FF0000"/>
+                </a:solidFill>
+              </a:rPr>
+              <a:t>height below </a:t>
+            </a:r>
+            <a:r>
+              <a:rPr lang="en-US" dirty="0"/>
+              <a:t>the other characters</a:t>
+            </a:r>
+            <a:r>
+              <a:rPr lang="en-US" dirty="0" smtClean="0"/>
+              <a:t>. </a:t>
+            </a:r>
+            <a:endParaRPr lang="en-US" dirty="0"/>
+          </a:p>
+        </p:txBody>
+      </p:sp>
+      <p:sp>
+        <p:nvSpPr>
+          <p:cNvPr id="4" name="Title 1"/>
+          <p:cNvSpPr txBox="1">
+            <a:spLocks/>
+          </p:cNvSpPr>
+          <p:nvPr/>
+        </p:nvSpPr>
+        <p:spPr>
+          <a:xfrm>
+            <a:off x="677334" y="3125273"/>
+            <a:ext cx="8596668" cy="678287"/>
+          </a:xfrm>
+          <a:prstGeom prst="rect">
+            <a:avLst/>
+          </a:prstGeom>
+        </p:spPr>
+        <p:txBody>
+          <a:bodyPr vert="horz" lIns="91440" tIns="45720" rIns="91440" bIns="45720" rtlCol="0" anchor="t">
+            <a:normAutofit/>
+          </a:bodyPr>
+          <a:lstStyle>
+            <a:lvl1pPr algn="l" defTabSz="457200" rtl="0" eaLnBrk="1" latinLnBrk="0" hangingPunct="1">
+              <a:spcBef>
+                <a:spcPct val="0"/>
+              </a:spcBef>
+              <a:buNone/>
+              <a:defRPr sz="3600" kern="1200">
+                <a:solidFill>
+                  <a:schemeClr val="accent1"/>
+                </a:solidFill>
+                <a:latin typeface="+mj-lt"/>
+                <a:ea typeface="+mj-ea"/>
+                <a:cs typeface="+mj-cs"/>
+              </a:defRPr>
+            </a:lvl1pPr>
+            <a:lvl2pPr eaLnBrk="1" hangingPunct="1">
+              <a:defRPr>
+                <a:solidFill>
+                  <a:schemeClr val="tx2"/>
+                </a:solidFill>
+              </a:defRPr>
+            </a:lvl2pPr>
+            <a:lvl3pPr eaLnBrk="1" hangingPunct="1">
+              <a:defRPr>
+                <a:solidFill>
+                  <a:schemeClr val="tx2"/>
+                </a:solidFill>
+              </a:defRPr>
+            </a:lvl3pPr>
+            <a:lvl4pPr eaLnBrk="1" hangingPunct="1">
+              <a:defRPr>
+                <a:solidFill>
+                  <a:schemeClr val="tx2"/>
+                </a:solidFill>
+              </a:defRPr>
+            </a:lvl4pPr>
+            <a:lvl5pPr eaLnBrk="1" hangingPunct="1">
+              <a:defRPr>
+                <a:solidFill>
+                  <a:schemeClr val="tx2"/>
+                </a:solidFill>
+              </a:defRPr>
+            </a:lvl5pPr>
+            <a:lvl6pPr eaLnBrk="1" hangingPunct="1">
+              <a:defRPr>
+                <a:solidFill>
+                  <a:schemeClr val="tx2"/>
+                </a:solidFill>
+              </a:defRPr>
+            </a:lvl6pPr>
+            <a:lvl7pPr eaLnBrk="1" hangingPunct="1">
+              <a:defRPr>
+                <a:solidFill>
+                  <a:schemeClr val="tx2"/>
+                </a:solidFill>
+              </a:defRPr>
+            </a:lvl7pPr>
+            <a:lvl8pPr eaLnBrk="1" hangingPunct="1">
+              <a:defRPr>
+                <a:solidFill>
+                  <a:schemeClr val="tx2"/>
+                </a:solidFill>
+              </a:defRPr>
+            </a:lvl8pPr>
+            <a:lvl9pPr eaLnBrk="1" hangingPunct="1">
+              <a:defRPr>
+                <a:solidFill>
+                  <a:schemeClr val="tx2"/>
+                </a:solidFill>
+              </a:defRPr>
+            </a:lvl9pPr>
+          </a:lstStyle>
+          <a:p>
+            <a:r>
+              <a:rPr lang="en-US" dirty="0" smtClean="0"/>
+              <a:t>Superscript tag:</a:t>
+            </a:r>
+            <a:endParaRPr lang="en-US" dirty="0"/>
+          </a:p>
+        </p:txBody>
+      </p:sp>
+      <p:sp>
+        <p:nvSpPr>
+          <p:cNvPr id="5" name="Content Placeholder 2"/>
+          <p:cNvSpPr txBox="1">
+            <a:spLocks/>
+          </p:cNvSpPr>
+          <p:nvPr/>
+        </p:nvSpPr>
+        <p:spPr>
+          <a:xfrm>
+            <a:off x="677334" y="3803560"/>
+            <a:ext cx="8596668" cy="1352282"/>
+          </a:xfrm>
+          <a:prstGeom prst="rect">
+            <a:avLst/>
+          </a:prstGeom>
+        </p:spPr>
+        <p:txBody>
+          <a:bodyPr vert="horz" lIns="91440" tIns="45720" rIns="91440" bIns="45720" rtlCol="0">
+            <a:normAutofit/>
+          </a:bodyPr>
+          <a:lstStyle>
+            <a:lvl1pPr marL="342900" indent="-342900" algn="l" defTabSz="457200" rtl="0" eaLnBrk="1" latinLnBrk="0" hangingPunct="1">
+              <a:spcBef>
+                <a:spcPts val="1000"/>
+              </a:spcBef>
+              <a:spcAft>
+                <a:spcPts val="0"/>
+              </a:spcAft>
+              <a:buClr>
+                <a:schemeClr val="accent1"/>
+              </a:buClr>
+              <a:buSzPct val="80000"/>
+              <a:buFont typeface="Wingdings 3" charset="2"/>
+              <a:buChar char=""/>
+              <a:defRPr sz="1800" kern="1200">
+                <a:solidFill>
+                  <a:schemeClr val="tx1">
+                    <a:lumMod val="75000"/>
+                    <a:lumOff val="25000"/>
+                  </a:schemeClr>
+                </a:solidFill>
+                <a:latin typeface="+mn-lt"/>
+                <a:ea typeface="+mn-ea"/>
+                <a:cs typeface="+mn-cs"/>
+              </a:defRPr>
+            </a:lvl1pPr>
+            <a:lvl2pPr marL="742950" indent="-285750" algn="l" defTabSz="457200" rtl="0" eaLnBrk="1" latinLnBrk="0" hangingPunct="1">
+              <a:spcBef>
+                <a:spcPts val="1000"/>
+              </a:spcBef>
+              <a:spcAft>
+                <a:spcPts val="0"/>
+              </a:spcAft>
+              <a:buClr>
+                <a:schemeClr val="accent1"/>
+              </a:buClr>
+              <a:buSzPct val="80000"/>
+              <a:buFont typeface="Wingdings 3" charset="2"/>
+              <a:buChar char=""/>
+              <a:defRPr sz="1600" kern="1200">
+                <a:solidFill>
+                  <a:schemeClr val="tx1">
+                    <a:lumMod val="75000"/>
+                    <a:lumOff val="25000"/>
+                  </a:schemeClr>
+                </a:solidFill>
+                <a:latin typeface="+mn-lt"/>
+                <a:ea typeface="+mn-ea"/>
+                <a:cs typeface="+mn-cs"/>
+              </a:defRPr>
+            </a:lvl2pPr>
+            <a:lvl3pPr marL="1143000" indent="-228600" algn="l" defTabSz="457200" rtl="0" eaLnBrk="1" latinLnBrk="0" hangingPunct="1">
+              <a:spcBef>
+                <a:spcPts val="1000"/>
+              </a:spcBef>
+              <a:spcAft>
+                <a:spcPts val="0"/>
+              </a:spcAft>
+              <a:buClr>
+                <a:schemeClr val="accent1"/>
+              </a:buClr>
+              <a:buSzPct val="80000"/>
+              <a:buFont typeface="Wingdings 3" charset="2"/>
+              <a:buChar char=""/>
+              <a:defRPr sz="1400" kern="1200">
+                <a:solidFill>
+                  <a:schemeClr val="tx1">
+                    <a:lumMod val="75000"/>
+                    <a:lumOff val="25000"/>
+                  </a:schemeClr>
+                </a:solidFill>
+                <a:latin typeface="+mn-lt"/>
+                <a:ea typeface="+mn-ea"/>
+                <a:cs typeface="+mn-cs"/>
+              </a:defRPr>
+            </a:lvl3pPr>
+            <a:lvl4pPr marL="1600200" indent="-228600" algn="l" defTabSz="457200" rtl="0" eaLnBrk="1" latinLnBrk="0" hangingPunct="1">
+              <a:spcBef>
+                <a:spcPts val="1000"/>
+              </a:spcBef>
+              <a:spcAft>
+                <a:spcPts val="0"/>
+              </a:spcAft>
+              <a:buClr>
+                <a:schemeClr val="accent1"/>
+              </a:buClr>
+              <a:buSzPct val="80000"/>
+              <a:buFont typeface="Wingdings 3" charset="2"/>
+              <a:buChar char=""/>
+              <a:defRPr sz="1200" kern="1200">
+                <a:solidFill>
+                  <a:schemeClr val="tx1">
+                    <a:lumMod val="75000"/>
+                    <a:lumOff val="25000"/>
+                  </a:schemeClr>
+                </a:solidFill>
+                <a:latin typeface="+mn-lt"/>
+                <a:ea typeface="+mn-ea"/>
+                <a:cs typeface="+mn-cs"/>
+              </a:defRPr>
+            </a:lvl4pPr>
+            <a:lvl5pPr marL="2057400" indent="-228600" algn="l" defTabSz="457200" rtl="0" eaLnBrk="1" latinLnBrk="0" hangingPunct="1">
+              <a:spcBef>
+                <a:spcPts val="1000"/>
+              </a:spcBef>
+              <a:spcAft>
+                <a:spcPts val="0"/>
+              </a:spcAft>
+              <a:buClr>
+                <a:schemeClr val="accent1"/>
+              </a:buClr>
+              <a:buSzPct val="80000"/>
+              <a:buFont typeface="Wingdings 3" charset="2"/>
+              <a:buChar char=""/>
+              <a:defRPr sz="1200" kern="1200">
+                <a:solidFill>
+                  <a:schemeClr val="tx1">
+                    <a:lumMod val="75000"/>
+                    <a:lumOff val="25000"/>
+                  </a:schemeClr>
+                </a:solidFill>
+                <a:latin typeface="+mn-lt"/>
+                <a:ea typeface="+mn-ea"/>
+                <a:cs typeface="+mn-cs"/>
+              </a:defRPr>
+            </a:lvl5pPr>
+            <a:lvl6pPr marL="2514600" indent="-228600" algn="l" defTabSz="457200" rtl="0" eaLnBrk="1" latinLnBrk="0" hangingPunct="1">
+              <a:spcBef>
+                <a:spcPts val="1000"/>
+              </a:spcBef>
+              <a:spcAft>
+                <a:spcPts val="0"/>
+              </a:spcAft>
+              <a:buClr>
+                <a:schemeClr val="accent1"/>
+              </a:buClr>
+              <a:buSzPct val="80000"/>
+              <a:buFont typeface="Wingdings 3" charset="2"/>
+              <a:buChar char=""/>
+              <a:defRPr sz="1200" kern="1200">
+                <a:solidFill>
+                  <a:schemeClr val="tx1">
+                    <a:lumMod val="75000"/>
+                    <a:lumOff val="25000"/>
+                  </a:schemeClr>
+                </a:solidFill>
+                <a:latin typeface="+mn-lt"/>
+                <a:ea typeface="+mn-ea"/>
+                <a:cs typeface="+mn-cs"/>
+              </a:defRPr>
+            </a:lvl6pPr>
+            <a:lvl7pPr marL="2971800" indent="-228600" algn="l" defTabSz="457200" rtl="0" eaLnBrk="1" latinLnBrk="0" hangingPunct="1">
+              <a:spcBef>
+                <a:spcPts val="1000"/>
+              </a:spcBef>
+              <a:spcAft>
+                <a:spcPts val="0"/>
+              </a:spcAft>
+              <a:buClr>
+                <a:schemeClr val="accent1"/>
+              </a:buClr>
+              <a:buSzPct val="80000"/>
+              <a:buFont typeface="Wingdings 3" charset="2"/>
+              <a:buChar char=""/>
+              <a:defRPr sz="1200" kern="1200">
+                <a:solidFill>
+                  <a:schemeClr val="tx1">
+                    <a:lumMod val="75000"/>
+                    <a:lumOff val="25000"/>
+                  </a:schemeClr>
+                </a:solidFill>
+                <a:latin typeface="+mn-lt"/>
+                <a:ea typeface="+mn-ea"/>
+                <a:cs typeface="+mn-cs"/>
+              </a:defRPr>
+            </a:lvl7pPr>
+            <a:lvl8pPr marL="3429000" indent="-228600" algn="l" defTabSz="457200" rtl="0" eaLnBrk="1" latinLnBrk="0" hangingPunct="1">
+              <a:spcBef>
+                <a:spcPts val="1000"/>
+              </a:spcBef>
+              <a:spcAft>
+                <a:spcPts val="0"/>
+              </a:spcAft>
+              <a:buClr>
+                <a:schemeClr val="accent1"/>
+              </a:buClr>
+              <a:buSzPct val="80000"/>
+              <a:buFont typeface="Wingdings 3" charset="2"/>
+              <a:buChar char=""/>
+              <a:defRPr sz="1200" kern="1200">
+                <a:solidFill>
+                  <a:schemeClr val="tx1">
+                    <a:lumMod val="75000"/>
+                    <a:lumOff val="25000"/>
+                  </a:schemeClr>
+                </a:solidFill>
+                <a:latin typeface="+mn-lt"/>
+                <a:ea typeface="+mn-ea"/>
+                <a:cs typeface="+mn-cs"/>
+              </a:defRPr>
+            </a:lvl8pPr>
+            <a:lvl9pPr marL="3886200" indent="-228600" algn="l" defTabSz="457200" rtl="0" eaLnBrk="1" latinLnBrk="0" hangingPunct="1">
+              <a:spcBef>
+                <a:spcPts val="1000"/>
+              </a:spcBef>
+              <a:spcAft>
+                <a:spcPts val="0"/>
+              </a:spcAft>
+              <a:buClr>
+                <a:schemeClr val="accent1"/>
+              </a:buClr>
+              <a:buSzPct val="80000"/>
+              <a:buFont typeface="Wingdings 3" charset="2"/>
+              <a:buChar char=""/>
+              <a:defRPr sz="1200" kern="1200">
+                <a:solidFill>
+                  <a:schemeClr val="tx1">
+                    <a:lumMod val="75000"/>
+                    <a:lumOff val="25000"/>
+                  </a:schemeClr>
+                </a:solidFill>
+                <a:latin typeface="+mn-lt"/>
+                <a:ea typeface="+mn-ea"/>
+                <a:cs typeface="+mn-cs"/>
+              </a:defRPr>
+            </a:lvl9pPr>
+          </a:lstStyle>
+          <a:p>
+            <a:pPr>
+              <a:lnSpc>
+                <a:spcPct val="150000"/>
+              </a:lnSpc>
+            </a:pPr>
+            <a:r>
+              <a:rPr lang="en-US" dirty="0"/>
+              <a:t>If you put the content within &lt;sup&gt;..............&lt;/sup&gt; element, is shown in superscript; </a:t>
+            </a:r>
+            <a:r>
+              <a:rPr lang="en-US" dirty="0">
+                <a:solidFill>
+                  <a:srgbClr val="FF0000"/>
+                </a:solidFill>
+              </a:rPr>
+              <a:t>means</a:t>
+            </a:r>
+            <a:r>
+              <a:rPr lang="en-US" dirty="0"/>
+              <a:t> it is displayed half a character's </a:t>
+            </a:r>
+            <a:r>
+              <a:rPr lang="en-US" dirty="0">
+                <a:solidFill>
+                  <a:srgbClr val="FF0000"/>
+                </a:solidFill>
+              </a:rPr>
+              <a:t>height above </a:t>
+            </a:r>
+            <a:r>
+              <a:rPr lang="en-US" dirty="0"/>
+              <a:t>the other characters.</a:t>
+            </a:r>
+            <a:endParaRPr lang="en-US" dirty="0"/>
+          </a:p>
+        </p:txBody>
+      </p:sp>
+      <p:pic>
+        <p:nvPicPr>
+          <p:cNvPr id="6" name="Picture 5"/>
+          <p:cNvPicPr>
+            <a:picLocks noChangeAspect="1"/>
+          </p:cNvPicPr>
+          <p:nvPr/>
+        </p:nvPicPr>
+        <p:blipFill>
+          <a:blip r:embed="rId2">
+            <a:extLst>
+              <a:ext uri="{28A0092B-C50C-407E-A947-70E740481C1C}">
+                <a14:useLocalDpi xmlns:a14="http://schemas.microsoft.com/office/drawing/2010/main" val="0"/>
+              </a:ext>
+            </a:extLst>
+          </a:blip>
+          <a:stretch>
+            <a:fillRect/>
+          </a:stretch>
+        </p:blipFill>
+        <p:spPr>
+          <a:xfrm>
+            <a:off x="2314136" y="2231765"/>
+            <a:ext cx="6021941" cy="369768"/>
+          </a:xfrm>
+          <a:prstGeom prst="rect">
+            <a:avLst/>
+          </a:prstGeom>
+        </p:spPr>
+      </p:pic>
+      <p:pic>
+        <p:nvPicPr>
+          <p:cNvPr id="7" name="Picture 6"/>
+          <p:cNvPicPr>
+            <a:picLocks noChangeAspect="1"/>
+          </p:cNvPicPr>
+          <p:nvPr/>
+        </p:nvPicPr>
+        <p:blipFill>
+          <a:blip r:embed="rId3">
+            <a:extLst>
+              <a:ext uri="{28A0092B-C50C-407E-A947-70E740481C1C}">
+                <a14:useLocalDpi xmlns:a14="http://schemas.microsoft.com/office/drawing/2010/main" val="0"/>
+              </a:ext>
+            </a:extLst>
+          </a:blip>
+          <a:stretch>
+            <a:fillRect/>
+          </a:stretch>
+        </p:blipFill>
+        <p:spPr>
+          <a:xfrm>
+            <a:off x="2314136" y="4763291"/>
+            <a:ext cx="6173041" cy="285130"/>
+          </a:xfrm>
+          <a:prstGeom prst="rect">
+            <a:avLst/>
+          </a:prstGeom>
+          <a:solidFill>
+            <a:srgbClr val="CC99FF"/>
+          </a:solidFill>
+        </p:spPr>
+      </p:pic>
+    </p:spTree>
+    <p:extLst>
+      <p:ext uri="{BB962C8B-B14F-4D97-AF65-F5344CB8AC3E}">
+        <p14:creationId xmlns:p14="http://schemas.microsoft.com/office/powerpoint/2010/main" val="2526679782"/>
+      </p:ext>
+    </p:extLst>
+  </p:cSld>
+  <p:clrMapOvr>
+    <a:masterClrMapping/>
+  </p:clrMapOvr>
+</p:sld>
+</file>
+
+<file path=ppt/slides/slide46.xml><?xml version="1.0" encoding="utf-8"?>
+<p:sld xmlns:a="http://schemas.openxmlformats.org/drawingml/2006/main" xmlns:r="http://schemas.openxmlformats.org/officeDocument/2006/relationships" xmlns:p="http://schemas.openxmlformats.org/presentationml/2006/main">
+  <p:cSld>
+    <p:spTree>
+      <p:nvGrpSpPr>
+        <p:cNvPr id="1" name=""/>
+        <p:cNvGrpSpPr/>
+        <p:nvPr/>
+      </p:nvGrpSpPr>
+      <p:grpSpPr>
+        <a:xfrm>
+          <a:off x="0" y="0"/>
+          <a:ext cx="0" cy="0"/>
+          <a:chOff x="0" y="0"/>
+          <a:chExt cx="0" cy="0"/>
+        </a:xfrm>
+      </p:grpSpPr>
+      <p:sp>
+        <p:nvSpPr>
+          <p:cNvPr id="2" name="Title 1"/>
+          <p:cNvSpPr>
+            <a:spLocks noGrp="1"/>
+          </p:cNvSpPr>
+          <p:nvPr>
+            <p:ph type="title"/>
+          </p:nvPr>
+        </p:nvSpPr>
+        <p:spPr/>
+        <p:txBody>
+          <a:bodyPr/>
+          <a:lstStyle/>
+          <a:p>
+            <a:r>
+              <a:rPr lang="en-US" dirty="0" smtClean="0"/>
+              <a:t>&lt;sub&gt; &amp; &lt;sup&gt; tag:</a:t>
+            </a:r>
+            <a:r>
+              <a:rPr lang="en-US" dirty="0"/>
+              <a:t/>
+            </a:r>
+            <a:br>
+              <a:rPr lang="en-US" dirty="0"/>
+            </a:br>
+            <a:endParaRPr lang="en-US" dirty="0"/>
+          </a:p>
+        </p:txBody>
+      </p:sp>
+      <p:sp>
+        <p:nvSpPr>
+          <p:cNvPr id="3" name="Content Placeholder 2"/>
+          <p:cNvSpPr>
+            <a:spLocks noGrp="1"/>
+          </p:cNvSpPr>
+          <p:nvPr>
+            <p:ph idx="1"/>
+          </p:nvPr>
+        </p:nvSpPr>
+        <p:spPr/>
+        <p:txBody>
+          <a:bodyPr>
+            <a:normAutofit fontScale="92500" lnSpcReduction="20000"/>
+          </a:bodyPr>
+          <a:lstStyle/>
+          <a:p>
+            <a:r>
+              <a:rPr lang="en-US" b="1" u="sng" dirty="0" smtClean="0"/>
+              <a:t>EXAMPLE:</a:t>
+            </a:r>
+          </a:p>
+          <a:p>
+            <a:pPr lvl="1"/>
+            <a:r>
+              <a:rPr lang="en-US" dirty="0"/>
+              <a:t>&lt;!DOCTYPE html&gt;</a:t>
+            </a:r>
+          </a:p>
+          <a:p>
+            <a:pPr lvl="1"/>
+            <a:r>
+              <a:rPr lang="en-US" dirty="0"/>
+              <a:t>&lt;html&gt;</a:t>
+            </a:r>
+          </a:p>
+          <a:p>
+            <a:pPr lvl="1"/>
+            <a:r>
+              <a:rPr lang="en-US" dirty="0"/>
+              <a:t>&lt;body&gt;</a:t>
+            </a:r>
+          </a:p>
+          <a:p>
+            <a:pPr lvl="1"/>
+            <a:endParaRPr lang="en-US" dirty="0"/>
+          </a:p>
+          <a:p>
+            <a:pPr lvl="1"/>
+            <a:r>
+              <a:rPr lang="en-US" dirty="0"/>
+              <a:t>&lt;h1&gt;The sub and sup elements&lt;/h1&gt;</a:t>
+            </a:r>
+          </a:p>
+          <a:p>
+            <a:pPr lvl="1"/>
+            <a:endParaRPr lang="en-US" dirty="0"/>
+          </a:p>
+          <a:p>
+            <a:pPr lvl="1"/>
+            <a:r>
+              <a:rPr lang="en-US" dirty="0"/>
+              <a:t>&lt;p&gt;This text contains &lt;sub&gt;subscript&lt;/sub&gt; text.&lt;/p&gt;</a:t>
+            </a:r>
+          </a:p>
+          <a:p>
+            <a:pPr lvl="1"/>
+            <a:r>
+              <a:rPr lang="en-US" dirty="0"/>
+              <a:t>&lt;p&gt;This text contains &lt;sup&gt;superscript&lt;/sup&gt; text.&lt;/p&gt;</a:t>
+            </a:r>
+          </a:p>
+          <a:p>
+            <a:pPr lvl="1"/>
+            <a:endParaRPr lang="en-US" dirty="0"/>
+          </a:p>
+          <a:p>
+            <a:pPr lvl="1"/>
+            <a:r>
+              <a:rPr lang="en-US" dirty="0"/>
+              <a:t>&lt;/body&gt;</a:t>
+            </a:r>
+          </a:p>
+          <a:p>
+            <a:pPr lvl="1"/>
+            <a:r>
+              <a:rPr lang="en-US" dirty="0"/>
+              <a:t>&lt;/html&gt;</a:t>
+            </a:r>
+          </a:p>
+          <a:p>
+            <a:pPr lvl="1"/>
+            <a:endParaRPr lang="en-US" b="1" u="sng" dirty="0"/>
+          </a:p>
+        </p:txBody>
+      </p:sp>
+    </p:spTree>
+    <p:extLst>
+      <p:ext uri="{BB962C8B-B14F-4D97-AF65-F5344CB8AC3E}">
+        <p14:creationId xmlns:p14="http://schemas.microsoft.com/office/powerpoint/2010/main" val="1373296947"/>
+      </p:ext>
+    </p:extLst>
+  </p:cSld>
+  <p:clrMapOvr>
+    <a:masterClrMapping/>
+  </p:clrMapOvr>
+</p:sld>
+</file>
+
+<file path=ppt/slides/slide47.xml><?xml version="1.0" encoding="utf-8"?>
+<p:sld xmlns:a="http://schemas.openxmlformats.org/drawingml/2006/main" xmlns:r="http://schemas.openxmlformats.org/officeDocument/2006/relationships" xmlns:p="http://schemas.openxmlformats.org/presentationml/2006/main">
+  <p:cSld>
+    <p:spTree>
+      <p:nvGrpSpPr>
+        <p:cNvPr id="1" name=""/>
+        <p:cNvGrpSpPr/>
+        <p:nvPr/>
+      </p:nvGrpSpPr>
+      <p:grpSpPr>
+        <a:xfrm>
+          <a:off x="0" y="0"/>
+          <a:ext cx="0" cy="0"/>
+          <a:chOff x="0" y="0"/>
+          <a:chExt cx="0" cy="0"/>
+        </a:xfrm>
+      </p:grpSpPr>
+      <p:sp>
+        <p:nvSpPr>
+          <p:cNvPr id="2" name="Title 1"/>
+          <p:cNvSpPr>
+            <a:spLocks noGrp="1"/>
+          </p:cNvSpPr>
+          <p:nvPr>
+            <p:ph type="title"/>
+          </p:nvPr>
+        </p:nvSpPr>
+        <p:spPr/>
+        <p:txBody>
+          <a:bodyPr/>
+          <a:lstStyle/>
+          <a:p>
+            <a:r>
+              <a:rPr lang="en-US" dirty="0" smtClean="0"/>
+              <a:t>Output:</a:t>
+            </a:r>
+            <a:endParaRPr lang="en-US" dirty="0"/>
+          </a:p>
+        </p:txBody>
+      </p:sp>
+      <p:pic>
+        <p:nvPicPr>
+          <p:cNvPr id="4" name="Content Placeholder 3"/>
+          <p:cNvPicPr>
+            <a:picLocks noGrp="1" noChangeAspect="1"/>
+          </p:cNvPicPr>
+          <p:nvPr>
+            <p:ph idx="1"/>
+          </p:nvPr>
+        </p:nvPicPr>
+        <p:blipFill>
+          <a:blip r:embed="rId2">
+            <a:extLst>
+              <a:ext uri="{28A0092B-C50C-407E-A947-70E740481C1C}">
+                <a14:useLocalDpi xmlns:a14="http://schemas.microsoft.com/office/drawing/2010/main" val="0"/>
+              </a:ext>
+            </a:extLst>
+          </a:blip>
+          <a:stretch>
+            <a:fillRect/>
+          </a:stretch>
+        </p:blipFill>
+        <p:spPr>
+          <a:xfrm>
+            <a:off x="770563" y="1648496"/>
+            <a:ext cx="5877675" cy="2160443"/>
+          </a:xfrm>
+        </p:spPr>
+      </p:pic>
+    </p:spTree>
+    <p:extLst>
+      <p:ext uri="{BB962C8B-B14F-4D97-AF65-F5344CB8AC3E}">
+        <p14:creationId xmlns:p14="http://schemas.microsoft.com/office/powerpoint/2010/main" val="3466025583"/>
+      </p:ext>
+    </p:extLst>
+  </p:cSld>
+  <p:clrMapOvr>
+    <a:masterClrMapping/>
+  </p:clrMapOvr>
+</p:sld>
+</file>
+
+<file path=ppt/slides/slide48.xml><?xml version="1.0" encoding="utf-8"?>
+<p:sld xmlns:a="http://schemas.openxmlformats.org/drawingml/2006/main" xmlns:r="http://schemas.openxmlformats.org/officeDocument/2006/relationships" xmlns:p="http://schemas.openxmlformats.org/presentationml/2006/main">
+  <p:cSld>
+    <p:spTree>
+      <p:nvGrpSpPr>
+        <p:cNvPr id="1" name=""/>
+        <p:cNvGrpSpPr/>
+        <p:nvPr/>
+      </p:nvGrpSpPr>
+      <p:grpSpPr>
+        <a:xfrm>
+          <a:off x="0" y="0"/>
+          <a:ext cx="0" cy="0"/>
+          <a:chOff x="0" y="0"/>
+          <a:chExt cx="0" cy="0"/>
+        </a:xfrm>
+      </p:grpSpPr>
+      <p:sp>
+        <p:nvSpPr>
+          <p:cNvPr id="2" name="Title 1"/>
+          <p:cNvSpPr>
+            <a:spLocks noGrp="1"/>
+          </p:cNvSpPr>
+          <p:nvPr>
+            <p:ph type="title"/>
+          </p:nvPr>
+        </p:nvSpPr>
+        <p:spPr/>
+        <p:txBody>
+          <a:bodyPr/>
+          <a:lstStyle/>
+          <a:p>
+            <a:endParaRPr lang="en-US" dirty="0"/>
+          </a:p>
+        </p:txBody>
+      </p:sp>
+      <p:sp>
+        <p:nvSpPr>
+          <p:cNvPr id="3" name="Content Placeholder 2"/>
+          <p:cNvSpPr>
+            <a:spLocks noGrp="1"/>
+          </p:cNvSpPr>
+          <p:nvPr>
+            <p:ph idx="1"/>
+          </p:nvPr>
+        </p:nvSpPr>
+        <p:spPr/>
+        <p:txBody>
+          <a:bodyPr/>
+          <a:lstStyle/>
+          <a:p>
+            <a:endParaRPr lang="en-US"/>
+          </a:p>
+        </p:txBody>
+      </p:sp>
+    </p:spTree>
+    <p:extLst>
+      <p:ext uri="{BB962C8B-B14F-4D97-AF65-F5344CB8AC3E}">
+        <p14:creationId xmlns:p14="http://schemas.microsoft.com/office/powerpoint/2010/main" val="2928115400"/>
+      </p:ext>
+    </p:extLst>
+  </p:cSld>
+  <p:clrMapOvr>
+    <a:masterClrMapping/>
+  </p:clrMapOvr>
 </p:sld>
 </file>
 

--- a/ASSIGNMENT.pptx
+++ b/ASSIGNMENT.pptx
@@ -40,19 +40,37 @@
     <p:sldId id="289" r:id="rId34"/>
     <p:sldId id="290" r:id="rId35"/>
     <p:sldId id="291" r:id="rId36"/>
-    <p:sldId id="292" r:id="rId37"/>
-    <p:sldId id="293" r:id="rId38"/>
-    <p:sldId id="294" r:id="rId39"/>
-    <p:sldId id="295" r:id="rId40"/>
-    <p:sldId id="296" r:id="rId41"/>
-    <p:sldId id="297" r:id="rId42"/>
-    <p:sldId id="298" r:id="rId43"/>
-    <p:sldId id="299" r:id="rId44"/>
-    <p:sldId id="300" r:id="rId45"/>
-    <p:sldId id="304" r:id="rId46"/>
-    <p:sldId id="301" r:id="rId47"/>
-    <p:sldId id="302" r:id="rId48"/>
-    <p:sldId id="303" r:id="rId49"/>
+    <p:sldId id="305" r:id="rId37"/>
+    <p:sldId id="306" r:id="rId38"/>
+    <p:sldId id="307" r:id="rId39"/>
+    <p:sldId id="308" r:id="rId40"/>
+    <p:sldId id="309" r:id="rId41"/>
+    <p:sldId id="310" r:id="rId42"/>
+    <p:sldId id="312" r:id="rId43"/>
+    <p:sldId id="313" r:id="rId44"/>
+    <p:sldId id="314" r:id="rId45"/>
+    <p:sldId id="311" r:id="rId46"/>
+    <p:sldId id="292" r:id="rId47"/>
+    <p:sldId id="293" r:id="rId48"/>
+    <p:sldId id="294" r:id="rId49"/>
+    <p:sldId id="295" r:id="rId50"/>
+    <p:sldId id="296" r:id="rId51"/>
+    <p:sldId id="297" r:id="rId52"/>
+    <p:sldId id="298" r:id="rId53"/>
+    <p:sldId id="299" r:id="rId54"/>
+    <p:sldId id="300" r:id="rId55"/>
+    <p:sldId id="304" r:id="rId56"/>
+    <p:sldId id="301" r:id="rId57"/>
+    <p:sldId id="302" r:id="rId58"/>
+    <p:sldId id="303" r:id="rId59"/>
+    <p:sldId id="315" r:id="rId60"/>
+    <p:sldId id="316" r:id="rId61"/>
+    <p:sldId id="317" r:id="rId62"/>
+    <p:sldId id="318" r:id="rId63"/>
+    <p:sldId id="319" r:id="rId64"/>
+    <p:sldId id="320" r:id="rId65"/>
+    <p:sldId id="321" r:id="rId66"/>
+    <p:sldId id="322" r:id="rId67"/>
   </p:sldIdLst>
   <p:sldSz cx="12192000" cy="6858000"/>
   <p:notesSz cx="6858000" cy="9144000"/>
@@ -905,7 +923,7 @@
             <a:fld id="{B61BEF0D-F0BB-DE4B-95CE-6DB70DBA9567}" type="datetimeFigureOut">
               <a:rPr lang="en-US" dirty="0"/>
               <a:pPr/>
-              <a:t>27-Nov-22</a:t>
+              <a:t>09-Dec-22</a:t>
             </a:fld>
             <a:endParaRPr lang="en-US" dirty="0"/>
           </a:p>
@@ -1153,7 +1171,7 @@
             <a:fld id="{B61BEF0D-F0BB-DE4B-95CE-6DB70DBA9567}" type="datetimeFigureOut">
               <a:rPr lang="en-US" dirty="0"/>
               <a:pPr/>
-              <a:t>27-Nov-22</a:t>
+              <a:t>09-Dec-22</a:t>
             </a:fld>
             <a:endParaRPr lang="en-US" dirty="0"/>
           </a:p>
@@ -1464,7 +1482,7 @@
             <a:fld id="{B61BEF0D-F0BB-DE4B-95CE-6DB70DBA9567}" type="datetimeFigureOut">
               <a:rPr lang="en-US" dirty="0"/>
               <a:pPr/>
-              <a:t>27-Nov-22</a:t>
+              <a:t>09-Dec-22</a:t>
             </a:fld>
             <a:endParaRPr lang="en-US" dirty="0"/>
           </a:p>
@@ -1794,7 +1812,7 @@
             <a:fld id="{B61BEF0D-F0BB-DE4B-95CE-6DB70DBA9567}" type="datetimeFigureOut">
               <a:rPr lang="en-US" dirty="0"/>
               <a:pPr/>
-              <a:t>27-Nov-22</a:t>
+              <a:t>09-Dec-22</a:t>
             </a:fld>
             <a:endParaRPr lang="en-US" dirty="0"/>
           </a:p>
@@ -2105,7 +2123,7 @@
             <a:fld id="{B61BEF0D-F0BB-DE4B-95CE-6DB70DBA9567}" type="datetimeFigureOut">
               <a:rPr lang="en-US" dirty="0"/>
               <a:pPr/>
-              <a:t>27-Nov-22</a:t>
+              <a:t>09-Dec-22</a:t>
             </a:fld>
             <a:endParaRPr lang="en-US" dirty="0"/>
           </a:p>
@@ -2495,7 +2513,7 @@
             <a:fld id="{B61BEF0D-F0BB-DE4B-95CE-6DB70DBA9567}" type="datetimeFigureOut">
               <a:rPr lang="en-US" dirty="0"/>
               <a:pPr/>
-              <a:t>27-Nov-22</a:t>
+              <a:t>09-Dec-22</a:t>
             </a:fld>
             <a:endParaRPr lang="en-US" dirty="0"/>
           </a:p>
@@ -2661,7 +2679,7 @@
           <a:p>
             <a:fld id="{55C6B4A9-1611-4792-9094-5F34BCA07E0B}" type="datetimeFigureOut">
               <a:rPr lang="en-US" dirty="0"/>
-              <a:t>27-Nov-22</a:t>
+              <a:t>09-Dec-22</a:t>
             </a:fld>
             <a:endParaRPr lang="en-US" dirty="0"/>
           </a:p>
@@ -2837,7 +2855,7 @@
             <a:fld id="{B61BEF0D-F0BB-DE4B-95CE-6DB70DBA9567}" type="datetimeFigureOut">
               <a:rPr lang="en-US" dirty="0"/>
               <a:pPr/>
-              <a:t>27-Nov-22</a:t>
+              <a:t>09-Dec-22</a:t>
             </a:fld>
             <a:endParaRPr lang="en-US" dirty="0"/>
           </a:p>
@@ -3003,7 +3021,7 @@
           <a:p>
             <a:fld id="{42A54C80-263E-416B-A8E0-580EDEADCBDC}" type="datetimeFigureOut">
               <a:rPr lang="en-US" dirty="0"/>
-              <a:t>27-Nov-22</a:t>
+              <a:t>09-Dec-22</a:t>
             </a:fld>
             <a:endParaRPr lang="en-US" dirty="0"/>
           </a:p>
@@ -3246,7 +3264,7 @@
             <a:fld id="{B61BEF0D-F0BB-DE4B-95CE-6DB70DBA9567}" type="datetimeFigureOut">
               <a:rPr lang="en-US" dirty="0"/>
               <a:pPr/>
-              <a:t>27-Nov-22</a:t>
+              <a:t>09-Dec-22</a:t>
             </a:fld>
             <a:endParaRPr lang="en-US" dirty="0"/>
           </a:p>
@@ -3474,7 +3492,7 @@
           <a:p>
             <a:fld id="{42A54C80-263E-416B-A8E0-580EDEADCBDC}" type="datetimeFigureOut">
               <a:rPr lang="en-US" dirty="0"/>
-              <a:t>27-Nov-22</a:t>
+              <a:t>09-Dec-22</a:t>
             </a:fld>
             <a:endParaRPr lang="en-US" dirty="0"/>
           </a:p>
@@ -3844,7 +3862,7 @@
             <a:fld id="{B61BEF0D-F0BB-DE4B-95CE-6DB70DBA9567}" type="datetimeFigureOut">
               <a:rPr lang="en-US" dirty="0"/>
               <a:pPr/>
-              <a:t>27-Nov-22</a:t>
+              <a:t>09-Dec-22</a:t>
             </a:fld>
             <a:endParaRPr lang="en-US" dirty="0"/>
           </a:p>
@@ -3964,7 +3982,7 @@
             <a:fld id="{B61BEF0D-F0BB-DE4B-95CE-6DB70DBA9567}" type="datetimeFigureOut">
               <a:rPr lang="en-US" dirty="0"/>
               <a:pPr/>
-              <a:t>27-Nov-22</a:t>
+              <a:t>09-Dec-22</a:t>
             </a:fld>
             <a:endParaRPr lang="en-US" dirty="0"/>
           </a:p>
@@ -4056,7 +4074,7 @@
             <a:fld id="{B61BEF0D-F0BB-DE4B-95CE-6DB70DBA9567}" type="datetimeFigureOut">
               <a:rPr lang="en-US" dirty="0"/>
               <a:pPr/>
-              <a:t>27-Nov-22</a:t>
+              <a:t>09-Dec-22</a:t>
             </a:fld>
             <a:endParaRPr lang="en-US" dirty="0"/>
           </a:p>
@@ -4307,7 +4325,7 @@
           <a:p>
             <a:fld id="{42A54C80-263E-416B-A8E0-580EDEADCBDC}" type="datetimeFigureOut">
               <a:rPr lang="en-US" dirty="0"/>
-              <a:t>27-Nov-22</a:t>
+              <a:t>09-Dec-22</a:t>
             </a:fld>
             <a:endParaRPr lang="en-US" dirty="0"/>
           </a:p>
@@ -4609,7 +4627,7 @@
             <a:fld id="{B61BEF0D-F0BB-DE4B-95CE-6DB70DBA9567}" type="datetimeFigureOut">
               <a:rPr lang="en-US" dirty="0"/>
               <a:pPr/>
-              <a:t>27-Nov-22</a:t>
+              <a:t>09-Dec-22</a:t>
             </a:fld>
             <a:endParaRPr lang="en-US" dirty="0"/>
           </a:p>
@@ -5307,7 +5325,7 @@
             <a:fld id="{B61BEF0D-F0BB-DE4B-95CE-6DB70DBA9567}" type="datetimeFigureOut">
               <a:rPr lang="en-US" dirty="0"/>
               <a:pPr/>
-              <a:t>27-Nov-22</a:t>
+              <a:t>09-Dec-22</a:t>
             </a:fld>
             <a:endParaRPr lang="en-US" dirty="0"/>
           </a:p>
@@ -11286,6 +11304,6222 @@
         </p:nvSpPr>
         <p:spPr/>
         <p:txBody>
+          <a:bodyPr/>
+          <a:lstStyle/>
+          <a:p>
+            <a:r>
+              <a:rPr lang="en-US" dirty="0" smtClean="0"/>
+              <a:t>What is ‘Class’ Attribute?</a:t>
+            </a:r>
+            <a:endParaRPr lang="en-US" dirty="0"/>
+          </a:p>
+        </p:txBody>
+      </p:sp>
+      <p:sp>
+        <p:nvSpPr>
+          <p:cNvPr id="3" name="Content Placeholder 2"/>
+          <p:cNvSpPr>
+            <a:spLocks noGrp="1"/>
+          </p:cNvSpPr>
+          <p:nvPr>
+            <p:ph idx="1"/>
+          </p:nvPr>
+        </p:nvSpPr>
+        <p:spPr/>
+        <p:txBody>
+          <a:bodyPr/>
+          <a:lstStyle/>
+          <a:p>
+            <a:r>
+              <a:rPr lang="en-US" dirty="0" smtClean="0"/>
+              <a:t>The </a:t>
+            </a:r>
+            <a:r>
+              <a:rPr lang="en-US" dirty="0" smtClean="0">
+                <a:solidFill>
+                  <a:srgbClr val="FF0000"/>
+                </a:solidFill>
+              </a:rPr>
+              <a:t>class</a:t>
+            </a:r>
+            <a:r>
+              <a:rPr lang="en-US" dirty="0" smtClean="0"/>
+              <a:t> </a:t>
+            </a:r>
+            <a:r>
+              <a:rPr lang="en-US" dirty="0"/>
+              <a:t> attribute specifies one or more </a:t>
+            </a:r>
+            <a:r>
+              <a:rPr lang="en-US" b="1" u="sng" dirty="0" smtClean="0">
+                <a:solidFill>
+                  <a:srgbClr val="FF0000"/>
+                </a:solidFill>
+              </a:rPr>
+              <a:t>class names</a:t>
+            </a:r>
+            <a:r>
+              <a:rPr lang="en-US" dirty="0" smtClean="0"/>
+              <a:t> </a:t>
+            </a:r>
+            <a:r>
+              <a:rPr lang="en-US" dirty="0"/>
+              <a:t>for an element</a:t>
+            </a:r>
+            <a:r>
+              <a:rPr lang="en-US" dirty="0" smtClean="0"/>
+              <a:t>.</a:t>
+            </a:r>
+            <a:endParaRPr lang="en-US" dirty="0"/>
+          </a:p>
+          <a:p>
+            <a:r>
+              <a:rPr lang="en-US" dirty="0" smtClean="0"/>
+              <a:t>The class Attribute mostly used to </a:t>
+            </a:r>
+            <a:r>
+              <a:rPr lang="en-US" b="1" dirty="0" smtClean="0">
+                <a:solidFill>
+                  <a:srgbClr val="0070C0"/>
+                </a:solidFill>
+              </a:rPr>
+              <a:t>point to a class </a:t>
+            </a:r>
+            <a:r>
+              <a:rPr lang="en-US" b="1" dirty="0">
+                <a:solidFill>
+                  <a:srgbClr val="0070C0"/>
+                </a:solidFill>
+              </a:rPr>
+              <a:t> in a style sheet.</a:t>
+            </a:r>
+            <a:r>
+              <a:rPr lang="en-US" dirty="0"/>
+              <a:t> </a:t>
+            </a:r>
+            <a:r>
+              <a:rPr lang="en-US" dirty="0" smtClean="0"/>
+              <a:t>And it also can be used with any HTML elements.</a:t>
+            </a:r>
+          </a:p>
+          <a:p>
+            <a:endParaRPr lang="en-US" dirty="0"/>
+          </a:p>
+        </p:txBody>
+      </p:sp>
+    </p:spTree>
+    <p:extLst>
+      <p:ext uri="{BB962C8B-B14F-4D97-AF65-F5344CB8AC3E}">
+        <p14:creationId xmlns:p14="http://schemas.microsoft.com/office/powerpoint/2010/main" val="660218400"/>
+      </p:ext>
+    </p:extLst>
+  </p:cSld>
+  <p:clrMapOvr>
+    <a:masterClrMapping/>
+  </p:clrMapOvr>
+</p:sld>
+</file>
+
+<file path=ppt/slides/slide37.xml><?xml version="1.0" encoding="utf-8"?>
+<p:sld xmlns:a="http://schemas.openxmlformats.org/drawingml/2006/main" xmlns:r="http://schemas.openxmlformats.org/officeDocument/2006/relationships" xmlns:p="http://schemas.openxmlformats.org/presentationml/2006/main">
+  <p:cSld>
+    <p:spTree>
+      <p:nvGrpSpPr>
+        <p:cNvPr id="1" name=""/>
+        <p:cNvGrpSpPr/>
+        <p:nvPr/>
+      </p:nvGrpSpPr>
+      <p:grpSpPr>
+        <a:xfrm>
+          <a:off x="0" y="0"/>
+          <a:ext cx="0" cy="0"/>
+          <a:chOff x="0" y="0"/>
+          <a:chExt cx="0" cy="0"/>
+        </a:xfrm>
+      </p:grpSpPr>
+      <p:sp>
+        <p:nvSpPr>
+          <p:cNvPr id="2" name="Title 1"/>
+          <p:cNvSpPr>
+            <a:spLocks noGrp="1"/>
+          </p:cNvSpPr>
+          <p:nvPr>
+            <p:ph type="title"/>
+          </p:nvPr>
+        </p:nvSpPr>
+        <p:spPr>
+          <a:xfrm>
+            <a:off x="677334" y="133082"/>
+            <a:ext cx="8596668" cy="575256"/>
+          </a:xfrm>
+        </p:spPr>
+        <p:txBody>
+          <a:bodyPr>
+            <a:normAutofit fontScale="90000"/>
+          </a:bodyPr>
+          <a:lstStyle/>
+          <a:p>
+            <a:r>
+              <a:rPr lang="en-US" dirty="0" smtClean="0"/>
+              <a:t>Example</a:t>
+            </a:r>
+            <a:br>
+              <a:rPr lang="en-US" dirty="0" smtClean="0"/>
+            </a:br>
+            <a:endParaRPr lang="en-US" dirty="0"/>
+          </a:p>
+        </p:txBody>
+      </p:sp>
+      <p:sp>
+        <p:nvSpPr>
+          <p:cNvPr id="3" name="Content Placeholder 2"/>
+          <p:cNvSpPr>
+            <a:spLocks noGrp="1"/>
+          </p:cNvSpPr>
+          <p:nvPr>
+            <p:ph idx="1"/>
+          </p:nvPr>
+        </p:nvSpPr>
+        <p:spPr>
+          <a:xfrm>
+            <a:off x="677334" y="708339"/>
+            <a:ext cx="8596668" cy="5911402"/>
+          </a:xfrm>
+        </p:spPr>
+        <p:txBody>
+          <a:bodyPr>
+            <a:normAutofit fontScale="62500" lnSpcReduction="20000"/>
+          </a:bodyPr>
+          <a:lstStyle/>
+          <a:p>
+            <a:r>
+              <a:rPr lang="en-US" dirty="0"/>
+              <a:t>&lt;!DOCTYPE html&gt;</a:t>
+            </a:r>
+          </a:p>
+          <a:p>
+            <a:r>
+              <a:rPr lang="en-US" dirty="0"/>
+              <a:t>&lt;html&gt;</a:t>
+            </a:r>
+          </a:p>
+          <a:p>
+            <a:r>
+              <a:rPr lang="en-US" dirty="0"/>
+              <a:t>&lt;head&gt;</a:t>
+            </a:r>
+          </a:p>
+          <a:p>
+            <a:r>
+              <a:rPr lang="en-US" dirty="0"/>
+              <a:t>&lt;style&gt;</a:t>
+            </a:r>
+          </a:p>
+          <a:p>
+            <a:r>
+              <a:rPr lang="en-US" dirty="0"/>
+              <a:t>h1.intro {</a:t>
+            </a:r>
+          </a:p>
+          <a:p>
+            <a:r>
+              <a:rPr lang="en-US" dirty="0"/>
+              <a:t>  color: blue;</a:t>
+            </a:r>
+          </a:p>
+          <a:p>
+            <a:r>
+              <a:rPr lang="en-US" dirty="0"/>
+              <a:t>}</a:t>
+            </a:r>
+          </a:p>
+          <a:p>
+            <a:endParaRPr lang="en-US" dirty="0"/>
+          </a:p>
+          <a:p>
+            <a:r>
+              <a:rPr lang="en-US" dirty="0" smtClean="0"/>
+              <a:t>p.important </a:t>
+            </a:r>
+            <a:r>
+              <a:rPr lang="en-US" dirty="0"/>
+              <a:t>{</a:t>
+            </a:r>
+          </a:p>
+          <a:p>
+            <a:r>
+              <a:rPr lang="en-US" dirty="0"/>
+              <a:t>  color: green;</a:t>
+            </a:r>
+          </a:p>
+          <a:p>
+            <a:r>
+              <a:rPr lang="en-US" dirty="0"/>
+              <a:t>}</a:t>
+            </a:r>
+          </a:p>
+          <a:p>
+            <a:r>
+              <a:rPr lang="en-US" dirty="0"/>
+              <a:t>&lt;/style&gt;</a:t>
+            </a:r>
+          </a:p>
+          <a:p>
+            <a:r>
+              <a:rPr lang="en-US" dirty="0"/>
+              <a:t>&lt;/head&gt;</a:t>
+            </a:r>
+          </a:p>
+          <a:p>
+            <a:r>
+              <a:rPr lang="en-US" dirty="0"/>
+              <a:t>&lt;body&gt;</a:t>
+            </a:r>
+          </a:p>
+          <a:p>
+            <a:endParaRPr lang="en-US" dirty="0"/>
+          </a:p>
+          <a:p>
+            <a:r>
+              <a:rPr lang="en-US" dirty="0"/>
+              <a:t>&lt;h1 class="intro"&gt;Header 1&lt;/h1&gt;</a:t>
+            </a:r>
+          </a:p>
+          <a:p>
+            <a:r>
+              <a:rPr lang="en-US" dirty="0"/>
+              <a:t>&lt;p&gt;A paragraph.&lt;/p&gt;</a:t>
+            </a:r>
+          </a:p>
+          <a:p>
+            <a:r>
+              <a:rPr lang="en-US" dirty="0"/>
+              <a:t>&lt;p class="important"&gt;Note that this is an important paragraph. :)&lt;/p&gt;</a:t>
+            </a:r>
+          </a:p>
+          <a:p>
+            <a:endParaRPr lang="en-US" dirty="0"/>
+          </a:p>
+          <a:p>
+            <a:r>
+              <a:rPr lang="en-US" dirty="0"/>
+              <a:t>&lt;/body&gt;</a:t>
+            </a:r>
+          </a:p>
+          <a:p>
+            <a:r>
+              <a:rPr lang="en-US" dirty="0"/>
+              <a:t>&lt;/html&gt;</a:t>
+            </a:r>
+          </a:p>
+        </p:txBody>
+      </p:sp>
+    </p:spTree>
+    <p:extLst>
+      <p:ext uri="{BB962C8B-B14F-4D97-AF65-F5344CB8AC3E}">
+        <p14:creationId xmlns:p14="http://schemas.microsoft.com/office/powerpoint/2010/main" val="1417843592"/>
+      </p:ext>
+    </p:extLst>
+  </p:cSld>
+  <p:clrMapOvr>
+    <a:masterClrMapping/>
+  </p:clrMapOvr>
+</p:sld>
+</file>
+
+<file path=ppt/slides/slide38.xml><?xml version="1.0" encoding="utf-8"?>
+<p:sld xmlns:a="http://schemas.openxmlformats.org/drawingml/2006/main" xmlns:r="http://schemas.openxmlformats.org/officeDocument/2006/relationships" xmlns:p="http://schemas.openxmlformats.org/presentationml/2006/main">
+  <p:cSld>
+    <p:spTree>
+      <p:nvGrpSpPr>
+        <p:cNvPr id="1" name=""/>
+        <p:cNvGrpSpPr/>
+        <p:nvPr/>
+      </p:nvGrpSpPr>
+      <p:grpSpPr>
+        <a:xfrm>
+          <a:off x="0" y="0"/>
+          <a:ext cx="0" cy="0"/>
+          <a:chOff x="0" y="0"/>
+          <a:chExt cx="0" cy="0"/>
+        </a:xfrm>
+      </p:grpSpPr>
+      <p:sp>
+        <p:nvSpPr>
+          <p:cNvPr id="2" name="Title 1"/>
+          <p:cNvSpPr>
+            <a:spLocks noGrp="1"/>
+          </p:cNvSpPr>
+          <p:nvPr>
+            <p:ph type="title"/>
+          </p:nvPr>
+        </p:nvSpPr>
+        <p:spPr/>
+        <p:txBody>
+          <a:bodyPr/>
+          <a:lstStyle/>
+          <a:p>
+            <a:r>
+              <a:rPr lang="en-US" b="1" u="sng" dirty="0" smtClean="0"/>
+              <a:t>Output:</a:t>
+            </a:r>
+            <a:endParaRPr lang="en-US" b="1" u="sng" dirty="0"/>
+          </a:p>
+        </p:txBody>
+      </p:sp>
+      <p:pic>
+        <p:nvPicPr>
+          <p:cNvPr id="4" name="Content Placeholder 3"/>
+          <p:cNvPicPr>
+            <a:picLocks noGrp="1" noChangeAspect="1"/>
+          </p:cNvPicPr>
+          <p:nvPr>
+            <p:ph idx="1"/>
+          </p:nvPr>
+        </p:nvPicPr>
+        <p:blipFill>
+          <a:blip r:embed="rId2">
+            <a:extLst>
+              <a:ext uri="{28A0092B-C50C-407E-A947-70E740481C1C}">
+                <a14:useLocalDpi xmlns:a14="http://schemas.microsoft.com/office/drawing/2010/main" val="0"/>
+              </a:ext>
+            </a:extLst>
+          </a:blip>
+          <a:stretch>
+            <a:fillRect/>
+          </a:stretch>
+        </p:blipFill>
+        <p:spPr>
+          <a:xfrm>
+            <a:off x="677334" y="1930400"/>
+            <a:ext cx="4881839" cy="2068001"/>
+          </a:xfrm>
+        </p:spPr>
+      </p:pic>
+    </p:spTree>
+    <p:extLst>
+      <p:ext uri="{BB962C8B-B14F-4D97-AF65-F5344CB8AC3E}">
+        <p14:creationId xmlns:p14="http://schemas.microsoft.com/office/powerpoint/2010/main" val="2167088052"/>
+      </p:ext>
+    </p:extLst>
+  </p:cSld>
+  <p:clrMapOvr>
+    <a:masterClrMapping/>
+  </p:clrMapOvr>
+</p:sld>
+</file>
+
+<file path=ppt/slides/slide39.xml><?xml version="1.0" encoding="utf-8"?>
+<p:sld xmlns:a="http://schemas.openxmlformats.org/drawingml/2006/main" xmlns:r="http://schemas.openxmlformats.org/officeDocument/2006/relationships" xmlns:p="http://schemas.openxmlformats.org/presentationml/2006/main">
+  <p:cSld>
+    <p:spTree>
+      <p:nvGrpSpPr>
+        <p:cNvPr id="1" name=""/>
+        <p:cNvGrpSpPr/>
+        <p:nvPr/>
+      </p:nvGrpSpPr>
+      <p:grpSpPr>
+        <a:xfrm>
+          <a:off x="0" y="0"/>
+          <a:ext cx="0" cy="0"/>
+          <a:chOff x="0" y="0"/>
+          <a:chExt cx="0" cy="0"/>
+        </a:xfrm>
+      </p:grpSpPr>
+      <p:sp>
+        <p:nvSpPr>
+          <p:cNvPr id="2" name="Title 1"/>
+          <p:cNvSpPr>
+            <a:spLocks noGrp="1"/>
+          </p:cNvSpPr>
+          <p:nvPr>
+            <p:ph type="title"/>
+          </p:nvPr>
+        </p:nvSpPr>
+        <p:spPr/>
+        <p:txBody>
+          <a:bodyPr/>
+          <a:lstStyle/>
+          <a:p>
+            <a:r>
+              <a:rPr lang="en-US" dirty="0" smtClean="0"/>
+              <a:t>6) 	Difference between ‘id’ and ‘class’?</a:t>
+            </a:r>
+            <a:endParaRPr lang="en-US" dirty="0"/>
+          </a:p>
+        </p:txBody>
+      </p:sp>
+      <p:pic>
+        <p:nvPicPr>
+          <p:cNvPr id="4" name="Content Placeholder 3"/>
+          <p:cNvPicPr>
+            <a:picLocks noGrp="1" noChangeAspect="1"/>
+          </p:cNvPicPr>
+          <p:nvPr>
+            <p:ph idx="1"/>
+          </p:nvPr>
+        </p:nvPicPr>
+        <p:blipFill>
+          <a:blip r:embed="rId2">
+            <a:extLst>
+              <a:ext uri="{28A0092B-C50C-407E-A947-70E740481C1C}">
+                <a14:useLocalDpi xmlns:a14="http://schemas.microsoft.com/office/drawing/2010/main" val="0"/>
+              </a:ext>
+            </a:extLst>
+          </a:blip>
+          <a:stretch>
+            <a:fillRect/>
+          </a:stretch>
+        </p:blipFill>
+        <p:spPr>
+          <a:xfrm>
+            <a:off x="677690" y="1930400"/>
+            <a:ext cx="8596312" cy="3360698"/>
+          </a:xfrm>
+        </p:spPr>
+      </p:pic>
+    </p:spTree>
+    <p:extLst>
+      <p:ext uri="{BB962C8B-B14F-4D97-AF65-F5344CB8AC3E}">
+        <p14:creationId xmlns:p14="http://schemas.microsoft.com/office/powerpoint/2010/main" val="3378546780"/>
+      </p:ext>
+    </p:extLst>
+  </p:cSld>
+  <p:clrMapOvr>
+    <a:masterClrMapping/>
+  </p:clrMapOvr>
+</p:sld>
+</file>
+
+<file path=ppt/slides/slide4.xml><?xml version="1.0" encoding="utf-8"?>
+<p:sld xmlns:a="http://schemas.openxmlformats.org/drawingml/2006/main" xmlns:r="http://schemas.openxmlformats.org/officeDocument/2006/relationships" xmlns:p="http://schemas.openxmlformats.org/presentationml/2006/main">
+  <p:cSld>
+    <p:spTree>
+      <p:nvGrpSpPr>
+        <p:cNvPr id="1" name=""/>
+        <p:cNvGrpSpPr/>
+        <p:nvPr/>
+      </p:nvGrpSpPr>
+      <p:grpSpPr>
+        <a:xfrm>
+          <a:off x="0" y="0"/>
+          <a:ext cx="0" cy="0"/>
+          <a:chOff x="0" y="0"/>
+          <a:chExt cx="0" cy="0"/>
+        </a:xfrm>
+      </p:grpSpPr>
+      <p:sp>
+        <p:nvSpPr>
+          <p:cNvPr id="2" name="Title 1"/>
+          <p:cNvSpPr>
+            <a:spLocks noGrp="1"/>
+          </p:cNvSpPr>
+          <p:nvPr>
+            <p:ph type="title"/>
+          </p:nvPr>
+        </p:nvSpPr>
+        <p:spPr>
+          <a:xfrm>
+            <a:off x="677334" y="154546"/>
+            <a:ext cx="8596668" cy="734096"/>
+          </a:xfrm>
+        </p:spPr>
+        <p:txBody>
+          <a:bodyPr/>
+          <a:lstStyle/>
+          <a:p>
+            <a:r>
+              <a:rPr lang="en-US" dirty="0" smtClean="0"/>
+              <a:t>EXAMPLE OF HTML ELEMENTS</a:t>
+            </a:r>
+            <a:endParaRPr lang="en-US" dirty="0"/>
+          </a:p>
+        </p:txBody>
+      </p:sp>
+      <p:sp>
+        <p:nvSpPr>
+          <p:cNvPr id="3" name="Content Placeholder 2"/>
+          <p:cNvSpPr>
+            <a:spLocks noGrp="1"/>
+          </p:cNvSpPr>
+          <p:nvPr>
+            <p:ph idx="1"/>
+          </p:nvPr>
+        </p:nvSpPr>
+        <p:spPr>
+          <a:xfrm>
+            <a:off x="806123" y="1014369"/>
+            <a:ext cx="8596668" cy="3880773"/>
+          </a:xfrm>
+        </p:spPr>
+        <p:txBody>
+          <a:bodyPr/>
+          <a:lstStyle/>
+          <a:p>
+            <a:r>
+              <a:rPr lang="en-US" dirty="0"/>
+              <a:t> </a:t>
+            </a:r>
+            <a:r>
+              <a:rPr lang="en-US" dirty="0" smtClean="0"/>
+              <a:t>How </a:t>
+            </a:r>
+            <a:r>
+              <a:rPr lang="en-US" dirty="0"/>
+              <a:t>tags are different from elements in HTML</a:t>
+            </a:r>
+          </a:p>
+          <a:p>
+            <a:endParaRPr lang="en-US" dirty="0"/>
+          </a:p>
+        </p:txBody>
+      </p:sp>
+      <p:pic>
+        <p:nvPicPr>
+          <p:cNvPr id="4" name="Picture 3"/>
+          <p:cNvPicPr>
+            <a:picLocks noChangeAspect="1"/>
+          </p:cNvPicPr>
+          <p:nvPr/>
+        </p:nvPicPr>
+        <p:blipFill>
+          <a:blip r:embed="rId2">
+            <a:extLst>
+              <a:ext uri="{28A0092B-C50C-407E-A947-70E740481C1C}">
+                <a14:useLocalDpi xmlns:a14="http://schemas.microsoft.com/office/drawing/2010/main" val="0"/>
+              </a:ext>
+            </a:extLst>
+          </a:blip>
+          <a:stretch>
+            <a:fillRect/>
+          </a:stretch>
+        </p:blipFill>
+        <p:spPr>
+          <a:xfrm>
+            <a:off x="818475" y="1450376"/>
+            <a:ext cx="6392640" cy="3570493"/>
+          </a:xfrm>
+          <a:prstGeom prst="rect">
+            <a:avLst/>
+          </a:prstGeom>
+        </p:spPr>
+      </p:pic>
+      <p:sp>
+        <p:nvSpPr>
+          <p:cNvPr id="5" name="TextBox 4"/>
+          <p:cNvSpPr txBox="1"/>
+          <p:nvPr/>
+        </p:nvSpPr>
+        <p:spPr>
+          <a:xfrm>
+            <a:off x="1313645" y="5456876"/>
+            <a:ext cx="6560386" cy="369332"/>
+          </a:xfrm>
+          <a:prstGeom prst="rect">
+            <a:avLst/>
+          </a:prstGeom>
+          <a:solidFill>
+            <a:schemeClr val="bg2"/>
+          </a:solidFill>
+          <a:ln>
+            <a:solidFill>
+              <a:schemeClr val="accent1"/>
+            </a:solidFill>
+          </a:ln>
+        </p:spPr>
+        <p:txBody>
+          <a:bodyPr wrap="none" rtlCol="0">
+            <a:spAutoFit/>
+          </a:bodyPr>
+          <a:lstStyle/>
+          <a:p>
+            <a:r>
+              <a:rPr lang="en-US" dirty="0" smtClean="0"/>
+              <a:t>That’s Why HTML tags and HTML elements both are different.</a:t>
+            </a:r>
+            <a:endParaRPr lang="en-US" dirty="0"/>
+          </a:p>
+        </p:txBody>
+      </p:sp>
+    </p:spTree>
+    <p:extLst>
+      <p:ext uri="{BB962C8B-B14F-4D97-AF65-F5344CB8AC3E}">
+        <p14:creationId xmlns:p14="http://schemas.microsoft.com/office/powerpoint/2010/main" val="3281628603"/>
+      </p:ext>
+    </p:extLst>
+  </p:cSld>
+  <p:clrMapOvr>
+    <a:masterClrMapping/>
+  </p:clrMapOvr>
+  <p:timing>
+    <p:tnLst>
+      <p:par>
+        <p:cTn id="1" dur="indefinite" restart="never" nodeType="tmRoot"/>
+      </p:par>
+    </p:tnLst>
+  </p:timing>
+</p:sld>
+</file>
+
+<file path=ppt/slides/slide40.xml><?xml version="1.0" encoding="utf-8"?>
+<p:sld xmlns:a="http://schemas.openxmlformats.org/drawingml/2006/main" xmlns:r="http://schemas.openxmlformats.org/officeDocument/2006/relationships" xmlns:p="http://schemas.openxmlformats.org/presentationml/2006/main">
+  <p:cSld>
+    <p:spTree>
+      <p:nvGrpSpPr>
+        <p:cNvPr id="1" name=""/>
+        <p:cNvGrpSpPr/>
+        <p:nvPr/>
+      </p:nvGrpSpPr>
+      <p:grpSpPr>
+        <a:xfrm>
+          <a:off x="0" y="0"/>
+          <a:ext cx="0" cy="0"/>
+          <a:chOff x="0" y="0"/>
+          <a:chExt cx="0" cy="0"/>
+        </a:xfrm>
+      </p:grpSpPr>
+      <p:sp>
+        <p:nvSpPr>
+          <p:cNvPr id="2" name="Title 1"/>
+          <p:cNvSpPr>
+            <a:spLocks noGrp="1"/>
+          </p:cNvSpPr>
+          <p:nvPr>
+            <p:ph type="title"/>
+          </p:nvPr>
+        </p:nvSpPr>
+        <p:spPr/>
+        <p:txBody>
+          <a:bodyPr/>
+          <a:lstStyle/>
+          <a:p>
+            <a:r>
+              <a:rPr lang="en-US" dirty="0" smtClean="0"/>
+              <a:t>7)</a:t>
+            </a:r>
+            <a:endParaRPr lang="en-US" dirty="0"/>
+          </a:p>
+        </p:txBody>
+      </p:sp>
+      <p:graphicFrame>
+        <p:nvGraphicFramePr>
+          <p:cNvPr id="4" name="Content Placeholder 3"/>
+          <p:cNvGraphicFramePr>
+            <a:graphicFrameLocks noGrp="1"/>
+          </p:cNvGraphicFramePr>
+          <p:nvPr>
+            <p:ph idx="1"/>
+            <p:extLst>
+              <p:ext uri="{D42A27DB-BD31-4B8C-83A1-F6EECF244321}">
+                <p14:modId xmlns:p14="http://schemas.microsoft.com/office/powerpoint/2010/main" val="2279059363"/>
+              </p:ext>
+            </p:extLst>
+          </p:nvPr>
+        </p:nvGraphicFramePr>
+        <p:xfrm>
+          <a:off x="535667" y="1396235"/>
+          <a:ext cx="8428029" cy="4298159"/>
+        </p:xfrm>
+        <a:graphic>
+          <a:graphicData uri="http://schemas.openxmlformats.org/drawingml/2006/table">
+            <a:tbl>
+              <a:tblPr/>
+              <a:tblGrid>
+                <a:gridCol w="3672841"/>
+                <a:gridCol w="2377594"/>
+                <a:gridCol w="2377594"/>
+              </a:tblGrid>
+              <a:tr h="279399">
+                <a:tc>
+                  <a:txBody>
+                    <a:bodyPr/>
+                    <a:lstStyle/>
+                    <a:p>
+                      <a:pPr fontAlgn="t"/>
+                      <a:r>
+                        <a:rPr lang="en-US" sz="1400" b="1" dirty="0">
+                          <a:effectLst/>
+                        </a:rPr>
+                        <a:t>Parameters</a:t>
+                      </a:r>
+                      <a:endParaRPr lang="en-US" sz="1400" dirty="0">
+                        <a:effectLst/>
+                      </a:endParaRPr>
+                    </a:p>
+                  </a:txBody>
+                  <a:tcPr marL="38053" marR="38053" marT="38053" marB="38053">
+                    <a:lnL w="9525" cap="flat" cmpd="sng" algn="ctr">
+                      <a:solidFill>
+                        <a:srgbClr val="DDDDDD"/>
+                      </a:solidFill>
+                      <a:prstDash val="solid"/>
+                      <a:round/>
+                      <a:headEnd type="none" w="med" len="med"/>
+                      <a:tailEnd type="none" w="med" len="med"/>
+                    </a:lnL>
+                    <a:lnR w="9525" cap="flat" cmpd="sng" algn="ctr">
+                      <a:solidFill>
+                        <a:srgbClr val="DDDDDD"/>
+                      </a:solidFill>
+                      <a:prstDash val="solid"/>
+                      <a:round/>
+                      <a:headEnd type="none" w="med" len="med"/>
+                      <a:tailEnd type="none" w="med" len="med"/>
+                    </a:lnR>
+                    <a:lnT w="9525" cap="flat" cmpd="sng" algn="ctr">
+                      <a:solidFill>
+                        <a:srgbClr val="DDDDDD"/>
+                      </a:solidFill>
+                      <a:prstDash val="solid"/>
+                      <a:round/>
+                      <a:headEnd type="none" w="med" len="med"/>
+                      <a:tailEnd type="none" w="med" len="med"/>
+                    </a:lnT>
+                    <a:lnB w="9525" cap="flat" cmpd="sng" algn="ctr">
+                      <a:solidFill>
+                        <a:srgbClr val="DDDDDD"/>
+                      </a:solidFill>
+                      <a:prstDash val="solid"/>
+                      <a:round/>
+                      <a:headEnd type="none" w="med" len="med"/>
+                      <a:tailEnd type="none" w="med" len="med"/>
+                    </a:lnB>
+                    <a:solidFill>
+                      <a:srgbClr val="FFFFFF"/>
+                    </a:solidFill>
+                  </a:tcPr>
+                </a:tc>
+                <a:tc>
+                  <a:txBody>
+                    <a:bodyPr/>
+                    <a:lstStyle/>
+                    <a:p>
+                      <a:pPr fontAlgn="t"/>
+                      <a:r>
+                        <a:rPr lang="en-US" sz="1400" b="1" dirty="0">
+                          <a:effectLst/>
+                        </a:rPr>
+                        <a:t>Cellpadding</a:t>
+                      </a:r>
+                      <a:endParaRPr lang="en-US" sz="1400" dirty="0">
+                        <a:effectLst/>
+                      </a:endParaRPr>
+                    </a:p>
+                  </a:txBody>
+                  <a:tcPr marL="38053" marR="38053" marT="38053" marB="38053">
+                    <a:lnL w="9525" cap="flat" cmpd="sng" algn="ctr">
+                      <a:solidFill>
+                        <a:srgbClr val="DDDDDD"/>
+                      </a:solidFill>
+                      <a:prstDash val="solid"/>
+                      <a:round/>
+                      <a:headEnd type="none" w="med" len="med"/>
+                      <a:tailEnd type="none" w="med" len="med"/>
+                    </a:lnL>
+                    <a:lnR w="9525" cap="flat" cmpd="sng" algn="ctr">
+                      <a:solidFill>
+                        <a:srgbClr val="DDDDDD"/>
+                      </a:solidFill>
+                      <a:prstDash val="solid"/>
+                      <a:round/>
+                      <a:headEnd type="none" w="med" len="med"/>
+                      <a:tailEnd type="none" w="med" len="med"/>
+                    </a:lnR>
+                    <a:lnT w="9525" cap="flat" cmpd="sng" algn="ctr">
+                      <a:solidFill>
+                        <a:srgbClr val="DDDDDD"/>
+                      </a:solidFill>
+                      <a:prstDash val="solid"/>
+                      <a:round/>
+                      <a:headEnd type="none" w="med" len="med"/>
+                      <a:tailEnd type="none" w="med" len="med"/>
+                    </a:lnT>
+                    <a:lnB w="9525" cap="flat" cmpd="sng" algn="ctr">
+                      <a:solidFill>
+                        <a:srgbClr val="DDDDDD"/>
+                      </a:solidFill>
+                      <a:prstDash val="solid"/>
+                      <a:round/>
+                      <a:headEnd type="none" w="med" len="med"/>
+                      <a:tailEnd type="none" w="med" len="med"/>
+                    </a:lnB>
+                    <a:solidFill>
+                      <a:srgbClr val="FFFFFF"/>
+                    </a:solidFill>
+                  </a:tcPr>
+                </a:tc>
+                <a:tc>
+                  <a:txBody>
+                    <a:bodyPr/>
+                    <a:lstStyle/>
+                    <a:p>
+                      <a:pPr fontAlgn="t"/>
+                      <a:r>
+                        <a:rPr lang="en-US" sz="1400" b="1" dirty="0">
+                          <a:effectLst/>
+                        </a:rPr>
+                        <a:t>Cellspacing</a:t>
+                      </a:r>
+                      <a:endParaRPr lang="en-US" sz="1400" dirty="0">
+                        <a:effectLst/>
+                      </a:endParaRPr>
+                    </a:p>
+                  </a:txBody>
+                  <a:tcPr marL="38053" marR="38053" marT="38053" marB="38053">
+                    <a:lnL w="9525" cap="flat" cmpd="sng" algn="ctr">
+                      <a:solidFill>
+                        <a:srgbClr val="DDDDDD"/>
+                      </a:solidFill>
+                      <a:prstDash val="solid"/>
+                      <a:round/>
+                      <a:headEnd type="none" w="med" len="med"/>
+                      <a:tailEnd type="none" w="med" len="med"/>
+                    </a:lnL>
+                    <a:lnR w="9525" cap="flat" cmpd="sng" algn="ctr">
+                      <a:solidFill>
+                        <a:srgbClr val="DDDDDD"/>
+                      </a:solidFill>
+                      <a:prstDash val="solid"/>
+                      <a:round/>
+                      <a:headEnd type="none" w="med" len="med"/>
+                      <a:tailEnd type="none" w="med" len="med"/>
+                    </a:lnR>
+                    <a:lnT w="9525" cap="flat" cmpd="sng" algn="ctr">
+                      <a:solidFill>
+                        <a:srgbClr val="DDDDDD"/>
+                      </a:solidFill>
+                      <a:prstDash val="solid"/>
+                      <a:round/>
+                      <a:headEnd type="none" w="med" len="med"/>
+                      <a:tailEnd type="none" w="med" len="med"/>
+                    </a:lnT>
+                    <a:lnB w="9525" cap="flat" cmpd="sng" algn="ctr">
+                      <a:solidFill>
+                        <a:srgbClr val="DDDDDD"/>
+                      </a:solidFill>
+                      <a:prstDash val="solid"/>
+                      <a:round/>
+                      <a:headEnd type="none" w="med" len="med"/>
+                      <a:tailEnd type="none" w="med" len="med"/>
+                    </a:lnB>
+                    <a:solidFill>
+                      <a:srgbClr val="FFFFFF"/>
+                    </a:solidFill>
+                  </a:tcPr>
+                </a:tc>
+              </a:tr>
+              <a:tr h="975431">
+                <a:tc>
+                  <a:txBody>
+                    <a:bodyPr/>
+                    <a:lstStyle/>
+                    <a:p>
+                      <a:pPr fontAlgn="t"/>
+                      <a:r>
+                        <a:rPr lang="en-US" sz="1400" dirty="0">
+                          <a:effectLst/>
+                        </a:rPr>
+                        <a:t>Purpose</a:t>
+                      </a:r>
+                    </a:p>
+                  </a:txBody>
+                  <a:tcPr marL="38053" marR="38053" marT="38053" marB="38053">
+                    <a:lnL w="9525" cap="flat" cmpd="sng" algn="ctr">
+                      <a:solidFill>
+                        <a:srgbClr val="DDDDDD"/>
+                      </a:solidFill>
+                      <a:prstDash val="solid"/>
+                      <a:round/>
+                      <a:headEnd type="none" w="med" len="med"/>
+                      <a:tailEnd type="none" w="med" len="med"/>
+                    </a:lnL>
+                    <a:lnR w="9525" cap="flat" cmpd="sng" algn="ctr">
+                      <a:solidFill>
+                        <a:srgbClr val="DDDDDD"/>
+                      </a:solidFill>
+                      <a:prstDash val="solid"/>
+                      <a:round/>
+                      <a:headEnd type="none" w="med" len="med"/>
+                      <a:tailEnd type="none" w="med" len="med"/>
+                    </a:lnR>
+                    <a:lnT w="9525" cap="flat" cmpd="sng" algn="ctr">
+                      <a:solidFill>
+                        <a:srgbClr val="DDDDDD"/>
+                      </a:solidFill>
+                      <a:prstDash val="solid"/>
+                      <a:round/>
+                      <a:headEnd type="none" w="med" len="med"/>
+                      <a:tailEnd type="none" w="med" len="med"/>
+                    </a:lnT>
+                    <a:lnB w="9525" cap="flat" cmpd="sng" algn="ctr">
+                      <a:solidFill>
+                        <a:srgbClr val="DDDDDD"/>
+                      </a:solidFill>
+                      <a:prstDash val="solid"/>
+                      <a:round/>
+                      <a:headEnd type="none" w="med" len="med"/>
+                      <a:tailEnd type="none" w="med" len="med"/>
+                    </a:lnB>
+                    <a:solidFill>
+                      <a:srgbClr val="FFFFFF"/>
+                    </a:solidFill>
+                  </a:tcPr>
+                </a:tc>
+                <a:tc>
+                  <a:txBody>
+                    <a:bodyPr/>
+                    <a:lstStyle/>
+                    <a:p>
+                      <a:pPr fontAlgn="t"/>
+                      <a:r>
+                        <a:rPr lang="en-US" sz="1400" dirty="0" smtClean="0">
+                          <a:solidFill>
+                            <a:srgbClr val="00B0F0"/>
+                          </a:solidFill>
+                          <a:effectLst/>
+                        </a:rPr>
+                        <a:t>Cell padding </a:t>
+                      </a:r>
+                      <a:r>
+                        <a:rPr lang="en-US" sz="1400" dirty="0">
+                          <a:solidFill>
+                            <a:srgbClr val="00B0F0"/>
+                          </a:solidFill>
+                          <a:effectLst/>
+                        </a:rPr>
+                        <a:t>basically defines the space present between a table cell’s border and the content present in it.</a:t>
+                      </a:r>
+                    </a:p>
+                  </a:txBody>
+                  <a:tcPr marL="38053" marR="38053" marT="38053" marB="38053">
+                    <a:lnL w="9525" cap="flat" cmpd="sng" algn="ctr">
+                      <a:solidFill>
+                        <a:srgbClr val="DDDDDD"/>
+                      </a:solidFill>
+                      <a:prstDash val="solid"/>
+                      <a:round/>
+                      <a:headEnd type="none" w="med" len="med"/>
+                      <a:tailEnd type="none" w="med" len="med"/>
+                    </a:lnL>
+                    <a:lnR w="9525" cap="flat" cmpd="sng" algn="ctr">
+                      <a:solidFill>
+                        <a:srgbClr val="DDDDDD"/>
+                      </a:solidFill>
+                      <a:prstDash val="solid"/>
+                      <a:round/>
+                      <a:headEnd type="none" w="med" len="med"/>
+                      <a:tailEnd type="none" w="med" len="med"/>
+                    </a:lnR>
+                    <a:lnT w="9525" cap="flat" cmpd="sng" algn="ctr">
+                      <a:solidFill>
+                        <a:srgbClr val="DDDDDD"/>
+                      </a:solidFill>
+                      <a:prstDash val="solid"/>
+                      <a:round/>
+                      <a:headEnd type="none" w="med" len="med"/>
+                      <a:tailEnd type="none" w="med" len="med"/>
+                    </a:lnT>
+                    <a:lnB w="9525" cap="flat" cmpd="sng" algn="ctr">
+                      <a:solidFill>
+                        <a:srgbClr val="DDDDDD"/>
+                      </a:solidFill>
+                      <a:prstDash val="solid"/>
+                      <a:round/>
+                      <a:headEnd type="none" w="med" len="med"/>
+                      <a:tailEnd type="none" w="med" len="med"/>
+                    </a:lnB>
+                    <a:solidFill>
+                      <a:srgbClr val="FFFFFF"/>
+                    </a:solidFill>
+                  </a:tcPr>
+                </a:tc>
+                <a:tc>
+                  <a:txBody>
+                    <a:bodyPr/>
+                    <a:lstStyle/>
+                    <a:p>
+                      <a:pPr fontAlgn="t"/>
+                      <a:r>
+                        <a:rPr lang="en-US" sz="1400" dirty="0" smtClean="0">
+                          <a:solidFill>
+                            <a:srgbClr val="00B0F0"/>
+                          </a:solidFill>
+                          <a:effectLst/>
+                        </a:rPr>
+                        <a:t>Cell spacing </a:t>
+                      </a:r>
+                      <a:r>
+                        <a:rPr lang="en-US" sz="1400" dirty="0">
+                          <a:solidFill>
+                            <a:srgbClr val="00B0F0"/>
+                          </a:solidFill>
+                          <a:effectLst/>
+                        </a:rPr>
+                        <a:t>basically defines the space present between individual adjacent cells.</a:t>
+                      </a:r>
+                    </a:p>
+                  </a:txBody>
+                  <a:tcPr marL="38053" marR="38053" marT="38053" marB="38053">
+                    <a:lnL w="9525" cap="flat" cmpd="sng" algn="ctr">
+                      <a:solidFill>
+                        <a:srgbClr val="DDDDDD"/>
+                      </a:solidFill>
+                      <a:prstDash val="solid"/>
+                      <a:round/>
+                      <a:headEnd type="none" w="med" len="med"/>
+                      <a:tailEnd type="none" w="med" len="med"/>
+                    </a:lnL>
+                    <a:lnR w="9525" cap="flat" cmpd="sng" algn="ctr">
+                      <a:solidFill>
+                        <a:srgbClr val="DDDDDD"/>
+                      </a:solidFill>
+                      <a:prstDash val="solid"/>
+                      <a:round/>
+                      <a:headEnd type="none" w="med" len="med"/>
+                      <a:tailEnd type="none" w="med" len="med"/>
+                    </a:lnR>
+                    <a:lnT w="9525" cap="flat" cmpd="sng" algn="ctr">
+                      <a:solidFill>
+                        <a:srgbClr val="DDDDDD"/>
+                      </a:solidFill>
+                      <a:prstDash val="solid"/>
+                      <a:round/>
+                      <a:headEnd type="none" w="med" len="med"/>
+                      <a:tailEnd type="none" w="med" len="med"/>
+                    </a:lnT>
+                    <a:lnB w="9525" cap="flat" cmpd="sng" algn="ctr">
+                      <a:solidFill>
+                        <a:srgbClr val="DDDDDD"/>
+                      </a:solidFill>
+                      <a:prstDash val="solid"/>
+                      <a:round/>
+                      <a:headEnd type="none" w="med" len="med"/>
+                      <a:tailEnd type="none" w="med" len="med"/>
+                    </a:lnB>
+                    <a:solidFill>
+                      <a:srgbClr val="FFFFFF"/>
+                    </a:solidFill>
+                  </a:tcPr>
+                </a:tc>
+              </a:tr>
+              <a:tr h="897220">
+                <a:tc>
+                  <a:txBody>
+                    <a:bodyPr/>
+                    <a:lstStyle/>
+                    <a:p>
+                      <a:pPr fontAlgn="t"/>
+                      <a:r>
+                        <a:rPr lang="en-US" sz="1400" dirty="0">
+                          <a:effectLst/>
+                        </a:rPr>
+                        <a:t>Process of Creation</a:t>
+                      </a:r>
+                    </a:p>
+                  </a:txBody>
+                  <a:tcPr marL="38053" marR="38053" marT="38053" marB="38053">
+                    <a:lnL w="9525" cap="flat" cmpd="sng" algn="ctr">
+                      <a:solidFill>
+                        <a:srgbClr val="DDDDDD"/>
+                      </a:solidFill>
+                      <a:prstDash val="solid"/>
+                      <a:round/>
+                      <a:headEnd type="none" w="med" len="med"/>
+                      <a:tailEnd type="none" w="med" len="med"/>
+                    </a:lnL>
+                    <a:lnR w="9525" cap="flat" cmpd="sng" algn="ctr">
+                      <a:solidFill>
+                        <a:srgbClr val="DDDDDD"/>
+                      </a:solidFill>
+                      <a:prstDash val="solid"/>
+                      <a:round/>
+                      <a:headEnd type="none" w="med" len="med"/>
+                      <a:tailEnd type="none" w="med" len="med"/>
+                    </a:lnR>
+                    <a:lnT w="9525" cap="flat" cmpd="sng" algn="ctr">
+                      <a:solidFill>
+                        <a:srgbClr val="DDDDDD"/>
+                      </a:solidFill>
+                      <a:prstDash val="solid"/>
+                      <a:round/>
+                      <a:headEnd type="none" w="med" len="med"/>
+                      <a:tailEnd type="none" w="med" len="med"/>
+                    </a:lnT>
+                    <a:lnB w="9525" cap="flat" cmpd="sng" algn="ctr">
+                      <a:solidFill>
+                        <a:srgbClr val="DDDDDD"/>
+                      </a:solidFill>
+                      <a:prstDash val="solid"/>
+                      <a:round/>
+                      <a:headEnd type="none" w="med" len="med"/>
+                      <a:tailEnd type="none" w="med" len="med"/>
+                    </a:lnB>
+                    <a:solidFill>
+                      <a:srgbClr val="FFFFFF"/>
+                    </a:solidFill>
+                  </a:tcPr>
+                </a:tc>
+                <a:tc>
+                  <a:txBody>
+                    <a:bodyPr/>
+                    <a:lstStyle/>
+                    <a:p>
+                      <a:pPr fontAlgn="t"/>
+                      <a:r>
+                        <a:rPr lang="en-US" sz="1400" dirty="0">
+                          <a:effectLst/>
+                        </a:rPr>
+                        <a:t>One can create it using the tag of HTML &lt;table&gt;, but it sets the type attribute to cellpadding.</a:t>
+                      </a:r>
+                    </a:p>
+                  </a:txBody>
+                  <a:tcPr marL="38053" marR="38053" marT="38053" marB="38053">
+                    <a:lnL w="9525" cap="flat" cmpd="sng" algn="ctr">
+                      <a:solidFill>
+                        <a:srgbClr val="DDDDDD"/>
+                      </a:solidFill>
+                      <a:prstDash val="solid"/>
+                      <a:round/>
+                      <a:headEnd type="none" w="med" len="med"/>
+                      <a:tailEnd type="none" w="med" len="med"/>
+                    </a:lnL>
+                    <a:lnR w="9525" cap="flat" cmpd="sng" algn="ctr">
+                      <a:solidFill>
+                        <a:srgbClr val="DDDDDD"/>
+                      </a:solidFill>
+                      <a:prstDash val="solid"/>
+                      <a:round/>
+                      <a:headEnd type="none" w="med" len="med"/>
+                      <a:tailEnd type="none" w="med" len="med"/>
+                    </a:lnR>
+                    <a:lnT w="9525" cap="flat" cmpd="sng" algn="ctr">
+                      <a:solidFill>
+                        <a:srgbClr val="DDDDDD"/>
+                      </a:solidFill>
+                      <a:prstDash val="solid"/>
+                      <a:round/>
+                      <a:headEnd type="none" w="med" len="med"/>
+                      <a:tailEnd type="none" w="med" len="med"/>
+                    </a:lnT>
+                    <a:lnB w="9525" cap="flat" cmpd="sng" algn="ctr">
+                      <a:solidFill>
+                        <a:srgbClr val="DDDDDD"/>
+                      </a:solidFill>
+                      <a:prstDash val="solid"/>
+                      <a:round/>
+                      <a:headEnd type="none" w="med" len="med"/>
+                      <a:tailEnd type="none" w="med" len="med"/>
+                    </a:lnB>
+                    <a:solidFill>
+                      <a:srgbClr val="FFFFFF"/>
+                    </a:solidFill>
+                  </a:tcPr>
+                </a:tc>
+                <a:tc>
+                  <a:txBody>
+                    <a:bodyPr/>
+                    <a:lstStyle/>
+                    <a:p>
+                      <a:pPr fontAlgn="t"/>
+                      <a:r>
+                        <a:rPr lang="en-US" sz="1400" dirty="0">
+                          <a:effectLst/>
+                        </a:rPr>
+                        <a:t>One can create it using the tag of HTML &lt;table&gt;, but it sets the type attribute to </a:t>
+                      </a:r>
+                      <a:r>
+                        <a:rPr lang="en-US" sz="1400" dirty="0" err="1">
+                          <a:effectLst/>
+                        </a:rPr>
+                        <a:t>cellspacing</a:t>
+                      </a:r>
+                      <a:r>
+                        <a:rPr lang="en-US" sz="1400" dirty="0">
+                          <a:effectLst/>
+                        </a:rPr>
+                        <a:t>.</a:t>
+                      </a:r>
+                    </a:p>
+                  </a:txBody>
+                  <a:tcPr marL="38053" marR="38053" marT="38053" marB="38053">
+                    <a:lnL w="9525" cap="flat" cmpd="sng" algn="ctr">
+                      <a:solidFill>
+                        <a:srgbClr val="DDDDDD"/>
+                      </a:solidFill>
+                      <a:prstDash val="solid"/>
+                      <a:round/>
+                      <a:headEnd type="none" w="med" len="med"/>
+                      <a:tailEnd type="none" w="med" len="med"/>
+                    </a:lnL>
+                    <a:lnR w="9525" cap="flat" cmpd="sng" algn="ctr">
+                      <a:solidFill>
+                        <a:srgbClr val="DDDDDD"/>
+                      </a:solidFill>
+                      <a:prstDash val="solid"/>
+                      <a:round/>
+                      <a:headEnd type="none" w="med" len="med"/>
+                      <a:tailEnd type="none" w="med" len="med"/>
+                    </a:lnR>
+                    <a:lnT w="9525" cap="flat" cmpd="sng" algn="ctr">
+                      <a:solidFill>
+                        <a:srgbClr val="DDDDDD"/>
+                      </a:solidFill>
+                      <a:prstDash val="solid"/>
+                      <a:round/>
+                      <a:headEnd type="none" w="med" len="med"/>
+                      <a:tailEnd type="none" w="med" len="med"/>
+                    </a:lnT>
+                    <a:lnB w="9525" cap="flat" cmpd="sng" algn="ctr">
+                      <a:solidFill>
+                        <a:srgbClr val="DDDDDD"/>
+                      </a:solidFill>
+                      <a:prstDash val="solid"/>
+                      <a:round/>
+                      <a:headEnd type="none" w="med" len="med"/>
+                      <a:tailEnd type="none" w="med" len="med"/>
+                    </a:lnB>
+                    <a:solidFill>
+                      <a:srgbClr val="FFFFFF"/>
+                    </a:solidFill>
+                  </a:tcPr>
+                </a:tc>
+              </a:tr>
+              <a:tr h="691280">
+                <a:tc>
+                  <a:txBody>
+                    <a:bodyPr/>
+                    <a:lstStyle/>
+                    <a:p>
+                      <a:pPr fontAlgn="t"/>
+                      <a:r>
+                        <a:rPr lang="en-US" sz="1400" dirty="0">
+                          <a:effectLst/>
+                        </a:rPr>
+                        <a:t>Number of Cells</a:t>
+                      </a:r>
+                    </a:p>
+                  </a:txBody>
+                  <a:tcPr marL="38053" marR="38053" marT="38053" marB="38053">
+                    <a:lnL w="9525" cap="flat" cmpd="sng" algn="ctr">
+                      <a:solidFill>
+                        <a:srgbClr val="DDDDDD"/>
+                      </a:solidFill>
+                      <a:prstDash val="solid"/>
+                      <a:round/>
+                      <a:headEnd type="none" w="med" len="med"/>
+                      <a:tailEnd type="none" w="med" len="med"/>
+                    </a:lnL>
+                    <a:lnR w="9525" cap="flat" cmpd="sng" algn="ctr">
+                      <a:solidFill>
+                        <a:srgbClr val="DDDDDD"/>
+                      </a:solidFill>
+                      <a:prstDash val="solid"/>
+                      <a:round/>
+                      <a:headEnd type="none" w="med" len="med"/>
+                      <a:tailEnd type="none" w="med" len="med"/>
+                    </a:lnR>
+                    <a:lnT w="9525" cap="flat" cmpd="sng" algn="ctr">
+                      <a:solidFill>
+                        <a:srgbClr val="DDDDDD"/>
+                      </a:solidFill>
+                      <a:prstDash val="solid"/>
+                      <a:round/>
+                      <a:headEnd type="none" w="med" len="med"/>
+                      <a:tailEnd type="none" w="med" len="med"/>
+                    </a:lnT>
+                    <a:lnB w="9525" cap="flat" cmpd="sng" algn="ctr">
+                      <a:solidFill>
+                        <a:srgbClr val="DDDDDD"/>
+                      </a:solidFill>
+                      <a:prstDash val="solid"/>
+                      <a:round/>
+                      <a:headEnd type="none" w="med" len="med"/>
+                      <a:tailEnd type="none" w="med" len="med"/>
+                    </a:lnB>
+                    <a:solidFill>
+                      <a:srgbClr val="FFFFFF"/>
+                    </a:solidFill>
+                  </a:tcPr>
+                </a:tc>
+                <a:tc>
+                  <a:txBody>
+                    <a:bodyPr/>
+                    <a:lstStyle/>
+                    <a:p>
+                      <a:pPr fontAlgn="t"/>
+                      <a:r>
+                        <a:rPr lang="en-US" sz="1400" dirty="0">
+                          <a:effectLst/>
+                        </a:rPr>
+                        <a:t>It deals with a single cell.</a:t>
+                      </a:r>
+                    </a:p>
+                  </a:txBody>
+                  <a:tcPr marL="38053" marR="38053" marT="38053" marB="38053">
+                    <a:lnL w="9525" cap="flat" cmpd="sng" algn="ctr">
+                      <a:solidFill>
+                        <a:srgbClr val="DDDDDD"/>
+                      </a:solidFill>
+                      <a:prstDash val="solid"/>
+                      <a:round/>
+                      <a:headEnd type="none" w="med" len="med"/>
+                      <a:tailEnd type="none" w="med" len="med"/>
+                    </a:lnL>
+                    <a:lnR w="9525" cap="flat" cmpd="sng" algn="ctr">
+                      <a:solidFill>
+                        <a:srgbClr val="DDDDDD"/>
+                      </a:solidFill>
+                      <a:prstDash val="solid"/>
+                      <a:round/>
+                      <a:headEnd type="none" w="med" len="med"/>
+                      <a:tailEnd type="none" w="med" len="med"/>
+                    </a:lnR>
+                    <a:lnT w="9525" cap="flat" cmpd="sng" algn="ctr">
+                      <a:solidFill>
+                        <a:srgbClr val="DDDDDD"/>
+                      </a:solidFill>
+                      <a:prstDash val="solid"/>
+                      <a:round/>
+                      <a:headEnd type="none" w="med" len="med"/>
+                      <a:tailEnd type="none" w="med" len="med"/>
+                    </a:lnT>
+                    <a:lnB w="9525" cap="flat" cmpd="sng" algn="ctr">
+                      <a:solidFill>
+                        <a:srgbClr val="DDDDDD"/>
+                      </a:solidFill>
+                      <a:prstDash val="solid"/>
+                      <a:round/>
+                      <a:headEnd type="none" w="med" len="med"/>
+                      <a:tailEnd type="none" w="med" len="med"/>
+                    </a:lnB>
+                    <a:solidFill>
+                      <a:srgbClr val="FFFFFF"/>
+                    </a:solidFill>
+                  </a:tcPr>
+                </a:tc>
+                <a:tc>
+                  <a:txBody>
+                    <a:bodyPr/>
+                    <a:lstStyle/>
+                    <a:p>
+                      <a:pPr fontAlgn="t"/>
+                      <a:r>
+                        <a:rPr lang="en-US" sz="1400">
+                          <a:effectLst/>
+                        </a:rPr>
+                        <a:t>It gets subjected to multiple cells (more than one) at a time.</a:t>
+                      </a:r>
+                    </a:p>
+                  </a:txBody>
+                  <a:tcPr marL="38053" marR="38053" marT="38053" marB="38053">
+                    <a:lnL w="9525" cap="flat" cmpd="sng" algn="ctr">
+                      <a:solidFill>
+                        <a:srgbClr val="DDDDDD"/>
+                      </a:solidFill>
+                      <a:prstDash val="solid"/>
+                      <a:round/>
+                      <a:headEnd type="none" w="med" len="med"/>
+                      <a:tailEnd type="none" w="med" len="med"/>
+                    </a:lnL>
+                    <a:lnR w="9525" cap="flat" cmpd="sng" algn="ctr">
+                      <a:solidFill>
+                        <a:srgbClr val="DDDDDD"/>
+                      </a:solidFill>
+                      <a:prstDash val="solid"/>
+                      <a:round/>
+                      <a:headEnd type="none" w="med" len="med"/>
+                      <a:tailEnd type="none" w="med" len="med"/>
+                    </a:lnR>
+                    <a:lnT w="9525" cap="flat" cmpd="sng" algn="ctr">
+                      <a:solidFill>
+                        <a:srgbClr val="DDDDDD"/>
+                      </a:solidFill>
+                      <a:prstDash val="solid"/>
+                      <a:round/>
+                      <a:headEnd type="none" w="med" len="med"/>
+                      <a:tailEnd type="none" w="med" len="med"/>
+                    </a:lnT>
+                    <a:lnB w="9525" cap="flat" cmpd="sng" algn="ctr">
+                      <a:solidFill>
+                        <a:srgbClr val="DDDDDD"/>
+                      </a:solidFill>
+                      <a:prstDash val="solid"/>
+                      <a:round/>
+                      <a:headEnd type="none" w="med" len="med"/>
+                      <a:tailEnd type="none" w="med" len="med"/>
+                    </a:lnB>
+                    <a:solidFill>
+                      <a:srgbClr val="FFFFFF"/>
+                    </a:solidFill>
+                  </a:tcPr>
+                </a:tc>
+              </a:tr>
+              <a:tr h="485340">
+                <a:tc>
+                  <a:txBody>
+                    <a:bodyPr/>
+                    <a:lstStyle/>
+                    <a:p>
+                      <a:pPr fontAlgn="t"/>
+                      <a:r>
+                        <a:rPr lang="en-US" sz="1400" dirty="0">
+                          <a:effectLst/>
+                        </a:rPr>
+                        <a:t>Default Value</a:t>
+                      </a:r>
+                    </a:p>
+                  </a:txBody>
+                  <a:tcPr marL="38053" marR="38053" marT="38053" marB="38053">
+                    <a:lnL w="9525" cap="flat" cmpd="sng" algn="ctr">
+                      <a:solidFill>
+                        <a:srgbClr val="DDDDDD"/>
+                      </a:solidFill>
+                      <a:prstDash val="solid"/>
+                      <a:round/>
+                      <a:headEnd type="none" w="med" len="med"/>
+                      <a:tailEnd type="none" w="med" len="med"/>
+                    </a:lnL>
+                    <a:lnR w="9525" cap="flat" cmpd="sng" algn="ctr">
+                      <a:solidFill>
+                        <a:srgbClr val="DDDDDD"/>
+                      </a:solidFill>
+                      <a:prstDash val="solid"/>
+                      <a:round/>
+                      <a:headEnd type="none" w="med" len="med"/>
+                      <a:tailEnd type="none" w="med" len="med"/>
+                    </a:lnR>
+                    <a:lnT w="9525" cap="flat" cmpd="sng" algn="ctr">
+                      <a:solidFill>
+                        <a:srgbClr val="DDDDDD"/>
+                      </a:solidFill>
+                      <a:prstDash val="solid"/>
+                      <a:round/>
+                      <a:headEnd type="none" w="med" len="med"/>
+                      <a:tailEnd type="none" w="med" len="med"/>
+                    </a:lnT>
+                    <a:lnB w="9525" cap="flat" cmpd="sng" algn="ctr">
+                      <a:solidFill>
+                        <a:srgbClr val="DDDDDD"/>
+                      </a:solidFill>
+                      <a:prstDash val="solid"/>
+                      <a:round/>
+                      <a:headEnd type="none" w="med" len="med"/>
+                      <a:tailEnd type="none" w="med" len="med"/>
+                    </a:lnB>
+                    <a:solidFill>
+                      <a:srgbClr val="FFFFFF"/>
+                    </a:solidFill>
+                  </a:tcPr>
+                </a:tc>
+                <a:tc>
+                  <a:txBody>
+                    <a:bodyPr/>
+                    <a:lstStyle/>
+                    <a:p>
+                      <a:pPr fontAlgn="t"/>
+                      <a:r>
+                        <a:rPr lang="en-US" sz="1400" dirty="0">
+                          <a:effectLst/>
+                        </a:rPr>
+                        <a:t>The default value for cellpadding is 1.</a:t>
+                      </a:r>
+                    </a:p>
+                  </a:txBody>
+                  <a:tcPr marL="38053" marR="38053" marT="38053" marB="38053">
+                    <a:lnL w="9525" cap="flat" cmpd="sng" algn="ctr">
+                      <a:solidFill>
+                        <a:srgbClr val="DDDDDD"/>
+                      </a:solidFill>
+                      <a:prstDash val="solid"/>
+                      <a:round/>
+                      <a:headEnd type="none" w="med" len="med"/>
+                      <a:tailEnd type="none" w="med" len="med"/>
+                    </a:lnL>
+                    <a:lnR w="9525" cap="flat" cmpd="sng" algn="ctr">
+                      <a:solidFill>
+                        <a:srgbClr val="DDDDDD"/>
+                      </a:solidFill>
+                      <a:prstDash val="solid"/>
+                      <a:round/>
+                      <a:headEnd type="none" w="med" len="med"/>
+                      <a:tailEnd type="none" w="med" len="med"/>
+                    </a:lnR>
+                    <a:lnT w="9525" cap="flat" cmpd="sng" algn="ctr">
+                      <a:solidFill>
+                        <a:srgbClr val="DDDDDD"/>
+                      </a:solidFill>
+                      <a:prstDash val="solid"/>
+                      <a:round/>
+                      <a:headEnd type="none" w="med" len="med"/>
+                      <a:tailEnd type="none" w="med" len="med"/>
+                    </a:lnT>
+                    <a:lnB w="9525" cap="flat" cmpd="sng" algn="ctr">
+                      <a:solidFill>
+                        <a:srgbClr val="DDDDDD"/>
+                      </a:solidFill>
+                      <a:prstDash val="solid"/>
+                      <a:round/>
+                      <a:headEnd type="none" w="med" len="med"/>
+                      <a:tailEnd type="none" w="med" len="med"/>
+                    </a:lnB>
+                    <a:solidFill>
+                      <a:srgbClr val="FFFFFF"/>
+                    </a:solidFill>
+                  </a:tcPr>
+                </a:tc>
+                <a:tc>
+                  <a:txBody>
+                    <a:bodyPr/>
+                    <a:lstStyle/>
+                    <a:p>
+                      <a:pPr fontAlgn="t"/>
+                      <a:r>
+                        <a:rPr lang="en-US" sz="1400" dirty="0">
+                          <a:effectLst/>
+                        </a:rPr>
+                        <a:t>The default value for </a:t>
+                      </a:r>
+                      <a:r>
+                        <a:rPr lang="en-US" sz="1400" dirty="0" err="1">
+                          <a:effectLst/>
+                        </a:rPr>
+                        <a:t>cellspacing</a:t>
+                      </a:r>
+                      <a:r>
+                        <a:rPr lang="en-US" sz="1400" dirty="0">
+                          <a:effectLst/>
+                        </a:rPr>
+                        <a:t> is 2.</a:t>
+                      </a:r>
+                    </a:p>
+                  </a:txBody>
+                  <a:tcPr marL="38053" marR="38053" marT="38053" marB="38053">
+                    <a:lnL w="9525" cap="flat" cmpd="sng" algn="ctr">
+                      <a:solidFill>
+                        <a:srgbClr val="DDDDDD"/>
+                      </a:solidFill>
+                      <a:prstDash val="solid"/>
+                      <a:round/>
+                      <a:headEnd type="none" w="med" len="med"/>
+                      <a:tailEnd type="none" w="med" len="med"/>
+                    </a:lnL>
+                    <a:lnR w="9525" cap="flat" cmpd="sng" algn="ctr">
+                      <a:solidFill>
+                        <a:srgbClr val="DDDDDD"/>
+                      </a:solidFill>
+                      <a:prstDash val="solid"/>
+                      <a:round/>
+                      <a:headEnd type="none" w="med" len="med"/>
+                      <a:tailEnd type="none" w="med" len="med"/>
+                    </a:lnR>
+                    <a:lnT w="9525" cap="flat" cmpd="sng" algn="ctr">
+                      <a:solidFill>
+                        <a:srgbClr val="DDDDDD"/>
+                      </a:solidFill>
+                      <a:prstDash val="solid"/>
+                      <a:round/>
+                      <a:headEnd type="none" w="med" len="med"/>
+                      <a:tailEnd type="none" w="med" len="med"/>
+                    </a:lnT>
+                    <a:lnB w="9525" cap="flat" cmpd="sng" algn="ctr">
+                      <a:solidFill>
+                        <a:srgbClr val="DDDDDD"/>
+                      </a:solidFill>
+                      <a:prstDash val="solid"/>
+                      <a:round/>
+                      <a:headEnd type="none" w="med" len="med"/>
+                      <a:tailEnd type="none" w="med" len="med"/>
+                    </a:lnB>
+                    <a:solidFill>
+                      <a:srgbClr val="FFFFFF"/>
+                    </a:solidFill>
+                  </a:tcPr>
+                </a:tc>
+              </a:tr>
+              <a:tr h="717229">
+                <a:tc>
+                  <a:txBody>
+                    <a:bodyPr/>
+                    <a:lstStyle/>
+                    <a:p>
+                      <a:pPr fontAlgn="t"/>
+                      <a:r>
+                        <a:rPr lang="en-US" sz="1400">
+                          <a:effectLst/>
+                        </a:rPr>
+                        <a:t>Effectiveness</a:t>
+                      </a:r>
+                    </a:p>
+                  </a:txBody>
+                  <a:tcPr marL="38053" marR="38053" marT="38053" marB="38053">
+                    <a:lnL w="9525" cap="flat" cmpd="sng" algn="ctr">
+                      <a:solidFill>
+                        <a:srgbClr val="DDDDDD"/>
+                      </a:solidFill>
+                      <a:prstDash val="solid"/>
+                      <a:round/>
+                      <a:headEnd type="none" w="med" len="med"/>
+                      <a:tailEnd type="none" w="med" len="med"/>
+                    </a:lnL>
+                    <a:lnR w="9525" cap="flat" cmpd="sng" algn="ctr">
+                      <a:solidFill>
+                        <a:srgbClr val="DDDDDD"/>
+                      </a:solidFill>
+                      <a:prstDash val="solid"/>
+                      <a:round/>
+                      <a:headEnd type="none" w="med" len="med"/>
+                      <a:tailEnd type="none" w="med" len="med"/>
+                    </a:lnR>
+                    <a:lnT w="9525" cap="flat" cmpd="sng" algn="ctr">
+                      <a:solidFill>
+                        <a:srgbClr val="DDDDDD"/>
+                      </a:solidFill>
+                      <a:prstDash val="solid"/>
+                      <a:round/>
+                      <a:headEnd type="none" w="med" len="med"/>
+                      <a:tailEnd type="none" w="med" len="med"/>
+                    </a:lnT>
+                    <a:lnB w="9525" cap="flat" cmpd="sng" algn="ctr">
+                      <a:solidFill>
+                        <a:srgbClr val="DDDDDD"/>
+                      </a:solidFill>
+                      <a:prstDash val="solid"/>
+                      <a:round/>
+                      <a:headEnd type="none" w="med" len="med"/>
+                      <a:tailEnd type="none" w="med" len="med"/>
+                    </a:lnB>
+                    <a:solidFill>
+                      <a:srgbClr val="FFFFFF"/>
+                    </a:solidFill>
+                  </a:tcPr>
+                </a:tc>
+                <a:tc>
+                  <a:txBody>
+                    <a:bodyPr/>
+                    <a:lstStyle/>
+                    <a:p>
+                      <a:pPr fontAlgn="t"/>
+                      <a:r>
+                        <a:rPr lang="en-US" sz="1400" dirty="0">
+                          <a:effectLst/>
+                        </a:rPr>
+                        <a:t>It is very effective as compared to </a:t>
+                      </a:r>
+                      <a:r>
+                        <a:rPr lang="en-US" sz="1400" dirty="0" err="1">
+                          <a:effectLst/>
+                        </a:rPr>
+                        <a:t>cellspacing</a:t>
+                      </a:r>
+                      <a:r>
+                        <a:rPr lang="en-US" sz="1400" dirty="0">
+                          <a:effectLst/>
+                        </a:rPr>
+                        <a:t>. Thus, it is very widely used.</a:t>
+                      </a:r>
+                    </a:p>
+                  </a:txBody>
+                  <a:tcPr marL="38053" marR="38053" marT="38053" marB="38053">
+                    <a:lnL w="9525" cap="flat" cmpd="sng" algn="ctr">
+                      <a:solidFill>
+                        <a:srgbClr val="DDDDDD"/>
+                      </a:solidFill>
+                      <a:prstDash val="solid"/>
+                      <a:round/>
+                      <a:headEnd type="none" w="med" len="med"/>
+                      <a:tailEnd type="none" w="med" len="med"/>
+                    </a:lnL>
+                    <a:lnR w="9525" cap="flat" cmpd="sng" algn="ctr">
+                      <a:solidFill>
+                        <a:srgbClr val="DDDDDD"/>
+                      </a:solidFill>
+                      <a:prstDash val="solid"/>
+                      <a:round/>
+                      <a:headEnd type="none" w="med" len="med"/>
+                      <a:tailEnd type="none" w="med" len="med"/>
+                    </a:lnR>
+                    <a:lnT w="9525" cap="flat" cmpd="sng" algn="ctr">
+                      <a:solidFill>
+                        <a:srgbClr val="DDDDDD"/>
+                      </a:solidFill>
+                      <a:prstDash val="solid"/>
+                      <a:round/>
+                      <a:headEnd type="none" w="med" len="med"/>
+                      <a:tailEnd type="none" w="med" len="med"/>
+                    </a:lnT>
+                    <a:lnB w="9525" cap="flat" cmpd="sng" algn="ctr">
+                      <a:solidFill>
+                        <a:srgbClr val="DDDDDD"/>
+                      </a:solidFill>
+                      <a:prstDash val="solid"/>
+                      <a:round/>
+                      <a:headEnd type="none" w="med" len="med"/>
+                      <a:tailEnd type="none" w="med" len="med"/>
+                    </a:lnB>
+                    <a:solidFill>
+                      <a:srgbClr val="FFFFFF"/>
+                    </a:solidFill>
+                  </a:tcPr>
+                </a:tc>
+                <a:tc>
+                  <a:txBody>
+                    <a:bodyPr/>
+                    <a:lstStyle/>
+                    <a:p>
+                      <a:pPr fontAlgn="t"/>
+                      <a:r>
+                        <a:rPr lang="en-US" sz="1400" dirty="0">
+                          <a:effectLst/>
+                        </a:rPr>
+                        <a:t>It is comparatively less effective than cellpadding.</a:t>
+                      </a:r>
+                    </a:p>
+                  </a:txBody>
+                  <a:tcPr marL="38053" marR="38053" marT="38053" marB="38053">
+                    <a:lnL w="9525" cap="flat" cmpd="sng" algn="ctr">
+                      <a:solidFill>
+                        <a:srgbClr val="DDDDDD"/>
+                      </a:solidFill>
+                      <a:prstDash val="solid"/>
+                      <a:round/>
+                      <a:headEnd type="none" w="med" len="med"/>
+                      <a:tailEnd type="none" w="med" len="med"/>
+                    </a:lnL>
+                    <a:lnR w="9525" cap="flat" cmpd="sng" algn="ctr">
+                      <a:solidFill>
+                        <a:srgbClr val="DDDDDD"/>
+                      </a:solidFill>
+                      <a:prstDash val="solid"/>
+                      <a:round/>
+                      <a:headEnd type="none" w="med" len="med"/>
+                      <a:tailEnd type="none" w="med" len="med"/>
+                    </a:lnR>
+                    <a:lnT w="9525" cap="flat" cmpd="sng" algn="ctr">
+                      <a:solidFill>
+                        <a:srgbClr val="DDDDDD"/>
+                      </a:solidFill>
+                      <a:prstDash val="solid"/>
+                      <a:round/>
+                      <a:headEnd type="none" w="med" len="med"/>
+                      <a:tailEnd type="none" w="med" len="med"/>
+                    </a:lnT>
+                    <a:lnB w="9525" cap="flat" cmpd="sng" algn="ctr">
+                      <a:solidFill>
+                        <a:srgbClr val="DDDDDD"/>
+                      </a:solidFill>
+                      <a:prstDash val="solid"/>
+                      <a:round/>
+                      <a:headEnd type="none" w="med" len="med"/>
+                      <a:tailEnd type="none" w="med" len="med"/>
+                    </a:lnB>
+                    <a:solidFill>
+                      <a:srgbClr val="FFFFFF"/>
+                    </a:solidFill>
+                  </a:tcPr>
+                </a:tc>
+              </a:tr>
+            </a:tbl>
+          </a:graphicData>
+        </a:graphic>
+      </p:graphicFrame>
+    </p:spTree>
+    <p:extLst>
+      <p:ext uri="{BB962C8B-B14F-4D97-AF65-F5344CB8AC3E}">
+        <p14:creationId xmlns:p14="http://schemas.microsoft.com/office/powerpoint/2010/main" val="1693775250"/>
+      </p:ext>
+    </p:extLst>
+  </p:cSld>
+  <p:clrMapOvr>
+    <a:masterClrMapping/>
+  </p:clrMapOvr>
+</p:sld>
+</file>
+
+<file path=ppt/slides/slide41.xml><?xml version="1.0" encoding="utf-8"?>
+<p:sld xmlns:a="http://schemas.openxmlformats.org/drawingml/2006/main" xmlns:r="http://schemas.openxmlformats.org/officeDocument/2006/relationships" xmlns:p="http://schemas.openxmlformats.org/presentationml/2006/main">
+  <p:cSld>
+    <p:spTree>
+      <p:nvGrpSpPr>
+        <p:cNvPr id="1" name=""/>
+        <p:cNvGrpSpPr/>
+        <p:nvPr/>
+      </p:nvGrpSpPr>
+      <p:grpSpPr>
+        <a:xfrm>
+          <a:off x="0" y="0"/>
+          <a:ext cx="0" cy="0"/>
+          <a:chOff x="0" y="0"/>
+          <a:chExt cx="0" cy="0"/>
+        </a:xfrm>
+      </p:grpSpPr>
+      <p:pic>
+        <p:nvPicPr>
+          <p:cNvPr id="4" name="Content Placeholder 3"/>
+          <p:cNvPicPr>
+            <a:picLocks noGrp="1" noChangeAspect="1"/>
+          </p:cNvPicPr>
+          <p:nvPr>
+            <p:ph idx="1"/>
+          </p:nvPr>
+        </p:nvPicPr>
+        <p:blipFill>
+          <a:blip r:embed="rId2">
+            <a:extLst>
+              <a:ext uri="{28A0092B-C50C-407E-A947-70E740481C1C}">
+                <a14:useLocalDpi xmlns:a14="http://schemas.microsoft.com/office/drawing/2010/main" val="0"/>
+              </a:ext>
+            </a:extLst>
+          </a:blip>
+          <a:stretch>
+            <a:fillRect/>
+          </a:stretch>
+        </p:blipFill>
+        <p:spPr>
+          <a:xfrm>
+            <a:off x="1390919" y="686948"/>
+            <a:ext cx="4456090" cy="3073477"/>
+          </a:xfrm>
+        </p:spPr>
+      </p:pic>
+      <p:sp>
+        <p:nvSpPr>
+          <p:cNvPr id="5" name="TextBox 4"/>
+          <p:cNvSpPr txBox="1"/>
+          <p:nvPr/>
+        </p:nvSpPr>
+        <p:spPr>
+          <a:xfrm>
+            <a:off x="2292439" y="4314423"/>
+            <a:ext cx="45719" cy="369332"/>
+          </a:xfrm>
+          <a:prstGeom prst="rect">
+            <a:avLst/>
+          </a:prstGeom>
+          <a:noFill/>
+        </p:spPr>
+        <p:txBody>
+          <a:bodyPr wrap="square" rtlCol="0">
+            <a:spAutoFit/>
+          </a:bodyPr>
+          <a:lstStyle/>
+          <a:p>
+            <a:endParaRPr lang="en-US" dirty="0"/>
+          </a:p>
+        </p:txBody>
+      </p:sp>
+      <p:sp>
+        <p:nvSpPr>
+          <p:cNvPr id="6" name="Rectangle 5"/>
+          <p:cNvSpPr/>
+          <p:nvPr/>
+        </p:nvSpPr>
+        <p:spPr>
+          <a:xfrm>
+            <a:off x="1166180" y="5434447"/>
+            <a:ext cx="6096000" cy="646331"/>
+          </a:xfrm>
+          <a:prstGeom prst="rect">
+            <a:avLst/>
+          </a:prstGeom>
+        </p:spPr>
+        <p:txBody>
+          <a:bodyPr>
+            <a:spAutoFit/>
+          </a:bodyPr>
+          <a:lstStyle/>
+          <a:p>
+            <a:r>
+              <a:rPr lang="en-US" b="1" dirty="0" smtClean="0">
+                <a:solidFill>
+                  <a:srgbClr val="222222"/>
+                </a:solidFill>
+                <a:latin typeface="Lato"/>
+              </a:rPr>
+              <a:t>- Cellspacing</a:t>
+            </a:r>
+            <a:r>
+              <a:rPr lang="en-US" dirty="0">
+                <a:solidFill>
+                  <a:srgbClr val="222222"/>
+                </a:solidFill>
+                <a:latin typeface="Lato"/>
+              </a:rPr>
+              <a:t> is different than cellpadding. It controls the distance between single cells in a table.</a:t>
+            </a:r>
+            <a:endParaRPr lang="en-US" dirty="0"/>
+          </a:p>
+        </p:txBody>
+      </p:sp>
+      <p:sp>
+        <p:nvSpPr>
+          <p:cNvPr id="7" name="Rectangle 6"/>
+          <p:cNvSpPr/>
+          <p:nvPr/>
+        </p:nvSpPr>
+        <p:spPr>
+          <a:xfrm>
+            <a:off x="1166180" y="4222090"/>
+            <a:ext cx="6096000" cy="923330"/>
+          </a:xfrm>
+          <a:prstGeom prst="rect">
+            <a:avLst/>
+          </a:prstGeom>
+        </p:spPr>
+        <p:txBody>
+          <a:bodyPr>
+            <a:spAutoFit/>
+          </a:bodyPr>
+          <a:lstStyle/>
+          <a:p>
+            <a:r>
+              <a:rPr lang="en-US" b="1" dirty="0" smtClean="0">
+                <a:solidFill>
+                  <a:srgbClr val="222222"/>
+                </a:solidFill>
+                <a:latin typeface="Lato"/>
+              </a:rPr>
+              <a:t>-</a:t>
+            </a:r>
+            <a:r>
+              <a:rPr lang="en-US" dirty="0" smtClean="0">
+                <a:solidFill>
+                  <a:srgbClr val="222222"/>
+                </a:solidFill>
+                <a:latin typeface="Lato"/>
+              </a:rPr>
+              <a:t> The </a:t>
+            </a:r>
+            <a:r>
+              <a:rPr lang="en-US" dirty="0">
+                <a:solidFill>
+                  <a:srgbClr val="222222"/>
+                </a:solidFill>
+                <a:latin typeface="Lato"/>
+              </a:rPr>
+              <a:t>attribute which sets the space in a cell between the content and peripheral boundary is named as </a:t>
+            </a:r>
+            <a:r>
+              <a:rPr lang="en-US" b="1" dirty="0">
+                <a:solidFill>
+                  <a:srgbClr val="222222"/>
+                </a:solidFill>
+                <a:latin typeface="Lato"/>
+              </a:rPr>
+              <a:t>cellpadding</a:t>
+            </a:r>
+            <a:r>
+              <a:rPr lang="en-US" dirty="0">
+                <a:solidFill>
+                  <a:srgbClr val="222222"/>
+                </a:solidFill>
+                <a:latin typeface="Lato"/>
+              </a:rPr>
+              <a:t>.</a:t>
+            </a:r>
+            <a:endParaRPr lang="en-US" dirty="0"/>
+          </a:p>
+        </p:txBody>
+      </p:sp>
+    </p:spTree>
+    <p:extLst>
+      <p:ext uri="{BB962C8B-B14F-4D97-AF65-F5344CB8AC3E}">
+        <p14:creationId xmlns:p14="http://schemas.microsoft.com/office/powerpoint/2010/main" val="3791641127"/>
+      </p:ext>
+    </p:extLst>
+  </p:cSld>
+  <p:clrMapOvr>
+    <a:masterClrMapping/>
+  </p:clrMapOvr>
+</p:sld>
+</file>
+
+<file path=ppt/slides/slide42.xml><?xml version="1.0" encoding="utf-8"?>
+<p:sld xmlns:a="http://schemas.openxmlformats.org/drawingml/2006/main" xmlns:r="http://schemas.openxmlformats.org/officeDocument/2006/relationships" xmlns:p="http://schemas.openxmlformats.org/presentationml/2006/main">
+  <p:cSld>
+    <p:spTree>
+      <p:nvGrpSpPr>
+        <p:cNvPr id="1" name=""/>
+        <p:cNvGrpSpPr/>
+        <p:nvPr/>
+      </p:nvGrpSpPr>
+      <p:grpSpPr>
+        <a:xfrm>
+          <a:off x="0" y="0"/>
+          <a:ext cx="0" cy="0"/>
+          <a:chOff x="0" y="0"/>
+          <a:chExt cx="0" cy="0"/>
+        </a:xfrm>
+      </p:grpSpPr>
+      <p:sp>
+        <p:nvSpPr>
+          <p:cNvPr id="2" name="Title 1"/>
+          <p:cNvSpPr>
+            <a:spLocks noGrp="1"/>
+          </p:cNvSpPr>
+          <p:nvPr>
+            <p:ph type="title"/>
+          </p:nvPr>
+        </p:nvSpPr>
+        <p:spPr/>
+        <p:txBody>
+          <a:bodyPr>
+            <a:normAutofit fontScale="90000"/>
+          </a:bodyPr>
+          <a:lstStyle/>
+          <a:p>
+            <a:r>
+              <a:rPr lang="en-US" dirty="0" smtClean="0"/>
+              <a:t>9) How </a:t>
+            </a:r>
+            <a:r>
+              <a:rPr lang="en-US" dirty="0"/>
+              <a:t>can we club two or more rows or columns into a single row or column in an HTML table? </a:t>
+            </a:r>
+            <a:br>
+              <a:rPr lang="en-US" dirty="0"/>
+            </a:br>
+            <a:endParaRPr lang="en-US" dirty="0"/>
+          </a:p>
+        </p:txBody>
+      </p:sp>
+      <p:sp>
+        <p:nvSpPr>
+          <p:cNvPr id="3" name="Content Placeholder 2"/>
+          <p:cNvSpPr>
+            <a:spLocks noGrp="1"/>
+          </p:cNvSpPr>
+          <p:nvPr>
+            <p:ph idx="1"/>
+          </p:nvPr>
+        </p:nvSpPr>
+        <p:spPr>
+          <a:xfrm>
+            <a:off x="677334" y="2443924"/>
+            <a:ext cx="8596668" cy="3880773"/>
+          </a:xfrm>
+        </p:spPr>
+        <p:txBody>
+          <a:bodyPr/>
+          <a:lstStyle/>
+          <a:p>
+            <a:r>
+              <a:rPr lang="en-US" dirty="0" smtClean="0"/>
+              <a:t>It can be done by </a:t>
+            </a:r>
+            <a:r>
+              <a:rPr lang="en-US" b="1" dirty="0" smtClean="0"/>
+              <a:t>using </a:t>
+            </a:r>
+            <a:r>
+              <a:rPr lang="en-US" b="1" dirty="0"/>
+              <a:t>the </a:t>
+            </a:r>
+            <a:r>
+              <a:rPr lang="en-US" b="1" dirty="0" smtClean="0"/>
+              <a:t>rowspan </a:t>
+            </a:r>
+            <a:r>
+              <a:rPr lang="en-US" b="1" dirty="0"/>
+              <a:t>and colspan attribute in HTML</a:t>
+            </a:r>
+            <a:r>
+              <a:rPr lang="en-US" dirty="0" smtClean="0"/>
+              <a:t>.</a:t>
+            </a:r>
+          </a:p>
+          <a:p>
+            <a:r>
+              <a:rPr lang="en-US" dirty="0"/>
+              <a:t>The </a:t>
+            </a:r>
+            <a:r>
+              <a:rPr lang="en-US" i="1" dirty="0">
+                <a:solidFill>
+                  <a:srgbClr val="FF0000"/>
+                </a:solidFill>
+              </a:rPr>
+              <a:t>rowspan</a:t>
+            </a:r>
+            <a:r>
+              <a:rPr lang="en-US" dirty="0"/>
+              <a:t> is used to </a:t>
+            </a:r>
+            <a:r>
+              <a:rPr lang="en-US" u="sng" dirty="0"/>
+              <a:t>merge </a:t>
+            </a:r>
+            <a:r>
+              <a:rPr lang="en-US" u="sng" dirty="0" smtClean="0"/>
+              <a:t>or combine the number of cells in a row.</a:t>
+            </a:r>
+          </a:p>
+          <a:p>
+            <a:r>
+              <a:rPr lang="en-US" dirty="0" smtClean="0"/>
+              <a:t>The </a:t>
+            </a:r>
+            <a:r>
+              <a:rPr lang="en-US" i="1" dirty="0" smtClean="0">
+                <a:solidFill>
+                  <a:srgbClr val="FF0000"/>
+                </a:solidFill>
+              </a:rPr>
+              <a:t>colspan</a:t>
+            </a:r>
+            <a:r>
+              <a:rPr lang="en-US" dirty="0" smtClean="0"/>
+              <a:t> is used to </a:t>
+            </a:r>
+            <a:r>
+              <a:rPr lang="en-US" u="sng" dirty="0" smtClean="0"/>
+              <a:t>merge column cells in a table. </a:t>
+            </a:r>
+            <a:r>
+              <a:rPr lang="en-US" dirty="0" smtClean="0"/>
+              <a:t> </a:t>
+            </a:r>
+            <a:endParaRPr lang="en-US" dirty="0"/>
+          </a:p>
+        </p:txBody>
+      </p:sp>
+    </p:spTree>
+    <p:extLst>
+      <p:ext uri="{BB962C8B-B14F-4D97-AF65-F5344CB8AC3E}">
+        <p14:creationId xmlns:p14="http://schemas.microsoft.com/office/powerpoint/2010/main" val="1983973727"/>
+      </p:ext>
+    </p:extLst>
+  </p:cSld>
+  <p:clrMapOvr>
+    <a:masterClrMapping/>
+  </p:clrMapOvr>
+</p:sld>
+</file>
+
+<file path=ppt/slides/slide43.xml><?xml version="1.0" encoding="utf-8"?>
+<p:sld xmlns:a="http://schemas.openxmlformats.org/drawingml/2006/main" xmlns:r="http://schemas.openxmlformats.org/officeDocument/2006/relationships" xmlns:p="http://schemas.openxmlformats.org/presentationml/2006/main">
+  <p:cSld>
+    <p:bg>
+      <p:bgPr>
+        <a:noFill/>
+        <a:effectLst/>
+      </p:bgPr>
+    </p:bg>
+    <p:spTree>
+      <p:nvGrpSpPr>
+        <p:cNvPr id="1" name=""/>
+        <p:cNvGrpSpPr/>
+        <p:nvPr/>
+      </p:nvGrpSpPr>
+      <p:grpSpPr>
+        <a:xfrm>
+          <a:off x="0" y="0"/>
+          <a:ext cx="0" cy="0"/>
+          <a:chOff x="0" y="0"/>
+          <a:chExt cx="0" cy="0"/>
+        </a:xfrm>
+      </p:grpSpPr>
+      <p:sp>
+        <p:nvSpPr>
+          <p:cNvPr id="2" name="Title 1"/>
+          <p:cNvSpPr>
+            <a:spLocks noGrp="1"/>
+          </p:cNvSpPr>
+          <p:nvPr>
+            <p:ph type="title"/>
+          </p:nvPr>
+        </p:nvSpPr>
+        <p:spPr/>
+        <p:txBody>
+          <a:bodyPr/>
+          <a:lstStyle/>
+          <a:p>
+            <a:r>
+              <a:rPr lang="en-US" dirty="0" smtClean="0"/>
+              <a:t>Example of rowspan</a:t>
+            </a:r>
+            <a:endParaRPr lang="en-US" dirty="0"/>
+          </a:p>
+        </p:txBody>
+      </p:sp>
+      <p:sp>
+        <p:nvSpPr>
+          <p:cNvPr id="4" name="Rectangle 2"/>
+          <p:cNvSpPr>
+            <a:spLocks noGrp="1" noChangeArrowheads="1"/>
+          </p:cNvSpPr>
+          <p:nvPr>
+            <p:ph idx="1"/>
+          </p:nvPr>
+        </p:nvSpPr>
+        <p:spPr bwMode="auto">
+          <a:xfrm>
+            <a:off x="677334" y="2054261"/>
+            <a:ext cx="4780155" cy="4093428"/>
+          </a:xfrm>
+          <a:prstGeom prst="rect">
+            <a:avLst/>
+          </a:prstGeom>
+          <a:noFill/>
+          <a:ln>
+            <a:noFill/>
+          </a:ln>
+          <a:effectLst/>
+          <a:extLst>
+            <a:ext uri="{909E8E84-426E-40DD-AFC4-6F175D3DCCD1}">
+              <a14:hiddenFill xmlns:a14="http://schemas.microsoft.com/office/drawing/2010/main">
+                <a:solidFill>
+                  <a:schemeClr val="accent1"/>
+                </a:solidFill>
+              </a14:hiddenFill>
+            </a:ext>
+            <a:ext uri="{91240B29-F687-4F45-9708-019B960494DF}">
+              <a14:hiddenLine xmlns:a14="http://schemas.microsoft.com/office/drawing/2010/main" w="9525">
+                <a:solidFill>
+                  <a:schemeClr val="tx1"/>
+                </a:solidFill>
+                <a:miter lim="800000"/>
+                <a:headEnd/>
+                <a:tailEnd/>
+              </a14:hiddenLine>
+            </a:ext>
+            <a:ext uri="{AF507438-7753-43E0-B8FC-AC1667EBCBE1}">
+              <a14:hiddenEffects xmlns:a14="http://schemas.microsoft.com/office/drawing/2010/main">
+                <a:effectLst>
+                  <a:outerShdw dist="35921" dir="2700000" algn="ctr" rotWithShape="0">
+                    <a:schemeClr val="bg2"/>
+                  </a:outerShdw>
+                </a:effectLst>
+              </a14:hiddenEffects>
+            </a:ext>
+          </a:extLst>
+        </p:spPr>
+        <p:txBody>
+          <a:bodyPr vert="horz" wrap="none" lIns="0" tIns="0" rIns="0" bIns="0" numCol="1" anchor="ctr" anchorCtr="0" compatLnSpc="1">
+            <a:prstTxWarp prst="textNoShape">
+              <a:avLst/>
+            </a:prstTxWarp>
+            <a:spAutoFit/>
+          </a:bodyPr>
+          <a:lstStyle>
+            <a:lvl1pPr eaLnBrk="0" fontAlgn="base" hangingPunct="0">
+              <a:spcBef>
+                <a:spcPct val="0"/>
+              </a:spcBef>
+              <a:spcAft>
+                <a:spcPct val="0"/>
+              </a:spcAft>
+              <a:defRPr>
+                <a:solidFill>
+                  <a:schemeClr val="tx1"/>
+                </a:solidFill>
+                <a:latin typeface="Arial" panose="020B0604020202020204" pitchFamily="34" charset="0"/>
+              </a:defRPr>
+            </a:lvl1pPr>
+            <a:lvl2pPr eaLnBrk="0" fontAlgn="base" hangingPunct="0">
+              <a:spcBef>
+                <a:spcPct val="0"/>
+              </a:spcBef>
+              <a:spcAft>
+                <a:spcPct val="0"/>
+              </a:spcAft>
+              <a:defRPr>
+                <a:solidFill>
+                  <a:schemeClr val="tx1"/>
+                </a:solidFill>
+                <a:latin typeface="Arial" panose="020B0604020202020204" pitchFamily="34" charset="0"/>
+              </a:defRPr>
+            </a:lvl2pPr>
+            <a:lvl3pPr eaLnBrk="0" fontAlgn="base" hangingPunct="0">
+              <a:spcBef>
+                <a:spcPct val="0"/>
+              </a:spcBef>
+              <a:spcAft>
+                <a:spcPct val="0"/>
+              </a:spcAft>
+              <a:defRPr>
+                <a:solidFill>
+                  <a:schemeClr val="tx1"/>
+                </a:solidFill>
+                <a:latin typeface="Arial" panose="020B0604020202020204" pitchFamily="34" charset="0"/>
+              </a:defRPr>
+            </a:lvl3pPr>
+            <a:lvl4pPr eaLnBrk="0" fontAlgn="base" hangingPunct="0">
+              <a:spcBef>
+                <a:spcPct val="0"/>
+              </a:spcBef>
+              <a:spcAft>
+                <a:spcPct val="0"/>
+              </a:spcAft>
+              <a:defRPr>
+                <a:solidFill>
+                  <a:schemeClr val="tx1"/>
+                </a:solidFill>
+                <a:latin typeface="Arial" panose="020B0604020202020204" pitchFamily="34" charset="0"/>
+              </a:defRPr>
+            </a:lvl4pPr>
+            <a:lvl5pPr eaLnBrk="0" fontAlgn="base" hangingPunct="0">
+              <a:spcBef>
+                <a:spcPct val="0"/>
+              </a:spcBef>
+              <a:spcAft>
+                <a:spcPct val="0"/>
+              </a:spcAft>
+              <a:defRPr>
+                <a:solidFill>
+                  <a:schemeClr val="tx1"/>
+                </a:solidFill>
+                <a:latin typeface="Arial" panose="020B0604020202020204" pitchFamily="34" charset="0"/>
+              </a:defRPr>
+            </a:lvl5pPr>
+            <a:lvl6pPr eaLnBrk="0" fontAlgn="base" hangingPunct="0">
+              <a:spcBef>
+                <a:spcPct val="0"/>
+              </a:spcBef>
+              <a:spcAft>
+                <a:spcPct val="0"/>
+              </a:spcAft>
+              <a:defRPr>
+                <a:solidFill>
+                  <a:schemeClr val="tx1"/>
+                </a:solidFill>
+                <a:latin typeface="Arial" panose="020B0604020202020204" pitchFamily="34" charset="0"/>
+              </a:defRPr>
+            </a:lvl6pPr>
+            <a:lvl7pPr eaLnBrk="0" fontAlgn="base" hangingPunct="0">
+              <a:spcBef>
+                <a:spcPct val="0"/>
+              </a:spcBef>
+              <a:spcAft>
+                <a:spcPct val="0"/>
+              </a:spcAft>
+              <a:defRPr>
+                <a:solidFill>
+                  <a:schemeClr val="tx1"/>
+                </a:solidFill>
+                <a:latin typeface="Arial" panose="020B0604020202020204" pitchFamily="34" charset="0"/>
+              </a:defRPr>
+            </a:lvl7pPr>
+            <a:lvl8pPr eaLnBrk="0" fontAlgn="base" hangingPunct="0">
+              <a:spcBef>
+                <a:spcPct val="0"/>
+              </a:spcBef>
+              <a:spcAft>
+                <a:spcPct val="0"/>
+              </a:spcAft>
+              <a:defRPr>
+                <a:solidFill>
+                  <a:schemeClr val="tx1"/>
+                </a:solidFill>
+                <a:latin typeface="Arial" panose="020B0604020202020204" pitchFamily="34" charset="0"/>
+              </a:defRPr>
+            </a:lvl8pPr>
+            <a:lvl9pPr eaLnBrk="0" fontAlgn="base" hangingPunct="0">
+              <a:spcBef>
+                <a:spcPct val="0"/>
+              </a:spcBef>
+              <a:spcAft>
+                <a:spcPct val="0"/>
+              </a:spcAft>
+              <a:defRPr>
+                <a:solidFill>
+                  <a:schemeClr val="tx1"/>
+                </a:solidFill>
+                <a:latin typeface="Arial" panose="020B0604020202020204" pitchFamily="34" charset="0"/>
+              </a:defRPr>
+            </a:lvl9pPr>
+          </a:lstStyle>
+          <a:p>
+            <a:pPr marL="400050" lvl="1" indent="0" defTabSz="914400">
+              <a:buClrTx/>
+              <a:buSzTx/>
+              <a:buFontTx/>
+              <a:buNone/>
+            </a:pPr>
+            <a:r>
+              <a:rPr kumimoji="0" lang="en-US" b="0" i="0" u="none" strike="noStrike" cap="none" normalizeH="0" baseline="0" dirty="0" smtClean="0">
+                <a:ln>
+                  <a:noFill/>
+                </a:ln>
+                <a:solidFill>
+                  <a:srgbClr val="000000"/>
+                </a:solidFill>
+                <a:effectLst/>
+                <a:latin typeface="Consolas" panose="020B0609020204030204" pitchFamily="49" charset="0"/>
+                <a:cs typeface="Consolas" panose="020B0609020204030204" pitchFamily="49" charset="0"/>
+              </a:rPr>
+              <a:t>&lt;</a:t>
+            </a:r>
+            <a:r>
+              <a:rPr kumimoji="0" lang="en-US" b="1" i="0" u="none" strike="noStrike" cap="none" normalizeH="0" baseline="0" dirty="0" smtClean="0">
+                <a:ln>
+                  <a:noFill/>
+                </a:ln>
+                <a:solidFill>
+                  <a:srgbClr val="006699"/>
+                </a:solidFill>
+                <a:effectLst/>
+                <a:latin typeface="Consolas" panose="020B0609020204030204" pitchFamily="49" charset="0"/>
+                <a:cs typeface="Consolas" panose="020B0609020204030204" pitchFamily="49" charset="0"/>
+              </a:rPr>
+              <a:t>table</a:t>
+            </a:r>
+            <a:r>
+              <a:rPr kumimoji="0" lang="en-US" b="0" i="0" u="none" strike="noStrike" cap="none" normalizeH="0" baseline="0" dirty="0" smtClean="0">
+                <a:ln>
+                  <a:noFill/>
+                </a:ln>
+                <a:solidFill>
+                  <a:srgbClr val="273239"/>
+                </a:solidFill>
+                <a:effectLst/>
+                <a:latin typeface="Consolas" panose="020B0609020204030204" pitchFamily="49" charset="0"/>
+                <a:cs typeface="Consolas" panose="020B0609020204030204" pitchFamily="49" charset="0"/>
+              </a:rPr>
+              <a:t> </a:t>
+            </a:r>
+            <a:r>
+              <a:rPr kumimoji="0" lang="en-US" b="0" i="0" u="none" strike="noStrike" cap="none" normalizeH="0" baseline="0" dirty="0" smtClean="0">
+                <a:ln>
+                  <a:noFill/>
+                </a:ln>
+                <a:solidFill>
+                  <a:srgbClr val="808080"/>
+                </a:solidFill>
+                <a:effectLst/>
+                <a:latin typeface="Consolas" panose="020B0609020204030204" pitchFamily="49" charset="0"/>
+                <a:cs typeface="Consolas" panose="020B0609020204030204" pitchFamily="49" charset="0"/>
+              </a:rPr>
+              <a:t>align</a:t>
+            </a:r>
+            <a:r>
+              <a:rPr kumimoji="0" lang="en-US" b="0" i="0" u="none" strike="noStrike" cap="none" normalizeH="0" baseline="0" dirty="0" smtClean="0">
+                <a:ln>
+                  <a:noFill/>
+                </a:ln>
+                <a:solidFill>
+                  <a:srgbClr val="000000"/>
+                </a:solidFill>
+                <a:effectLst/>
+                <a:latin typeface="Consolas" panose="020B0609020204030204" pitchFamily="49" charset="0"/>
+                <a:cs typeface="Consolas" panose="020B0609020204030204" pitchFamily="49" charset="0"/>
+              </a:rPr>
+              <a:t>=</a:t>
+            </a:r>
+            <a:r>
+              <a:rPr kumimoji="0" lang="en-US" b="0" i="0" u="none" strike="noStrike" cap="none" normalizeH="0" baseline="0" dirty="0" smtClean="0">
+                <a:ln>
+                  <a:noFill/>
+                </a:ln>
+                <a:solidFill>
+                  <a:srgbClr val="0000FF"/>
+                </a:solidFill>
+                <a:effectLst/>
+                <a:latin typeface="Consolas" panose="020B0609020204030204" pitchFamily="49" charset="0"/>
+                <a:cs typeface="Consolas" panose="020B0609020204030204" pitchFamily="49" charset="0"/>
+              </a:rPr>
+              <a:t>"center"</a:t>
+            </a:r>
+            <a:r>
+              <a:rPr kumimoji="0" lang="en-US" b="0" i="0" u="none" strike="noStrike" cap="none" normalizeH="0" baseline="0" dirty="0" smtClean="0">
+                <a:ln>
+                  <a:noFill/>
+                </a:ln>
+                <a:solidFill>
+                  <a:srgbClr val="000000"/>
+                </a:solidFill>
+                <a:effectLst/>
+                <a:latin typeface="Consolas" panose="020B0609020204030204" pitchFamily="49" charset="0"/>
+                <a:cs typeface="Consolas" panose="020B0609020204030204" pitchFamily="49" charset="0"/>
+              </a:rPr>
+              <a:t>&gt;</a:t>
+            </a:r>
+            <a:endParaRPr kumimoji="0" lang="en-US" b="0" i="0" u="none" strike="noStrike" cap="none" normalizeH="0" baseline="0" dirty="0" smtClean="0">
+              <a:ln>
+                <a:noFill/>
+              </a:ln>
+              <a:solidFill>
+                <a:schemeClr val="tx1"/>
+              </a:solidFill>
+              <a:effectLst/>
+            </a:endParaRPr>
+          </a:p>
+          <a:p>
+            <a:pPr marL="400050" lvl="1" indent="0" defTabSz="914400">
+              <a:buClrTx/>
+              <a:buSzTx/>
+              <a:buFontTx/>
+              <a:buNone/>
+            </a:pPr>
+            <a:r>
+              <a:rPr kumimoji="0" lang="en-US" b="0" i="0" u="none" strike="noStrike" cap="none" normalizeH="0" baseline="0" dirty="0" smtClean="0">
+                <a:ln>
+                  <a:noFill/>
+                </a:ln>
+                <a:solidFill>
+                  <a:srgbClr val="273239"/>
+                </a:solidFill>
+                <a:effectLst/>
+                <a:latin typeface="Consolas" panose="020B0609020204030204" pitchFamily="49" charset="0"/>
+                <a:cs typeface="Consolas" panose="020B0609020204030204" pitchFamily="49" charset="0"/>
+              </a:rPr>
+              <a:t>        </a:t>
+            </a:r>
+            <a:r>
+              <a:rPr kumimoji="0" lang="en-US" b="0" i="0" u="none" strike="noStrike" cap="none" normalizeH="0" baseline="0" dirty="0" smtClean="0">
+                <a:ln>
+                  <a:noFill/>
+                </a:ln>
+                <a:solidFill>
+                  <a:srgbClr val="000000"/>
+                </a:solidFill>
+                <a:effectLst/>
+                <a:latin typeface="Consolas" panose="020B0609020204030204" pitchFamily="49" charset="0"/>
+                <a:cs typeface="Consolas" panose="020B0609020204030204" pitchFamily="49" charset="0"/>
+              </a:rPr>
+              <a:t>&lt;</a:t>
+            </a:r>
+            <a:r>
+              <a:rPr kumimoji="0" lang="en-US" b="1" i="0" u="none" strike="noStrike" cap="none" normalizeH="0" baseline="0" dirty="0" smtClean="0">
+                <a:ln>
+                  <a:noFill/>
+                </a:ln>
+                <a:solidFill>
+                  <a:srgbClr val="006699"/>
+                </a:solidFill>
+                <a:effectLst/>
+                <a:latin typeface="Consolas" panose="020B0609020204030204" pitchFamily="49" charset="0"/>
+                <a:cs typeface="Consolas" panose="020B0609020204030204" pitchFamily="49" charset="0"/>
+              </a:rPr>
+              <a:t>tr</a:t>
+            </a:r>
+            <a:r>
+              <a:rPr kumimoji="0" lang="en-US" b="0" i="0" u="none" strike="noStrike" cap="none" normalizeH="0" baseline="0" dirty="0" smtClean="0">
+                <a:ln>
+                  <a:noFill/>
+                </a:ln>
+                <a:solidFill>
+                  <a:srgbClr val="000000"/>
+                </a:solidFill>
+                <a:effectLst/>
+                <a:latin typeface="Consolas" panose="020B0609020204030204" pitchFamily="49" charset="0"/>
+                <a:cs typeface="Consolas" panose="020B0609020204030204" pitchFamily="49" charset="0"/>
+              </a:rPr>
+              <a:t>&gt;</a:t>
+            </a:r>
+            <a:endParaRPr kumimoji="0" lang="en-US" b="0" i="0" u="none" strike="noStrike" cap="none" normalizeH="0" baseline="0" dirty="0" smtClean="0">
+              <a:ln>
+                <a:noFill/>
+              </a:ln>
+              <a:solidFill>
+                <a:schemeClr val="tx1"/>
+              </a:solidFill>
+              <a:effectLst/>
+            </a:endParaRPr>
+          </a:p>
+          <a:p>
+            <a:pPr marL="400050" lvl="1" indent="0" defTabSz="914400">
+              <a:buClrTx/>
+              <a:buSzTx/>
+              <a:buFontTx/>
+              <a:buNone/>
+            </a:pPr>
+            <a:r>
+              <a:rPr kumimoji="0" lang="en-US" b="0" i="0" u="none" strike="noStrike" cap="none" normalizeH="0" baseline="0" dirty="0" smtClean="0">
+                <a:ln>
+                  <a:noFill/>
+                </a:ln>
+                <a:solidFill>
+                  <a:srgbClr val="273239"/>
+                </a:solidFill>
+                <a:effectLst/>
+                <a:latin typeface="Consolas" panose="020B0609020204030204" pitchFamily="49" charset="0"/>
+                <a:cs typeface="Consolas" panose="020B0609020204030204" pitchFamily="49" charset="0"/>
+              </a:rPr>
+              <a:t>            </a:t>
+            </a:r>
+            <a:r>
+              <a:rPr kumimoji="0" lang="en-US" b="0" i="0" u="none" strike="noStrike" cap="none" normalizeH="0" baseline="0" dirty="0" smtClean="0">
+                <a:ln>
+                  <a:noFill/>
+                </a:ln>
+                <a:solidFill>
+                  <a:srgbClr val="000000"/>
+                </a:solidFill>
+                <a:effectLst/>
+                <a:latin typeface="Consolas" panose="020B0609020204030204" pitchFamily="49" charset="0"/>
+                <a:cs typeface="Consolas" panose="020B0609020204030204" pitchFamily="49" charset="0"/>
+              </a:rPr>
+              <a:t>&lt;</a:t>
+            </a:r>
+            <a:r>
+              <a:rPr kumimoji="0" lang="en-US" b="1" i="0" u="none" strike="noStrike" cap="none" normalizeH="0" baseline="0" dirty="0" smtClean="0">
+                <a:ln>
+                  <a:noFill/>
+                </a:ln>
+                <a:solidFill>
+                  <a:srgbClr val="006699"/>
+                </a:solidFill>
+                <a:effectLst/>
+                <a:latin typeface="Consolas" panose="020B0609020204030204" pitchFamily="49" charset="0"/>
+                <a:cs typeface="Consolas" panose="020B0609020204030204" pitchFamily="49" charset="0"/>
+              </a:rPr>
+              <a:t>th</a:t>
+            </a:r>
+            <a:r>
+              <a:rPr kumimoji="0" lang="en-US" b="0" i="0" u="none" strike="noStrike" cap="none" normalizeH="0" baseline="0" dirty="0" smtClean="0">
+                <a:ln>
+                  <a:noFill/>
+                </a:ln>
+                <a:solidFill>
+                  <a:srgbClr val="000000"/>
+                </a:solidFill>
+                <a:effectLst/>
+                <a:latin typeface="Consolas" panose="020B0609020204030204" pitchFamily="49" charset="0"/>
+                <a:cs typeface="Consolas" panose="020B0609020204030204" pitchFamily="49" charset="0"/>
+              </a:rPr>
+              <a:t>&gt;Name&lt;/</a:t>
+            </a:r>
+            <a:r>
+              <a:rPr kumimoji="0" lang="en-US" b="1" i="0" u="none" strike="noStrike" cap="none" normalizeH="0" baseline="0" dirty="0" smtClean="0">
+                <a:ln>
+                  <a:noFill/>
+                </a:ln>
+                <a:solidFill>
+                  <a:srgbClr val="006699"/>
+                </a:solidFill>
+                <a:effectLst/>
+                <a:latin typeface="Consolas" panose="020B0609020204030204" pitchFamily="49" charset="0"/>
+                <a:cs typeface="Consolas" panose="020B0609020204030204" pitchFamily="49" charset="0"/>
+              </a:rPr>
+              <a:t>th</a:t>
+            </a:r>
+            <a:r>
+              <a:rPr kumimoji="0" lang="en-US" b="0" i="0" u="none" strike="noStrike" cap="none" normalizeH="0" baseline="0" dirty="0" smtClean="0">
+                <a:ln>
+                  <a:noFill/>
+                </a:ln>
+                <a:solidFill>
+                  <a:srgbClr val="000000"/>
+                </a:solidFill>
+                <a:effectLst/>
+                <a:latin typeface="Consolas" panose="020B0609020204030204" pitchFamily="49" charset="0"/>
+                <a:cs typeface="Consolas" panose="020B0609020204030204" pitchFamily="49" charset="0"/>
+              </a:rPr>
+              <a:t>&gt;</a:t>
+            </a:r>
+            <a:endParaRPr kumimoji="0" lang="en-US" b="0" i="0" u="none" strike="noStrike" cap="none" normalizeH="0" baseline="0" dirty="0" smtClean="0">
+              <a:ln>
+                <a:noFill/>
+              </a:ln>
+              <a:solidFill>
+                <a:schemeClr val="tx1"/>
+              </a:solidFill>
+              <a:effectLst/>
+            </a:endParaRPr>
+          </a:p>
+          <a:p>
+            <a:pPr marL="400050" lvl="1" indent="0" defTabSz="914400">
+              <a:buClrTx/>
+              <a:buSzTx/>
+              <a:buFontTx/>
+              <a:buNone/>
+            </a:pPr>
+            <a:r>
+              <a:rPr kumimoji="0" lang="en-US" b="0" i="0" u="none" strike="noStrike" cap="none" normalizeH="0" baseline="0" dirty="0" smtClean="0">
+                <a:ln>
+                  <a:noFill/>
+                </a:ln>
+                <a:solidFill>
+                  <a:srgbClr val="273239"/>
+                </a:solidFill>
+                <a:effectLst/>
+                <a:latin typeface="Consolas" panose="020B0609020204030204" pitchFamily="49" charset="0"/>
+                <a:cs typeface="Consolas" panose="020B0609020204030204" pitchFamily="49" charset="0"/>
+              </a:rPr>
+              <a:t>            </a:t>
+            </a:r>
+            <a:r>
+              <a:rPr kumimoji="0" lang="en-US" b="0" i="0" u="none" strike="noStrike" cap="none" normalizeH="0" baseline="0" dirty="0" smtClean="0">
+                <a:ln>
+                  <a:noFill/>
+                </a:ln>
+                <a:solidFill>
+                  <a:srgbClr val="000000"/>
+                </a:solidFill>
+                <a:effectLst/>
+                <a:latin typeface="Consolas" panose="020B0609020204030204" pitchFamily="49" charset="0"/>
+                <a:cs typeface="Consolas" panose="020B0609020204030204" pitchFamily="49" charset="0"/>
+              </a:rPr>
+              <a:t>&lt;</a:t>
+            </a:r>
+            <a:r>
+              <a:rPr kumimoji="0" lang="en-US" b="1" i="0" u="none" strike="noStrike" cap="none" normalizeH="0" baseline="0" dirty="0" smtClean="0">
+                <a:ln>
+                  <a:noFill/>
+                </a:ln>
+                <a:solidFill>
+                  <a:srgbClr val="006699"/>
+                </a:solidFill>
+                <a:effectLst/>
+                <a:latin typeface="Consolas" panose="020B0609020204030204" pitchFamily="49" charset="0"/>
+                <a:cs typeface="Consolas" panose="020B0609020204030204" pitchFamily="49" charset="0"/>
+              </a:rPr>
+              <a:t>th</a:t>
+            </a:r>
+            <a:r>
+              <a:rPr kumimoji="0" lang="en-US" b="0" i="0" u="none" strike="noStrike" cap="none" normalizeH="0" baseline="0" dirty="0" smtClean="0">
+                <a:ln>
+                  <a:noFill/>
+                </a:ln>
+                <a:solidFill>
+                  <a:srgbClr val="000000"/>
+                </a:solidFill>
+                <a:effectLst/>
+                <a:latin typeface="Consolas" panose="020B0609020204030204" pitchFamily="49" charset="0"/>
+                <a:cs typeface="Consolas" panose="020B0609020204030204" pitchFamily="49" charset="0"/>
+              </a:rPr>
+              <a:t>&gt;Age&lt;/</a:t>
+            </a:r>
+            <a:r>
+              <a:rPr kumimoji="0" lang="en-US" b="1" i="0" u="none" strike="noStrike" cap="none" normalizeH="0" baseline="0" dirty="0" smtClean="0">
+                <a:ln>
+                  <a:noFill/>
+                </a:ln>
+                <a:solidFill>
+                  <a:srgbClr val="006699"/>
+                </a:solidFill>
+                <a:effectLst/>
+                <a:latin typeface="Consolas" panose="020B0609020204030204" pitchFamily="49" charset="0"/>
+                <a:cs typeface="Consolas" panose="020B0609020204030204" pitchFamily="49" charset="0"/>
+              </a:rPr>
+              <a:t>th</a:t>
+            </a:r>
+            <a:r>
+              <a:rPr kumimoji="0" lang="en-US" b="0" i="0" u="none" strike="noStrike" cap="none" normalizeH="0" baseline="0" dirty="0" smtClean="0">
+                <a:ln>
+                  <a:noFill/>
+                </a:ln>
+                <a:solidFill>
+                  <a:srgbClr val="000000"/>
+                </a:solidFill>
+                <a:effectLst/>
+                <a:latin typeface="Consolas" panose="020B0609020204030204" pitchFamily="49" charset="0"/>
+                <a:cs typeface="Consolas" panose="020B0609020204030204" pitchFamily="49" charset="0"/>
+              </a:rPr>
+              <a:t>&gt;</a:t>
+            </a:r>
+            <a:endParaRPr kumimoji="0" lang="en-US" b="0" i="0" u="none" strike="noStrike" cap="none" normalizeH="0" baseline="0" dirty="0" smtClean="0">
+              <a:ln>
+                <a:noFill/>
+              </a:ln>
+              <a:solidFill>
+                <a:schemeClr val="tx1"/>
+              </a:solidFill>
+              <a:effectLst/>
+            </a:endParaRPr>
+          </a:p>
+          <a:p>
+            <a:pPr marL="400050" lvl="1" indent="0" defTabSz="914400">
+              <a:buClrTx/>
+              <a:buSzTx/>
+              <a:buFontTx/>
+              <a:buNone/>
+            </a:pPr>
+            <a:r>
+              <a:rPr kumimoji="0" lang="en-US" b="0" i="0" u="none" strike="noStrike" cap="none" normalizeH="0" baseline="0" dirty="0" smtClean="0">
+                <a:ln>
+                  <a:noFill/>
+                </a:ln>
+                <a:solidFill>
+                  <a:srgbClr val="273239"/>
+                </a:solidFill>
+                <a:effectLst/>
+                <a:latin typeface="Consolas" panose="020B0609020204030204" pitchFamily="49" charset="0"/>
+                <a:cs typeface="Consolas" panose="020B0609020204030204" pitchFamily="49" charset="0"/>
+              </a:rPr>
+              <a:t>        </a:t>
+            </a:r>
+            <a:r>
+              <a:rPr kumimoji="0" lang="en-US" b="0" i="0" u="none" strike="noStrike" cap="none" normalizeH="0" baseline="0" dirty="0" smtClean="0">
+                <a:ln>
+                  <a:noFill/>
+                </a:ln>
+                <a:solidFill>
+                  <a:srgbClr val="000000"/>
+                </a:solidFill>
+                <a:effectLst/>
+                <a:latin typeface="Consolas" panose="020B0609020204030204" pitchFamily="49" charset="0"/>
+                <a:cs typeface="Consolas" panose="020B0609020204030204" pitchFamily="49" charset="0"/>
+              </a:rPr>
+              <a:t>&lt;/</a:t>
+            </a:r>
+            <a:r>
+              <a:rPr kumimoji="0" lang="en-US" b="1" i="0" u="none" strike="noStrike" cap="none" normalizeH="0" baseline="0" dirty="0" smtClean="0">
+                <a:ln>
+                  <a:noFill/>
+                </a:ln>
+                <a:solidFill>
+                  <a:srgbClr val="006699"/>
+                </a:solidFill>
+                <a:effectLst/>
+                <a:latin typeface="Consolas" panose="020B0609020204030204" pitchFamily="49" charset="0"/>
+                <a:cs typeface="Consolas" panose="020B0609020204030204" pitchFamily="49" charset="0"/>
+              </a:rPr>
+              <a:t>tr</a:t>
+            </a:r>
+            <a:r>
+              <a:rPr kumimoji="0" lang="en-US" b="0" i="0" u="none" strike="noStrike" cap="none" normalizeH="0" baseline="0" dirty="0" smtClean="0">
+                <a:ln>
+                  <a:noFill/>
+                </a:ln>
+                <a:solidFill>
+                  <a:srgbClr val="000000"/>
+                </a:solidFill>
+                <a:effectLst/>
+                <a:latin typeface="Consolas" panose="020B0609020204030204" pitchFamily="49" charset="0"/>
+                <a:cs typeface="Consolas" panose="020B0609020204030204" pitchFamily="49" charset="0"/>
+              </a:rPr>
+              <a:t>&gt;</a:t>
+            </a:r>
+            <a:endParaRPr kumimoji="0" lang="en-US" b="0" i="0" u="none" strike="noStrike" cap="none" normalizeH="0" baseline="0" dirty="0" smtClean="0">
+              <a:ln>
+                <a:noFill/>
+              </a:ln>
+              <a:solidFill>
+                <a:schemeClr val="tx1"/>
+              </a:solidFill>
+              <a:effectLst/>
+            </a:endParaRPr>
+          </a:p>
+          <a:p>
+            <a:pPr marL="400050" lvl="1" indent="0" defTabSz="914400">
+              <a:buClrTx/>
+              <a:buSzTx/>
+              <a:buFontTx/>
+              <a:buNone/>
+            </a:pPr>
+            <a:r>
+              <a:rPr kumimoji="0" lang="en-US" b="0" i="0" u="none" strike="noStrike" cap="none" normalizeH="0" baseline="0" dirty="0" smtClean="0">
+                <a:ln>
+                  <a:noFill/>
+                </a:ln>
+                <a:solidFill>
+                  <a:srgbClr val="273239"/>
+                </a:solidFill>
+                <a:effectLst/>
+                <a:latin typeface="Consolas" panose="020B0609020204030204" pitchFamily="49" charset="0"/>
+                <a:cs typeface="Consolas" panose="020B0609020204030204" pitchFamily="49" charset="0"/>
+              </a:rPr>
+              <a:t>        </a:t>
+            </a:r>
+            <a:r>
+              <a:rPr kumimoji="0" lang="en-US" b="0" i="0" u="none" strike="noStrike" cap="none" normalizeH="0" baseline="0" dirty="0" smtClean="0">
+                <a:ln>
+                  <a:noFill/>
+                </a:ln>
+                <a:solidFill>
+                  <a:srgbClr val="000000"/>
+                </a:solidFill>
+                <a:effectLst/>
+                <a:latin typeface="Consolas" panose="020B0609020204030204" pitchFamily="49" charset="0"/>
+                <a:cs typeface="Consolas" panose="020B0609020204030204" pitchFamily="49" charset="0"/>
+              </a:rPr>
+              <a:t>&lt;</a:t>
+            </a:r>
+            <a:r>
+              <a:rPr kumimoji="0" lang="en-US" b="1" i="0" u="none" strike="noStrike" cap="none" normalizeH="0" baseline="0" dirty="0" smtClean="0">
+                <a:ln>
+                  <a:noFill/>
+                </a:ln>
+                <a:solidFill>
+                  <a:srgbClr val="006699"/>
+                </a:solidFill>
+                <a:effectLst/>
+                <a:latin typeface="Consolas" panose="020B0609020204030204" pitchFamily="49" charset="0"/>
+                <a:cs typeface="Consolas" panose="020B0609020204030204" pitchFamily="49" charset="0"/>
+              </a:rPr>
+              <a:t>tr</a:t>
+            </a:r>
+            <a:r>
+              <a:rPr kumimoji="0" lang="en-US" b="0" i="0" u="none" strike="noStrike" cap="none" normalizeH="0" baseline="0" dirty="0" smtClean="0">
+                <a:ln>
+                  <a:noFill/>
+                </a:ln>
+                <a:solidFill>
+                  <a:srgbClr val="000000"/>
+                </a:solidFill>
+                <a:effectLst/>
+                <a:latin typeface="Consolas" panose="020B0609020204030204" pitchFamily="49" charset="0"/>
+                <a:cs typeface="Consolas" panose="020B0609020204030204" pitchFamily="49" charset="0"/>
+              </a:rPr>
+              <a:t>&gt;</a:t>
+            </a:r>
+            <a:endParaRPr kumimoji="0" lang="en-US" b="0" i="0" u="none" strike="noStrike" cap="none" normalizeH="0" baseline="0" dirty="0" smtClean="0">
+              <a:ln>
+                <a:noFill/>
+              </a:ln>
+              <a:solidFill>
+                <a:schemeClr val="tx1"/>
+              </a:solidFill>
+              <a:effectLst/>
+            </a:endParaRPr>
+          </a:p>
+          <a:p>
+            <a:pPr marL="400050" lvl="1" indent="0" defTabSz="914400">
+              <a:buClrTx/>
+              <a:buSzTx/>
+              <a:buFontTx/>
+              <a:buNone/>
+            </a:pPr>
+            <a:r>
+              <a:rPr kumimoji="0" lang="en-US" b="0" i="0" u="none" strike="noStrike" cap="none" normalizeH="0" baseline="0" dirty="0" smtClean="0">
+                <a:ln>
+                  <a:noFill/>
+                </a:ln>
+                <a:solidFill>
+                  <a:srgbClr val="273239"/>
+                </a:solidFill>
+                <a:effectLst/>
+                <a:latin typeface="Consolas" panose="020B0609020204030204" pitchFamily="49" charset="0"/>
+                <a:cs typeface="Consolas" panose="020B0609020204030204" pitchFamily="49" charset="0"/>
+              </a:rPr>
+              <a:t>            </a:t>
+            </a:r>
+            <a:r>
+              <a:rPr kumimoji="0" lang="en-US" b="0" i="0" u="none" strike="noStrike" cap="none" normalizeH="0" baseline="0" dirty="0" smtClean="0">
+                <a:ln>
+                  <a:noFill/>
+                </a:ln>
+                <a:solidFill>
+                  <a:srgbClr val="000000"/>
+                </a:solidFill>
+                <a:effectLst/>
+                <a:latin typeface="Consolas" panose="020B0609020204030204" pitchFamily="49" charset="0"/>
+                <a:cs typeface="Consolas" panose="020B0609020204030204" pitchFamily="49" charset="0"/>
+              </a:rPr>
+              <a:t>&lt;</a:t>
+            </a:r>
+            <a:r>
+              <a:rPr kumimoji="0" lang="en-US" b="1" i="0" u="none" strike="noStrike" cap="none" normalizeH="0" baseline="0" dirty="0" smtClean="0">
+                <a:ln>
+                  <a:noFill/>
+                </a:ln>
+                <a:solidFill>
+                  <a:srgbClr val="006699"/>
+                </a:solidFill>
+                <a:effectLst/>
+                <a:latin typeface="Consolas" panose="020B0609020204030204" pitchFamily="49" charset="0"/>
+                <a:cs typeface="Consolas" panose="020B0609020204030204" pitchFamily="49" charset="0"/>
+              </a:rPr>
+              <a:t>td</a:t>
+            </a:r>
+            <a:r>
+              <a:rPr kumimoji="0" lang="en-US" b="0" i="0" u="none" strike="noStrike" cap="none" normalizeH="0" baseline="0" dirty="0" smtClean="0">
+                <a:ln>
+                  <a:noFill/>
+                </a:ln>
+                <a:solidFill>
+                  <a:srgbClr val="000000"/>
+                </a:solidFill>
+                <a:effectLst/>
+                <a:latin typeface="Consolas" panose="020B0609020204030204" pitchFamily="49" charset="0"/>
+                <a:cs typeface="Consolas" panose="020B0609020204030204" pitchFamily="49" charset="0"/>
+              </a:rPr>
+              <a:t>&gt;</a:t>
+            </a:r>
+            <a:r>
+              <a:rPr kumimoji="0" lang="en-US" b="0" i="0" u="none" strike="noStrike" cap="none" normalizeH="0" baseline="0" dirty="0" err="1" smtClean="0">
+                <a:ln>
+                  <a:noFill/>
+                </a:ln>
+                <a:solidFill>
+                  <a:srgbClr val="000000"/>
+                </a:solidFill>
+                <a:effectLst/>
+                <a:latin typeface="Consolas" panose="020B0609020204030204" pitchFamily="49" charset="0"/>
+                <a:cs typeface="Consolas" panose="020B0609020204030204" pitchFamily="49" charset="0"/>
+              </a:rPr>
+              <a:t>bhavika</a:t>
+            </a:r>
+            <a:r>
+              <a:rPr kumimoji="0" lang="en-US" b="0" i="0" u="none" strike="noStrike" cap="none" normalizeH="0" baseline="0" dirty="0" smtClean="0">
+                <a:ln>
+                  <a:noFill/>
+                </a:ln>
+                <a:solidFill>
+                  <a:srgbClr val="000000"/>
+                </a:solidFill>
+                <a:effectLst/>
+                <a:latin typeface="Consolas" panose="020B0609020204030204" pitchFamily="49" charset="0"/>
+                <a:cs typeface="Consolas" panose="020B0609020204030204" pitchFamily="49" charset="0"/>
+              </a:rPr>
+              <a:t>&lt;/</a:t>
+            </a:r>
+            <a:r>
+              <a:rPr kumimoji="0" lang="en-US" b="1" i="0" u="none" strike="noStrike" cap="none" normalizeH="0" baseline="0" dirty="0" smtClean="0">
+                <a:ln>
+                  <a:noFill/>
+                </a:ln>
+                <a:solidFill>
+                  <a:srgbClr val="006699"/>
+                </a:solidFill>
+                <a:effectLst/>
+                <a:latin typeface="Consolas" panose="020B0609020204030204" pitchFamily="49" charset="0"/>
+                <a:cs typeface="Consolas" panose="020B0609020204030204" pitchFamily="49" charset="0"/>
+              </a:rPr>
+              <a:t>td</a:t>
+            </a:r>
+            <a:r>
+              <a:rPr kumimoji="0" lang="en-US" b="0" i="0" u="none" strike="noStrike" cap="none" normalizeH="0" baseline="0" dirty="0" smtClean="0">
+                <a:ln>
+                  <a:noFill/>
+                </a:ln>
+                <a:solidFill>
+                  <a:srgbClr val="000000"/>
+                </a:solidFill>
+                <a:effectLst/>
+                <a:latin typeface="Consolas" panose="020B0609020204030204" pitchFamily="49" charset="0"/>
+                <a:cs typeface="Consolas" panose="020B0609020204030204" pitchFamily="49" charset="0"/>
+              </a:rPr>
+              <a:t>&gt;</a:t>
+            </a:r>
+            <a:endParaRPr kumimoji="0" lang="en-US" b="0" i="0" u="none" strike="noStrike" cap="none" normalizeH="0" baseline="0" dirty="0" smtClean="0">
+              <a:ln>
+                <a:noFill/>
+              </a:ln>
+              <a:solidFill>
+                <a:schemeClr val="tx1"/>
+              </a:solidFill>
+              <a:effectLst/>
+            </a:endParaRPr>
+          </a:p>
+          <a:p>
+            <a:pPr marL="400050" lvl="1" indent="0" defTabSz="914400">
+              <a:buClrTx/>
+              <a:buSzTx/>
+              <a:buFontTx/>
+              <a:buNone/>
+            </a:pPr>
+            <a:r>
+              <a:rPr kumimoji="0" lang="en-US" b="0" i="0" u="none" strike="noStrike" cap="none" normalizeH="0" baseline="0" dirty="0" smtClean="0">
+                <a:ln>
+                  <a:noFill/>
+                </a:ln>
+                <a:solidFill>
+                  <a:srgbClr val="273239"/>
+                </a:solidFill>
+                <a:effectLst/>
+                <a:latin typeface="Consolas" panose="020B0609020204030204" pitchFamily="49" charset="0"/>
+                <a:cs typeface="Consolas" panose="020B0609020204030204" pitchFamily="49" charset="0"/>
+              </a:rPr>
+              <a:t>  </a:t>
+            </a:r>
+            <a:endParaRPr kumimoji="0" lang="en-US" b="0" i="0" u="none" strike="noStrike" cap="none" normalizeH="0" baseline="0" dirty="0" smtClean="0">
+              <a:ln>
+                <a:noFill/>
+              </a:ln>
+              <a:solidFill>
+                <a:schemeClr val="tx1"/>
+              </a:solidFill>
+              <a:effectLst/>
+            </a:endParaRPr>
+          </a:p>
+          <a:p>
+            <a:pPr marL="400050" lvl="1" indent="0" defTabSz="914400">
+              <a:buClrTx/>
+              <a:buSzTx/>
+              <a:buFontTx/>
+              <a:buNone/>
+            </a:pPr>
+            <a:r>
+              <a:rPr kumimoji="0" lang="en-US" b="0" i="0" u="none" strike="noStrike" cap="none" normalizeH="0" baseline="0" dirty="0" smtClean="0">
+                <a:ln>
+                  <a:noFill/>
+                </a:ln>
+                <a:solidFill>
+                  <a:srgbClr val="273239"/>
+                </a:solidFill>
+                <a:effectLst/>
+                <a:latin typeface="Consolas" panose="020B0609020204030204" pitchFamily="49" charset="0"/>
+                <a:cs typeface="Consolas" panose="020B0609020204030204" pitchFamily="49" charset="0"/>
+              </a:rPr>
+              <a:t>            </a:t>
+            </a:r>
+            <a:r>
+              <a:rPr kumimoji="0" lang="en-US" b="0" i="0" u="none" strike="noStrike" cap="none" normalizeH="0" baseline="0" dirty="0" smtClean="0">
+                <a:ln>
+                  <a:noFill/>
+                </a:ln>
+                <a:solidFill>
+                  <a:srgbClr val="008200"/>
+                </a:solidFill>
+                <a:effectLst/>
+                <a:latin typeface="Consolas" panose="020B0609020204030204" pitchFamily="49" charset="0"/>
+                <a:cs typeface="Consolas" panose="020B0609020204030204" pitchFamily="49" charset="0"/>
+              </a:rPr>
+              <a:t>&lt;!-- This cell will take up</a:t>
+            </a:r>
+            <a:endParaRPr kumimoji="0" lang="en-US" b="0" i="0" u="none" strike="noStrike" cap="none" normalizeH="0" baseline="0" dirty="0" smtClean="0">
+              <a:ln>
+                <a:noFill/>
+              </a:ln>
+              <a:solidFill>
+                <a:schemeClr val="tx1"/>
+              </a:solidFill>
+              <a:effectLst/>
+            </a:endParaRPr>
+          </a:p>
+          <a:p>
+            <a:pPr marL="400050" lvl="1" indent="0" defTabSz="914400">
+              <a:buClrTx/>
+              <a:buSzTx/>
+              <a:buFontTx/>
+              <a:buNone/>
+            </a:pPr>
+            <a:r>
+              <a:rPr kumimoji="0" lang="en-US" b="0" i="0" u="none" strike="noStrike" cap="none" normalizeH="0" baseline="0" dirty="0" smtClean="0">
+                <a:ln>
+                  <a:noFill/>
+                </a:ln>
+                <a:solidFill>
+                  <a:srgbClr val="273239"/>
+                </a:solidFill>
+                <a:effectLst/>
+                <a:latin typeface="Consolas" panose="020B0609020204030204" pitchFamily="49" charset="0"/>
+                <a:cs typeface="Consolas" panose="020B0609020204030204" pitchFamily="49" charset="0"/>
+              </a:rPr>
+              <a:t>                </a:t>
+            </a:r>
+            <a:r>
+              <a:rPr kumimoji="0" lang="en-US" b="0" i="0" u="none" strike="noStrike" cap="none" normalizeH="0" baseline="0" dirty="0" smtClean="0">
+                <a:ln>
+                  <a:noFill/>
+                </a:ln>
+                <a:solidFill>
+                  <a:srgbClr val="008200"/>
+                </a:solidFill>
+                <a:effectLst/>
+                <a:latin typeface="Consolas" panose="020B0609020204030204" pitchFamily="49" charset="0"/>
+                <a:cs typeface="Consolas" panose="020B0609020204030204" pitchFamily="49" charset="0"/>
+              </a:rPr>
+              <a:t>space on two rows --&gt;</a:t>
+            </a:r>
+            <a:endParaRPr kumimoji="0" lang="en-US" b="0" i="0" u="none" strike="noStrike" cap="none" normalizeH="0" baseline="0" dirty="0" smtClean="0">
+              <a:ln>
+                <a:noFill/>
+              </a:ln>
+              <a:solidFill>
+                <a:schemeClr val="tx1"/>
+              </a:solidFill>
+              <a:effectLst/>
+            </a:endParaRPr>
+          </a:p>
+          <a:p>
+            <a:pPr marL="400050" lvl="1" indent="0" defTabSz="914400">
+              <a:buClrTx/>
+              <a:buSzTx/>
+              <a:buFontTx/>
+              <a:buNone/>
+            </a:pPr>
+            <a:r>
+              <a:rPr kumimoji="0" lang="en-US" b="0" i="0" u="none" strike="noStrike" cap="none" normalizeH="0" baseline="0" dirty="0" smtClean="0">
+                <a:ln>
+                  <a:noFill/>
+                </a:ln>
+                <a:solidFill>
+                  <a:srgbClr val="273239"/>
+                </a:solidFill>
+                <a:effectLst/>
+                <a:latin typeface="Consolas" panose="020B0609020204030204" pitchFamily="49" charset="0"/>
+                <a:cs typeface="Consolas" panose="020B0609020204030204" pitchFamily="49" charset="0"/>
+              </a:rPr>
+              <a:t>            </a:t>
+            </a:r>
+            <a:r>
+              <a:rPr kumimoji="0" lang="en-US" b="0" i="0" u="none" strike="noStrike" cap="none" normalizeH="0" baseline="0" dirty="0" smtClean="0">
+                <a:ln>
+                  <a:noFill/>
+                </a:ln>
+                <a:solidFill>
+                  <a:srgbClr val="000000"/>
+                </a:solidFill>
+                <a:effectLst/>
+                <a:latin typeface="Consolas" panose="020B0609020204030204" pitchFamily="49" charset="0"/>
+                <a:cs typeface="Consolas" panose="020B0609020204030204" pitchFamily="49" charset="0"/>
+              </a:rPr>
+              <a:t>&lt;</a:t>
+            </a:r>
+            <a:r>
+              <a:rPr kumimoji="0" lang="en-US" b="1" i="0" u="none" strike="noStrike" cap="none" normalizeH="0" baseline="0" dirty="0" smtClean="0">
+                <a:ln>
+                  <a:noFill/>
+                </a:ln>
+                <a:solidFill>
+                  <a:srgbClr val="006699"/>
+                </a:solidFill>
+                <a:effectLst/>
+                <a:latin typeface="Consolas" panose="020B0609020204030204" pitchFamily="49" charset="0"/>
+                <a:cs typeface="Consolas" panose="020B0609020204030204" pitchFamily="49" charset="0"/>
+              </a:rPr>
+              <a:t>td</a:t>
+            </a:r>
+            <a:r>
+              <a:rPr kumimoji="0" lang="en-US" b="0" i="0" u="none" strike="noStrike" cap="none" normalizeH="0" baseline="0" dirty="0" smtClean="0">
+                <a:ln>
+                  <a:noFill/>
+                </a:ln>
+                <a:solidFill>
+                  <a:srgbClr val="273239"/>
+                </a:solidFill>
+                <a:effectLst/>
+                <a:latin typeface="Consolas" panose="020B0609020204030204" pitchFamily="49" charset="0"/>
+                <a:cs typeface="Consolas" panose="020B0609020204030204" pitchFamily="49" charset="0"/>
+              </a:rPr>
+              <a:t> </a:t>
+            </a:r>
+            <a:r>
+              <a:rPr kumimoji="0" lang="en-US" b="0" i="0" u="none" strike="noStrike" cap="none" normalizeH="0" baseline="0" dirty="0" smtClean="0">
+                <a:ln>
+                  <a:noFill/>
+                </a:ln>
+                <a:solidFill>
+                  <a:srgbClr val="808080"/>
+                </a:solidFill>
+                <a:effectLst/>
+                <a:latin typeface="Consolas" panose="020B0609020204030204" pitchFamily="49" charset="0"/>
+                <a:cs typeface="Consolas" panose="020B0609020204030204" pitchFamily="49" charset="0"/>
+              </a:rPr>
+              <a:t>rowspan</a:t>
+            </a:r>
+            <a:r>
+              <a:rPr kumimoji="0" lang="en-US" b="0" i="0" u="none" strike="noStrike" cap="none" normalizeH="0" baseline="0" dirty="0" smtClean="0">
+                <a:ln>
+                  <a:noFill/>
+                </a:ln>
+                <a:solidFill>
+                  <a:srgbClr val="000000"/>
+                </a:solidFill>
+                <a:effectLst/>
+                <a:latin typeface="Consolas" panose="020B0609020204030204" pitchFamily="49" charset="0"/>
+                <a:cs typeface="Consolas" panose="020B0609020204030204" pitchFamily="49" charset="0"/>
+              </a:rPr>
+              <a:t>=</a:t>
+            </a:r>
+            <a:r>
+              <a:rPr kumimoji="0" lang="en-US" b="0" i="0" u="none" strike="noStrike" cap="none" normalizeH="0" baseline="0" dirty="0" smtClean="0">
+                <a:ln>
+                  <a:noFill/>
+                </a:ln>
+                <a:solidFill>
+                  <a:srgbClr val="0000FF"/>
+                </a:solidFill>
+                <a:effectLst/>
+                <a:latin typeface="Consolas" panose="020B0609020204030204" pitchFamily="49" charset="0"/>
+                <a:cs typeface="Consolas" panose="020B0609020204030204" pitchFamily="49" charset="0"/>
+              </a:rPr>
+              <a:t>"2"</a:t>
+            </a:r>
+            <a:r>
+              <a:rPr kumimoji="0" lang="en-US" b="0" i="0" u="none" strike="noStrike" cap="none" normalizeH="0" baseline="0" dirty="0" smtClean="0">
+                <a:ln>
+                  <a:noFill/>
+                </a:ln>
+                <a:solidFill>
+                  <a:srgbClr val="000000"/>
+                </a:solidFill>
+                <a:effectLst/>
+                <a:latin typeface="Consolas" panose="020B0609020204030204" pitchFamily="49" charset="0"/>
+                <a:cs typeface="Consolas" panose="020B0609020204030204" pitchFamily="49" charset="0"/>
+              </a:rPr>
+              <a:t>&gt;25&lt;/</a:t>
+            </a:r>
+            <a:r>
+              <a:rPr kumimoji="0" lang="en-US" b="1" i="0" u="none" strike="noStrike" cap="none" normalizeH="0" baseline="0" dirty="0" smtClean="0">
+                <a:ln>
+                  <a:noFill/>
+                </a:ln>
+                <a:solidFill>
+                  <a:srgbClr val="006699"/>
+                </a:solidFill>
+                <a:effectLst/>
+                <a:latin typeface="Consolas" panose="020B0609020204030204" pitchFamily="49" charset="0"/>
+                <a:cs typeface="Consolas" panose="020B0609020204030204" pitchFamily="49" charset="0"/>
+              </a:rPr>
+              <a:t>td</a:t>
+            </a:r>
+            <a:r>
+              <a:rPr kumimoji="0" lang="en-US" b="0" i="0" u="none" strike="noStrike" cap="none" normalizeH="0" baseline="0" dirty="0" smtClean="0">
+                <a:ln>
+                  <a:noFill/>
+                </a:ln>
+                <a:solidFill>
+                  <a:srgbClr val="000000"/>
+                </a:solidFill>
+                <a:effectLst/>
+                <a:latin typeface="Consolas" panose="020B0609020204030204" pitchFamily="49" charset="0"/>
+                <a:cs typeface="Consolas" panose="020B0609020204030204" pitchFamily="49" charset="0"/>
+              </a:rPr>
+              <a:t>&gt;</a:t>
+            </a:r>
+            <a:endParaRPr kumimoji="0" lang="en-US" b="0" i="0" u="none" strike="noStrike" cap="none" normalizeH="0" baseline="0" dirty="0" smtClean="0">
+              <a:ln>
+                <a:noFill/>
+              </a:ln>
+              <a:solidFill>
+                <a:schemeClr val="tx1"/>
+              </a:solidFill>
+              <a:effectLst/>
+            </a:endParaRPr>
+          </a:p>
+          <a:p>
+            <a:pPr marL="400050" lvl="1" indent="0" defTabSz="914400">
+              <a:buClrTx/>
+              <a:buSzTx/>
+              <a:buFontTx/>
+              <a:buNone/>
+            </a:pPr>
+            <a:r>
+              <a:rPr kumimoji="0" lang="en-US" b="0" i="0" u="none" strike="noStrike" cap="none" normalizeH="0" baseline="0" dirty="0" smtClean="0">
+                <a:ln>
+                  <a:noFill/>
+                </a:ln>
+                <a:solidFill>
+                  <a:srgbClr val="273239"/>
+                </a:solidFill>
+                <a:effectLst/>
+                <a:latin typeface="Consolas" panose="020B0609020204030204" pitchFamily="49" charset="0"/>
+                <a:cs typeface="Consolas" panose="020B0609020204030204" pitchFamily="49" charset="0"/>
+              </a:rPr>
+              <a:t>        </a:t>
+            </a:r>
+            <a:r>
+              <a:rPr kumimoji="0" lang="en-US" b="0" i="0" u="none" strike="noStrike" cap="none" normalizeH="0" baseline="0" dirty="0" smtClean="0">
+                <a:ln>
+                  <a:noFill/>
+                </a:ln>
+                <a:solidFill>
+                  <a:srgbClr val="000000"/>
+                </a:solidFill>
+                <a:effectLst/>
+                <a:latin typeface="Consolas" panose="020B0609020204030204" pitchFamily="49" charset="0"/>
+                <a:cs typeface="Consolas" panose="020B0609020204030204" pitchFamily="49" charset="0"/>
+              </a:rPr>
+              <a:t>&lt;/</a:t>
+            </a:r>
+            <a:r>
+              <a:rPr kumimoji="0" lang="en-US" b="1" i="0" u="none" strike="noStrike" cap="none" normalizeH="0" baseline="0" dirty="0" smtClean="0">
+                <a:ln>
+                  <a:noFill/>
+                </a:ln>
+                <a:solidFill>
+                  <a:srgbClr val="006699"/>
+                </a:solidFill>
+                <a:effectLst/>
+                <a:latin typeface="Consolas" panose="020B0609020204030204" pitchFamily="49" charset="0"/>
+                <a:cs typeface="Consolas" panose="020B0609020204030204" pitchFamily="49" charset="0"/>
+              </a:rPr>
+              <a:t>tr</a:t>
+            </a:r>
+            <a:r>
+              <a:rPr kumimoji="0" lang="en-US" b="0" i="0" u="none" strike="noStrike" cap="none" normalizeH="0" baseline="0" dirty="0" smtClean="0">
+                <a:ln>
+                  <a:noFill/>
+                </a:ln>
+                <a:solidFill>
+                  <a:srgbClr val="000000"/>
+                </a:solidFill>
+                <a:effectLst/>
+                <a:latin typeface="Consolas" panose="020B0609020204030204" pitchFamily="49" charset="0"/>
+                <a:cs typeface="Consolas" panose="020B0609020204030204" pitchFamily="49" charset="0"/>
+              </a:rPr>
+              <a:t>&gt;</a:t>
+            </a:r>
+            <a:endParaRPr kumimoji="0" lang="en-US" b="0" i="0" u="none" strike="noStrike" cap="none" normalizeH="0" baseline="0" dirty="0" smtClean="0">
+              <a:ln>
+                <a:noFill/>
+              </a:ln>
+              <a:solidFill>
+                <a:schemeClr val="tx1"/>
+              </a:solidFill>
+              <a:effectLst/>
+            </a:endParaRPr>
+          </a:p>
+          <a:p>
+            <a:pPr marL="400050" lvl="1" indent="0" defTabSz="914400">
+              <a:buClrTx/>
+              <a:buSzTx/>
+              <a:buFontTx/>
+              <a:buNone/>
+            </a:pPr>
+            <a:r>
+              <a:rPr kumimoji="0" lang="en-US" b="0" i="0" u="none" strike="noStrike" cap="none" normalizeH="0" baseline="0" dirty="0" smtClean="0">
+                <a:ln>
+                  <a:noFill/>
+                </a:ln>
+                <a:solidFill>
+                  <a:srgbClr val="273239"/>
+                </a:solidFill>
+                <a:effectLst/>
+                <a:latin typeface="Consolas" panose="020B0609020204030204" pitchFamily="49" charset="0"/>
+                <a:cs typeface="Consolas" panose="020B0609020204030204" pitchFamily="49" charset="0"/>
+              </a:rPr>
+              <a:t>        </a:t>
+            </a:r>
+            <a:r>
+              <a:rPr kumimoji="0" lang="en-US" b="0" i="0" u="none" strike="noStrike" cap="none" normalizeH="0" baseline="0" dirty="0" smtClean="0">
+                <a:ln>
+                  <a:noFill/>
+                </a:ln>
+                <a:solidFill>
+                  <a:srgbClr val="000000"/>
+                </a:solidFill>
+                <a:effectLst/>
+                <a:latin typeface="Consolas" panose="020B0609020204030204" pitchFamily="49" charset="0"/>
+                <a:cs typeface="Consolas" panose="020B0609020204030204" pitchFamily="49" charset="0"/>
+              </a:rPr>
+              <a:t>&lt;</a:t>
+            </a:r>
+            <a:r>
+              <a:rPr kumimoji="0" lang="en-US" b="1" i="0" u="none" strike="noStrike" cap="none" normalizeH="0" baseline="0" dirty="0" smtClean="0">
+                <a:ln>
+                  <a:noFill/>
+                </a:ln>
+                <a:solidFill>
+                  <a:srgbClr val="006699"/>
+                </a:solidFill>
+                <a:effectLst/>
+                <a:latin typeface="Consolas" panose="020B0609020204030204" pitchFamily="49" charset="0"/>
+                <a:cs typeface="Consolas" panose="020B0609020204030204" pitchFamily="49" charset="0"/>
+              </a:rPr>
+              <a:t>tr</a:t>
+            </a:r>
+            <a:r>
+              <a:rPr kumimoji="0" lang="en-US" b="0" i="0" u="none" strike="noStrike" cap="none" normalizeH="0" baseline="0" dirty="0" smtClean="0">
+                <a:ln>
+                  <a:noFill/>
+                </a:ln>
+                <a:solidFill>
+                  <a:srgbClr val="000000"/>
+                </a:solidFill>
+                <a:effectLst/>
+                <a:latin typeface="Consolas" panose="020B0609020204030204" pitchFamily="49" charset="0"/>
+                <a:cs typeface="Consolas" panose="020B0609020204030204" pitchFamily="49" charset="0"/>
+              </a:rPr>
+              <a:t>&gt;</a:t>
+            </a:r>
+            <a:endParaRPr kumimoji="0" lang="en-US" b="0" i="0" u="none" strike="noStrike" cap="none" normalizeH="0" baseline="0" dirty="0" smtClean="0">
+              <a:ln>
+                <a:noFill/>
+              </a:ln>
+              <a:solidFill>
+                <a:schemeClr val="tx1"/>
+              </a:solidFill>
+              <a:effectLst/>
+            </a:endParaRPr>
+          </a:p>
+          <a:p>
+            <a:pPr marL="400050" lvl="1" indent="0" defTabSz="914400">
+              <a:buClrTx/>
+              <a:buSzTx/>
+              <a:buFontTx/>
+              <a:buNone/>
+            </a:pPr>
+            <a:r>
+              <a:rPr kumimoji="0" lang="en-US" b="0" i="0" u="none" strike="noStrike" cap="none" normalizeH="0" baseline="0" dirty="0" smtClean="0">
+                <a:ln>
+                  <a:noFill/>
+                </a:ln>
+                <a:solidFill>
+                  <a:srgbClr val="273239"/>
+                </a:solidFill>
+                <a:effectLst/>
+                <a:latin typeface="Consolas" panose="020B0609020204030204" pitchFamily="49" charset="0"/>
+                <a:cs typeface="Consolas" panose="020B0609020204030204" pitchFamily="49" charset="0"/>
+              </a:rPr>
+              <a:t>            </a:t>
+            </a:r>
+            <a:r>
+              <a:rPr kumimoji="0" lang="en-US" b="0" i="0" u="none" strike="noStrike" cap="none" normalizeH="0" baseline="0" dirty="0" smtClean="0">
+                <a:ln>
+                  <a:noFill/>
+                </a:ln>
+                <a:solidFill>
+                  <a:srgbClr val="000000"/>
+                </a:solidFill>
+                <a:effectLst/>
+                <a:latin typeface="Consolas" panose="020B0609020204030204" pitchFamily="49" charset="0"/>
+                <a:cs typeface="Consolas" panose="020B0609020204030204" pitchFamily="49" charset="0"/>
+              </a:rPr>
+              <a:t>&lt;</a:t>
+            </a:r>
+            <a:r>
+              <a:rPr kumimoji="0" lang="en-US" b="1" i="0" u="none" strike="noStrike" cap="none" normalizeH="0" baseline="0" dirty="0" smtClean="0">
+                <a:ln>
+                  <a:noFill/>
+                </a:ln>
+                <a:solidFill>
+                  <a:srgbClr val="006699"/>
+                </a:solidFill>
+                <a:effectLst/>
+                <a:latin typeface="Consolas" panose="020B0609020204030204" pitchFamily="49" charset="0"/>
+                <a:cs typeface="Consolas" panose="020B0609020204030204" pitchFamily="49" charset="0"/>
+              </a:rPr>
+              <a:t>td</a:t>
+            </a:r>
+            <a:r>
+              <a:rPr kumimoji="0" lang="en-US" b="0" i="0" u="none" strike="noStrike" cap="none" normalizeH="0" baseline="0" dirty="0" smtClean="0">
+                <a:ln>
+                  <a:noFill/>
+                </a:ln>
+                <a:solidFill>
+                  <a:srgbClr val="000000"/>
+                </a:solidFill>
+                <a:effectLst/>
+                <a:latin typeface="Consolas" panose="020B0609020204030204" pitchFamily="49" charset="0"/>
+                <a:cs typeface="Consolas" panose="020B0609020204030204" pitchFamily="49" charset="0"/>
+              </a:rPr>
+              <a:t>&gt;</a:t>
+            </a:r>
+            <a:r>
+              <a:rPr kumimoji="0" lang="en-US" b="0" i="0" u="none" strike="noStrike" cap="none" normalizeH="0" baseline="0" dirty="0" err="1" smtClean="0">
+                <a:ln>
+                  <a:noFill/>
+                </a:ln>
+                <a:solidFill>
+                  <a:srgbClr val="000000"/>
+                </a:solidFill>
+                <a:effectLst/>
+                <a:latin typeface="Consolas" panose="020B0609020204030204" pitchFamily="49" charset="0"/>
+                <a:cs typeface="Consolas" panose="020B0609020204030204" pitchFamily="49" charset="0"/>
+              </a:rPr>
+              <a:t>Komal</a:t>
+            </a:r>
+            <a:r>
+              <a:rPr kumimoji="0" lang="en-US" b="0" i="0" u="none" strike="noStrike" cap="none" normalizeH="0" baseline="0" dirty="0" smtClean="0">
+                <a:ln>
+                  <a:noFill/>
+                </a:ln>
+                <a:solidFill>
+                  <a:srgbClr val="000000"/>
+                </a:solidFill>
+                <a:effectLst/>
+                <a:latin typeface="Consolas" panose="020B0609020204030204" pitchFamily="49" charset="0"/>
+                <a:cs typeface="Consolas" panose="020B0609020204030204" pitchFamily="49" charset="0"/>
+              </a:rPr>
+              <a:t>&lt;/</a:t>
+            </a:r>
+            <a:r>
+              <a:rPr kumimoji="0" lang="en-US" b="1" i="0" u="none" strike="noStrike" cap="none" normalizeH="0" baseline="0" dirty="0" smtClean="0">
+                <a:ln>
+                  <a:noFill/>
+                </a:ln>
+                <a:solidFill>
+                  <a:srgbClr val="006699"/>
+                </a:solidFill>
+                <a:effectLst/>
+                <a:latin typeface="Consolas" panose="020B0609020204030204" pitchFamily="49" charset="0"/>
+                <a:cs typeface="Consolas" panose="020B0609020204030204" pitchFamily="49" charset="0"/>
+              </a:rPr>
+              <a:t>td</a:t>
+            </a:r>
+            <a:r>
+              <a:rPr kumimoji="0" lang="en-US" b="0" i="0" u="none" strike="noStrike" cap="none" normalizeH="0" baseline="0" dirty="0" smtClean="0">
+                <a:ln>
+                  <a:noFill/>
+                </a:ln>
+                <a:solidFill>
+                  <a:srgbClr val="000000"/>
+                </a:solidFill>
+                <a:effectLst/>
+                <a:latin typeface="Consolas" panose="020B0609020204030204" pitchFamily="49" charset="0"/>
+                <a:cs typeface="Consolas" panose="020B0609020204030204" pitchFamily="49" charset="0"/>
+              </a:rPr>
+              <a:t>&gt;</a:t>
+            </a:r>
+            <a:endParaRPr kumimoji="0" lang="en-US" b="0" i="0" u="none" strike="noStrike" cap="none" normalizeH="0" baseline="0" dirty="0" smtClean="0">
+              <a:ln>
+                <a:noFill/>
+              </a:ln>
+              <a:solidFill>
+                <a:schemeClr val="tx1"/>
+              </a:solidFill>
+              <a:effectLst/>
+            </a:endParaRPr>
+          </a:p>
+          <a:p>
+            <a:pPr marL="400050" lvl="1" indent="0" defTabSz="914400">
+              <a:buClrTx/>
+              <a:buSzTx/>
+              <a:buFontTx/>
+              <a:buNone/>
+            </a:pPr>
+            <a:r>
+              <a:rPr kumimoji="0" lang="en-US" b="0" i="0" u="none" strike="noStrike" cap="none" normalizeH="0" baseline="0" dirty="0" smtClean="0">
+                <a:ln>
+                  <a:noFill/>
+                </a:ln>
+                <a:solidFill>
+                  <a:srgbClr val="273239"/>
+                </a:solidFill>
+                <a:effectLst/>
+                <a:latin typeface="Consolas" panose="020B0609020204030204" pitchFamily="49" charset="0"/>
+                <a:cs typeface="Consolas" panose="020B0609020204030204" pitchFamily="49" charset="0"/>
+              </a:rPr>
+              <a:t>        </a:t>
+            </a:r>
+            <a:r>
+              <a:rPr kumimoji="0" lang="en-US" b="0" i="0" u="none" strike="noStrike" cap="none" normalizeH="0" baseline="0" dirty="0" smtClean="0">
+                <a:ln>
+                  <a:noFill/>
+                </a:ln>
+                <a:solidFill>
+                  <a:srgbClr val="000000"/>
+                </a:solidFill>
+                <a:effectLst/>
+                <a:latin typeface="Consolas" panose="020B0609020204030204" pitchFamily="49" charset="0"/>
+                <a:cs typeface="Consolas" panose="020B0609020204030204" pitchFamily="49" charset="0"/>
+              </a:rPr>
+              <a:t>&lt;/</a:t>
+            </a:r>
+            <a:r>
+              <a:rPr kumimoji="0" lang="en-US" b="1" i="0" u="none" strike="noStrike" cap="none" normalizeH="0" baseline="0" dirty="0" smtClean="0">
+                <a:ln>
+                  <a:noFill/>
+                </a:ln>
+                <a:solidFill>
+                  <a:srgbClr val="006699"/>
+                </a:solidFill>
+                <a:effectLst/>
+                <a:latin typeface="Consolas" panose="020B0609020204030204" pitchFamily="49" charset="0"/>
+                <a:cs typeface="Consolas" panose="020B0609020204030204" pitchFamily="49" charset="0"/>
+              </a:rPr>
+              <a:t>tr</a:t>
+            </a:r>
+            <a:r>
+              <a:rPr kumimoji="0" lang="en-US" b="0" i="0" u="none" strike="noStrike" cap="none" normalizeH="0" baseline="0" dirty="0" smtClean="0">
+                <a:ln>
+                  <a:noFill/>
+                </a:ln>
+                <a:solidFill>
+                  <a:srgbClr val="000000"/>
+                </a:solidFill>
+                <a:effectLst/>
+                <a:latin typeface="Consolas" panose="020B0609020204030204" pitchFamily="49" charset="0"/>
+                <a:cs typeface="Consolas" panose="020B0609020204030204" pitchFamily="49" charset="0"/>
+              </a:rPr>
+              <a:t>&gt;</a:t>
+            </a:r>
+            <a:endParaRPr kumimoji="0" lang="en-US" b="0" i="0" u="none" strike="noStrike" cap="none" normalizeH="0" baseline="0" dirty="0" smtClean="0">
+              <a:ln>
+                <a:noFill/>
+              </a:ln>
+              <a:solidFill>
+                <a:schemeClr val="tx1"/>
+              </a:solidFill>
+              <a:effectLst/>
+            </a:endParaRPr>
+          </a:p>
+          <a:p>
+            <a:pPr marL="400050" lvl="1" indent="0" defTabSz="914400">
+              <a:buClrTx/>
+              <a:buSzTx/>
+              <a:buFontTx/>
+              <a:buNone/>
+            </a:pPr>
+            <a:r>
+              <a:rPr kumimoji="0" lang="en-US" b="0" i="0" u="none" strike="noStrike" cap="none" normalizeH="0" baseline="0" dirty="0" smtClean="0">
+                <a:ln>
+                  <a:noFill/>
+                </a:ln>
+                <a:solidFill>
+                  <a:srgbClr val="273239"/>
+                </a:solidFill>
+                <a:effectLst/>
+                <a:latin typeface="Consolas" panose="020B0609020204030204" pitchFamily="49" charset="0"/>
+                <a:cs typeface="Consolas" panose="020B0609020204030204" pitchFamily="49" charset="0"/>
+              </a:rPr>
+              <a:t>    </a:t>
+            </a:r>
+            <a:r>
+              <a:rPr kumimoji="0" lang="en-US" b="0" i="0" u="none" strike="noStrike" cap="none" normalizeH="0" baseline="0" dirty="0" smtClean="0">
+                <a:ln>
+                  <a:noFill/>
+                </a:ln>
+                <a:solidFill>
+                  <a:srgbClr val="000000"/>
+                </a:solidFill>
+                <a:effectLst/>
+                <a:latin typeface="Consolas" panose="020B0609020204030204" pitchFamily="49" charset="0"/>
+                <a:cs typeface="Consolas" panose="020B0609020204030204" pitchFamily="49" charset="0"/>
+              </a:rPr>
+              <a:t>&lt;/</a:t>
+            </a:r>
+            <a:r>
+              <a:rPr kumimoji="0" lang="en-US" b="1" i="0" u="none" strike="noStrike" cap="none" normalizeH="0" baseline="0" dirty="0" smtClean="0">
+                <a:ln>
+                  <a:noFill/>
+                </a:ln>
+                <a:solidFill>
+                  <a:srgbClr val="006699"/>
+                </a:solidFill>
+                <a:effectLst/>
+                <a:latin typeface="Consolas" panose="020B0609020204030204" pitchFamily="49" charset="0"/>
+                <a:cs typeface="Consolas" panose="020B0609020204030204" pitchFamily="49" charset="0"/>
+              </a:rPr>
+              <a:t>table</a:t>
+            </a:r>
+            <a:r>
+              <a:rPr kumimoji="0" lang="en-US" b="0" i="0" u="none" strike="noStrike" cap="none" normalizeH="0" baseline="0" dirty="0" smtClean="0">
+                <a:ln>
+                  <a:noFill/>
+                </a:ln>
+                <a:solidFill>
+                  <a:srgbClr val="000000"/>
+                </a:solidFill>
+                <a:effectLst/>
+                <a:latin typeface="Consolas" panose="020B0609020204030204" pitchFamily="49" charset="0"/>
+                <a:cs typeface="Consolas" panose="020B0609020204030204" pitchFamily="49" charset="0"/>
+              </a:rPr>
+              <a:t>&gt;</a:t>
+            </a:r>
+            <a:endParaRPr kumimoji="0" lang="en-US" b="0" i="0" u="none" strike="noStrike" cap="none" normalizeH="0" baseline="0" dirty="0" smtClean="0">
+              <a:ln>
+                <a:noFill/>
+              </a:ln>
+              <a:solidFill>
+                <a:schemeClr val="tx1"/>
+              </a:solidFill>
+              <a:effectLst/>
+            </a:endParaRPr>
+          </a:p>
+        </p:txBody>
+      </p:sp>
+      <p:pic>
+        <p:nvPicPr>
+          <p:cNvPr id="5" name="Picture 4"/>
+          <p:cNvPicPr>
+            <a:picLocks noChangeAspect="1"/>
+          </p:cNvPicPr>
+          <p:nvPr/>
+        </p:nvPicPr>
+        <p:blipFill>
+          <a:blip r:embed="rId2"/>
+          <a:stretch>
+            <a:fillRect/>
+          </a:stretch>
+        </p:blipFill>
+        <p:spPr>
+          <a:xfrm>
+            <a:off x="4763103" y="5258269"/>
+            <a:ext cx="1609725" cy="1209675"/>
+          </a:xfrm>
+          <a:prstGeom prst="rect">
+            <a:avLst/>
+          </a:prstGeom>
+        </p:spPr>
+      </p:pic>
+    </p:spTree>
+    <p:extLst>
+      <p:ext uri="{BB962C8B-B14F-4D97-AF65-F5344CB8AC3E}">
+        <p14:creationId xmlns:p14="http://schemas.microsoft.com/office/powerpoint/2010/main" val="271954439"/>
+      </p:ext>
+    </p:extLst>
+  </p:cSld>
+  <p:clrMapOvr>
+    <a:masterClrMapping/>
+  </p:clrMapOvr>
+</p:sld>
+</file>
+
+<file path=ppt/slides/slide44.xml><?xml version="1.0" encoding="utf-8"?>
+<p:sld xmlns:a="http://schemas.openxmlformats.org/drawingml/2006/main" xmlns:r="http://schemas.openxmlformats.org/officeDocument/2006/relationships" xmlns:p="http://schemas.openxmlformats.org/presentationml/2006/main">
+  <p:cSld>
+    <p:bg>
+      <p:bgPr>
+        <a:noFill/>
+        <a:effectLst/>
+      </p:bgPr>
+    </p:bg>
+    <p:spTree>
+      <p:nvGrpSpPr>
+        <p:cNvPr id="1" name=""/>
+        <p:cNvGrpSpPr/>
+        <p:nvPr/>
+      </p:nvGrpSpPr>
+      <p:grpSpPr>
+        <a:xfrm>
+          <a:off x="0" y="0"/>
+          <a:ext cx="0" cy="0"/>
+          <a:chOff x="0" y="0"/>
+          <a:chExt cx="0" cy="0"/>
+        </a:xfrm>
+      </p:grpSpPr>
+      <p:sp>
+        <p:nvSpPr>
+          <p:cNvPr id="2" name="Title 1"/>
+          <p:cNvSpPr>
+            <a:spLocks noGrp="1"/>
+          </p:cNvSpPr>
+          <p:nvPr>
+            <p:ph type="title"/>
+          </p:nvPr>
+        </p:nvSpPr>
+        <p:spPr/>
+        <p:txBody>
+          <a:bodyPr/>
+          <a:lstStyle/>
+          <a:p>
+            <a:r>
+              <a:rPr lang="en-US" dirty="0"/>
+              <a:t>Example of </a:t>
+            </a:r>
+            <a:r>
+              <a:rPr lang="en-US" dirty="0" smtClean="0"/>
+              <a:t>colspan</a:t>
+            </a:r>
+            <a:endParaRPr lang="en-US" dirty="0"/>
+          </a:p>
+        </p:txBody>
+      </p:sp>
+      <p:sp>
+        <p:nvSpPr>
+          <p:cNvPr id="4" name="Rectangle 2"/>
+          <p:cNvSpPr>
+            <a:spLocks noGrp="1" noChangeArrowheads="1"/>
+          </p:cNvSpPr>
+          <p:nvPr>
+            <p:ph idx="1"/>
+          </p:nvPr>
+        </p:nvSpPr>
+        <p:spPr bwMode="auto">
+          <a:xfrm>
+            <a:off x="831880" y="1391555"/>
+            <a:ext cx="4372992" cy="4955203"/>
+          </a:xfrm>
+          <a:prstGeom prst="rect">
+            <a:avLst/>
+          </a:prstGeom>
+          <a:noFill/>
+          <a:ln>
+            <a:noFill/>
+          </a:ln>
+          <a:effectLst/>
+          <a:extLst>
+            <a:ext uri="{909E8E84-426E-40DD-AFC4-6F175D3DCCD1}">
+              <a14:hiddenFill xmlns:a14="http://schemas.microsoft.com/office/drawing/2010/main">
+                <a:solidFill>
+                  <a:schemeClr val="accent1"/>
+                </a:solidFill>
+              </a14:hiddenFill>
+            </a:ext>
+            <a:ext uri="{91240B29-F687-4F45-9708-019B960494DF}">
+              <a14:hiddenLine xmlns:a14="http://schemas.microsoft.com/office/drawing/2010/main" w="9525">
+                <a:solidFill>
+                  <a:schemeClr val="tx1"/>
+                </a:solidFill>
+                <a:miter lim="800000"/>
+                <a:headEnd/>
+                <a:tailEnd/>
+              </a14:hiddenLine>
+            </a:ext>
+            <a:ext uri="{AF507438-7753-43E0-B8FC-AC1667EBCBE1}">
+              <a14:hiddenEffects xmlns:a14="http://schemas.microsoft.com/office/drawing/2010/main">
+                <a:effectLst>
+                  <a:outerShdw dist="35921" dir="2700000" algn="ctr" rotWithShape="0">
+                    <a:schemeClr val="bg2"/>
+                  </a:outerShdw>
+                </a:effectLst>
+              </a14:hiddenEffects>
+            </a:ext>
+          </a:extLst>
+        </p:spPr>
+        <p:txBody>
+          <a:bodyPr vert="horz" wrap="none" lIns="0" tIns="0" rIns="0" bIns="0" numCol="1" anchor="ctr" anchorCtr="0" compatLnSpc="1">
+            <a:prstTxWarp prst="textNoShape">
+              <a:avLst/>
+            </a:prstTxWarp>
+            <a:spAutoFit/>
+          </a:bodyPr>
+          <a:lstStyle>
+            <a:lvl1pPr eaLnBrk="0" fontAlgn="base" hangingPunct="0">
+              <a:spcBef>
+                <a:spcPct val="0"/>
+              </a:spcBef>
+              <a:spcAft>
+                <a:spcPct val="0"/>
+              </a:spcAft>
+              <a:defRPr>
+                <a:solidFill>
+                  <a:schemeClr val="tx1"/>
+                </a:solidFill>
+                <a:latin typeface="Arial" panose="020B0604020202020204" pitchFamily="34" charset="0"/>
+              </a:defRPr>
+            </a:lvl1pPr>
+            <a:lvl2pPr eaLnBrk="0" fontAlgn="base" hangingPunct="0">
+              <a:spcBef>
+                <a:spcPct val="0"/>
+              </a:spcBef>
+              <a:spcAft>
+                <a:spcPct val="0"/>
+              </a:spcAft>
+              <a:defRPr>
+                <a:solidFill>
+                  <a:schemeClr val="tx1"/>
+                </a:solidFill>
+                <a:latin typeface="Arial" panose="020B0604020202020204" pitchFamily="34" charset="0"/>
+              </a:defRPr>
+            </a:lvl2pPr>
+            <a:lvl3pPr eaLnBrk="0" fontAlgn="base" hangingPunct="0">
+              <a:spcBef>
+                <a:spcPct val="0"/>
+              </a:spcBef>
+              <a:spcAft>
+                <a:spcPct val="0"/>
+              </a:spcAft>
+              <a:defRPr>
+                <a:solidFill>
+                  <a:schemeClr val="tx1"/>
+                </a:solidFill>
+                <a:latin typeface="Arial" panose="020B0604020202020204" pitchFamily="34" charset="0"/>
+              </a:defRPr>
+            </a:lvl3pPr>
+            <a:lvl4pPr eaLnBrk="0" fontAlgn="base" hangingPunct="0">
+              <a:spcBef>
+                <a:spcPct val="0"/>
+              </a:spcBef>
+              <a:spcAft>
+                <a:spcPct val="0"/>
+              </a:spcAft>
+              <a:defRPr>
+                <a:solidFill>
+                  <a:schemeClr val="tx1"/>
+                </a:solidFill>
+                <a:latin typeface="Arial" panose="020B0604020202020204" pitchFamily="34" charset="0"/>
+              </a:defRPr>
+            </a:lvl4pPr>
+            <a:lvl5pPr eaLnBrk="0" fontAlgn="base" hangingPunct="0">
+              <a:spcBef>
+                <a:spcPct val="0"/>
+              </a:spcBef>
+              <a:spcAft>
+                <a:spcPct val="0"/>
+              </a:spcAft>
+              <a:defRPr>
+                <a:solidFill>
+                  <a:schemeClr val="tx1"/>
+                </a:solidFill>
+                <a:latin typeface="Arial" panose="020B0604020202020204" pitchFamily="34" charset="0"/>
+              </a:defRPr>
+            </a:lvl5pPr>
+            <a:lvl6pPr eaLnBrk="0" fontAlgn="base" hangingPunct="0">
+              <a:spcBef>
+                <a:spcPct val="0"/>
+              </a:spcBef>
+              <a:spcAft>
+                <a:spcPct val="0"/>
+              </a:spcAft>
+              <a:defRPr>
+                <a:solidFill>
+                  <a:schemeClr val="tx1"/>
+                </a:solidFill>
+                <a:latin typeface="Arial" panose="020B0604020202020204" pitchFamily="34" charset="0"/>
+              </a:defRPr>
+            </a:lvl6pPr>
+            <a:lvl7pPr eaLnBrk="0" fontAlgn="base" hangingPunct="0">
+              <a:spcBef>
+                <a:spcPct val="0"/>
+              </a:spcBef>
+              <a:spcAft>
+                <a:spcPct val="0"/>
+              </a:spcAft>
+              <a:defRPr>
+                <a:solidFill>
+                  <a:schemeClr val="tx1"/>
+                </a:solidFill>
+                <a:latin typeface="Arial" panose="020B0604020202020204" pitchFamily="34" charset="0"/>
+              </a:defRPr>
+            </a:lvl7pPr>
+            <a:lvl8pPr eaLnBrk="0" fontAlgn="base" hangingPunct="0">
+              <a:spcBef>
+                <a:spcPct val="0"/>
+              </a:spcBef>
+              <a:spcAft>
+                <a:spcPct val="0"/>
+              </a:spcAft>
+              <a:defRPr>
+                <a:solidFill>
+                  <a:schemeClr val="tx1"/>
+                </a:solidFill>
+                <a:latin typeface="Arial" panose="020B0604020202020204" pitchFamily="34" charset="0"/>
+              </a:defRPr>
+            </a:lvl8pPr>
+            <a:lvl9pPr eaLnBrk="0" fontAlgn="base" hangingPunct="0">
+              <a:spcBef>
+                <a:spcPct val="0"/>
+              </a:spcBef>
+              <a:spcAft>
+                <a:spcPct val="0"/>
+              </a:spcAft>
+              <a:defRPr>
+                <a:solidFill>
+                  <a:schemeClr val="tx1"/>
+                </a:solidFill>
+                <a:latin typeface="Arial" panose="020B0604020202020204" pitchFamily="34" charset="0"/>
+              </a:defRPr>
+            </a:lvl9pPr>
+          </a:lstStyle>
+          <a:p>
+            <a:pPr marL="0" marR="0" lvl="0" indent="0" algn="l" defTabSz="914400" rtl="0" eaLnBrk="0" fontAlgn="base" latinLnBrk="0" hangingPunct="0">
+              <a:lnSpc>
+                <a:spcPct val="100000"/>
+              </a:lnSpc>
+              <a:spcBef>
+                <a:spcPct val="0"/>
+              </a:spcBef>
+              <a:spcAft>
+                <a:spcPct val="0"/>
+              </a:spcAft>
+              <a:buClrTx/>
+              <a:buSzTx/>
+              <a:buFontTx/>
+              <a:buNone/>
+              <a:tabLst/>
+            </a:pPr>
+            <a:r>
+              <a:rPr kumimoji="0" lang="en-US" sz="1400" b="0" i="0" u="none" strike="noStrike" cap="none" normalizeH="0" baseline="0" dirty="0" smtClean="0">
+                <a:ln>
+                  <a:noFill/>
+                </a:ln>
+                <a:solidFill>
+                  <a:srgbClr val="000000"/>
+                </a:solidFill>
+                <a:effectLst/>
+                <a:latin typeface="Consolas" panose="020B0609020204030204" pitchFamily="49" charset="0"/>
+                <a:cs typeface="Consolas" panose="020B0609020204030204" pitchFamily="49" charset="0"/>
+              </a:rPr>
+              <a:t>&lt;</a:t>
+            </a:r>
+            <a:r>
+              <a:rPr kumimoji="0" lang="en-US" sz="1400" b="1" i="0" u="none" strike="noStrike" cap="none" normalizeH="0" baseline="0" dirty="0" smtClean="0">
+                <a:ln>
+                  <a:noFill/>
+                </a:ln>
+                <a:solidFill>
+                  <a:srgbClr val="006699"/>
+                </a:solidFill>
+                <a:effectLst/>
+                <a:latin typeface="Consolas" panose="020B0609020204030204" pitchFamily="49" charset="0"/>
+                <a:cs typeface="Consolas" panose="020B0609020204030204" pitchFamily="49" charset="0"/>
+              </a:rPr>
+              <a:t>table align=“center”</a:t>
+            </a:r>
+            <a:r>
+              <a:rPr kumimoji="0" lang="en-US" sz="1400" b="0" i="0" u="none" strike="noStrike" cap="none" normalizeH="0" baseline="0" dirty="0" smtClean="0">
+                <a:ln>
+                  <a:noFill/>
+                </a:ln>
+                <a:solidFill>
+                  <a:srgbClr val="000000"/>
+                </a:solidFill>
+                <a:effectLst/>
+                <a:latin typeface="Consolas" panose="020B0609020204030204" pitchFamily="49" charset="0"/>
+                <a:cs typeface="Consolas" panose="020B0609020204030204" pitchFamily="49" charset="0"/>
+              </a:rPr>
+              <a:t>&gt;</a:t>
+            </a:r>
+            <a:endParaRPr kumimoji="0" lang="en-US" sz="1400" b="0" i="0" u="none" strike="noStrike" cap="none" normalizeH="0" baseline="0" dirty="0" smtClean="0">
+              <a:ln>
+                <a:noFill/>
+              </a:ln>
+              <a:solidFill>
+                <a:schemeClr val="tx1"/>
+              </a:solidFill>
+              <a:effectLst/>
+            </a:endParaRPr>
+          </a:p>
+          <a:p>
+            <a:pPr marL="0" marR="0" lvl="0" indent="0" algn="l" defTabSz="914400" rtl="0" eaLnBrk="0" fontAlgn="base" latinLnBrk="0" hangingPunct="0">
+              <a:lnSpc>
+                <a:spcPct val="100000"/>
+              </a:lnSpc>
+              <a:spcBef>
+                <a:spcPct val="0"/>
+              </a:spcBef>
+              <a:spcAft>
+                <a:spcPct val="0"/>
+              </a:spcAft>
+              <a:buClrTx/>
+              <a:buSzTx/>
+              <a:buFontTx/>
+              <a:buNone/>
+              <a:tabLst/>
+            </a:pPr>
+            <a:r>
+              <a:rPr kumimoji="0" lang="en-US" sz="1400" b="0" i="0" u="none" strike="noStrike" cap="none" normalizeH="0" baseline="0" dirty="0" smtClean="0">
+                <a:ln>
+                  <a:noFill/>
+                </a:ln>
+                <a:solidFill>
+                  <a:srgbClr val="273239"/>
+                </a:solidFill>
+                <a:effectLst/>
+                <a:latin typeface="Consolas" panose="020B0609020204030204" pitchFamily="49" charset="0"/>
+                <a:cs typeface="Consolas" panose="020B0609020204030204" pitchFamily="49" charset="0"/>
+              </a:rPr>
+              <a:t>            </a:t>
+            </a:r>
+            <a:r>
+              <a:rPr kumimoji="0" lang="en-US" sz="1400" b="0" i="0" u="none" strike="noStrike" cap="none" normalizeH="0" baseline="0" dirty="0" smtClean="0">
+                <a:ln>
+                  <a:noFill/>
+                </a:ln>
+                <a:solidFill>
+                  <a:srgbClr val="000000"/>
+                </a:solidFill>
+                <a:effectLst/>
+                <a:latin typeface="Consolas" panose="020B0609020204030204" pitchFamily="49" charset="0"/>
+                <a:cs typeface="Consolas" panose="020B0609020204030204" pitchFamily="49" charset="0"/>
+              </a:rPr>
+              <a:t>&lt;</a:t>
+            </a:r>
+            <a:r>
+              <a:rPr kumimoji="0" lang="en-US" sz="1400" b="1" i="0" u="none" strike="noStrike" cap="none" normalizeH="0" baseline="0" dirty="0" smtClean="0">
+                <a:ln>
+                  <a:noFill/>
+                </a:ln>
+                <a:solidFill>
+                  <a:srgbClr val="006699"/>
+                </a:solidFill>
+                <a:effectLst/>
+                <a:latin typeface="Consolas" panose="020B0609020204030204" pitchFamily="49" charset="0"/>
+                <a:cs typeface="Consolas" panose="020B0609020204030204" pitchFamily="49" charset="0"/>
+              </a:rPr>
+              <a:t>tr</a:t>
+            </a:r>
+            <a:r>
+              <a:rPr kumimoji="0" lang="en-US" sz="1400" b="0" i="0" u="none" strike="noStrike" cap="none" normalizeH="0" baseline="0" dirty="0" smtClean="0">
+                <a:ln>
+                  <a:noFill/>
+                </a:ln>
+                <a:solidFill>
+                  <a:srgbClr val="000000"/>
+                </a:solidFill>
+                <a:effectLst/>
+                <a:latin typeface="Consolas" panose="020B0609020204030204" pitchFamily="49" charset="0"/>
+                <a:cs typeface="Consolas" panose="020B0609020204030204" pitchFamily="49" charset="0"/>
+              </a:rPr>
+              <a:t>&gt;</a:t>
+            </a:r>
+            <a:endParaRPr kumimoji="0" lang="en-US" sz="1400" b="0" i="0" u="none" strike="noStrike" cap="none" normalizeH="0" baseline="0" dirty="0" smtClean="0">
+              <a:ln>
+                <a:noFill/>
+              </a:ln>
+              <a:solidFill>
+                <a:schemeClr val="tx1"/>
+              </a:solidFill>
+              <a:effectLst/>
+            </a:endParaRPr>
+          </a:p>
+          <a:p>
+            <a:pPr marL="0" marR="0" lvl="0" indent="0" algn="l" defTabSz="914400" rtl="0" eaLnBrk="0" fontAlgn="base" latinLnBrk="0" hangingPunct="0">
+              <a:lnSpc>
+                <a:spcPct val="100000"/>
+              </a:lnSpc>
+              <a:spcBef>
+                <a:spcPct val="0"/>
+              </a:spcBef>
+              <a:spcAft>
+                <a:spcPct val="0"/>
+              </a:spcAft>
+              <a:buClrTx/>
+              <a:buSzTx/>
+              <a:buFontTx/>
+              <a:buNone/>
+              <a:tabLst/>
+            </a:pPr>
+            <a:r>
+              <a:rPr kumimoji="0" lang="en-US" sz="1400" b="0" i="0" u="none" strike="noStrike" cap="none" normalizeH="0" baseline="0" dirty="0" smtClean="0">
+                <a:ln>
+                  <a:noFill/>
+                </a:ln>
+                <a:solidFill>
+                  <a:srgbClr val="273239"/>
+                </a:solidFill>
+                <a:effectLst/>
+                <a:latin typeface="Consolas" panose="020B0609020204030204" pitchFamily="49" charset="0"/>
+                <a:cs typeface="Consolas" panose="020B0609020204030204" pitchFamily="49" charset="0"/>
+              </a:rPr>
+              <a:t>                </a:t>
+            </a:r>
+            <a:r>
+              <a:rPr kumimoji="0" lang="en-US" sz="1400" b="0" i="0" u="none" strike="noStrike" cap="none" normalizeH="0" baseline="0" dirty="0" smtClean="0">
+                <a:ln>
+                  <a:noFill/>
+                </a:ln>
+                <a:solidFill>
+                  <a:srgbClr val="000000"/>
+                </a:solidFill>
+                <a:effectLst/>
+                <a:latin typeface="Consolas" panose="020B0609020204030204" pitchFamily="49" charset="0"/>
+                <a:cs typeface="Consolas" panose="020B0609020204030204" pitchFamily="49" charset="0"/>
+              </a:rPr>
+              <a:t>&lt;</a:t>
+            </a:r>
+            <a:r>
+              <a:rPr kumimoji="0" lang="en-US" sz="1400" b="1" i="0" u="none" strike="noStrike" cap="none" normalizeH="0" baseline="0" dirty="0" smtClean="0">
+                <a:ln>
+                  <a:noFill/>
+                </a:ln>
+                <a:solidFill>
+                  <a:srgbClr val="006699"/>
+                </a:solidFill>
+                <a:effectLst/>
+                <a:latin typeface="Consolas" panose="020B0609020204030204" pitchFamily="49" charset="0"/>
+                <a:cs typeface="Consolas" panose="020B0609020204030204" pitchFamily="49" charset="0"/>
+              </a:rPr>
+              <a:t>th</a:t>
+            </a:r>
+            <a:r>
+              <a:rPr kumimoji="0" lang="en-US" sz="1400" b="0" i="0" u="none" strike="noStrike" cap="none" normalizeH="0" baseline="0" dirty="0" smtClean="0">
+                <a:ln>
+                  <a:noFill/>
+                </a:ln>
+                <a:solidFill>
+                  <a:srgbClr val="000000"/>
+                </a:solidFill>
+                <a:effectLst/>
+                <a:latin typeface="Consolas" panose="020B0609020204030204" pitchFamily="49" charset="0"/>
+                <a:cs typeface="Consolas" panose="020B0609020204030204" pitchFamily="49" charset="0"/>
+              </a:rPr>
+              <a:t>&gt;Name&lt;/</a:t>
+            </a:r>
+            <a:r>
+              <a:rPr kumimoji="0" lang="en-US" sz="1400" b="1" i="0" u="none" strike="noStrike" cap="none" normalizeH="0" baseline="0" dirty="0" smtClean="0">
+                <a:ln>
+                  <a:noFill/>
+                </a:ln>
+                <a:solidFill>
+                  <a:srgbClr val="006699"/>
+                </a:solidFill>
+                <a:effectLst/>
+                <a:latin typeface="Consolas" panose="020B0609020204030204" pitchFamily="49" charset="0"/>
+                <a:cs typeface="Consolas" panose="020B0609020204030204" pitchFamily="49" charset="0"/>
+              </a:rPr>
+              <a:t>th</a:t>
+            </a:r>
+            <a:r>
+              <a:rPr kumimoji="0" lang="en-US" sz="1400" b="0" i="0" u="none" strike="noStrike" cap="none" normalizeH="0" baseline="0" dirty="0" smtClean="0">
+                <a:ln>
+                  <a:noFill/>
+                </a:ln>
+                <a:solidFill>
+                  <a:srgbClr val="000000"/>
+                </a:solidFill>
+                <a:effectLst/>
+                <a:latin typeface="Consolas" panose="020B0609020204030204" pitchFamily="49" charset="0"/>
+                <a:cs typeface="Consolas" panose="020B0609020204030204" pitchFamily="49" charset="0"/>
+              </a:rPr>
+              <a:t>&gt;</a:t>
+            </a:r>
+            <a:endParaRPr kumimoji="0" lang="en-US" sz="1400" b="0" i="0" u="none" strike="noStrike" cap="none" normalizeH="0" baseline="0" dirty="0" smtClean="0">
+              <a:ln>
+                <a:noFill/>
+              </a:ln>
+              <a:solidFill>
+                <a:schemeClr val="tx1"/>
+              </a:solidFill>
+              <a:effectLst/>
+            </a:endParaRPr>
+          </a:p>
+          <a:p>
+            <a:pPr marL="0" marR="0" lvl="0" indent="0" algn="l" defTabSz="914400" rtl="0" eaLnBrk="0" fontAlgn="base" latinLnBrk="0" hangingPunct="0">
+              <a:lnSpc>
+                <a:spcPct val="100000"/>
+              </a:lnSpc>
+              <a:spcBef>
+                <a:spcPct val="0"/>
+              </a:spcBef>
+              <a:spcAft>
+                <a:spcPct val="0"/>
+              </a:spcAft>
+              <a:buClrTx/>
+              <a:buSzTx/>
+              <a:buFontTx/>
+              <a:buNone/>
+              <a:tabLst/>
+            </a:pPr>
+            <a:r>
+              <a:rPr kumimoji="0" lang="en-US" sz="1400" b="0" i="0" u="none" strike="noStrike" cap="none" normalizeH="0" baseline="0" dirty="0" smtClean="0">
+                <a:ln>
+                  <a:noFill/>
+                </a:ln>
+                <a:solidFill>
+                  <a:srgbClr val="273239"/>
+                </a:solidFill>
+                <a:effectLst/>
+                <a:latin typeface="Consolas" panose="020B0609020204030204" pitchFamily="49" charset="0"/>
+                <a:cs typeface="Consolas" panose="020B0609020204030204" pitchFamily="49" charset="0"/>
+              </a:rPr>
+              <a:t>                </a:t>
+            </a:r>
+            <a:r>
+              <a:rPr kumimoji="0" lang="en-US" sz="1400" b="0" i="0" u="none" strike="noStrike" cap="none" normalizeH="0" baseline="0" dirty="0" smtClean="0">
+                <a:ln>
+                  <a:noFill/>
+                </a:ln>
+                <a:solidFill>
+                  <a:srgbClr val="000000"/>
+                </a:solidFill>
+                <a:effectLst/>
+                <a:latin typeface="Consolas" panose="020B0609020204030204" pitchFamily="49" charset="0"/>
+                <a:cs typeface="Consolas" panose="020B0609020204030204" pitchFamily="49" charset="0"/>
+              </a:rPr>
+              <a:t>&lt;</a:t>
+            </a:r>
+            <a:r>
+              <a:rPr kumimoji="0" lang="en-US" sz="1400" b="1" i="0" u="none" strike="noStrike" cap="none" normalizeH="0" baseline="0" dirty="0" smtClean="0">
+                <a:ln>
+                  <a:noFill/>
+                </a:ln>
+                <a:solidFill>
+                  <a:srgbClr val="006699"/>
+                </a:solidFill>
+                <a:effectLst/>
+                <a:latin typeface="Consolas" panose="020B0609020204030204" pitchFamily="49" charset="0"/>
+                <a:cs typeface="Consolas" panose="020B0609020204030204" pitchFamily="49" charset="0"/>
+              </a:rPr>
+              <a:t>th</a:t>
+            </a:r>
+            <a:r>
+              <a:rPr kumimoji="0" lang="en-US" sz="1400" b="0" i="0" u="none" strike="noStrike" cap="none" normalizeH="0" baseline="0" dirty="0" smtClean="0">
+                <a:ln>
+                  <a:noFill/>
+                </a:ln>
+                <a:solidFill>
+                  <a:srgbClr val="000000"/>
+                </a:solidFill>
+                <a:effectLst/>
+                <a:latin typeface="Consolas" panose="020B0609020204030204" pitchFamily="49" charset="0"/>
+                <a:cs typeface="Consolas" panose="020B0609020204030204" pitchFamily="49" charset="0"/>
+              </a:rPr>
+              <a:t>&gt;Marks&lt;/</a:t>
+            </a:r>
+            <a:r>
+              <a:rPr kumimoji="0" lang="en-US" sz="1400" b="1" i="0" u="none" strike="noStrike" cap="none" normalizeH="0" baseline="0" dirty="0" smtClean="0">
+                <a:ln>
+                  <a:noFill/>
+                </a:ln>
+                <a:solidFill>
+                  <a:srgbClr val="006699"/>
+                </a:solidFill>
+                <a:effectLst/>
+                <a:latin typeface="Consolas" panose="020B0609020204030204" pitchFamily="49" charset="0"/>
+                <a:cs typeface="Consolas" panose="020B0609020204030204" pitchFamily="49" charset="0"/>
+              </a:rPr>
+              <a:t>th</a:t>
+            </a:r>
+            <a:r>
+              <a:rPr kumimoji="0" lang="en-US" sz="1400" b="0" i="0" u="none" strike="noStrike" cap="none" normalizeH="0" baseline="0" dirty="0" smtClean="0">
+                <a:ln>
+                  <a:noFill/>
+                </a:ln>
+                <a:solidFill>
+                  <a:srgbClr val="000000"/>
+                </a:solidFill>
+                <a:effectLst/>
+                <a:latin typeface="Consolas" panose="020B0609020204030204" pitchFamily="49" charset="0"/>
+                <a:cs typeface="Consolas" panose="020B0609020204030204" pitchFamily="49" charset="0"/>
+              </a:rPr>
+              <a:t>&gt;</a:t>
+            </a:r>
+            <a:endParaRPr kumimoji="0" lang="en-US" sz="1400" b="0" i="0" u="none" strike="noStrike" cap="none" normalizeH="0" baseline="0" dirty="0" smtClean="0">
+              <a:ln>
+                <a:noFill/>
+              </a:ln>
+              <a:solidFill>
+                <a:schemeClr val="tx1"/>
+              </a:solidFill>
+              <a:effectLst/>
+            </a:endParaRPr>
+          </a:p>
+          <a:p>
+            <a:pPr marL="0" marR="0" lvl="0" indent="0" algn="l" defTabSz="914400" rtl="0" eaLnBrk="0" fontAlgn="base" latinLnBrk="0" hangingPunct="0">
+              <a:lnSpc>
+                <a:spcPct val="100000"/>
+              </a:lnSpc>
+              <a:spcBef>
+                <a:spcPct val="0"/>
+              </a:spcBef>
+              <a:spcAft>
+                <a:spcPct val="0"/>
+              </a:spcAft>
+              <a:buClrTx/>
+              <a:buSzTx/>
+              <a:buFontTx/>
+              <a:buNone/>
+              <a:tabLst/>
+            </a:pPr>
+            <a:r>
+              <a:rPr kumimoji="0" lang="en-US" sz="1400" b="0" i="0" u="none" strike="noStrike" cap="none" normalizeH="0" baseline="0" dirty="0" smtClean="0">
+                <a:ln>
+                  <a:noFill/>
+                </a:ln>
+                <a:solidFill>
+                  <a:srgbClr val="273239"/>
+                </a:solidFill>
+                <a:effectLst/>
+                <a:latin typeface="Consolas" panose="020B0609020204030204" pitchFamily="49" charset="0"/>
+                <a:cs typeface="Consolas" panose="020B0609020204030204" pitchFamily="49" charset="0"/>
+              </a:rPr>
+              <a:t>            </a:t>
+            </a:r>
+            <a:r>
+              <a:rPr kumimoji="0" lang="en-US" sz="1400" b="0" i="0" u="none" strike="noStrike" cap="none" normalizeH="0" baseline="0" dirty="0" smtClean="0">
+                <a:ln>
+                  <a:noFill/>
+                </a:ln>
+                <a:solidFill>
+                  <a:srgbClr val="000000"/>
+                </a:solidFill>
+                <a:effectLst/>
+                <a:latin typeface="Consolas" panose="020B0609020204030204" pitchFamily="49" charset="0"/>
+                <a:cs typeface="Consolas" panose="020B0609020204030204" pitchFamily="49" charset="0"/>
+              </a:rPr>
+              <a:t>&lt;/</a:t>
+            </a:r>
+            <a:r>
+              <a:rPr kumimoji="0" lang="en-US" sz="1400" b="1" i="0" u="none" strike="noStrike" cap="none" normalizeH="0" baseline="0" dirty="0" smtClean="0">
+                <a:ln>
+                  <a:noFill/>
+                </a:ln>
+                <a:solidFill>
+                  <a:srgbClr val="006699"/>
+                </a:solidFill>
+                <a:effectLst/>
+                <a:latin typeface="Consolas" panose="020B0609020204030204" pitchFamily="49" charset="0"/>
+                <a:cs typeface="Consolas" panose="020B0609020204030204" pitchFamily="49" charset="0"/>
+              </a:rPr>
+              <a:t>tr</a:t>
+            </a:r>
+            <a:r>
+              <a:rPr kumimoji="0" lang="en-US" sz="1400" b="0" i="0" u="none" strike="noStrike" cap="none" normalizeH="0" baseline="0" dirty="0" smtClean="0">
+                <a:ln>
+                  <a:noFill/>
+                </a:ln>
+                <a:solidFill>
+                  <a:srgbClr val="000000"/>
+                </a:solidFill>
+                <a:effectLst/>
+                <a:latin typeface="Consolas" panose="020B0609020204030204" pitchFamily="49" charset="0"/>
+                <a:cs typeface="Consolas" panose="020B0609020204030204" pitchFamily="49" charset="0"/>
+              </a:rPr>
+              <a:t>&gt;</a:t>
+            </a:r>
+            <a:endParaRPr kumimoji="0" lang="en-US" sz="1400" b="0" i="0" u="none" strike="noStrike" cap="none" normalizeH="0" baseline="0" dirty="0" smtClean="0">
+              <a:ln>
+                <a:noFill/>
+              </a:ln>
+              <a:solidFill>
+                <a:schemeClr val="tx1"/>
+              </a:solidFill>
+              <a:effectLst/>
+            </a:endParaRPr>
+          </a:p>
+          <a:p>
+            <a:pPr marL="0" marR="0" lvl="0" indent="0" algn="l" defTabSz="914400" rtl="0" eaLnBrk="0" fontAlgn="base" latinLnBrk="0" hangingPunct="0">
+              <a:lnSpc>
+                <a:spcPct val="100000"/>
+              </a:lnSpc>
+              <a:spcBef>
+                <a:spcPct val="0"/>
+              </a:spcBef>
+              <a:spcAft>
+                <a:spcPct val="0"/>
+              </a:spcAft>
+              <a:buClrTx/>
+              <a:buSzTx/>
+              <a:buFontTx/>
+              <a:buNone/>
+              <a:tabLst/>
+            </a:pPr>
+            <a:r>
+              <a:rPr kumimoji="0" lang="en-US" sz="1400" b="0" i="0" u="none" strike="noStrike" cap="none" normalizeH="0" baseline="0" dirty="0" smtClean="0">
+                <a:ln>
+                  <a:noFill/>
+                </a:ln>
+                <a:solidFill>
+                  <a:srgbClr val="273239"/>
+                </a:solidFill>
+                <a:effectLst/>
+                <a:latin typeface="Consolas" panose="020B0609020204030204" pitchFamily="49" charset="0"/>
+                <a:cs typeface="Consolas" panose="020B0609020204030204" pitchFamily="49" charset="0"/>
+              </a:rPr>
+              <a:t>            </a:t>
+            </a:r>
+            <a:r>
+              <a:rPr kumimoji="0" lang="en-US" sz="1400" b="0" i="0" u="none" strike="noStrike" cap="none" normalizeH="0" baseline="0" dirty="0" smtClean="0">
+                <a:ln>
+                  <a:noFill/>
+                </a:ln>
+                <a:solidFill>
+                  <a:srgbClr val="000000"/>
+                </a:solidFill>
+                <a:effectLst/>
+                <a:latin typeface="Consolas" panose="020B0609020204030204" pitchFamily="49" charset="0"/>
+                <a:cs typeface="Consolas" panose="020B0609020204030204" pitchFamily="49" charset="0"/>
+              </a:rPr>
+              <a:t>&lt;</a:t>
+            </a:r>
+            <a:r>
+              <a:rPr kumimoji="0" lang="en-US" sz="1400" b="1" i="0" u="none" strike="noStrike" cap="none" normalizeH="0" baseline="0" dirty="0" smtClean="0">
+                <a:ln>
+                  <a:noFill/>
+                </a:ln>
+                <a:solidFill>
+                  <a:srgbClr val="006699"/>
+                </a:solidFill>
+                <a:effectLst/>
+                <a:latin typeface="Consolas" panose="020B0609020204030204" pitchFamily="49" charset="0"/>
+                <a:cs typeface="Consolas" panose="020B0609020204030204" pitchFamily="49" charset="0"/>
+              </a:rPr>
+              <a:t>tr</a:t>
+            </a:r>
+            <a:r>
+              <a:rPr kumimoji="0" lang="en-US" sz="1400" b="0" i="0" u="none" strike="noStrike" cap="none" normalizeH="0" baseline="0" dirty="0" smtClean="0">
+                <a:ln>
+                  <a:noFill/>
+                </a:ln>
+                <a:solidFill>
+                  <a:srgbClr val="000000"/>
+                </a:solidFill>
+                <a:effectLst/>
+                <a:latin typeface="Consolas" panose="020B0609020204030204" pitchFamily="49" charset="0"/>
+                <a:cs typeface="Consolas" panose="020B0609020204030204" pitchFamily="49" charset="0"/>
+              </a:rPr>
+              <a:t>&gt;</a:t>
+            </a:r>
+            <a:endParaRPr kumimoji="0" lang="en-US" sz="1400" b="0" i="0" u="none" strike="noStrike" cap="none" normalizeH="0" baseline="0" dirty="0" smtClean="0">
+              <a:ln>
+                <a:noFill/>
+              </a:ln>
+              <a:solidFill>
+                <a:schemeClr val="tx1"/>
+              </a:solidFill>
+              <a:effectLst/>
+            </a:endParaRPr>
+          </a:p>
+          <a:p>
+            <a:pPr marL="0" marR="0" lvl="0" indent="0" algn="l" defTabSz="914400" rtl="0" eaLnBrk="0" fontAlgn="base" latinLnBrk="0" hangingPunct="0">
+              <a:lnSpc>
+                <a:spcPct val="100000"/>
+              </a:lnSpc>
+              <a:spcBef>
+                <a:spcPct val="0"/>
+              </a:spcBef>
+              <a:spcAft>
+                <a:spcPct val="0"/>
+              </a:spcAft>
+              <a:buClrTx/>
+              <a:buSzTx/>
+              <a:buFontTx/>
+              <a:buNone/>
+              <a:tabLst/>
+            </a:pPr>
+            <a:r>
+              <a:rPr kumimoji="0" lang="en-US" sz="1400" b="0" i="0" u="none" strike="noStrike" cap="none" normalizeH="0" baseline="0" dirty="0" smtClean="0">
+                <a:ln>
+                  <a:noFill/>
+                </a:ln>
+                <a:solidFill>
+                  <a:srgbClr val="273239"/>
+                </a:solidFill>
+                <a:effectLst/>
+                <a:latin typeface="Consolas" panose="020B0609020204030204" pitchFamily="49" charset="0"/>
+                <a:cs typeface="Consolas" panose="020B0609020204030204" pitchFamily="49" charset="0"/>
+              </a:rPr>
+              <a:t>                </a:t>
+            </a:r>
+            <a:r>
+              <a:rPr kumimoji="0" lang="en-US" sz="1400" b="0" i="0" u="none" strike="noStrike" cap="none" normalizeH="0" baseline="0" dirty="0" smtClean="0">
+                <a:ln>
+                  <a:noFill/>
+                </a:ln>
+                <a:solidFill>
+                  <a:srgbClr val="000000"/>
+                </a:solidFill>
+                <a:effectLst/>
+                <a:latin typeface="Consolas" panose="020B0609020204030204" pitchFamily="49" charset="0"/>
+                <a:cs typeface="Consolas" panose="020B0609020204030204" pitchFamily="49" charset="0"/>
+              </a:rPr>
+              <a:t>&lt;</a:t>
+            </a:r>
+            <a:r>
+              <a:rPr kumimoji="0" lang="en-US" sz="1400" b="1" i="0" u="none" strike="noStrike" cap="none" normalizeH="0" baseline="0" dirty="0" smtClean="0">
+                <a:ln>
+                  <a:noFill/>
+                </a:ln>
+                <a:solidFill>
+                  <a:srgbClr val="006699"/>
+                </a:solidFill>
+                <a:effectLst/>
+                <a:latin typeface="Consolas" panose="020B0609020204030204" pitchFamily="49" charset="0"/>
+                <a:cs typeface="Consolas" panose="020B0609020204030204" pitchFamily="49" charset="0"/>
+              </a:rPr>
+              <a:t>td</a:t>
+            </a:r>
+            <a:r>
+              <a:rPr kumimoji="0" lang="en-US" sz="1400" b="0" i="0" u="none" strike="noStrike" cap="none" normalizeH="0" baseline="0" dirty="0" smtClean="0">
+                <a:ln>
+                  <a:noFill/>
+                </a:ln>
+                <a:solidFill>
+                  <a:srgbClr val="000000"/>
+                </a:solidFill>
+                <a:effectLst/>
+                <a:latin typeface="Consolas" panose="020B0609020204030204" pitchFamily="49" charset="0"/>
+                <a:cs typeface="Consolas" panose="020B0609020204030204" pitchFamily="49" charset="0"/>
+              </a:rPr>
+              <a:t>&gt;ram&lt;/</a:t>
+            </a:r>
+            <a:r>
+              <a:rPr kumimoji="0" lang="en-US" sz="1400" b="1" i="0" u="none" strike="noStrike" cap="none" normalizeH="0" baseline="0" dirty="0" smtClean="0">
+                <a:ln>
+                  <a:noFill/>
+                </a:ln>
+                <a:solidFill>
+                  <a:srgbClr val="006699"/>
+                </a:solidFill>
+                <a:effectLst/>
+                <a:latin typeface="Consolas" panose="020B0609020204030204" pitchFamily="49" charset="0"/>
+                <a:cs typeface="Consolas" panose="020B0609020204030204" pitchFamily="49" charset="0"/>
+              </a:rPr>
+              <a:t>td</a:t>
+            </a:r>
+            <a:r>
+              <a:rPr kumimoji="0" lang="en-US" sz="1400" b="0" i="0" u="none" strike="noStrike" cap="none" normalizeH="0" baseline="0" dirty="0" smtClean="0">
+                <a:ln>
+                  <a:noFill/>
+                </a:ln>
+                <a:solidFill>
+                  <a:srgbClr val="000000"/>
+                </a:solidFill>
+                <a:effectLst/>
+                <a:latin typeface="Consolas" panose="020B0609020204030204" pitchFamily="49" charset="0"/>
+                <a:cs typeface="Consolas" panose="020B0609020204030204" pitchFamily="49" charset="0"/>
+              </a:rPr>
+              <a:t>&gt;</a:t>
+            </a:r>
+            <a:endParaRPr kumimoji="0" lang="en-US" sz="1400" b="0" i="0" u="none" strike="noStrike" cap="none" normalizeH="0" baseline="0" dirty="0" smtClean="0">
+              <a:ln>
+                <a:noFill/>
+              </a:ln>
+              <a:solidFill>
+                <a:schemeClr val="tx1"/>
+              </a:solidFill>
+              <a:effectLst/>
+            </a:endParaRPr>
+          </a:p>
+          <a:p>
+            <a:pPr marL="0" marR="0" lvl="0" indent="0" algn="l" defTabSz="914400" rtl="0" eaLnBrk="0" fontAlgn="base" latinLnBrk="0" hangingPunct="0">
+              <a:lnSpc>
+                <a:spcPct val="100000"/>
+              </a:lnSpc>
+              <a:spcBef>
+                <a:spcPct val="0"/>
+              </a:spcBef>
+              <a:spcAft>
+                <a:spcPct val="0"/>
+              </a:spcAft>
+              <a:buClrTx/>
+              <a:buSzTx/>
+              <a:buFontTx/>
+              <a:buNone/>
+              <a:tabLst/>
+            </a:pPr>
+            <a:r>
+              <a:rPr kumimoji="0" lang="en-US" sz="1400" b="0" i="0" u="none" strike="noStrike" cap="none" normalizeH="0" baseline="0" dirty="0" smtClean="0">
+                <a:ln>
+                  <a:noFill/>
+                </a:ln>
+                <a:solidFill>
+                  <a:srgbClr val="273239"/>
+                </a:solidFill>
+                <a:effectLst/>
+                <a:latin typeface="Consolas" panose="020B0609020204030204" pitchFamily="49" charset="0"/>
+                <a:cs typeface="Consolas" panose="020B0609020204030204" pitchFamily="49" charset="0"/>
+              </a:rPr>
+              <a:t>                </a:t>
+            </a:r>
+            <a:r>
+              <a:rPr kumimoji="0" lang="en-US" sz="1400" b="0" i="0" u="none" strike="noStrike" cap="none" normalizeH="0" baseline="0" dirty="0" smtClean="0">
+                <a:ln>
+                  <a:noFill/>
+                </a:ln>
+                <a:solidFill>
+                  <a:srgbClr val="000000"/>
+                </a:solidFill>
+                <a:effectLst/>
+                <a:latin typeface="Consolas" panose="020B0609020204030204" pitchFamily="49" charset="0"/>
+                <a:cs typeface="Consolas" panose="020B0609020204030204" pitchFamily="49" charset="0"/>
+              </a:rPr>
+              <a:t>&lt;</a:t>
+            </a:r>
+            <a:r>
+              <a:rPr kumimoji="0" lang="en-US" sz="1400" b="1" i="0" u="none" strike="noStrike" cap="none" normalizeH="0" baseline="0" dirty="0" smtClean="0">
+                <a:ln>
+                  <a:noFill/>
+                </a:ln>
+                <a:solidFill>
+                  <a:srgbClr val="006699"/>
+                </a:solidFill>
+                <a:effectLst/>
+                <a:latin typeface="Consolas" panose="020B0609020204030204" pitchFamily="49" charset="0"/>
+                <a:cs typeface="Consolas" panose="020B0609020204030204" pitchFamily="49" charset="0"/>
+              </a:rPr>
+              <a:t>td</a:t>
+            </a:r>
+            <a:r>
+              <a:rPr kumimoji="0" lang="en-US" sz="1400" b="0" i="0" u="none" strike="noStrike" cap="none" normalizeH="0" baseline="0" dirty="0" smtClean="0">
+                <a:ln>
+                  <a:noFill/>
+                </a:ln>
+                <a:solidFill>
+                  <a:srgbClr val="000000"/>
+                </a:solidFill>
+                <a:effectLst/>
+                <a:latin typeface="Consolas" panose="020B0609020204030204" pitchFamily="49" charset="0"/>
+                <a:cs typeface="Consolas" panose="020B0609020204030204" pitchFamily="49" charset="0"/>
+              </a:rPr>
+              <a:t>&gt;20&lt;/</a:t>
+            </a:r>
+            <a:r>
+              <a:rPr kumimoji="0" lang="en-US" sz="1400" b="1" i="0" u="none" strike="noStrike" cap="none" normalizeH="0" baseline="0" dirty="0" smtClean="0">
+                <a:ln>
+                  <a:noFill/>
+                </a:ln>
+                <a:solidFill>
+                  <a:srgbClr val="006699"/>
+                </a:solidFill>
+                <a:effectLst/>
+                <a:latin typeface="Consolas" panose="020B0609020204030204" pitchFamily="49" charset="0"/>
+                <a:cs typeface="Consolas" panose="020B0609020204030204" pitchFamily="49" charset="0"/>
+              </a:rPr>
+              <a:t>td</a:t>
+            </a:r>
+            <a:r>
+              <a:rPr kumimoji="0" lang="en-US" sz="1400" b="0" i="0" u="none" strike="noStrike" cap="none" normalizeH="0" baseline="0" dirty="0" smtClean="0">
+                <a:ln>
+                  <a:noFill/>
+                </a:ln>
+                <a:solidFill>
+                  <a:srgbClr val="000000"/>
+                </a:solidFill>
+                <a:effectLst/>
+                <a:latin typeface="Consolas" panose="020B0609020204030204" pitchFamily="49" charset="0"/>
+                <a:cs typeface="Consolas" panose="020B0609020204030204" pitchFamily="49" charset="0"/>
+              </a:rPr>
+              <a:t>&gt;</a:t>
+            </a:r>
+            <a:endParaRPr kumimoji="0" lang="en-US" sz="1400" b="0" i="0" u="none" strike="noStrike" cap="none" normalizeH="0" baseline="0" dirty="0" smtClean="0">
+              <a:ln>
+                <a:noFill/>
+              </a:ln>
+              <a:solidFill>
+                <a:schemeClr val="tx1"/>
+              </a:solidFill>
+              <a:effectLst/>
+            </a:endParaRPr>
+          </a:p>
+          <a:p>
+            <a:pPr marL="0" marR="0" lvl="0" indent="0" algn="l" defTabSz="914400" rtl="0" eaLnBrk="0" fontAlgn="base" latinLnBrk="0" hangingPunct="0">
+              <a:lnSpc>
+                <a:spcPct val="100000"/>
+              </a:lnSpc>
+              <a:spcBef>
+                <a:spcPct val="0"/>
+              </a:spcBef>
+              <a:spcAft>
+                <a:spcPct val="0"/>
+              </a:spcAft>
+              <a:buClrTx/>
+              <a:buSzTx/>
+              <a:buFontTx/>
+              <a:buNone/>
+              <a:tabLst/>
+            </a:pPr>
+            <a:r>
+              <a:rPr kumimoji="0" lang="en-US" sz="1400" b="0" i="0" u="none" strike="noStrike" cap="none" normalizeH="0" baseline="0" dirty="0" smtClean="0">
+                <a:ln>
+                  <a:noFill/>
+                </a:ln>
+                <a:solidFill>
+                  <a:srgbClr val="273239"/>
+                </a:solidFill>
+                <a:effectLst/>
+                <a:latin typeface="Consolas" panose="020B0609020204030204" pitchFamily="49" charset="0"/>
+                <a:cs typeface="Consolas" panose="020B0609020204030204" pitchFamily="49" charset="0"/>
+              </a:rPr>
+              <a:t>            </a:t>
+            </a:r>
+            <a:r>
+              <a:rPr kumimoji="0" lang="en-US" sz="1400" b="0" i="0" u="none" strike="noStrike" cap="none" normalizeH="0" baseline="0" dirty="0" smtClean="0">
+                <a:ln>
+                  <a:noFill/>
+                </a:ln>
+                <a:solidFill>
+                  <a:srgbClr val="000000"/>
+                </a:solidFill>
+                <a:effectLst/>
+                <a:latin typeface="Consolas" panose="020B0609020204030204" pitchFamily="49" charset="0"/>
+                <a:cs typeface="Consolas" panose="020B0609020204030204" pitchFamily="49" charset="0"/>
+              </a:rPr>
+              <a:t>&lt;/</a:t>
+            </a:r>
+            <a:r>
+              <a:rPr kumimoji="0" lang="en-US" sz="1400" b="1" i="0" u="none" strike="noStrike" cap="none" normalizeH="0" baseline="0" dirty="0" smtClean="0">
+                <a:ln>
+                  <a:noFill/>
+                </a:ln>
+                <a:solidFill>
+                  <a:srgbClr val="006699"/>
+                </a:solidFill>
+                <a:effectLst/>
+                <a:latin typeface="Consolas" panose="020B0609020204030204" pitchFamily="49" charset="0"/>
+                <a:cs typeface="Consolas" panose="020B0609020204030204" pitchFamily="49" charset="0"/>
+              </a:rPr>
+              <a:t>tr</a:t>
+            </a:r>
+            <a:r>
+              <a:rPr kumimoji="0" lang="en-US" sz="1400" b="0" i="0" u="none" strike="noStrike" cap="none" normalizeH="0" baseline="0" dirty="0" smtClean="0">
+                <a:ln>
+                  <a:noFill/>
+                </a:ln>
+                <a:solidFill>
+                  <a:srgbClr val="000000"/>
+                </a:solidFill>
+                <a:effectLst/>
+                <a:latin typeface="Consolas" panose="020B0609020204030204" pitchFamily="49" charset="0"/>
+                <a:cs typeface="Consolas" panose="020B0609020204030204" pitchFamily="49" charset="0"/>
+              </a:rPr>
+              <a:t>&gt;</a:t>
+            </a:r>
+            <a:endParaRPr kumimoji="0" lang="en-US" sz="1400" b="0" i="0" u="none" strike="noStrike" cap="none" normalizeH="0" baseline="0" dirty="0" smtClean="0">
+              <a:ln>
+                <a:noFill/>
+              </a:ln>
+              <a:solidFill>
+                <a:schemeClr val="tx1"/>
+              </a:solidFill>
+              <a:effectLst/>
+            </a:endParaRPr>
+          </a:p>
+          <a:p>
+            <a:pPr marL="0" marR="0" lvl="0" indent="0" algn="l" defTabSz="914400" rtl="0" eaLnBrk="0" fontAlgn="base" latinLnBrk="0" hangingPunct="0">
+              <a:lnSpc>
+                <a:spcPct val="100000"/>
+              </a:lnSpc>
+              <a:spcBef>
+                <a:spcPct val="0"/>
+              </a:spcBef>
+              <a:spcAft>
+                <a:spcPct val="0"/>
+              </a:spcAft>
+              <a:buClrTx/>
+              <a:buSzTx/>
+              <a:buFontTx/>
+              <a:buNone/>
+              <a:tabLst/>
+            </a:pPr>
+            <a:r>
+              <a:rPr kumimoji="0" lang="en-US" sz="1400" b="0" i="0" u="none" strike="noStrike" cap="none" normalizeH="0" baseline="0" dirty="0" smtClean="0">
+                <a:ln>
+                  <a:noFill/>
+                </a:ln>
+                <a:solidFill>
+                  <a:srgbClr val="273239"/>
+                </a:solidFill>
+                <a:effectLst/>
+                <a:latin typeface="Consolas" panose="020B0609020204030204" pitchFamily="49" charset="0"/>
+                <a:cs typeface="Consolas" panose="020B0609020204030204" pitchFamily="49" charset="0"/>
+              </a:rPr>
+              <a:t>            </a:t>
+            </a:r>
+            <a:r>
+              <a:rPr kumimoji="0" lang="en-US" sz="1400" b="0" i="0" u="none" strike="noStrike" cap="none" normalizeH="0" baseline="0" dirty="0" smtClean="0">
+                <a:ln>
+                  <a:noFill/>
+                </a:ln>
+                <a:solidFill>
+                  <a:srgbClr val="000000"/>
+                </a:solidFill>
+                <a:effectLst/>
+                <a:latin typeface="Consolas" panose="020B0609020204030204" pitchFamily="49" charset="0"/>
+                <a:cs typeface="Consolas" panose="020B0609020204030204" pitchFamily="49" charset="0"/>
+              </a:rPr>
+              <a:t>&lt;</a:t>
+            </a:r>
+            <a:r>
+              <a:rPr kumimoji="0" lang="en-US" sz="1400" b="1" i="0" u="none" strike="noStrike" cap="none" normalizeH="0" baseline="0" dirty="0" smtClean="0">
+                <a:ln>
+                  <a:noFill/>
+                </a:ln>
+                <a:solidFill>
+                  <a:srgbClr val="006699"/>
+                </a:solidFill>
+                <a:effectLst/>
+                <a:latin typeface="Consolas" panose="020B0609020204030204" pitchFamily="49" charset="0"/>
+                <a:cs typeface="Consolas" panose="020B0609020204030204" pitchFamily="49" charset="0"/>
+              </a:rPr>
+              <a:t>tr</a:t>
+            </a:r>
+            <a:r>
+              <a:rPr kumimoji="0" lang="en-US" sz="1400" b="0" i="0" u="none" strike="noStrike" cap="none" normalizeH="0" baseline="0" dirty="0" smtClean="0">
+                <a:ln>
+                  <a:noFill/>
+                </a:ln>
+                <a:solidFill>
+                  <a:srgbClr val="000000"/>
+                </a:solidFill>
+                <a:effectLst/>
+                <a:latin typeface="Consolas" panose="020B0609020204030204" pitchFamily="49" charset="0"/>
+                <a:cs typeface="Consolas" panose="020B0609020204030204" pitchFamily="49" charset="0"/>
+              </a:rPr>
+              <a:t>&gt;</a:t>
+            </a:r>
+            <a:endParaRPr kumimoji="0" lang="en-US" sz="1400" b="0" i="0" u="none" strike="noStrike" cap="none" normalizeH="0" baseline="0" dirty="0" smtClean="0">
+              <a:ln>
+                <a:noFill/>
+              </a:ln>
+              <a:solidFill>
+                <a:schemeClr val="tx1"/>
+              </a:solidFill>
+              <a:effectLst/>
+            </a:endParaRPr>
+          </a:p>
+          <a:p>
+            <a:pPr marL="0" marR="0" lvl="0" indent="0" algn="l" defTabSz="914400" rtl="0" eaLnBrk="0" fontAlgn="base" latinLnBrk="0" hangingPunct="0">
+              <a:lnSpc>
+                <a:spcPct val="100000"/>
+              </a:lnSpc>
+              <a:spcBef>
+                <a:spcPct val="0"/>
+              </a:spcBef>
+              <a:spcAft>
+                <a:spcPct val="0"/>
+              </a:spcAft>
+              <a:buClrTx/>
+              <a:buSzTx/>
+              <a:buFontTx/>
+              <a:buNone/>
+              <a:tabLst/>
+            </a:pPr>
+            <a:r>
+              <a:rPr kumimoji="0" lang="en-US" sz="1400" b="0" i="0" u="none" strike="noStrike" cap="none" normalizeH="0" baseline="0" dirty="0" smtClean="0">
+                <a:ln>
+                  <a:noFill/>
+                </a:ln>
+                <a:solidFill>
+                  <a:srgbClr val="273239"/>
+                </a:solidFill>
+                <a:effectLst/>
+                <a:latin typeface="Consolas" panose="020B0609020204030204" pitchFamily="49" charset="0"/>
+                <a:cs typeface="Consolas" panose="020B0609020204030204" pitchFamily="49" charset="0"/>
+              </a:rPr>
+              <a:t>                </a:t>
+            </a:r>
+            <a:r>
+              <a:rPr kumimoji="0" lang="en-US" sz="1400" b="0" i="0" u="none" strike="noStrike" cap="none" normalizeH="0" baseline="0" dirty="0" smtClean="0">
+                <a:ln>
+                  <a:noFill/>
+                </a:ln>
+                <a:solidFill>
+                  <a:srgbClr val="000000"/>
+                </a:solidFill>
+                <a:effectLst/>
+                <a:latin typeface="Consolas" panose="020B0609020204030204" pitchFamily="49" charset="0"/>
+                <a:cs typeface="Consolas" panose="020B0609020204030204" pitchFamily="49" charset="0"/>
+              </a:rPr>
+              <a:t>&lt;</a:t>
+            </a:r>
+            <a:r>
+              <a:rPr kumimoji="0" lang="en-US" sz="1400" b="1" i="0" u="none" strike="noStrike" cap="none" normalizeH="0" baseline="0" dirty="0" smtClean="0">
+                <a:ln>
+                  <a:noFill/>
+                </a:ln>
+                <a:solidFill>
+                  <a:srgbClr val="006699"/>
+                </a:solidFill>
+                <a:effectLst/>
+                <a:latin typeface="Consolas" panose="020B0609020204030204" pitchFamily="49" charset="0"/>
+                <a:cs typeface="Consolas" panose="020B0609020204030204" pitchFamily="49" charset="0"/>
+              </a:rPr>
+              <a:t>td</a:t>
+            </a:r>
+            <a:r>
+              <a:rPr kumimoji="0" lang="en-US" sz="1400" b="0" i="0" u="none" strike="noStrike" cap="none" normalizeH="0" baseline="0" dirty="0" smtClean="0">
+                <a:ln>
+                  <a:noFill/>
+                </a:ln>
+                <a:solidFill>
+                  <a:srgbClr val="000000"/>
+                </a:solidFill>
+                <a:effectLst/>
+                <a:latin typeface="Consolas" panose="020B0609020204030204" pitchFamily="49" charset="0"/>
+                <a:cs typeface="Consolas" panose="020B0609020204030204" pitchFamily="49" charset="0"/>
+              </a:rPr>
+              <a:t>&gt;</a:t>
+            </a:r>
+            <a:r>
+              <a:rPr kumimoji="0" lang="en-US" sz="1400" b="0" i="0" u="none" strike="noStrike" cap="none" normalizeH="0" baseline="0" dirty="0" err="1" smtClean="0">
+                <a:ln>
+                  <a:noFill/>
+                </a:ln>
+                <a:solidFill>
+                  <a:srgbClr val="000000"/>
+                </a:solidFill>
+                <a:effectLst/>
+                <a:latin typeface="Consolas" panose="020B0609020204030204" pitchFamily="49" charset="0"/>
+                <a:cs typeface="Consolas" panose="020B0609020204030204" pitchFamily="49" charset="0"/>
+              </a:rPr>
+              <a:t>riya</a:t>
+            </a:r>
+            <a:r>
+              <a:rPr kumimoji="0" lang="en-US" sz="1400" b="0" i="0" u="none" strike="noStrike" cap="none" normalizeH="0" baseline="0" dirty="0" smtClean="0">
+                <a:ln>
+                  <a:noFill/>
+                </a:ln>
+                <a:solidFill>
+                  <a:srgbClr val="000000"/>
+                </a:solidFill>
+                <a:effectLst/>
+                <a:latin typeface="Consolas" panose="020B0609020204030204" pitchFamily="49" charset="0"/>
+                <a:cs typeface="Consolas" panose="020B0609020204030204" pitchFamily="49" charset="0"/>
+              </a:rPr>
+              <a:t>&lt;/</a:t>
+            </a:r>
+            <a:r>
+              <a:rPr kumimoji="0" lang="en-US" sz="1400" b="1" i="0" u="none" strike="noStrike" cap="none" normalizeH="0" baseline="0" dirty="0" smtClean="0">
+                <a:ln>
+                  <a:noFill/>
+                </a:ln>
+                <a:solidFill>
+                  <a:srgbClr val="006699"/>
+                </a:solidFill>
+                <a:effectLst/>
+                <a:latin typeface="Consolas" panose="020B0609020204030204" pitchFamily="49" charset="0"/>
+                <a:cs typeface="Consolas" panose="020B0609020204030204" pitchFamily="49" charset="0"/>
+              </a:rPr>
+              <a:t>td</a:t>
+            </a:r>
+            <a:r>
+              <a:rPr kumimoji="0" lang="en-US" sz="1400" b="0" i="0" u="none" strike="noStrike" cap="none" normalizeH="0" baseline="0" dirty="0" smtClean="0">
+                <a:ln>
+                  <a:noFill/>
+                </a:ln>
+                <a:solidFill>
+                  <a:srgbClr val="000000"/>
+                </a:solidFill>
+                <a:effectLst/>
+                <a:latin typeface="Consolas" panose="020B0609020204030204" pitchFamily="49" charset="0"/>
+                <a:cs typeface="Consolas" panose="020B0609020204030204" pitchFamily="49" charset="0"/>
+              </a:rPr>
+              <a:t>&gt;</a:t>
+            </a:r>
+            <a:endParaRPr kumimoji="0" lang="en-US" sz="1400" b="0" i="0" u="none" strike="noStrike" cap="none" normalizeH="0" baseline="0" dirty="0" smtClean="0">
+              <a:ln>
+                <a:noFill/>
+              </a:ln>
+              <a:solidFill>
+                <a:schemeClr val="tx1"/>
+              </a:solidFill>
+              <a:effectLst/>
+            </a:endParaRPr>
+          </a:p>
+          <a:p>
+            <a:pPr marL="0" marR="0" lvl="0" indent="0" algn="l" defTabSz="914400" rtl="0" eaLnBrk="0" fontAlgn="base" latinLnBrk="0" hangingPunct="0">
+              <a:lnSpc>
+                <a:spcPct val="100000"/>
+              </a:lnSpc>
+              <a:spcBef>
+                <a:spcPct val="0"/>
+              </a:spcBef>
+              <a:spcAft>
+                <a:spcPct val="0"/>
+              </a:spcAft>
+              <a:buClrTx/>
+              <a:buSzTx/>
+              <a:buFontTx/>
+              <a:buNone/>
+              <a:tabLst/>
+            </a:pPr>
+            <a:r>
+              <a:rPr kumimoji="0" lang="en-US" sz="1400" b="0" i="0" u="none" strike="noStrike" cap="none" normalizeH="0" baseline="0" dirty="0" smtClean="0">
+                <a:ln>
+                  <a:noFill/>
+                </a:ln>
+                <a:solidFill>
+                  <a:srgbClr val="273239"/>
+                </a:solidFill>
+                <a:effectLst/>
+                <a:latin typeface="Consolas" panose="020B0609020204030204" pitchFamily="49" charset="0"/>
+                <a:cs typeface="Consolas" panose="020B0609020204030204" pitchFamily="49" charset="0"/>
+              </a:rPr>
+              <a:t>                </a:t>
+            </a:r>
+            <a:r>
+              <a:rPr kumimoji="0" lang="en-US" sz="1400" b="0" i="0" u="none" strike="noStrike" cap="none" normalizeH="0" baseline="0" dirty="0" smtClean="0">
+                <a:ln>
+                  <a:noFill/>
+                </a:ln>
+                <a:solidFill>
+                  <a:srgbClr val="000000"/>
+                </a:solidFill>
+                <a:effectLst/>
+                <a:latin typeface="Consolas" panose="020B0609020204030204" pitchFamily="49" charset="0"/>
+                <a:cs typeface="Consolas" panose="020B0609020204030204" pitchFamily="49" charset="0"/>
+              </a:rPr>
+              <a:t>&lt;</a:t>
+            </a:r>
+            <a:r>
+              <a:rPr kumimoji="0" lang="en-US" sz="1400" b="1" i="0" u="none" strike="noStrike" cap="none" normalizeH="0" baseline="0" dirty="0" smtClean="0">
+                <a:ln>
+                  <a:noFill/>
+                </a:ln>
+                <a:solidFill>
+                  <a:srgbClr val="006699"/>
+                </a:solidFill>
+                <a:effectLst/>
+                <a:latin typeface="Consolas" panose="020B0609020204030204" pitchFamily="49" charset="0"/>
+                <a:cs typeface="Consolas" panose="020B0609020204030204" pitchFamily="49" charset="0"/>
+              </a:rPr>
+              <a:t>td</a:t>
+            </a:r>
+            <a:r>
+              <a:rPr kumimoji="0" lang="en-US" sz="1400" b="0" i="0" u="none" strike="noStrike" cap="none" normalizeH="0" baseline="0" dirty="0" smtClean="0">
+                <a:ln>
+                  <a:noFill/>
+                </a:ln>
+                <a:solidFill>
+                  <a:srgbClr val="000000"/>
+                </a:solidFill>
+                <a:effectLst/>
+                <a:latin typeface="Consolas" panose="020B0609020204030204" pitchFamily="49" charset="0"/>
+                <a:cs typeface="Consolas" panose="020B0609020204030204" pitchFamily="49" charset="0"/>
+              </a:rPr>
+              <a:t>&gt;28&lt;/</a:t>
+            </a:r>
+            <a:r>
+              <a:rPr kumimoji="0" lang="en-US" sz="1400" b="1" i="0" u="none" strike="noStrike" cap="none" normalizeH="0" baseline="0" dirty="0" smtClean="0">
+                <a:ln>
+                  <a:noFill/>
+                </a:ln>
+                <a:solidFill>
+                  <a:srgbClr val="006699"/>
+                </a:solidFill>
+                <a:effectLst/>
+                <a:latin typeface="Consolas" panose="020B0609020204030204" pitchFamily="49" charset="0"/>
+                <a:cs typeface="Consolas" panose="020B0609020204030204" pitchFamily="49" charset="0"/>
+              </a:rPr>
+              <a:t>td</a:t>
+            </a:r>
+            <a:r>
+              <a:rPr kumimoji="0" lang="en-US" sz="1400" b="0" i="0" u="none" strike="noStrike" cap="none" normalizeH="0" baseline="0" dirty="0" smtClean="0">
+                <a:ln>
+                  <a:noFill/>
+                </a:ln>
+                <a:solidFill>
+                  <a:srgbClr val="000000"/>
+                </a:solidFill>
+                <a:effectLst/>
+                <a:latin typeface="Consolas" panose="020B0609020204030204" pitchFamily="49" charset="0"/>
+                <a:cs typeface="Consolas" panose="020B0609020204030204" pitchFamily="49" charset="0"/>
+              </a:rPr>
+              <a:t>&gt;</a:t>
+            </a:r>
+            <a:endParaRPr kumimoji="0" lang="en-US" sz="1400" b="0" i="0" u="none" strike="noStrike" cap="none" normalizeH="0" baseline="0" dirty="0" smtClean="0">
+              <a:ln>
+                <a:noFill/>
+              </a:ln>
+              <a:solidFill>
+                <a:schemeClr val="tx1"/>
+              </a:solidFill>
+              <a:effectLst/>
+            </a:endParaRPr>
+          </a:p>
+          <a:p>
+            <a:pPr marL="0" marR="0" lvl="0" indent="0" algn="l" defTabSz="914400" rtl="0" eaLnBrk="0" fontAlgn="base" latinLnBrk="0" hangingPunct="0">
+              <a:lnSpc>
+                <a:spcPct val="100000"/>
+              </a:lnSpc>
+              <a:spcBef>
+                <a:spcPct val="0"/>
+              </a:spcBef>
+              <a:spcAft>
+                <a:spcPct val="0"/>
+              </a:spcAft>
+              <a:buClrTx/>
+              <a:buSzTx/>
+              <a:buFontTx/>
+              <a:buNone/>
+              <a:tabLst/>
+            </a:pPr>
+            <a:r>
+              <a:rPr kumimoji="0" lang="en-US" sz="1400" b="0" i="0" u="none" strike="noStrike" cap="none" normalizeH="0" baseline="0" dirty="0" smtClean="0">
+                <a:ln>
+                  <a:noFill/>
+                </a:ln>
+                <a:solidFill>
+                  <a:srgbClr val="273239"/>
+                </a:solidFill>
+                <a:effectLst/>
+                <a:latin typeface="Consolas" panose="020B0609020204030204" pitchFamily="49" charset="0"/>
+                <a:cs typeface="Consolas" panose="020B0609020204030204" pitchFamily="49" charset="0"/>
+              </a:rPr>
+              <a:t>            </a:t>
+            </a:r>
+            <a:r>
+              <a:rPr kumimoji="0" lang="en-US" sz="1400" b="0" i="0" u="none" strike="noStrike" cap="none" normalizeH="0" baseline="0" dirty="0" smtClean="0">
+                <a:ln>
+                  <a:noFill/>
+                </a:ln>
+                <a:solidFill>
+                  <a:srgbClr val="000000"/>
+                </a:solidFill>
+                <a:effectLst/>
+                <a:latin typeface="Consolas" panose="020B0609020204030204" pitchFamily="49" charset="0"/>
+                <a:cs typeface="Consolas" panose="020B0609020204030204" pitchFamily="49" charset="0"/>
+              </a:rPr>
+              <a:t>&lt;/</a:t>
+            </a:r>
+            <a:r>
+              <a:rPr kumimoji="0" lang="en-US" sz="1400" b="1" i="0" u="none" strike="noStrike" cap="none" normalizeH="0" baseline="0" dirty="0" smtClean="0">
+                <a:ln>
+                  <a:noFill/>
+                </a:ln>
+                <a:solidFill>
+                  <a:srgbClr val="006699"/>
+                </a:solidFill>
+                <a:effectLst/>
+                <a:latin typeface="Consolas" panose="020B0609020204030204" pitchFamily="49" charset="0"/>
+                <a:cs typeface="Consolas" panose="020B0609020204030204" pitchFamily="49" charset="0"/>
+              </a:rPr>
+              <a:t>tr</a:t>
+            </a:r>
+            <a:r>
+              <a:rPr kumimoji="0" lang="en-US" sz="1400" b="0" i="0" u="none" strike="noStrike" cap="none" normalizeH="0" baseline="0" dirty="0" smtClean="0">
+                <a:ln>
+                  <a:noFill/>
+                </a:ln>
+                <a:solidFill>
+                  <a:srgbClr val="000000"/>
+                </a:solidFill>
+                <a:effectLst/>
+                <a:latin typeface="Consolas" panose="020B0609020204030204" pitchFamily="49" charset="0"/>
+                <a:cs typeface="Consolas" panose="020B0609020204030204" pitchFamily="49" charset="0"/>
+              </a:rPr>
+              <a:t>&gt;</a:t>
+            </a:r>
+            <a:endParaRPr kumimoji="0" lang="en-US" sz="1400" b="0" i="0" u="none" strike="noStrike" cap="none" normalizeH="0" baseline="0" dirty="0" smtClean="0">
+              <a:ln>
+                <a:noFill/>
+              </a:ln>
+              <a:solidFill>
+                <a:schemeClr val="tx1"/>
+              </a:solidFill>
+              <a:effectLst/>
+            </a:endParaRPr>
+          </a:p>
+          <a:p>
+            <a:pPr marL="0" marR="0" lvl="0" indent="0" algn="l" defTabSz="914400" rtl="0" eaLnBrk="0" fontAlgn="base" latinLnBrk="0" hangingPunct="0">
+              <a:lnSpc>
+                <a:spcPct val="100000"/>
+              </a:lnSpc>
+              <a:spcBef>
+                <a:spcPct val="0"/>
+              </a:spcBef>
+              <a:spcAft>
+                <a:spcPct val="0"/>
+              </a:spcAft>
+              <a:buClrTx/>
+              <a:buSzTx/>
+              <a:buFontTx/>
+              <a:buNone/>
+              <a:tabLst/>
+            </a:pPr>
+            <a:r>
+              <a:rPr kumimoji="0" lang="en-US" sz="1400" b="0" i="0" u="none" strike="noStrike" cap="none" normalizeH="0" baseline="0" dirty="0" smtClean="0">
+                <a:ln>
+                  <a:noFill/>
+                </a:ln>
+                <a:solidFill>
+                  <a:srgbClr val="273239"/>
+                </a:solidFill>
+                <a:effectLst/>
+                <a:latin typeface="Consolas" panose="020B0609020204030204" pitchFamily="49" charset="0"/>
+                <a:cs typeface="Consolas" panose="020B0609020204030204" pitchFamily="49" charset="0"/>
+              </a:rPr>
+              <a:t>            </a:t>
+            </a:r>
+            <a:r>
+              <a:rPr kumimoji="0" lang="en-US" sz="1400" b="0" i="0" u="none" strike="noStrike" cap="none" normalizeH="0" baseline="0" dirty="0" smtClean="0">
+                <a:ln>
+                  <a:noFill/>
+                </a:ln>
+                <a:solidFill>
+                  <a:srgbClr val="008200"/>
+                </a:solidFill>
+                <a:effectLst/>
+                <a:latin typeface="Consolas" panose="020B0609020204030204" pitchFamily="49" charset="0"/>
+                <a:cs typeface="Consolas" panose="020B0609020204030204" pitchFamily="49" charset="0"/>
+              </a:rPr>
+              <a:t>&lt;!-- The last row --&gt;</a:t>
+            </a:r>
+            <a:endParaRPr kumimoji="0" lang="en-US" sz="1400" b="0" i="0" u="none" strike="noStrike" cap="none" normalizeH="0" baseline="0" dirty="0" smtClean="0">
+              <a:ln>
+                <a:noFill/>
+              </a:ln>
+              <a:solidFill>
+                <a:schemeClr val="tx1"/>
+              </a:solidFill>
+              <a:effectLst/>
+            </a:endParaRPr>
+          </a:p>
+          <a:p>
+            <a:pPr marL="0" marR="0" lvl="0" indent="0" algn="l" defTabSz="914400" rtl="0" eaLnBrk="0" fontAlgn="base" latinLnBrk="0" hangingPunct="0">
+              <a:lnSpc>
+                <a:spcPct val="100000"/>
+              </a:lnSpc>
+              <a:spcBef>
+                <a:spcPct val="0"/>
+              </a:spcBef>
+              <a:spcAft>
+                <a:spcPct val="0"/>
+              </a:spcAft>
+              <a:buClrTx/>
+              <a:buSzTx/>
+              <a:buFontTx/>
+              <a:buNone/>
+              <a:tabLst/>
+            </a:pPr>
+            <a:r>
+              <a:rPr kumimoji="0" lang="en-US" sz="1400" b="0" i="0" u="none" strike="noStrike" cap="none" normalizeH="0" baseline="0" dirty="0" smtClean="0">
+                <a:ln>
+                  <a:noFill/>
+                </a:ln>
+                <a:solidFill>
+                  <a:srgbClr val="273239"/>
+                </a:solidFill>
+                <a:effectLst/>
+                <a:latin typeface="Consolas" panose="020B0609020204030204" pitchFamily="49" charset="0"/>
+                <a:cs typeface="Consolas" panose="020B0609020204030204" pitchFamily="49" charset="0"/>
+              </a:rPr>
+              <a:t>  </a:t>
+            </a:r>
+            <a:endParaRPr kumimoji="0" lang="en-US" sz="1400" b="0" i="0" u="none" strike="noStrike" cap="none" normalizeH="0" baseline="0" dirty="0" smtClean="0">
+              <a:ln>
+                <a:noFill/>
+              </a:ln>
+              <a:solidFill>
+                <a:schemeClr val="tx1"/>
+              </a:solidFill>
+              <a:effectLst/>
+            </a:endParaRPr>
+          </a:p>
+          <a:p>
+            <a:pPr marL="0" marR="0" lvl="0" indent="0" algn="l" defTabSz="914400" rtl="0" eaLnBrk="0" fontAlgn="base" latinLnBrk="0" hangingPunct="0">
+              <a:lnSpc>
+                <a:spcPct val="100000"/>
+              </a:lnSpc>
+              <a:spcBef>
+                <a:spcPct val="0"/>
+              </a:spcBef>
+              <a:spcAft>
+                <a:spcPct val="0"/>
+              </a:spcAft>
+              <a:buClrTx/>
+              <a:buSzTx/>
+              <a:buFontTx/>
+              <a:buNone/>
+              <a:tabLst/>
+            </a:pPr>
+            <a:r>
+              <a:rPr kumimoji="0" lang="en-US" sz="1400" b="0" i="0" u="none" strike="noStrike" cap="none" normalizeH="0" baseline="0" dirty="0" smtClean="0">
+                <a:ln>
+                  <a:noFill/>
+                </a:ln>
+                <a:solidFill>
+                  <a:srgbClr val="273239"/>
+                </a:solidFill>
+                <a:effectLst/>
+                <a:latin typeface="Consolas" panose="020B0609020204030204" pitchFamily="49" charset="0"/>
+                <a:cs typeface="Consolas" panose="020B0609020204030204" pitchFamily="49" charset="0"/>
+              </a:rPr>
+              <a:t>            </a:t>
+            </a:r>
+            <a:r>
+              <a:rPr kumimoji="0" lang="en-US" sz="1400" b="0" i="0" u="none" strike="noStrike" cap="none" normalizeH="0" baseline="0" dirty="0" smtClean="0">
+                <a:ln>
+                  <a:noFill/>
+                </a:ln>
+                <a:solidFill>
+                  <a:srgbClr val="000000"/>
+                </a:solidFill>
+                <a:effectLst/>
+                <a:latin typeface="Consolas" panose="020B0609020204030204" pitchFamily="49" charset="0"/>
+                <a:cs typeface="Consolas" panose="020B0609020204030204" pitchFamily="49" charset="0"/>
+              </a:rPr>
+              <a:t>&lt;</a:t>
+            </a:r>
+            <a:r>
+              <a:rPr kumimoji="0" lang="en-US" sz="1400" b="1" i="0" u="none" strike="noStrike" cap="none" normalizeH="0" baseline="0" dirty="0" smtClean="0">
+                <a:ln>
+                  <a:noFill/>
+                </a:ln>
+                <a:solidFill>
+                  <a:srgbClr val="006699"/>
+                </a:solidFill>
+                <a:effectLst/>
+                <a:latin typeface="Consolas" panose="020B0609020204030204" pitchFamily="49" charset="0"/>
+                <a:cs typeface="Consolas" panose="020B0609020204030204" pitchFamily="49" charset="0"/>
+              </a:rPr>
+              <a:t>tr</a:t>
+            </a:r>
+            <a:r>
+              <a:rPr kumimoji="0" lang="en-US" sz="1400" b="0" i="0" u="none" strike="noStrike" cap="none" normalizeH="0" baseline="0" dirty="0" smtClean="0">
+                <a:ln>
+                  <a:noFill/>
+                </a:ln>
+                <a:solidFill>
+                  <a:srgbClr val="000000"/>
+                </a:solidFill>
+                <a:effectLst/>
+                <a:latin typeface="Consolas" panose="020B0609020204030204" pitchFamily="49" charset="0"/>
+                <a:cs typeface="Consolas" panose="020B0609020204030204" pitchFamily="49" charset="0"/>
+              </a:rPr>
+              <a:t>&gt;</a:t>
+            </a:r>
+            <a:endParaRPr kumimoji="0" lang="en-US" sz="1400" b="0" i="0" u="none" strike="noStrike" cap="none" normalizeH="0" baseline="0" dirty="0" smtClean="0">
+              <a:ln>
+                <a:noFill/>
+              </a:ln>
+              <a:solidFill>
+                <a:schemeClr val="tx1"/>
+              </a:solidFill>
+              <a:effectLst/>
+            </a:endParaRPr>
+          </a:p>
+          <a:p>
+            <a:pPr marL="0" marR="0" lvl="0" indent="0" algn="l" defTabSz="914400" rtl="0" eaLnBrk="0" fontAlgn="base" latinLnBrk="0" hangingPunct="0">
+              <a:lnSpc>
+                <a:spcPct val="100000"/>
+              </a:lnSpc>
+              <a:spcBef>
+                <a:spcPct val="0"/>
+              </a:spcBef>
+              <a:spcAft>
+                <a:spcPct val="0"/>
+              </a:spcAft>
+              <a:buClrTx/>
+              <a:buSzTx/>
+              <a:buFontTx/>
+              <a:buNone/>
+              <a:tabLst/>
+            </a:pPr>
+            <a:r>
+              <a:rPr kumimoji="0" lang="en-US" sz="1400" b="0" i="0" u="none" strike="noStrike" cap="none" normalizeH="0" baseline="0" dirty="0" smtClean="0">
+                <a:ln>
+                  <a:noFill/>
+                </a:ln>
+                <a:solidFill>
+                  <a:srgbClr val="273239"/>
+                </a:solidFill>
+                <a:effectLst/>
+                <a:latin typeface="Consolas" panose="020B0609020204030204" pitchFamily="49" charset="0"/>
+                <a:cs typeface="Consolas" panose="020B0609020204030204" pitchFamily="49" charset="0"/>
+              </a:rPr>
+              <a:t>                </a:t>
+            </a:r>
+            <a:r>
+              <a:rPr kumimoji="0" lang="en-US" sz="1400" b="0" i="0" u="none" strike="noStrike" cap="none" normalizeH="0" baseline="0" dirty="0" smtClean="0">
+                <a:ln>
+                  <a:noFill/>
+                </a:ln>
+                <a:solidFill>
+                  <a:srgbClr val="008200"/>
+                </a:solidFill>
+                <a:effectLst/>
+                <a:latin typeface="Consolas" panose="020B0609020204030204" pitchFamily="49" charset="0"/>
+                <a:cs typeface="Consolas" panose="020B0609020204030204" pitchFamily="49" charset="0"/>
+              </a:rPr>
+              <a:t>&lt;!-- This td will span two </a:t>
+            </a:r>
+            <a:endParaRPr kumimoji="0" lang="en-US" sz="1400" b="0" i="0" u="none" strike="noStrike" cap="none" normalizeH="0" baseline="0" dirty="0" smtClean="0">
+              <a:ln>
+                <a:noFill/>
+              </a:ln>
+              <a:solidFill>
+                <a:schemeClr val="tx1"/>
+              </a:solidFill>
+              <a:effectLst/>
+            </a:endParaRPr>
+          </a:p>
+          <a:p>
+            <a:pPr marL="0" marR="0" lvl="0" indent="0" algn="l" defTabSz="914400" rtl="0" eaLnBrk="0" fontAlgn="base" latinLnBrk="0" hangingPunct="0">
+              <a:lnSpc>
+                <a:spcPct val="100000"/>
+              </a:lnSpc>
+              <a:spcBef>
+                <a:spcPct val="0"/>
+              </a:spcBef>
+              <a:spcAft>
+                <a:spcPct val="0"/>
+              </a:spcAft>
+              <a:buClrTx/>
+              <a:buSzTx/>
+              <a:buFontTx/>
+              <a:buNone/>
+              <a:tabLst/>
+            </a:pPr>
+            <a:r>
+              <a:rPr kumimoji="0" lang="en-US" sz="1400" b="0" i="0" u="none" strike="noStrike" cap="none" normalizeH="0" baseline="0" dirty="0" smtClean="0">
+                <a:ln>
+                  <a:noFill/>
+                </a:ln>
+                <a:solidFill>
+                  <a:srgbClr val="273239"/>
+                </a:solidFill>
+                <a:effectLst/>
+                <a:latin typeface="Consolas" panose="020B0609020204030204" pitchFamily="49" charset="0"/>
+                <a:cs typeface="Consolas" panose="020B0609020204030204" pitchFamily="49" charset="0"/>
+              </a:rPr>
+              <a:t>                    </a:t>
+            </a:r>
+            <a:r>
+              <a:rPr kumimoji="0" lang="en-US" sz="1400" b="0" i="0" u="none" strike="noStrike" cap="none" normalizeH="0" baseline="0" dirty="0" smtClean="0">
+                <a:ln>
+                  <a:noFill/>
+                </a:ln>
+                <a:solidFill>
+                  <a:srgbClr val="008200"/>
+                </a:solidFill>
+                <a:effectLst/>
+                <a:latin typeface="Consolas" panose="020B0609020204030204" pitchFamily="49" charset="0"/>
+                <a:cs typeface="Consolas" panose="020B0609020204030204" pitchFamily="49" charset="0"/>
+              </a:rPr>
+              <a:t>columns, that is a </a:t>
+            </a:r>
+            <a:endParaRPr kumimoji="0" lang="en-US" sz="1400" b="0" i="0" u="none" strike="noStrike" cap="none" normalizeH="0" baseline="0" dirty="0" smtClean="0">
+              <a:ln>
+                <a:noFill/>
+              </a:ln>
+              <a:solidFill>
+                <a:schemeClr val="tx1"/>
+              </a:solidFill>
+              <a:effectLst/>
+            </a:endParaRPr>
+          </a:p>
+          <a:p>
+            <a:pPr marL="0" marR="0" lvl="0" indent="0" algn="l" defTabSz="914400" rtl="0" eaLnBrk="0" fontAlgn="base" latinLnBrk="0" hangingPunct="0">
+              <a:lnSpc>
+                <a:spcPct val="100000"/>
+              </a:lnSpc>
+              <a:spcBef>
+                <a:spcPct val="0"/>
+              </a:spcBef>
+              <a:spcAft>
+                <a:spcPct val="0"/>
+              </a:spcAft>
+              <a:buClrTx/>
+              <a:buSzTx/>
+              <a:buFontTx/>
+              <a:buNone/>
+              <a:tabLst/>
+            </a:pPr>
+            <a:r>
+              <a:rPr kumimoji="0" lang="en-US" sz="1400" b="0" i="0" u="none" strike="noStrike" cap="none" normalizeH="0" baseline="0" dirty="0" smtClean="0">
+                <a:ln>
+                  <a:noFill/>
+                </a:ln>
+                <a:solidFill>
+                  <a:srgbClr val="273239"/>
+                </a:solidFill>
+                <a:effectLst/>
+                <a:latin typeface="Consolas" panose="020B0609020204030204" pitchFamily="49" charset="0"/>
+                <a:cs typeface="Consolas" panose="020B0609020204030204" pitchFamily="49" charset="0"/>
+              </a:rPr>
+              <a:t>                    </a:t>
+            </a:r>
+            <a:r>
+              <a:rPr kumimoji="0" lang="en-US" sz="1400" b="0" i="0" u="none" strike="noStrike" cap="none" normalizeH="0" baseline="0" dirty="0" smtClean="0">
+                <a:ln>
+                  <a:noFill/>
+                </a:ln>
+                <a:solidFill>
+                  <a:srgbClr val="008200"/>
+                </a:solidFill>
+                <a:effectLst/>
+                <a:latin typeface="Consolas" panose="020B0609020204030204" pitchFamily="49" charset="0"/>
+                <a:cs typeface="Consolas" panose="020B0609020204030204" pitchFamily="49" charset="0"/>
+              </a:rPr>
+              <a:t>single column will take </a:t>
+            </a:r>
+            <a:endParaRPr kumimoji="0" lang="en-US" sz="1400" b="0" i="0" u="none" strike="noStrike" cap="none" normalizeH="0" baseline="0" dirty="0" smtClean="0">
+              <a:ln>
+                <a:noFill/>
+              </a:ln>
+              <a:solidFill>
+                <a:schemeClr val="tx1"/>
+              </a:solidFill>
+              <a:effectLst/>
+            </a:endParaRPr>
+          </a:p>
+          <a:p>
+            <a:pPr marL="0" marR="0" lvl="0" indent="0" algn="l" defTabSz="914400" rtl="0" eaLnBrk="0" fontAlgn="base" latinLnBrk="0" hangingPunct="0">
+              <a:lnSpc>
+                <a:spcPct val="100000"/>
+              </a:lnSpc>
+              <a:spcBef>
+                <a:spcPct val="0"/>
+              </a:spcBef>
+              <a:spcAft>
+                <a:spcPct val="0"/>
+              </a:spcAft>
+              <a:buClrTx/>
+              <a:buSzTx/>
+              <a:buFontTx/>
+              <a:buNone/>
+              <a:tabLst/>
+            </a:pPr>
+            <a:r>
+              <a:rPr kumimoji="0" lang="en-US" sz="1400" b="0" i="0" u="none" strike="noStrike" cap="none" normalizeH="0" baseline="0" dirty="0" smtClean="0">
+                <a:ln>
+                  <a:noFill/>
+                </a:ln>
+                <a:solidFill>
+                  <a:srgbClr val="273239"/>
+                </a:solidFill>
+                <a:effectLst/>
+                <a:latin typeface="Consolas" panose="020B0609020204030204" pitchFamily="49" charset="0"/>
+                <a:cs typeface="Consolas" panose="020B0609020204030204" pitchFamily="49" charset="0"/>
+              </a:rPr>
+              <a:t>                    </a:t>
+            </a:r>
+            <a:r>
+              <a:rPr kumimoji="0" lang="en-US" sz="1400" b="0" i="0" u="none" strike="noStrike" cap="none" normalizeH="0" baseline="0" dirty="0" smtClean="0">
+                <a:ln>
+                  <a:noFill/>
+                </a:ln>
+                <a:solidFill>
+                  <a:srgbClr val="008200"/>
+                </a:solidFill>
+                <a:effectLst/>
+                <a:latin typeface="Consolas" panose="020B0609020204030204" pitchFamily="49" charset="0"/>
+                <a:cs typeface="Consolas" panose="020B0609020204030204" pitchFamily="49" charset="0"/>
+              </a:rPr>
+              <a:t>up the space of 2 --&gt;</a:t>
+            </a:r>
+            <a:endParaRPr kumimoji="0" lang="en-US" sz="1400" b="0" i="0" u="none" strike="noStrike" cap="none" normalizeH="0" baseline="0" dirty="0" smtClean="0">
+              <a:ln>
+                <a:noFill/>
+              </a:ln>
+              <a:solidFill>
+                <a:schemeClr val="tx1"/>
+              </a:solidFill>
+              <a:effectLst/>
+            </a:endParaRPr>
+          </a:p>
+          <a:p>
+            <a:pPr marL="0" marR="0" lvl="0" indent="0" algn="l" defTabSz="914400" rtl="0" eaLnBrk="0" fontAlgn="base" latinLnBrk="0" hangingPunct="0">
+              <a:lnSpc>
+                <a:spcPct val="100000"/>
+              </a:lnSpc>
+              <a:spcBef>
+                <a:spcPct val="0"/>
+              </a:spcBef>
+              <a:spcAft>
+                <a:spcPct val="0"/>
+              </a:spcAft>
+              <a:buClrTx/>
+              <a:buSzTx/>
+              <a:buFontTx/>
+              <a:buNone/>
+              <a:tabLst/>
+            </a:pPr>
+            <a:r>
+              <a:rPr kumimoji="0" lang="en-US" sz="1400" b="0" i="0" u="none" strike="noStrike" cap="none" normalizeH="0" baseline="0" dirty="0" smtClean="0">
+                <a:ln>
+                  <a:noFill/>
+                </a:ln>
+                <a:solidFill>
+                  <a:srgbClr val="273239"/>
+                </a:solidFill>
+                <a:effectLst/>
+                <a:latin typeface="Consolas" panose="020B0609020204030204" pitchFamily="49" charset="0"/>
+                <a:cs typeface="Consolas" panose="020B0609020204030204" pitchFamily="49" charset="0"/>
+              </a:rPr>
+              <a:t>                </a:t>
+            </a:r>
+            <a:r>
+              <a:rPr kumimoji="0" lang="en-US" sz="1400" b="0" i="0" u="none" strike="noStrike" cap="none" normalizeH="0" baseline="0" dirty="0" smtClean="0">
+                <a:ln>
+                  <a:noFill/>
+                </a:ln>
+                <a:solidFill>
+                  <a:srgbClr val="000000"/>
+                </a:solidFill>
+                <a:effectLst/>
+                <a:latin typeface="Consolas" panose="020B0609020204030204" pitchFamily="49" charset="0"/>
+                <a:cs typeface="Consolas" panose="020B0609020204030204" pitchFamily="49" charset="0"/>
+              </a:rPr>
+              <a:t>&lt;</a:t>
+            </a:r>
+            <a:r>
+              <a:rPr kumimoji="0" lang="en-US" sz="1400" b="1" i="0" u="none" strike="noStrike" cap="none" normalizeH="0" baseline="0" dirty="0" smtClean="0">
+                <a:ln>
+                  <a:noFill/>
+                </a:ln>
+                <a:solidFill>
+                  <a:srgbClr val="006699"/>
+                </a:solidFill>
+                <a:effectLst/>
+                <a:latin typeface="Consolas" panose="020B0609020204030204" pitchFamily="49" charset="0"/>
+                <a:cs typeface="Consolas" panose="020B0609020204030204" pitchFamily="49" charset="0"/>
+              </a:rPr>
+              <a:t>td</a:t>
+            </a:r>
+            <a:r>
+              <a:rPr kumimoji="0" lang="en-US" sz="1400" b="0" i="0" u="none" strike="noStrike" cap="none" normalizeH="0" baseline="0" dirty="0" smtClean="0">
+                <a:ln>
+                  <a:noFill/>
+                </a:ln>
+                <a:solidFill>
+                  <a:srgbClr val="273239"/>
+                </a:solidFill>
+                <a:effectLst/>
+                <a:latin typeface="Consolas" panose="020B0609020204030204" pitchFamily="49" charset="0"/>
+                <a:cs typeface="Consolas" panose="020B0609020204030204" pitchFamily="49" charset="0"/>
+              </a:rPr>
+              <a:t> </a:t>
+            </a:r>
+            <a:r>
+              <a:rPr kumimoji="0" lang="en-US" sz="1400" b="0" i="0" u="none" strike="noStrike" cap="none" normalizeH="0" baseline="0" dirty="0" smtClean="0">
+                <a:ln>
+                  <a:noFill/>
+                </a:ln>
+                <a:solidFill>
+                  <a:srgbClr val="808080"/>
+                </a:solidFill>
+                <a:effectLst/>
+                <a:latin typeface="Consolas" panose="020B0609020204030204" pitchFamily="49" charset="0"/>
+                <a:cs typeface="Consolas" panose="020B0609020204030204" pitchFamily="49" charset="0"/>
+              </a:rPr>
+              <a:t>colspan</a:t>
+            </a:r>
+            <a:r>
+              <a:rPr kumimoji="0" lang="en-US" sz="1400" b="0" i="0" u="none" strike="noStrike" cap="none" normalizeH="0" baseline="0" dirty="0" smtClean="0">
+                <a:ln>
+                  <a:noFill/>
+                </a:ln>
+                <a:solidFill>
+                  <a:srgbClr val="000000"/>
+                </a:solidFill>
+                <a:effectLst/>
+                <a:latin typeface="Consolas" panose="020B0609020204030204" pitchFamily="49" charset="0"/>
+                <a:cs typeface="Consolas" panose="020B0609020204030204" pitchFamily="49" charset="0"/>
+              </a:rPr>
+              <a:t>=</a:t>
+            </a:r>
+            <a:r>
+              <a:rPr kumimoji="0" lang="en-US" sz="1400" b="0" i="0" u="none" strike="noStrike" cap="none" normalizeH="0" baseline="0" dirty="0" smtClean="0">
+                <a:ln>
+                  <a:noFill/>
+                </a:ln>
+                <a:solidFill>
+                  <a:srgbClr val="0000FF"/>
+                </a:solidFill>
+                <a:effectLst/>
+                <a:latin typeface="Consolas" panose="020B0609020204030204" pitchFamily="49" charset="0"/>
+                <a:cs typeface="Consolas" panose="020B0609020204030204" pitchFamily="49" charset="0"/>
+              </a:rPr>
+              <a:t>"2"</a:t>
+            </a:r>
+            <a:r>
+              <a:rPr kumimoji="0" lang="en-US" sz="1400" b="0" i="0" u="none" strike="noStrike" cap="none" normalizeH="0" baseline="0" dirty="0" smtClean="0">
+                <a:ln>
+                  <a:noFill/>
+                </a:ln>
+                <a:solidFill>
+                  <a:srgbClr val="000000"/>
+                </a:solidFill>
+                <a:effectLst/>
+                <a:latin typeface="Consolas" panose="020B0609020204030204" pitchFamily="49" charset="0"/>
+                <a:cs typeface="Consolas" panose="020B0609020204030204" pitchFamily="49" charset="0"/>
+              </a:rPr>
+              <a:t>&gt;Sum: 48&lt;/</a:t>
+            </a:r>
+            <a:r>
+              <a:rPr kumimoji="0" lang="en-US" sz="1400" b="1" i="0" u="none" strike="noStrike" cap="none" normalizeH="0" baseline="0" dirty="0" smtClean="0">
+                <a:ln>
+                  <a:noFill/>
+                </a:ln>
+                <a:solidFill>
+                  <a:srgbClr val="006699"/>
+                </a:solidFill>
+                <a:effectLst/>
+                <a:latin typeface="Consolas" panose="020B0609020204030204" pitchFamily="49" charset="0"/>
+                <a:cs typeface="Consolas" panose="020B0609020204030204" pitchFamily="49" charset="0"/>
+              </a:rPr>
+              <a:t>td</a:t>
+            </a:r>
+            <a:r>
+              <a:rPr kumimoji="0" lang="en-US" sz="1400" b="0" i="0" u="none" strike="noStrike" cap="none" normalizeH="0" baseline="0" dirty="0" smtClean="0">
+                <a:ln>
+                  <a:noFill/>
+                </a:ln>
+                <a:solidFill>
+                  <a:srgbClr val="000000"/>
+                </a:solidFill>
+                <a:effectLst/>
+                <a:latin typeface="Consolas" panose="020B0609020204030204" pitchFamily="49" charset="0"/>
+                <a:cs typeface="Consolas" panose="020B0609020204030204" pitchFamily="49" charset="0"/>
+              </a:rPr>
+              <a:t>&gt;</a:t>
+            </a:r>
+            <a:endParaRPr kumimoji="0" lang="en-US" sz="1400" b="0" i="0" u="none" strike="noStrike" cap="none" normalizeH="0" baseline="0" dirty="0" smtClean="0">
+              <a:ln>
+                <a:noFill/>
+              </a:ln>
+              <a:solidFill>
+                <a:schemeClr val="tx1"/>
+              </a:solidFill>
+              <a:effectLst/>
+            </a:endParaRPr>
+          </a:p>
+          <a:p>
+            <a:pPr marL="0" marR="0" lvl="0" indent="0" algn="l" defTabSz="914400" rtl="0" eaLnBrk="0" fontAlgn="base" latinLnBrk="0" hangingPunct="0">
+              <a:lnSpc>
+                <a:spcPct val="100000"/>
+              </a:lnSpc>
+              <a:spcBef>
+                <a:spcPct val="0"/>
+              </a:spcBef>
+              <a:spcAft>
+                <a:spcPct val="0"/>
+              </a:spcAft>
+              <a:buClrTx/>
+              <a:buSzTx/>
+              <a:buFontTx/>
+              <a:buNone/>
+              <a:tabLst/>
+            </a:pPr>
+            <a:r>
+              <a:rPr kumimoji="0" lang="en-US" sz="1400" b="0" i="0" u="none" strike="noStrike" cap="none" normalizeH="0" baseline="0" dirty="0" smtClean="0">
+                <a:ln>
+                  <a:noFill/>
+                </a:ln>
+                <a:solidFill>
+                  <a:srgbClr val="273239"/>
+                </a:solidFill>
+                <a:effectLst/>
+                <a:latin typeface="Consolas" panose="020B0609020204030204" pitchFamily="49" charset="0"/>
+                <a:cs typeface="Consolas" panose="020B0609020204030204" pitchFamily="49" charset="0"/>
+              </a:rPr>
+              <a:t>            </a:t>
+            </a:r>
+            <a:r>
+              <a:rPr kumimoji="0" lang="en-US" sz="1400" b="0" i="0" u="none" strike="noStrike" cap="none" normalizeH="0" baseline="0" dirty="0" smtClean="0">
+                <a:ln>
+                  <a:noFill/>
+                </a:ln>
+                <a:solidFill>
+                  <a:srgbClr val="000000"/>
+                </a:solidFill>
+                <a:effectLst/>
+                <a:latin typeface="Consolas" panose="020B0609020204030204" pitchFamily="49" charset="0"/>
+                <a:cs typeface="Consolas" panose="020B0609020204030204" pitchFamily="49" charset="0"/>
+              </a:rPr>
+              <a:t>&lt;/</a:t>
+            </a:r>
+            <a:r>
+              <a:rPr kumimoji="0" lang="en-US" sz="1400" b="1" i="0" u="none" strike="noStrike" cap="none" normalizeH="0" baseline="0" dirty="0" smtClean="0">
+                <a:ln>
+                  <a:noFill/>
+                </a:ln>
+                <a:solidFill>
+                  <a:srgbClr val="006699"/>
+                </a:solidFill>
+                <a:effectLst/>
+                <a:latin typeface="Consolas" panose="020B0609020204030204" pitchFamily="49" charset="0"/>
+                <a:cs typeface="Consolas" panose="020B0609020204030204" pitchFamily="49" charset="0"/>
+              </a:rPr>
+              <a:t>tr</a:t>
+            </a:r>
+            <a:r>
+              <a:rPr kumimoji="0" lang="en-US" sz="1400" b="0" i="0" u="none" strike="noStrike" cap="none" normalizeH="0" baseline="0" dirty="0" smtClean="0">
+                <a:ln>
+                  <a:noFill/>
+                </a:ln>
+                <a:solidFill>
+                  <a:srgbClr val="000000"/>
+                </a:solidFill>
+                <a:effectLst/>
+                <a:latin typeface="Consolas" panose="020B0609020204030204" pitchFamily="49" charset="0"/>
+                <a:cs typeface="Consolas" panose="020B0609020204030204" pitchFamily="49" charset="0"/>
+              </a:rPr>
+              <a:t>&gt;</a:t>
+            </a:r>
+            <a:endParaRPr kumimoji="0" lang="en-US" sz="1400" b="0" i="0" u="none" strike="noStrike" cap="none" normalizeH="0" baseline="0" dirty="0" smtClean="0">
+              <a:ln>
+                <a:noFill/>
+              </a:ln>
+              <a:solidFill>
+                <a:schemeClr val="tx1"/>
+              </a:solidFill>
+              <a:effectLst/>
+            </a:endParaRPr>
+          </a:p>
+          <a:p>
+            <a:pPr marL="0" marR="0" lvl="0" indent="0" algn="l" defTabSz="914400" rtl="0" eaLnBrk="0" fontAlgn="base" latinLnBrk="0" hangingPunct="0">
+              <a:lnSpc>
+                <a:spcPct val="100000"/>
+              </a:lnSpc>
+              <a:spcBef>
+                <a:spcPct val="0"/>
+              </a:spcBef>
+              <a:spcAft>
+                <a:spcPct val="0"/>
+              </a:spcAft>
+              <a:buClrTx/>
+              <a:buSzTx/>
+              <a:buFontTx/>
+              <a:buNone/>
+              <a:tabLst/>
+            </a:pPr>
+            <a:r>
+              <a:rPr kumimoji="0" lang="en-US" sz="1400" b="0" i="0" u="none" strike="noStrike" cap="none" normalizeH="0" baseline="0" dirty="0" smtClean="0">
+                <a:ln>
+                  <a:noFill/>
+                </a:ln>
+                <a:solidFill>
+                  <a:srgbClr val="273239"/>
+                </a:solidFill>
+                <a:effectLst/>
+                <a:latin typeface="Consolas" panose="020B0609020204030204" pitchFamily="49" charset="0"/>
+                <a:cs typeface="Consolas" panose="020B0609020204030204" pitchFamily="49" charset="0"/>
+              </a:rPr>
+              <a:t>        </a:t>
+            </a:r>
+            <a:r>
+              <a:rPr kumimoji="0" lang="en-US" sz="1400" b="0" i="0" u="none" strike="noStrike" cap="none" normalizeH="0" baseline="0" dirty="0" smtClean="0">
+                <a:ln>
+                  <a:noFill/>
+                </a:ln>
+                <a:solidFill>
+                  <a:srgbClr val="000000"/>
+                </a:solidFill>
+                <a:effectLst/>
+                <a:latin typeface="Consolas" panose="020B0609020204030204" pitchFamily="49" charset="0"/>
+                <a:cs typeface="Consolas" panose="020B0609020204030204" pitchFamily="49" charset="0"/>
+              </a:rPr>
+              <a:t>&lt;/</a:t>
+            </a:r>
+            <a:r>
+              <a:rPr kumimoji="0" lang="en-US" sz="1400" b="1" i="0" u="none" strike="noStrike" cap="none" normalizeH="0" baseline="0" dirty="0" smtClean="0">
+                <a:ln>
+                  <a:noFill/>
+                </a:ln>
+                <a:solidFill>
+                  <a:srgbClr val="006699"/>
+                </a:solidFill>
+                <a:effectLst/>
+                <a:latin typeface="Consolas" panose="020B0609020204030204" pitchFamily="49" charset="0"/>
+                <a:cs typeface="Consolas" panose="020B0609020204030204" pitchFamily="49" charset="0"/>
+              </a:rPr>
+              <a:t>table</a:t>
+            </a:r>
+            <a:r>
+              <a:rPr kumimoji="0" lang="en-US" sz="1400" b="0" i="0" u="none" strike="noStrike" cap="none" normalizeH="0" baseline="0" dirty="0" smtClean="0">
+                <a:ln>
+                  <a:noFill/>
+                </a:ln>
+                <a:solidFill>
+                  <a:srgbClr val="000000"/>
+                </a:solidFill>
+                <a:effectLst/>
+                <a:latin typeface="Consolas" panose="020B0609020204030204" pitchFamily="49" charset="0"/>
+                <a:cs typeface="Consolas" panose="020B0609020204030204" pitchFamily="49" charset="0"/>
+              </a:rPr>
+              <a:t>&gt;</a:t>
+            </a:r>
+            <a:endParaRPr kumimoji="0" lang="en-US" sz="1400" b="0" i="0" u="none" strike="noStrike" cap="none" normalizeH="0" baseline="0" dirty="0" smtClean="0">
+              <a:ln>
+                <a:noFill/>
+              </a:ln>
+              <a:solidFill>
+                <a:schemeClr val="tx1"/>
+              </a:solidFill>
+              <a:effectLst/>
+            </a:endParaRPr>
+          </a:p>
+        </p:txBody>
+      </p:sp>
+      <p:pic>
+        <p:nvPicPr>
+          <p:cNvPr id="5" name="Picture 4"/>
+          <p:cNvPicPr>
+            <a:picLocks noChangeAspect="1"/>
+          </p:cNvPicPr>
+          <p:nvPr/>
+        </p:nvPicPr>
+        <p:blipFill>
+          <a:blip r:embed="rId2"/>
+          <a:stretch>
+            <a:fillRect/>
+          </a:stretch>
+        </p:blipFill>
+        <p:spPr>
+          <a:xfrm>
+            <a:off x="5541469" y="4301544"/>
+            <a:ext cx="1914506" cy="1780369"/>
+          </a:xfrm>
+          <a:prstGeom prst="rect">
+            <a:avLst/>
+          </a:prstGeom>
+        </p:spPr>
+      </p:pic>
+    </p:spTree>
+    <p:extLst>
+      <p:ext uri="{BB962C8B-B14F-4D97-AF65-F5344CB8AC3E}">
+        <p14:creationId xmlns:p14="http://schemas.microsoft.com/office/powerpoint/2010/main" val="1247398784"/>
+      </p:ext>
+    </p:extLst>
+  </p:cSld>
+  <p:clrMapOvr>
+    <a:masterClrMapping/>
+  </p:clrMapOvr>
+</p:sld>
+</file>
+
+<file path=ppt/slides/slide45.xml><?xml version="1.0" encoding="utf-8"?>
+<p:sld xmlns:a="http://schemas.openxmlformats.org/drawingml/2006/main" xmlns:r="http://schemas.openxmlformats.org/officeDocument/2006/relationships" xmlns:p="http://schemas.openxmlformats.org/presentationml/2006/main">
+  <p:cSld>
+    <p:spTree>
+      <p:nvGrpSpPr>
+        <p:cNvPr id="1" name=""/>
+        <p:cNvGrpSpPr/>
+        <p:nvPr/>
+      </p:nvGrpSpPr>
+      <p:grpSpPr>
+        <a:xfrm>
+          <a:off x="0" y="0"/>
+          <a:ext cx="0" cy="0"/>
+          <a:chOff x="0" y="0"/>
+          <a:chExt cx="0" cy="0"/>
+        </a:xfrm>
+      </p:grpSpPr>
+      <p:sp>
+        <p:nvSpPr>
+          <p:cNvPr id="2" name="Title 1"/>
+          <p:cNvSpPr>
+            <a:spLocks noGrp="1"/>
+          </p:cNvSpPr>
+          <p:nvPr>
+            <p:ph type="title"/>
+          </p:nvPr>
+        </p:nvSpPr>
+        <p:spPr/>
+        <p:txBody>
+          <a:bodyPr>
+            <a:normAutofit fontScale="90000"/>
+          </a:bodyPr>
+          <a:lstStyle/>
+          <a:p>
+            <a:r>
+              <a:rPr lang="en-US" dirty="0" smtClean="0"/>
+              <a:t>10) What </a:t>
+            </a:r>
+            <a:r>
+              <a:rPr lang="en-US" dirty="0"/>
+              <a:t>is the difference between a block-level element and an inline element? </a:t>
+            </a:r>
+            <a:br>
+              <a:rPr lang="en-US" dirty="0"/>
+            </a:br>
+            <a:endParaRPr lang="en-US" dirty="0"/>
+          </a:p>
+        </p:txBody>
+      </p:sp>
+      <p:pic>
+        <p:nvPicPr>
+          <p:cNvPr id="4" name="Content Placeholder 3"/>
+          <p:cNvPicPr>
+            <a:picLocks noGrp="1" noChangeAspect="1"/>
+          </p:cNvPicPr>
+          <p:nvPr>
+            <p:ph idx="1"/>
+          </p:nvPr>
+        </p:nvPicPr>
+        <p:blipFill>
+          <a:blip r:embed="rId2">
+            <a:extLst>
+              <a:ext uri="{28A0092B-C50C-407E-A947-70E740481C1C}">
+                <a14:useLocalDpi xmlns:a14="http://schemas.microsoft.com/office/drawing/2010/main" val="0"/>
+              </a:ext>
+            </a:extLst>
+          </a:blip>
+          <a:stretch>
+            <a:fillRect/>
+          </a:stretch>
+        </p:blipFill>
+        <p:spPr>
+          <a:xfrm>
+            <a:off x="1826563" y="1797636"/>
+            <a:ext cx="6298209" cy="4360299"/>
+          </a:xfrm>
+        </p:spPr>
+      </p:pic>
+    </p:spTree>
+    <p:extLst>
+      <p:ext uri="{BB962C8B-B14F-4D97-AF65-F5344CB8AC3E}">
+        <p14:creationId xmlns:p14="http://schemas.microsoft.com/office/powerpoint/2010/main" val="3434256748"/>
+      </p:ext>
+    </p:extLst>
+  </p:cSld>
+  <p:clrMapOvr>
+    <a:masterClrMapping/>
+  </p:clrMapOvr>
+</p:sld>
+</file>
+
+<file path=ppt/slides/slide46.xml><?xml version="1.0" encoding="utf-8"?>
+<p:sld xmlns:a="http://schemas.openxmlformats.org/drawingml/2006/main" xmlns:r="http://schemas.openxmlformats.org/officeDocument/2006/relationships" xmlns:p="http://schemas.openxmlformats.org/presentationml/2006/main">
+  <p:cSld>
+    <p:spTree>
+      <p:nvGrpSpPr>
+        <p:cNvPr id="1" name=""/>
+        <p:cNvGrpSpPr/>
+        <p:nvPr/>
+      </p:nvGrpSpPr>
+      <p:grpSpPr>
+        <a:xfrm>
+          <a:off x="0" y="0"/>
+          <a:ext cx="0" cy="0"/>
+          <a:chOff x="0" y="0"/>
+          <a:chExt cx="0" cy="0"/>
+        </a:xfrm>
+      </p:grpSpPr>
+      <p:sp>
+        <p:nvSpPr>
+          <p:cNvPr id="2" name="Title 1"/>
+          <p:cNvSpPr>
+            <a:spLocks noGrp="1"/>
+          </p:cNvSpPr>
+          <p:nvPr>
+            <p:ph type="title"/>
+          </p:nvPr>
+        </p:nvSpPr>
+        <p:spPr/>
+        <p:txBody>
           <a:bodyPr>
             <a:normAutofit fontScale="90000"/>
           </a:bodyPr>
@@ -11612,7 +17846,7 @@
 </p:sld>
 </file>
 
-<file path=ppt/slides/slide37.xml><?xml version="1.0" encoding="utf-8"?>
+<file path=ppt/slides/slide47.xml><?xml version="1.0" encoding="utf-8"?>
 <p:sld xmlns:a="http://schemas.openxmlformats.org/drawingml/2006/main" xmlns:r="http://schemas.openxmlformats.org/officeDocument/2006/relationships" xmlns:p="http://schemas.openxmlformats.org/presentationml/2006/main">
   <p:cSld>
     <p:spTree>
@@ -11874,7 +18108,7 @@
 </p:sld>
 </file>
 
-<file path=ppt/slides/slide38.xml><?xml version="1.0" encoding="utf-8"?>
+<file path=ppt/slides/slide48.xml><?xml version="1.0" encoding="utf-8"?>
 <p:sld xmlns:a="http://schemas.openxmlformats.org/drawingml/2006/main" xmlns:r="http://schemas.openxmlformats.org/officeDocument/2006/relationships" xmlns:p="http://schemas.openxmlformats.org/presentationml/2006/main">
   <p:cSld>
     <p:spTree>
@@ -12109,7 +18343,7 @@
 </p:sld>
 </file>
 
-<file path=ppt/slides/slide39.xml><?xml version="1.0" encoding="utf-8"?>
+<file path=ppt/slides/slide49.xml><?xml version="1.0" encoding="utf-8"?>
 <p:sld xmlns:a="http://schemas.openxmlformats.org/drawingml/2006/main" xmlns:r="http://schemas.openxmlformats.org/officeDocument/2006/relationships" xmlns:p="http://schemas.openxmlformats.org/presentationml/2006/main">
   <p:cSld>
     <p:spTree>
@@ -12454,7 +18688,7 @@
 </p:sld>
 </file>
 
-<file path=ppt/slides/slide4.xml><?xml version="1.0" encoding="utf-8"?>
+<file path=ppt/slides/slide5.xml><?xml version="1.0" encoding="utf-8"?>
 <p:sld xmlns:a="http://schemas.openxmlformats.org/drawingml/2006/main" xmlns:r="http://schemas.openxmlformats.org/officeDocument/2006/relationships" xmlns:p="http://schemas.openxmlformats.org/presentationml/2006/main">
   <p:cSld>
     <p:spTree>
@@ -12483,17 +18717,27 @@
         </p:nvSpPr>
         <p:spPr>
           <a:xfrm>
-            <a:off x="677334" y="154546"/>
-            <a:ext cx="8596668" cy="734096"/>
+            <a:off x="677334" y="596721"/>
+            <a:ext cx="8596668" cy="819955"/>
           </a:xfrm>
         </p:spPr>
         <p:txBody>
-          <a:bodyPr/>
+          <a:bodyPr>
+            <a:normAutofit fontScale="90000"/>
+          </a:bodyPr>
           <a:lstStyle/>
           <a:p>
             <a:r>
-              <a:rPr lang="en-US" dirty="0" smtClean="0"/>
-              <a:t>EXAMPLE OF HTML ELEMENTS</a:t>
+              <a:rPr lang="en-US" b="1" dirty="0" smtClean="0"/>
+              <a:t>2) What </a:t>
+            </a:r>
+            <a:r>
+              <a:rPr lang="en-US" b="1" dirty="0"/>
+              <a:t>are Tags and </a:t>
+            </a:r>
+            <a:r>
+              <a:rPr lang="en-US" b="1" dirty="0" smtClean="0"/>
+              <a:t>Attributes in HTML?</a:t>
             </a:r>
             <a:endParaRPr lang="en-US" dirty="0"/>
           </a:p>
@@ -12511,103 +18755,119 @@
         </p:nvSpPr>
         <p:spPr>
           <a:xfrm>
-            <a:off x="806123" y="1014369"/>
-            <a:ext cx="8596668" cy="3880773"/>
+            <a:off x="677334" y="1416677"/>
+            <a:ext cx="8596668" cy="3876540"/>
           </a:xfrm>
         </p:spPr>
         <p:txBody>
-          <a:bodyPr/>
-          <a:lstStyle/>
-          <a:p>
-            <a:r>
-              <a:rPr lang="en-US" dirty="0"/>
-              <a:t> </a:t>
-            </a:r>
-            <a:r>
-              <a:rPr lang="en-US" dirty="0" smtClean="0"/>
-              <a:t>How </a:t>
-            </a:r>
-            <a:r>
-              <a:rPr lang="en-US" dirty="0"/>
-              <a:t>tags are different from elements in HTML</a:t>
-            </a:r>
-          </a:p>
-          <a:p>
-            <a:endParaRPr lang="en-US" dirty="0"/>
-          </a:p>
-        </p:txBody>
-      </p:sp>
-      <p:pic>
-        <p:nvPicPr>
-          <p:cNvPr id="4" name="Picture 3"/>
-          <p:cNvPicPr>
-            <a:picLocks noChangeAspect="1"/>
-          </p:cNvPicPr>
-          <p:nvPr/>
-        </p:nvPicPr>
-        <p:blipFill>
-          <a:blip r:embed="rId2">
-            <a:extLst>
-              <a:ext uri="{28A0092B-C50C-407E-A947-70E740481C1C}">
-                <a14:useLocalDpi xmlns:a14="http://schemas.microsoft.com/office/drawing/2010/main" val="0"/>
-              </a:ext>
-            </a:extLst>
-          </a:blip>
-          <a:stretch>
-            <a:fillRect/>
-          </a:stretch>
-        </p:blipFill>
-        <p:spPr>
-          <a:xfrm>
-            <a:off x="818475" y="1450376"/>
-            <a:ext cx="6392640" cy="3570493"/>
-          </a:xfrm>
-          <a:prstGeom prst="rect">
-            <a:avLst/>
-          </a:prstGeom>
-        </p:spPr>
-      </p:pic>
-      <p:sp>
-        <p:nvSpPr>
-          <p:cNvPr id="5" name="TextBox 4"/>
-          <p:cNvSpPr txBox="1"/>
-          <p:nvPr/>
-        </p:nvSpPr>
-        <p:spPr>
-          <a:xfrm>
-            <a:off x="1313645" y="5456876"/>
-            <a:ext cx="6560386" cy="369332"/>
-          </a:xfrm>
-          <a:prstGeom prst="rect">
-            <a:avLst/>
-          </a:prstGeom>
-          <a:solidFill>
-            <a:schemeClr val="bg2"/>
-          </a:solidFill>
-          <a:ln>
-            <a:solidFill>
-              <a:schemeClr val="accent1"/>
-            </a:solidFill>
-          </a:ln>
-        </p:spPr>
-        <p:txBody>
-          <a:bodyPr wrap="none" rtlCol="0">
-            <a:spAutoFit/>
+          <a:bodyPr>
+            <a:normAutofit/>
           </a:bodyPr>
           <a:lstStyle/>
           <a:p>
             <a:r>
+              <a:rPr lang="en-US" dirty="0"/>
+              <a:t>Tags and attributes are the basis of HTML</a:t>
+            </a:r>
+            <a:r>
               <a:rPr lang="en-US" dirty="0" smtClean="0"/>
-              <a:t>That’s Why HTML tags and HTML elements both are different.</a:t>
-            </a:r>
-            <a:endParaRPr lang="en-US" dirty="0"/>
+              <a:t>.</a:t>
+            </a:r>
+          </a:p>
+          <a:p>
+            <a:r>
+              <a:rPr lang="en-US" dirty="0" smtClean="0"/>
+              <a:t>They work together but perform different functions.</a:t>
+            </a:r>
+          </a:p>
+          <a:p>
+            <a:r>
+              <a:rPr lang="en-US" b="1" u="sng" dirty="0">
+                <a:solidFill>
+                  <a:schemeClr val="accent1">
+                    <a:lumMod val="75000"/>
+                  </a:schemeClr>
+                </a:solidFill>
+              </a:rPr>
+              <a:t>What are </a:t>
+            </a:r>
+            <a:r>
+              <a:rPr lang="en-US" b="1" u="sng" dirty="0" smtClean="0">
+                <a:solidFill>
+                  <a:schemeClr val="accent1">
+                    <a:lumMod val="75000"/>
+                  </a:schemeClr>
+                </a:solidFill>
+              </a:rPr>
+              <a:t>HTML Tags?</a:t>
+            </a:r>
+          </a:p>
+          <a:p>
+            <a:r>
+              <a:rPr lang="en-US" dirty="0"/>
+              <a:t>Tags are used to mark up the start of an HTML element and they are usually enclosed in angle brackets. An Example of the tags is :&lt;h1&gt;</a:t>
+            </a:r>
+          </a:p>
+          <a:p>
+            <a:pPr fontAlgn="base"/>
+            <a:r>
+              <a:rPr lang="en-US" dirty="0"/>
+              <a:t>Most tags must be opened &lt;h1&gt; and closed &lt;/h1&gt; in order to function</a:t>
+            </a:r>
+            <a:r>
+              <a:rPr lang="en-US" dirty="0" smtClean="0"/>
+              <a:t>.</a:t>
+            </a:r>
+          </a:p>
+          <a:p>
+            <a:pPr fontAlgn="base"/>
+            <a:r>
+              <a:rPr lang="en-US" b="1" u="sng" dirty="0" smtClean="0">
+                <a:solidFill>
+                  <a:schemeClr val="accent1">
+                    <a:lumMod val="75000"/>
+                  </a:schemeClr>
+                </a:solidFill>
+              </a:rPr>
+              <a:t>What are HTML Attributes? </a:t>
+            </a:r>
+          </a:p>
+          <a:p>
+            <a:pPr fontAlgn="base">
+              <a:lnSpc>
+                <a:spcPct val="150000"/>
+              </a:lnSpc>
+            </a:pPr>
+            <a:r>
+              <a:rPr lang="en-US" dirty="0"/>
+              <a:t>Attributes contain additional pieces of </a:t>
+            </a:r>
+            <a:r>
+              <a:rPr lang="en-US" dirty="0" smtClean="0"/>
+              <a:t>information.</a:t>
+            </a:r>
+          </a:p>
+          <a:p>
+            <a:pPr fontAlgn="base"/>
+            <a:r>
+              <a:rPr lang="en-US" dirty="0" smtClean="0"/>
+              <a:t>Attributes </a:t>
+            </a:r>
+            <a:r>
+              <a:rPr lang="en-US" dirty="0"/>
+              <a:t>take the form of an opening tag and additional info is placed inside</a:t>
+            </a:r>
+            <a:r>
+              <a:rPr lang="en-US" dirty="0" smtClean="0"/>
+              <a:t>. For Example </a:t>
+            </a:r>
           </a:p>
         </p:txBody>
       </p:sp>
     </p:spTree>
     <p:extLst>
       <p:ext uri="{BB962C8B-B14F-4D97-AF65-F5344CB8AC3E}">
-        <p14:creationId xmlns:p14="http://schemas.microsoft.com/office/powerpoint/2010/main" val="3281628603"/>
+        <p14:creationId xmlns:p14="http://schemas.microsoft.com/office/powerpoint/2010/main" val="2730941802"/>
       </p:ext>
     </p:extLst>
   </p:cSld>
@@ -12624,7 +18884,7 @@
 </p:sld>
 </file>
 
-<file path=ppt/slides/slide40.xml><?xml version="1.0" encoding="utf-8"?>
+<file path=ppt/slides/slide50.xml><?xml version="1.0" encoding="utf-8"?>
 <p:sld xmlns:a="http://schemas.openxmlformats.org/drawingml/2006/main" xmlns:r="http://schemas.openxmlformats.org/officeDocument/2006/relationships" xmlns:p="http://schemas.openxmlformats.org/presentationml/2006/main">
   <p:cSld>
     <p:spTree>
@@ -12878,7 +19138,7 @@
 </p:sld>
 </file>
 
-<file path=ppt/slides/slide41.xml><?xml version="1.0" encoding="utf-8"?>
+<file path=ppt/slides/slide51.xml><?xml version="1.0" encoding="utf-8"?>
 <p:sld xmlns:a="http://schemas.openxmlformats.org/drawingml/2006/main" xmlns:r="http://schemas.openxmlformats.org/officeDocument/2006/relationships" xmlns:p="http://schemas.openxmlformats.org/presentationml/2006/main">
   <p:cSld>
     <p:spTree>
@@ -13250,7 +19510,7 @@
 </p:sld>
 </file>
 
-<file path=ppt/slides/slide42.xml><?xml version="1.0" encoding="utf-8"?>
+<file path=ppt/slides/slide52.xml><?xml version="1.0" encoding="utf-8"?>
 <p:sld xmlns:a="http://schemas.openxmlformats.org/drawingml/2006/main" xmlns:r="http://schemas.openxmlformats.org/officeDocument/2006/relationships" xmlns:p="http://schemas.openxmlformats.org/presentationml/2006/main">
   <p:cSld>
     <p:spTree>
@@ -13545,7 +19805,7 @@
 </p:sld>
 </file>
 
-<file path=ppt/slides/slide43.xml><?xml version="1.0" encoding="utf-8"?>
+<file path=ppt/slides/slide53.xml><?xml version="1.0" encoding="utf-8"?>
 <p:sld xmlns:a="http://schemas.openxmlformats.org/drawingml/2006/main" xmlns:r="http://schemas.openxmlformats.org/officeDocument/2006/relationships" xmlns:p="http://schemas.openxmlformats.org/presentationml/2006/main">
   <p:cSld>
     <p:spTree>
@@ -13877,7 +20137,7 @@
 </p:sld>
 </file>
 
-<file path=ppt/slides/slide44.xml><?xml version="1.0" encoding="utf-8"?>
+<file path=ppt/slides/slide54.xml><?xml version="1.0" encoding="utf-8"?>
 <p:sld xmlns:a="http://schemas.openxmlformats.org/drawingml/2006/main" xmlns:r="http://schemas.openxmlformats.org/officeDocument/2006/relationships" xmlns:p="http://schemas.openxmlformats.org/presentationml/2006/main">
   <p:cSld>
     <p:spTree>
@@ -14185,7 +20445,7 @@
 </p:sld>
 </file>
 
-<file path=ppt/slides/slide45.xml><?xml version="1.0" encoding="utf-8"?>
+<file path=ppt/slides/slide55.xml><?xml version="1.0" encoding="utf-8"?>
 <p:sld xmlns:a="http://schemas.openxmlformats.org/drawingml/2006/main" xmlns:r="http://schemas.openxmlformats.org/officeDocument/2006/relationships" xmlns:p="http://schemas.openxmlformats.org/presentationml/2006/main">
   <p:cSld>
     <p:spTree>
@@ -14675,7 +20935,6 @@
               <a:rPr lang="en-US" dirty="0"/>
               <a:t>the other characters.</a:t>
             </a:r>
-            <a:endParaRPr lang="en-US" dirty="0"/>
           </a:p>
         </p:txBody>
       </p:sp>
@@ -14755,7 +21014,7 @@
 </p:sld>
 </file>
 
-<file path=ppt/slides/slide46.xml><?xml version="1.0" encoding="utf-8"?>
+<file path=ppt/slides/slide56.xml><?xml version="1.0" encoding="utf-8"?>
 <p:sld xmlns:a="http://schemas.openxmlformats.org/drawingml/2006/main" xmlns:r="http://schemas.openxmlformats.org/officeDocument/2006/relationships" xmlns:p="http://schemas.openxmlformats.org/presentationml/2006/main">
   <p:cSld>
     <p:spTree>
@@ -14911,7 +21170,7 @@
 </p:sld>
 </file>
 
-<file path=ppt/slides/slide47.xml><?xml version="1.0" encoding="utf-8"?>
+<file path=ppt/slides/slide57.xml><?xml version="1.0" encoding="utf-8"?>
 <p:sld xmlns:a="http://schemas.openxmlformats.org/drawingml/2006/main" xmlns:r="http://schemas.openxmlformats.org/officeDocument/2006/relationships" xmlns:p="http://schemas.openxmlformats.org/presentationml/2006/main">
   <p:cSld>
     <p:spTree>
@@ -14993,7 +21252,654 @@
 </p:sld>
 </file>
 
-<file path=ppt/slides/slide48.xml><?xml version="1.0" encoding="utf-8"?>
+<file path=ppt/slides/slide58.xml><?xml version="1.0" encoding="utf-8"?>
+<p:sld xmlns:a="http://schemas.openxmlformats.org/drawingml/2006/main" xmlns:r="http://schemas.openxmlformats.org/officeDocument/2006/relationships" xmlns:p="http://schemas.openxmlformats.org/presentationml/2006/main">
+  <p:cSld>
+    <p:spTree>
+      <p:nvGrpSpPr>
+        <p:cNvPr id="1" name=""/>
+        <p:cNvGrpSpPr/>
+        <p:nvPr/>
+      </p:nvGrpSpPr>
+      <p:grpSpPr>
+        <a:xfrm>
+          <a:off x="0" y="0"/>
+          <a:ext cx="0" cy="0"/>
+          <a:chOff x="0" y="0"/>
+          <a:chExt cx="0" cy="0"/>
+        </a:xfrm>
+      </p:grpSpPr>
+      <p:sp>
+        <p:nvSpPr>
+          <p:cNvPr id="2" name="Title 1"/>
+          <p:cNvSpPr>
+            <a:spLocks noGrp="1"/>
+          </p:cNvSpPr>
+          <p:nvPr>
+            <p:ph type="title"/>
+          </p:nvPr>
+        </p:nvSpPr>
+        <p:spPr>
+          <a:xfrm>
+            <a:off x="677334" y="991672"/>
+            <a:ext cx="8596668" cy="938727"/>
+          </a:xfrm>
+        </p:spPr>
+        <p:txBody>
+          <a:bodyPr>
+            <a:normAutofit fontScale="90000"/>
+          </a:bodyPr>
+          <a:lstStyle/>
+          <a:p>
+            <a:r>
+              <a:rPr lang="en-US" dirty="0"/>
+              <a:t/>
+            </a:r>
+            <a:br>
+              <a:rPr lang="en-US" dirty="0"/>
+            </a:br>
+            <a:r>
+              <a:rPr lang="en-US" dirty="0"/>
+              <a:t> </a:t>
+            </a:r>
+            <a:br>
+              <a:rPr lang="en-US" dirty="0"/>
+            </a:br>
+            <a:r>
+              <a:rPr lang="en-US" dirty="0"/>
+              <a:t>What is the use of a span tag? Explain with example? </a:t>
+            </a:r>
+          </a:p>
+        </p:txBody>
+      </p:sp>
+      <p:sp>
+        <p:nvSpPr>
+          <p:cNvPr id="5" name="Rectangle 2"/>
+          <p:cNvSpPr>
+            <a:spLocks noGrp="1" noChangeArrowheads="1"/>
+          </p:cNvSpPr>
+          <p:nvPr>
+            <p:ph idx="1"/>
+          </p:nvPr>
+        </p:nvSpPr>
+        <p:spPr bwMode="auto">
+          <a:xfrm>
+            <a:off x="677334" y="3223813"/>
+            <a:ext cx="8712642" cy="1754326"/>
+          </a:xfrm>
+          <a:prstGeom prst="rect">
+            <a:avLst/>
+          </a:prstGeom>
+          <a:solidFill>
+            <a:srgbClr val="FFFFFF"/>
+          </a:solidFill>
+          <a:ln>
+            <a:noFill/>
+          </a:ln>
+          <a:effectLst/>
+          <a:extLst>
+            <a:ext uri="{91240B29-F687-4F45-9708-019B960494DF}">
+              <a14:hiddenLine xmlns:a14="http://schemas.microsoft.com/office/drawing/2010/main" w="9525">
+                <a:solidFill>
+                  <a:schemeClr val="tx1"/>
+                </a:solidFill>
+                <a:miter lim="800000"/>
+                <a:headEnd/>
+                <a:tailEnd/>
+              </a14:hiddenLine>
+            </a:ext>
+            <a:ext uri="{AF507438-7753-43E0-B8FC-AC1667EBCBE1}">
+              <a14:hiddenEffects xmlns:a14="http://schemas.microsoft.com/office/drawing/2010/main">
+                <a:effectLst>
+                  <a:outerShdw dist="35921" dir="2700000" algn="ctr" rotWithShape="0">
+                    <a:schemeClr val="bg2"/>
+                  </a:outerShdw>
+                </a:effectLst>
+              </a14:hiddenEffects>
+            </a:ext>
+          </a:extLst>
+        </p:spPr>
+        <p:txBody>
+          <a:bodyPr vert="horz" wrap="none" lIns="91440" tIns="45720" rIns="91440" bIns="45720" numCol="1" anchor="ctr" anchorCtr="0" compatLnSpc="1">
+            <a:prstTxWarp prst="textNoShape">
+              <a:avLst/>
+            </a:prstTxWarp>
+            <a:spAutoFit/>
+          </a:bodyPr>
+          <a:lstStyle>
+            <a:lvl1pPr eaLnBrk="0" fontAlgn="base" hangingPunct="0">
+              <a:spcBef>
+                <a:spcPct val="0"/>
+              </a:spcBef>
+              <a:spcAft>
+                <a:spcPct val="0"/>
+              </a:spcAft>
+              <a:defRPr>
+                <a:solidFill>
+                  <a:schemeClr val="tx1"/>
+                </a:solidFill>
+                <a:latin typeface="Arial" panose="020B0604020202020204" pitchFamily="34" charset="0"/>
+              </a:defRPr>
+            </a:lvl1pPr>
+            <a:lvl2pPr eaLnBrk="0" fontAlgn="base" hangingPunct="0">
+              <a:spcBef>
+                <a:spcPct val="0"/>
+              </a:spcBef>
+              <a:spcAft>
+                <a:spcPct val="0"/>
+              </a:spcAft>
+              <a:defRPr>
+                <a:solidFill>
+                  <a:schemeClr val="tx1"/>
+                </a:solidFill>
+                <a:latin typeface="Arial" panose="020B0604020202020204" pitchFamily="34" charset="0"/>
+              </a:defRPr>
+            </a:lvl2pPr>
+            <a:lvl3pPr eaLnBrk="0" fontAlgn="base" hangingPunct="0">
+              <a:spcBef>
+                <a:spcPct val="0"/>
+              </a:spcBef>
+              <a:spcAft>
+                <a:spcPct val="0"/>
+              </a:spcAft>
+              <a:defRPr>
+                <a:solidFill>
+                  <a:schemeClr val="tx1"/>
+                </a:solidFill>
+                <a:latin typeface="Arial" panose="020B0604020202020204" pitchFamily="34" charset="0"/>
+              </a:defRPr>
+            </a:lvl3pPr>
+            <a:lvl4pPr eaLnBrk="0" fontAlgn="base" hangingPunct="0">
+              <a:spcBef>
+                <a:spcPct val="0"/>
+              </a:spcBef>
+              <a:spcAft>
+                <a:spcPct val="0"/>
+              </a:spcAft>
+              <a:defRPr>
+                <a:solidFill>
+                  <a:schemeClr val="tx1"/>
+                </a:solidFill>
+                <a:latin typeface="Arial" panose="020B0604020202020204" pitchFamily="34" charset="0"/>
+              </a:defRPr>
+            </a:lvl4pPr>
+            <a:lvl5pPr eaLnBrk="0" fontAlgn="base" hangingPunct="0">
+              <a:spcBef>
+                <a:spcPct val="0"/>
+              </a:spcBef>
+              <a:spcAft>
+                <a:spcPct val="0"/>
+              </a:spcAft>
+              <a:defRPr>
+                <a:solidFill>
+                  <a:schemeClr val="tx1"/>
+                </a:solidFill>
+                <a:latin typeface="Arial" panose="020B0604020202020204" pitchFamily="34" charset="0"/>
+              </a:defRPr>
+            </a:lvl5pPr>
+            <a:lvl6pPr eaLnBrk="0" fontAlgn="base" hangingPunct="0">
+              <a:spcBef>
+                <a:spcPct val="0"/>
+              </a:spcBef>
+              <a:spcAft>
+                <a:spcPct val="0"/>
+              </a:spcAft>
+              <a:defRPr>
+                <a:solidFill>
+                  <a:schemeClr val="tx1"/>
+                </a:solidFill>
+                <a:latin typeface="Arial" panose="020B0604020202020204" pitchFamily="34" charset="0"/>
+              </a:defRPr>
+            </a:lvl6pPr>
+            <a:lvl7pPr eaLnBrk="0" fontAlgn="base" hangingPunct="0">
+              <a:spcBef>
+                <a:spcPct val="0"/>
+              </a:spcBef>
+              <a:spcAft>
+                <a:spcPct val="0"/>
+              </a:spcAft>
+              <a:defRPr>
+                <a:solidFill>
+                  <a:schemeClr val="tx1"/>
+                </a:solidFill>
+                <a:latin typeface="Arial" panose="020B0604020202020204" pitchFamily="34" charset="0"/>
+              </a:defRPr>
+            </a:lvl7pPr>
+            <a:lvl8pPr eaLnBrk="0" fontAlgn="base" hangingPunct="0">
+              <a:spcBef>
+                <a:spcPct val="0"/>
+              </a:spcBef>
+              <a:spcAft>
+                <a:spcPct val="0"/>
+              </a:spcAft>
+              <a:defRPr>
+                <a:solidFill>
+                  <a:schemeClr val="tx1"/>
+                </a:solidFill>
+                <a:latin typeface="Arial" panose="020B0604020202020204" pitchFamily="34" charset="0"/>
+              </a:defRPr>
+            </a:lvl8pPr>
+            <a:lvl9pPr eaLnBrk="0" fontAlgn="base" hangingPunct="0">
+              <a:spcBef>
+                <a:spcPct val="0"/>
+              </a:spcBef>
+              <a:spcAft>
+                <a:spcPct val="0"/>
+              </a:spcAft>
+              <a:defRPr>
+                <a:solidFill>
+                  <a:schemeClr val="tx1"/>
+                </a:solidFill>
+                <a:latin typeface="Arial" panose="020B0604020202020204" pitchFamily="34" charset="0"/>
+              </a:defRPr>
+            </a:lvl9pPr>
+          </a:lstStyle>
+          <a:p>
+            <a:pPr marL="0" marR="0" lvl="0" indent="0" algn="l" defTabSz="914400" rtl="0" eaLnBrk="0" fontAlgn="base" latinLnBrk="0" hangingPunct="0">
+              <a:lnSpc>
+                <a:spcPct val="100000"/>
+              </a:lnSpc>
+              <a:spcBef>
+                <a:spcPct val="0"/>
+              </a:spcBef>
+              <a:spcAft>
+                <a:spcPct val="0"/>
+              </a:spcAft>
+              <a:buClrTx/>
+              <a:buSzTx/>
+              <a:buFontTx/>
+              <a:buNone/>
+              <a:tabLst/>
+            </a:pPr>
+            <a:r>
+              <a:rPr kumimoji="0" lang="en-US" b="0" i="0" u="none" strike="noStrike" cap="none" normalizeH="0" baseline="0" dirty="0" smtClean="0">
+                <a:ln>
+                  <a:noFill/>
+                </a:ln>
+                <a:solidFill>
+                  <a:srgbClr val="000000"/>
+                </a:solidFill>
+                <a:effectLst/>
+                <a:latin typeface="Verdana" panose="020B0604030504040204" pitchFamily="34" charset="0"/>
+                <a:sym typeface="Wingdings" panose="05000000000000000000" pitchFamily="2" charset="2"/>
+              </a:rPr>
+              <a:t> </a:t>
+            </a:r>
+            <a:r>
+              <a:rPr kumimoji="0" lang="en-US" b="0" i="0" u="none" strike="noStrike" cap="none" normalizeH="0" baseline="0" dirty="0" smtClean="0">
+                <a:ln>
+                  <a:noFill/>
+                </a:ln>
+                <a:solidFill>
+                  <a:srgbClr val="000000"/>
+                </a:solidFill>
+                <a:effectLst/>
+                <a:latin typeface="Verdana" panose="020B0604030504040204" pitchFamily="34" charset="0"/>
+              </a:rPr>
+              <a:t>The </a:t>
+            </a:r>
+            <a:r>
+              <a:rPr kumimoji="0" lang="en-US" b="0" i="0" u="none" strike="noStrike" cap="none" normalizeH="0" baseline="0" dirty="0" smtClean="0">
+                <a:ln>
+                  <a:noFill/>
+                </a:ln>
+                <a:solidFill>
+                  <a:srgbClr val="DC143C"/>
+                </a:solidFill>
+                <a:effectLst/>
+                <a:latin typeface="Consolas" panose="020B0609020204030204" pitchFamily="49" charset="0"/>
+                <a:cs typeface="Consolas" panose="020B0609020204030204" pitchFamily="49" charset="0"/>
+              </a:rPr>
+              <a:t>&lt;span&gt;</a:t>
+            </a:r>
+            <a:r>
+              <a:rPr kumimoji="0" lang="en-US" b="0" i="0" u="none" strike="noStrike" cap="none" normalizeH="0" baseline="0" dirty="0" smtClean="0">
+                <a:ln>
+                  <a:noFill/>
+                </a:ln>
+                <a:solidFill>
+                  <a:srgbClr val="000000"/>
+                </a:solidFill>
+                <a:effectLst/>
+                <a:latin typeface="Verdana" panose="020B0604030504040204" pitchFamily="34" charset="0"/>
+              </a:rPr>
+              <a:t> tag is an inline container used to mark up a part of a text,</a:t>
+            </a:r>
+          </a:p>
+          <a:p>
+            <a:pPr marL="0" marR="0" lvl="0" indent="0" algn="l" defTabSz="914400" rtl="0" eaLnBrk="0" fontAlgn="base" latinLnBrk="0" hangingPunct="0">
+              <a:lnSpc>
+                <a:spcPct val="100000"/>
+              </a:lnSpc>
+              <a:spcBef>
+                <a:spcPct val="0"/>
+              </a:spcBef>
+              <a:spcAft>
+                <a:spcPct val="0"/>
+              </a:spcAft>
+              <a:buClrTx/>
+              <a:buSzTx/>
+              <a:buFontTx/>
+              <a:buNone/>
+              <a:tabLst/>
+            </a:pPr>
+            <a:r>
+              <a:rPr kumimoji="0" lang="en-US" b="0" i="0" u="none" strike="noStrike" cap="none" normalizeH="0" baseline="0" dirty="0" smtClean="0">
+                <a:ln>
+                  <a:noFill/>
+                </a:ln>
+                <a:solidFill>
+                  <a:srgbClr val="000000"/>
+                </a:solidFill>
+                <a:effectLst/>
+                <a:latin typeface="Verdana" panose="020B0604030504040204" pitchFamily="34" charset="0"/>
+              </a:rPr>
+              <a:t> or a part of a document.</a:t>
+            </a:r>
+            <a:endParaRPr kumimoji="0" lang="en-US" b="0" i="0" u="none" strike="noStrike" cap="none" normalizeH="0" baseline="0" dirty="0" smtClean="0">
+              <a:ln>
+                <a:noFill/>
+              </a:ln>
+              <a:solidFill>
+                <a:schemeClr val="tx1"/>
+              </a:solidFill>
+              <a:effectLst/>
+            </a:endParaRPr>
+          </a:p>
+          <a:p>
+            <a:pPr marL="0" marR="0" lvl="0" indent="0" algn="l" defTabSz="914400" rtl="0" eaLnBrk="0" fontAlgn="base" latinLnBrk="0" hangingPunct="0">
+              <a:lnSpc>
+                <a:spcPct val="100000"/>
+              </a:lnSpc>
+              <a:spcBef>
+                <a:spcPct val="0"/>
+              </a:spcBef>
+              <a:spcAft>
+                <a:spcPct val="0"/>
+              </a:spcAft>
+              <a:buClrTx/>
+              <a:buSzTx/>
+              <a:buFontTx/>
+              <a:buNone/>
+              <a:tabLst/>
+            </a:pPr>
+            <a:r>
+              <a:rPr kumimoji="0" lang="en-US" b="0" i="0" u="none" strike="noStrike" cap="none" normalizeH="0" baseline="0" dirty="0" smtClean="0">
+                <a:ln>
+                  <a:noFill/>
+                </a:ln>
+                <a:solidFill>
+                  <a:srgbClr val="000000"/>
+                </a:solidFill>
+                <a:effectLst/>
+                <a:latin typeface="Verdana" panose="020B0604030504040204" pitchFamily="34" charset="0"/>
+                <a:sym typeface="Wingdings" panose="05000000000000000000" pitchFamily="2" charset="2"/>
+              </a:rPr>
+              <a:t> </a:t>
+            </a:r>
+            <a:r>
+              <a:rPr kumimoji="0" lang="en-US" b="0" i="0" u="none" strike="noStrike" cap="none" normalizeH="0" baseline="0" dirty="0" smtClean="0">
+                <a:ln>
+                  <a:noFill/>
+                </a:ln>
+                <a:solidFill>
+                  <a:srgbClr val="000000"/>
+                </a:solidFill>
+                <a:effectLst/>
+                <a:latin typeface="Verdana" panose="020B0604030504040204" pitchFamily="34" charset="0"/>
+              </a:rPr>
+              <a:t>The </a:t>
+            </a:r>
+            <a:r>
+              <a:rPr kumimoji="0" lang="en-US" b="0" i="0" u="none" strike="noStrike" cap="none" normalizeH="0" baseline="0" dirty="0" smtClean="0">
+                <a:ln>
+                  <a:noFill/>
+                </a:ln>
+                <a:solidFill>
+                  <a:srgbClr val="DC143C"/>
+                </a:solidFill>
+                <a:effectLst/>
+                <a:latin typeface="Consolas" panose="020B0609020204030204" pitchFamily="49" charset="0"/>
+                <a:cs typeface="Consolas" panose="020B0609020204030204" pitchFamily="49" charset="0"/>
+              </a:rPr>
+              <a:t>&lt;span&gt;</a:t>
+            </a:r>
+            <a:r>
+              <a:rPr kumimoji="0" lang="en-US" b="0" i="0" u="none" strike="noStrike" cap="none" normalizeH="0" baseline="0" dirty="0" smtClean="0">
+                <a:ln>
+                  <a:noFill/>
+                </a:ln>
+                <a:solidFill>
+                  <a:srgbClr val="000000"/>
+                </a:solidFill>
+                <a:effectLst/>
+                <a:latin typeface="Verdana" panose="020B0604030504040204" pitchFamily="34" charset="0"/>
+              </a:rPr>
+              <a:t> tag is easily styled by CSS or manipulated </a:t>
+            </a:r>
+          </a:p>
+          <a:p>
+            <a:pPr marL="0" marR="0" lvl="0" indent="0" algn="l" defTabSz="914400" rtl="0" eaLnBrk="0" fontAlgn="base" latinLnBrk="0" hangingPunct="0">
+              <a:lnSpc>
+                <a:spcPct val="100000"/>
+              </a:lnSpc>
+              <a:spcBef>
+                <a:spcPct val="0"/>
+              </a:spcBef>
+              <a:spcAft>
+                <a:spcPct val="0"/>
+              </a:spcAft>
+              <a:buClrTx/>
+              <a:buSzTx/>
+              <a:buFontTx/>
+              <a:buNone/>
+              <a:tabLst/>
+            </a:pPr>
+            <a:r>
+              <a:rPr kumimoji="0" lang="en-US" b="0" i="0" u="none" strike="noStrike" cap="none" normalizeH="0" baseline="0" dirty="0" smtClean="0">
+                <a:ln>
+                  <a:noFill/>
+                </a:ln>
+                <a:solidFill>
+                  <a:srgbClr val="000000"/>
+                </a:solidFill>
+                <a:effectLst/>
+                <a:latin typeface="Verdana" panose="020B0604030504040204" pitchFamily="34" charset="0"/>
+              </a:rPr>
+              <a:t>with JavaScript using the class or id attribute.</a:t>
+            </a:r>
+            <a:endParaRPr kumimoji="0" lang="en-US" b="0" i="0" u="none" strike="noStrike" cap="none" normalizeH="0" baseline="0" dirty="0" smtClean="0">
+              <a:ln>
+                <a:noFill/>
+              </a:ln>
+              <a:solidFill>
+                <a:schemeClr val="tx1"/>
+              </a:solidFill>
+              <a:effectLst/>
+            </a:endParaRPr>
+          </a:p>
+          <a:p>
+            <a:pPr marL="0" marR="0" lvl="0" indent="0" algn="l" defTabSz="914400" rtl="0" eaLnBrk="0" fontAlgn="base" latinLnBrk="0" hangingPunct="0">
+              <a:lnSpc>
+                <a:spcPct val="100000"/>
+              </a:lnSpc>
+              <a:spcBef>
+                <a:spcPct val="0"/>
+              </a:spcBef>
+              <a:spcAft>
+                <a:spcPct val="0"/>
+              </a:spcAft>
+              <a:buClrTx/>
+              <a:buSzTx/>
+              <a:buFontTx/>
+              <a:buNone/>
+              <a:tabLst/>
+            </a:pPr>
+            <a:r>
+              <a:rPr kumimoji="0" lang="en-US" b="0" i="0" u="none" strike="noStrike" cap="none" normalizeH="0" baseline="0" dirty="0" smtClean="0">
+                <a:ln>
+                  <a:noFill/>
+                </a:ln>
+                <a:solidFill>
+                  <a:srgbClr val="000000"/>
+                </a:solidFill>
+                <a:effectLst/>
+                <a:latin typeface="Verdana" panose="020B0604030504040204" pitchFamily="34" charset="0"/>
+                <a:sym typeface="Wingdings" panose="05000000000000000000" pitchFamily="2" charset="2"/>
+              </a:rPr>
+              <a:t> </a:t>
+            </a:r>
+            <a:r>
+              <a:rPr kumimoji="0" lang="en-US" b="0" i="0" u="none" strike="noStrike" cap="none" normalizeH="0" baseline="0" dirty="0" smtClean="0">
+                <a:ln>
+                  <a:noFill/>
+                </a:ln>
+                <a:solidFill>
+                  <a:srgbClr val="000000"/>
+                </a:solidFill>
+                <a:effectLst/>
+                <a:latin typeface="Verdana" panose="020B0604030504040204" pitchFamily="34" charset="0"/>
+              </a:rPr>
+              <a:t>The </a:t>
+            </a:r>
+            <a:r>
+              <a:rPr kumimoji="0" lang="en-US" b="0" i="0" u="none" strike="noStrike" cap="none" normalizeH="0" baseline="0" dirty="0" smtClean="0">
+                <a:ln>
+                  <a:noFill/>
+                </a:ln>
+                <a:solidFill>
+                  <a:srgbClr val="DC143C"/>
+                </a:solidFill>
+                <a:effectLst/>
+                <a:latin typeface="Consolas" panose="020B0609020204030204" pitchFamily="49" charset="0"/>
+                <a:cs typeface="Consolas" panose="020B0609020204030204" pitchFamily="49" charset="0"/>
+              </a:rPr>
+              <a:t>&lt;span&gt;</a:t>
+            </a:r>
+            <a:r>
+              <a:rPr kumimoji="0" lang="en-US" b="0" i="0" u="none" strike="noStrike" cap="none" normalizeH="0" baseline="0" dirty="0" smtClean="0">
+                <a:ln>
+                  <a:noFill/>
+                </a:ln>
+                <a:solidFill>
+                  <a:srgbClr val="000000"/>
+                </a:solidFill>
+                <a:effectLst/>
+                <a:latin typeface="Verdana" panose="020B0604030504040204" pitchFamily="34" charset="0"/>
+              </a:rPr>
+              <a:t> tag is much like the </a:t>
+            </a:r>
+            <a:r>
+              <a:rPr kumimoji="0" lang="en-US" b="0" i="0" u="none" strike="noStrike" cap="none" normalizeH="0" baseline="0" dirty="0" smtClean="0">
+                <a:ln>
+                  <a:noFill/>
+                </a:ln>
+                <a:solidFill>
+                  <a:srgbClr val="000000"/>
+                </a:solidFill>
+                <a:effectLst/>
+                <a:latin typeface="Verdana" panose="020B0604030504040204" pitchFamily="34" charset="0"/>
+                <a:hlinkClick r:id="rId2"/>
+              </a:rPr>
+              <a:t>&lt;div&gt;</a:t>
+            </a:r>
+            <a:r>
+              <a:rPr kumimoji="0" lang="en-US" b="0" i="0" u="none" strike="noStrike" cap="none" normalizeH="0" baseline="0" dirty="0" smtClean="0">
+                <a:ln>
+                  <a:noFill/>
+                </a:ln>
+                <a:solidFill>
+                  <a:srgbClr val="000000"/>
+                </a:solidFill>
+                <a:effectLst/>
+                <a:latin typeface="Verdana" panose="020B0604030504040204" pitchFamily="34" charset="0"/>
+              </a:rPr>
+              <a:t> element, </a:t>
+            </a:r>
+          </a:p>
+          <a:p>
+            <a:pPr marL="0" marR="0" lvl="0" indent="0" algn="l" defTabSz="914400" rtl="0" eaLnBrk="0" fontAlgn="base" latinLnBrk="0" hangingPunct="0">
+              <a:lnSpc>
+                <a:spcPct val="100000"/>
+              </a:lnSpc>
+              <a:spcBef>
+                <a:spcPct val="0"/>
+              </a:spcBef>
+              <a:spcAft>
+                <a:spcPct val="0"/>
+              </a:spcAft>
+              <a:buClrTx/>
+              <a:buSzTx/>
+              <a:buFontTx/>
+              <a:buNone/>
+              <a:tabLst/>
+            </a:pPr>
+            <a:r>
+              <a:rPr kumimoji="0" lang="en-US" b="0" i="0" u="none" strike="noStrike" cap="none" normalizeH="0" baseline="0" dirty="0" smtClean="0">
+                <a:ln>
+                  <a:noFill/>
+                </a:ln>
+                <a:solidFill>
+                  <a:srgbClr val="000000"/>
+                </a:solidFill>
+                <a:effectLst/>
+                <a:latin typeface="Verdana" panose="020B0604030504040204" pitchFamily="34" charset="0"/>
+              </a:rPr>
+              <a:t>but &lt;div&gt; is a block-level element and </a:t>
+            </a:r>
+            <a:r>
+              <a:rPr kumimoji="0" lang="en-US" b="0" i="0" u="none" strike="noStrike" cap="none" normalizeH="0" baseline="0" dirty="0" smtClean="0">
+                <a:ln>
+                  <a:noFill/>
+                </a:ln>
+                <a:solidFill>
+                  <a:srgbClr val="DC143C"/>
+                </a:solidFill>
+                <a:effectLst/>
+                <a:latin typeface="Consolas" panose="020B0609020204030204" pitchFamily="49" charset="0"/>
+                <a:cs typeface="Consolas" panose="020B0609020204030204" pitchFamily="49" charset="0"/>
+              </a:rPr>
+              <a:t>&lt;span&gt;</a:t>
+            </a:r>
+            <a:r>
+              <a:rPr kumimoji="0" lang="en-US" b="0" i="0" u="none" strike="noStrike" cap="none" normalizeH="0" baseline="0" dirty="0" smtClean="0">
+                <a:ln>
+                  <a:noFill/>
+                </a:ln>
+                <a:solidFill>
+                  <a:srgbClr val="000000"/>
+                </a:solidFill>
+                <a:effectLst/>
+                <a:latin typeface="Verdana" panose="020B0604030504040204" pitchFamily="34" charset="0"/>
+              </a:rPr>
+              <a:t> is an inline element.</a:t>
+            </a:r>
+            <a:endParaRPr kumimoji="0" lang="en-US" b="0" i="0" u="none" strike="noStrike" cap="none" normalizeH="0" baseline="0" dirty="0" smtClean="0">
+              <a:ln>
+                <a:noFill/>
+              </a:ln>
+              <a:solidFill>
+                <a:schemeClr val="tx1"/>
+              </a:solidFill>
+              <a:effectLst/>
+            </a:endParaRPr>
+          </a:p>
+        </p:txBody>
+      </p:sp>
+    </p:spTree>
+    <p:extLst>
+      <p:ext uri="{BB962C8B-B14F-4D97-AF65-F5344CB8AC3E}">
+        <p14:creationId xmlns:p14="http://schemas.microsoft.com/office/powerpoint/2010/main" val="2928115400"/>
+      </p:ext>
+    </p:extLst>
+  </p:cSld>
+  <p:clrMapOvr>
+    <a:masterClrMapping/>
+  </p:clrMapOvr>
+</p:sld>
+</file>
+
+<file path=ppt/slides/slide59.xml><?xml version="1.0" encoding="utf-8"?>
 <p:sld xmlns:a="http://schemas.openxmlformats.org/drawingml/2006/main" xmlns:r="http://schemas.openxmlformats.org/officeDocument/2006/relationships" xmlns:p="http://schemas.openxmlformats.org/presentationml/2006/main">
   <p:cSld>
     <p:spTree>
@@ -15025,6 +21931,10 @@
           <a:bodyPr/>
           <a:lstStyle/>
           <a:p>
+            <a:r>
+              <a:rPr lang="en-US" dirty="0" smtClean="0"/>
+              <a:t>Example of Span Tag:</a:t>
+            </a:r>
             <a:endParaRPr lang="en-US" dirty="0"/>
           </a:p>
         </p:txBody>
@@ -15041,219 +21951,89 @@
         </p:nvSpPr>
         <p:spPr/>
         <p:txBody>
-          <a:bodyPr/>
+          <a:bodyPr>
+            <a:normAutofit fontScale="92500" lnSpcReduction="20000"/>
+          </a:bodyPr>
           <a:lstStyle/>
           <a:p>
-            <a:endParaRPr lang="en-US"/>
+            <a:r>
+              <a:rPr lang="en-US" dirty="0"/>
+              <a:t>&lt;!DOCTYPE html&gt;</a:t>
+            </a:r>
+          </a:p>
+          <a:p>
+            <a:r>
+              <a:rPr lang="en-US" dirty="0"/>
+              <a:t>&lt;html&gt;</a:t>
+            </a:r>
+          </a:p>
+          <a:p>
+            <a:r>
+              <a:rPr lang="en-US" dirty="0"/>
+              <a:t>&lt;body&gt;</a:t>
+            </a:r>
+          </a:p>
+          <a:p>
+            <a:endParaRPr lang="en-US" dirty="0"/>
+          </a:p>
+          <a:p>
+            <a:r>
+              <a:rPr lang="en-US" dirty="0"/>
+              <a:t>&lt;h1&gt;The span element&lt;/h1&gt;</a:t>
+            </a:r>
+          </a:p>
+          <a:p>
+            <a:endParaRPr lang="en-US" dirty="0"/>
+          </a:p>
+          <a:p>
+            <a:r>
+              <a:rPr lang="en-US" dirty="0"/>
+              <a:t>&lt;p&gt;My mother has &lt;span style="</a:t>
+            </a:r>
+            <a:r>
+              <a:rPr lang="en-US" dirty="0" err="1"/>
+              <a:t>color:blue;font-weight:bold</a:t>
+            </a:r>
+            <a:r>
+              <a:rPr lang="en-US" dirty="0"/>
+              <a:t>"&gt;blue&lt;/span&gt; eyes and my father has &lt;span style="</a:t>
+            </a:r>
+            <a:r>
+              <a:rPr lang="en-US" dirty="0" err="1"/>
+              <a:t>color:darkolivegreen;font-weight:bold</a:t>
+            </a:r>
+            <a:r>
+              <a:rPr lang="en-US" dirty="0"/>
+              <a:t>"&gt;dark green&lt;/span&gt; eyes.&lt;/p&gt;</a:t>
+            </a:r>
+          </a:p>
+          <a:p>
+            <a:endParaRPr lang="en-US" dirty="0"/>
+          </a:p>
+          <a:p>
+            <a:r>
+              <a:rPr lang="en-US" dirty="0"/>
+              <a:t>&lt;/body&gt;</a:t>
+            </a:r>
+          </a:p>
+          <a:p>
+            <a:r>
+              <a:rPr lang="en-US" dirty="0"/>
+              <a:t>&lt;/html&gt;</a:t>
+            </a:r>
           </a:p>
         </p:txBody>
       </p:sp>
     </p:spTree>
     <p:extLst>
       <p:ext uri="{BB962C8B-B14F-4D97-AF65-F5344CB8AC3E}">
-        <p14:creationId xmlns:p14="http://schemas.microsoft.com/office/powerpoint/2010/main" val="2928115400"/>
+        <p14:creationId xmlns:p14="http://schemas.microsoft.com/office/powerpoint/2010/main" val="157788915"/>
       </p:ext>
     </p:extLst>
   </p:cSld>
   <p:clrMapOvr>
     <a:masterClrMapping/>
   </p:clrMapOvr>
-</p:sld>
-</file>
-
-<file path=ppt/slides/slide5.xml><?xml version="1.0" encoding="utf-8"?>
-<p:sld xmlns:a="http://schemas.openxmlformats.org/drawingml/2006/main" xmlns:r="http://schemas.openxmlformats.org/officeDocument/2006/relationships" xmlns:p="http://schemas.openxmlformats.org/presentationml/2006/main">
-  <p:cSld>
-    <p:spTree>
-      <p:nvGrpSpPr>
-        <p:cNvPr id="1" name=""/>
-        <p:cNvGrpSpPr/>
-        <p:nvPr/>
-      </p:nvGrpSpPr>
-      <p:grpSpPr>
-        <a:xfrm>
-          <a:off x="0" y="0"/>
-          <a:ext cx="0" cy="0"/>
-          <a:chOff x="0" y="0"/>
-          <a:chExt cx="0" cy="0"/>
-        </a:xfrm>
-      </p:grpSpPr>
-      <p:sp>
-        <p:nvSpPr>
-          <p:cNvPr id="2" name="Title 1"/>
-          <p:cNvSpPr>
-            <a:spLocks noGrp="1"/>
-          </p:cNvSpPr>
-          <p:nvPr>
-            <p:ph type="title"/>
-          </p:nvPr>
-        </p:nvSpPr>
-        <p:spPr>
-          <a:xfrm>
-            <a:off x="677334" y="596721"/>
-            <a:ext cx="8596668" cy="819955"/>
-          </a:xfrm>
-        </p:spPr>
-        <p:txBody>
-          <a:bodyPr>
-            <a:normAutofit fontScale="90000"/>
-          </a:bodyPr>
-          <a:lstStyle/>
-          <a:p>
-            <a:r>
-              <a:rPr lang="en-US" b="1" dirty="0" smtClean="0"/>
-              <a:t>2) What </a:t>
-            </a:r>
-            <a:r>
-              <a:rPr lang="en-US" b="1" dirty="0"/>
-              <a:t>are Tags and </a:t>
-            </a:r>
-            <a:r>
-              <a:rPr lang="en-US" b="1" dirty="0" smtClean="0"/>
-              <a:t>Attributes in HTML?</a:t>
-            </a:r>
-            <a:endParaRPr lang="en-US" dirty="0"/>
-          </a:p>
-        </p:txBody>
-      </p:sp>
-      <p:sp>
-        <p:nvSpPr>
-          <p:cNvPr id="3" name="Content Placeholder 2"/>
-          <p:cNvSpPr>
-            <a:spLocks noGrp="1"/>
-          </p:cNvSpPr>
-          <p:nvPr>
-            <p:ph idx="1"/>
-          </p:nvPr>
-        </p:nvSpPr>
-        <p:spPr>
-          <a:xfrm>
-            <a:off x="677334" y="1416677"/>
-            <a:ext cx="8596668" cy="3876540"/>
-          </a:xfrm>
-        </p:spPr>
-        <p:txBody>
-          <a:bodyPr>
-            <a:normAutofit/>
-          </a:bodyPr>
-          <a:lstStyle/>
-          <a:p>
-            <a:r>
-              <a:rPr lang="en-US" dirty="0"/>
-              <a:t>Tags and attributes are the basis of HTML</a:t>
-            </a:r>
-            <a:r>
-              <a:rPr lang="en-US" dirty="0" smtClean="0"/>
-              <a:t>.</a:t>
-            </a:r>
-          </a:p>
-          <a:p>
-            <a:r>
-              <a:rPr lang="en-US" dirty="0" smtClean="0"/>
-              <a:t>They work together but perform different functions.</a:t>
-            </a:r>
-          </a:p>
-          <a:p>
-            <a:r>
-              <a:rPr lang="en-US" b="1" u="sng" dirty="0">
-                <a:solidFill>
-                  <a:schemeClr val="accent1">
-                    <a:lumMod val="75000"/>
-                  </a:schemeClr>
-                </a:solidFill>
-              </a:rPr>
-              <a:t>What are </a:t>
-            </a:r>
-            <a:r>
-              <a:rPr lang="en-US" b="1" u="sng" dirty="0" smtClean="0">
-                <a:solidFill>
-                  <a:schemeClr val="accent1">
-                    <a:lumMod val="75000"/>
-                  </a:schemeClr>
-                </a:solidFill>
-              </a:rPr>
-              <a:t>HTML Tags?</a:t>
-            </a:r>
-          </a:p>
-          <a:p>
-            <a:r>
-              <a:rPr lang="en-US" dirty="0"/>
-              <a:t>Tags are used to mark up the start of an HTML element and they are usually enclosed in angle brackets. An Example of the tags is :&lt;h1&gt;</a:t>
-            </a:r>
-          </a:p>
-          <a:p>
-            <a:pPr fontAlgn="base"/>
-            <a:r>
-              <a:rPr lang="en-US" dirty="0"/>
-              <a:t>Most tags must be opened &lt;h1&gt; and closed &lt;/h1&gt; in order to function</a:t>
-            </a:r>
-            <a:r>
-              <a:rPr lang="en-US" dirty="0" smtClean="0"/>
-              <a:t>.</a:t>
-            </a:r>
-          </a:p>
-          <a:p>
-            <a:pPr fontAlgn="base"/>
-            <a:r>
-              <a:rPr lang="en-US" b="1" u="sng" dirty="0" smtClean="0">
-                <a:solidFill>
-                  <a:schemeClr val="accent1">
-                    <a:lumMod val="75000"/>
-                  </a:schemeClr>
-                </a:solidFill>
-              </a:rPr>
-              <a:t>What are HTML Attributes? </a:t>
-            </a:r>
-          </a:p>
-          <a:p>
-            <a:pPr fontAlgn="base">
-              <a:lnSpc>
-                <a:spcPct val="150000"/>
-              </a:lnSpc>
-            </a:pPr>
-            <a:r>
-              <a:rPr lang="en-US" dirty="0"/>
-              <a:t>Attributes contain additional pieces of </a:t>
-            </a:r>
-            <a:r>
-              <a:rPr lang="en-US" dirty="0" smtClean="0"/>
-              <a:t>information.</a:t>
-            </a:r>
-          </a:p>
-          <a:p>
-            <a:pPr fontAlgn="base"/>
-            <a:r>
-              <a:rPr lang="en-US" dirty="0" smtClean="0"/>
-              <a:t>Attributes </a:t>
-            </a:r>
-            <a:r>
-              <a:rPr lang="en-US" dirty="0"/>
-              <a:t>take the form of an opening tag and additional info is placed inside</a:t>
-            </a:r>
-            <a:r>
-              <a:rPr lang="en-US" dirty="0" smtClean="0"/>
-              <a:t>. For Example </a:t>
-            </a:r>
-          </a:p>
-        </p:txBody>
-      </p:sp>
-    </p:spTree>
-    <p:extLst>
-      <p:ext uri="{BB962C8B-B14F-4D97-AF65-F5344CB8AC3E}">
-        <p14:creationId xmlns:p14="http://schemas.microsoft.com/office/powerpoint/2010/main" val="2730941802"/>
-      </p:ext>
-    </p:extLst>
-  </p:cSld>
-  <p:clrMapOvr>
-    <a:masterClrMapping/>
-  </p:clrMapOvr>
-  <p:timing>
-    <p:tnLst>
-      <p:par>
-        <p:cTn id="1" dur="indefinite" restart="never" nodeType="tmRoot"/>
-      </p:par>
-    </p:tnLst>
-  </p:timing>
 </p:sld>
 </file>
 
@@ -15440,6 +22220,874 @@
 </p:sld>
 </file>
 
+<file path=ppt/slides/slide60.xml><?xml version="1.0" encoding="utf-8"?>
+<p:sld xmlns:a="http://schemas.openxmlformats.org/drawingml/2006/main" xmlns:r="http://schemas.openxmlformats.org/officeDocument/2006/relationships" xmlns:p="http://schemas.openxmlformats.org/presentationml/2006/main">
+  <p:cSld>
+    <p:spTree>
+      <p:nvGrpSpPr>
+        <p:cNvPr id="1" name=""/>
+        <p:cNvGrpSpPr/>
+        <p:nvPr/>
+      </p:nvGrpSpPr>
+      <p:grpSpPr>
+        <a:xfrm>
+          <a:off x="0" y="0"/>
+          <a:ext cx="0" cy="0"/>
+          <a:chOff x="0" y="0"/>
+          <a:chExt cx="0" cy="0"/>
+        </a:xfrm>
+      </p:grpSpPr>
+      <p:sp>
+        <p:nvSpPr>
+          <p:cNvPr id="2" name="Title 1"/>
+          <p:cNvSpPr>
+            <a:spLocks noGrp="1"/>
+          </p:cNvSpPr>
+          <p:nvPr>
+            <p:ph type="title"/>
+          </p:nvPr>
+        </p:nvSpPr>
+        <p:spPr/>
+        <p:txBody>
+          <a:bodyPr/>
+          <a:lstStyle/>
+          <a:p>
+            <a:r>
+              <a:rPr lang="en-US" dirty="0" smtClean="0"/>
+              <a:t>Output of the span tag:</a:t>
+            </a:r>
+            <a:endParaRPr lang="en-US" dirty="0"/>
+          </a:p>
+        </p:txBody>
+      </p:sp>
+      <p:pic>
+        <p:nvPicPr>
+          <p:cNvPr id="4" name="Content Placeholder 3"/>
+          <p:cNvPicPr>
+            <a:picLocks noGrp="1" noChangeAspect="1"/>
+          </p:cNvPicPr>
+          <p:nvPr>
+            <p:ph idx="1"/>
+          </p:nvPr>
+        </p:nvPicPr>
+        <p:blipFill>
+          <a:blip r:embed="rId2">
+            <a:extLst>
+              <a:ext uri="{28A0092B-C50C-407E-A947-70E740481C1C}">
+                <a14:useLocalDpi xmlns:a14="http://schemas.microsoft.com/office/drawing/2010/main" val="0"/>
+              </a:ext>
+            </a:extLst>
+          </a:blip>
+          <a:stretch>
+            <a:fillRect/>
+          </a:stretch>
+        </p:blipFill>
+        <p:spPr>
+          <a:xfrm>
+            <a:off x="910215" y="1930400"/>
+            <a:ext cx="6635557" cy="1485101"/>
+          </a:xfrm>
+        </p:spPr>
+      </p:pic>
+    </p:spTree>
+    <p:extLst>
+      <p:ext uri="{BB962C8B-B14F-4D97-AF65-F5344CB8AC3E}">
+        <p14:creationId xmlns:p14="http://schemas.microsoft.com/office/powerpoint/2010/main" val="3553848949"/>
+      </p:ext>
+    </p:extLst>
+  </p:cSld>
+  <p:clrMapOvr>
+    <a:masterClrMapping/>
+  </p:clrMapOvr>
+</p:sld>
+</file>
+
+<file path=ppt/slides/slide61.xml><?xml version="1.0" encoding="utf-8"?>
+<p:sld xmlns:a="http://schemas.openxmlformats.org/drawingml/2006/main" xmlns:r="http://schemas.openxmlformats.org/officeDocument/2006/relationships" xmlns:p="http://schemas.openxmlformats.org/presentationml/2006/main">
+  <p:cSld>
+    <p:spTree>
+      <p:nvGrpSpPr>
+        <p:cNvPr id="1" name=""/>
+        <p:cNvGrpSpPr/>
+        <p:nvPr/>
+      </p:nvGrpSpPr>
+      <p:grpSpPr>
+        <a:xfrm>
+          <a:off x="0" y="0"/>
+          <a:ext cx="0" cy="0"/>
+          <a:chOff x="0" y="0"/>
+          <a:chExt cx="0" cy="0"/>
+        </a:xfrm>
+      </p:grpSpPr>
+      <p:sp>
+        <p:nvSpPr>
+          <p:cNvPr id="2" name="Title 1"/>
+          <p:cNvSpPr>
+            <a:spLocks noGrp="1"/>
+          </p:cNvSpPr>
+          <p:nvPr>
+            <p:ph type="title"/>
+          </p:nvPr>
+        </p:nvSpPr>
+        <p:spPr/>
+        <p:txBody>
+          <a:bodyPr/>
+          <a:lstStyle/>
+          <a:p>
+            <a:r>
+              <a:rPr lang="en-US" b="1" dirty="0"/>
+              <a:t>What are the tags used to separate a section of texts?</a:t>
+            </a:r>
+            <a:endParaRPr lang="en-US" dirty="0"/>
+          </a:p>
+        </p:txBody>
+      </p:sp>
+      <p:sp>
+        <p:nvSpPr>
+          <p:cNvPr id="3" name="Content Placeholder 2"/>
+          <p:cNvSpPr>
+            <a:spLocks noGrp="1"/>
+          </p:cNvSpPr>
+          <p:nvPr>
+            <p:ph idx="1"/>
+          </p:nvPr>
+        </p:nvSpPr>
+        <p:spPr/>
+        <p:txBody>
+          <a:bodyPr/>
+          <a:lstStyle/>
+          <a:p>
+            <a:r>
+              <a:rPr lang="en-US" b="1" dirty="0">
+                <a:solidFill>
+                  <a:srgbClr val="FF0000"/>
+                </a:solidFill>
+              </a:rPr>
+              <a:t>&lt;br&gt;</a:t>
+            </a:r>
+            <a:r>
+              <a:rPr lang="en-US" dirty="0"/>
+              <a:t> tag – Usually &lt;br&gt; tag is used to </a:t>
+            </a:r>
+            <a:r>
+              <a:rPr lang="en-US" b="1" dirty="0"/>
+              <a:t>separate</a:t>
+            </a:r>
+            <a:r>
+              <a:rPr lang="en-US" dirty="0"/>
+              <a:t> the </a:t>
+            </a:r>
+            <a:r>
+              <a:rPr lang="en-US" b="1" dirty="0"/>
+              <a:t>line of text</a:t>
+            </a:r>
+            <a:r>
+              <a:rPr lang="en-US" dirty="0"/>
+              <a:t>. It breaks the current line and conveys the flow to the next line</a:t>
+            </a:r>
+          </a:p>
+          <a:p>
+            <a:r>
+              <a:rPr lang="en-US" b="1" dirty="0">
+                <a:solidFill>
+                  <a:srgbClr val="FF0000"/>
+                </a:solidFill>
+              </a:rPr>
+              <a:t>&lt;p&gt;</a:t>
+            </a:r>
+            <a:r>
+              <a:rPr lang="en-US" dirty="0"/>
+              <a:t> tag – This contains the </a:t>
+            </a:r>
+            <a:r>
+              <a:rPr lang="en-US" b="1" dirty="0"/>
+              <a:t>text</a:t>
+            </a:r>
+            <a:r>
+              <a:rPr lang="en-US" dirty="0"/>
+              <a:t> in the form of a new </a:t>
+            </a:r>
+            <a:r>
+              <a:rPr lang="en-US" b="1" dirty="0"/>
+              <a:t>paragraph</a:t>
+            </a:r>
+            <a:r>
+              <a:rPr lang="en-US" dirty="0"/>
+              <a:t>.</a:t>
+            </a:r>
+          </a:p>
+          <a:p>
+            <a:r>
+              <a:rPr lang="en-US" b="1" dirty="0">
+                <a:solidFill>
+                  <a:srgbClr val="FF0000"/>
+                </a:solidFill>
+              </a:rPr>
+              <a:t>&lt;blockquote&gt;</a:t>
+            </a:r>
+            <a:r>
+              <a:rPr lang="en-US" dirty="0"/>
+              <a:t> tag – It is used to define a large quoted section. If you have a large quotation, </a:t>
+            </a:r>
+            <a:r>
+              <a:rPr lang="en-US" dirty="0" smtClean="0"/>
+              <a:t>then </a:t>
+            </a:r>
+            <a:r>
+              <a:rPr lang="en-US" dirty="0"/>
+              <a:t>put the entire text within </a:t>
+            </a:r>
+            <a:r>
+              <a:rPr lang="en-US" b="1" dirty="0"/>
+              <a:t>&lt;blockquote&gt;……….&lt;/blockquote&gt;</a:t>
+            </a:r>
+            <a:r>
+              <a:rPr lang="en-US" dirty="0"/>
+              <a:t> tag.</a:t>
+            </a:r>
+          </a:p>
+        </p:txBody>
+      </p:sp>
+    </p:spTree>
+    <p:extLst>
+      <p:ext uri="{BB962C8B-B14F-4D97-AF65-F5344CB8AC3E}">
+        <p14:creationId xmlns:p14="http://schemas.microsoft.com/office/powerpoint/2010/main" val="4100819062"/>
+      </p:ext>
+    </p:extLst>
+  </p:cSld>
+  <p:clrMapOvr>
+    <a:masterClrMapping/>
+  </p:clrMapOvr>
+</p:sld>
+</file>
+
+<file path=ppt/slides/slide62.xml><?xml version="1.0" encoding="utf-8"?>
+<p:sld xmlns:a="http://schemas.openxmlformats.org/drawingml/2006/main" xmlns:r="http://schemas.openxmlformats.org/officeDocument/2006/relationships" xmlns:p="http://schemas.openxmlformats.org/presentationml/2006/main">
+  <p:cSld>
+    <p:spTree>
+      <p:nvGrpSpPr>
+        <p:cNvPr id="1" name=""/>
+        <p:cNvGrpSpPr/>
+        <p:nvPr/>
+      </p:nvGrpSpPr>
+      <p:grpSpPr>
+        <a:xfrm>
+          <a:off x="0" y="0"/>
+          <a:ext cx="0" cy="0"/>
+          <a:chOff x="0" y="0"/>
+          <a:chExt cx="0" cy="0"/>
+        </a:xfrm>
+      </p:grpSpPr>
+      <p:sp>
+        <p:nvSpPr>
+          <p:cNvPr id="2" name="Title 1"/>
+          <p:cNvSpPr>
+            <a:spLocks noGrp="1"/>
+          </p:cNvSpPr>
+          <p:nvPr>
+            <p:ph type="title"/>
+          </p:nvPr>
+        </p:nvSpPr>
+        <p:spPr/>
+        <p:txBody>
+          <a:bodyPr/>
+          <a:lstStyle/>
+          <a:p>
+            <a:r>
+              <a:rPr lang="en-US" b="1" dirty="0"/>
+              <a:t>How to insert a picture into a background image of a web page?</a:t>
+            </a:r>
+            <a:endParaRPr lang="en-US" dirty="0"/>
+          </a:p>
+        </p:txBody>
+      </p:sp>
+      <p:sp>
+        <p:nvSpPr>
+          <p:cNvPr id="3" name="Content Placeholder 2"/>
+          <p:cNvSpPr>
+            <a:spLocks noGrp="1"/>
+          </p:cNvSpPr>
+          <p:nvPr>
+            <p:ph idx="1"/>
+          </p:nvPr>
+        </p:nvSpPr>
+        <p:spPr/>
+        <p:txBody>
+          <a:bodyPr/>
+          <a:lstStyle/>
+          <a:p>
+            <a:r>
+              <a:rPr lang="en-US" dirty="0"/>
+              <a:t>To insert a picture into the background image, you need to place a tag code after the &lt;/head&gt; tag in the following way</a:t>
+            </a:r>
+            <a:r>
+              <a:rPr lang="en-US" dirty="0" smtClean="0"/>
+              <a:t>:</a:t>
+            </a:r>
+            <a:endParaRPr lang="en-US" dirty="0"/>
+          </a:p>
+          <a:p>
+            <a:r>
+              <a:rPr lang="en-US" dirty="0" smtClean="0">
+                <a:solidFill>
+                  <a:srgbClr val="FF0000"/>
+                </a:solidFill>
+              </a:rPr>
+              <a:t>&lt;body background=“image.jpg”&gt;</a:t>
+            </a:r>
+          </a:p>
+          <a:p>
+            <a:r>
+              <a:rPr lang="en-US" dirty="0" smtClean="0"/>
+              <a:t>Now</a:t>
+            </a:r>
+            <a:r>
+              <a:rPr lang="en-US" dirty="0"/>
+              <a:t>, replace </a:t>
+            </a:r>
+            <a:r>
+              <a:rPr lang="en-US" dirty="0" smtClean="0"/>
+              <a:t>image.jpg with </a:t>
+            </a:r>
+            <a:r>
+              <a:rPr lang="en-US" dirty="0"/>
+              <a:t>the name of your image file. This will take the picture and make it the background image of your web page.</a:t>
+            </a:r>
+            <a:endParaRPr lang="en-US" dirty="0">
+              <a:solidFill>
+                <a:srgbClr val="FF0000"/>
+              </a:solidFill>
+            </a:endParaRPr>
+          </a:p>
+        </p:txBody>
+      </p:sp>
+    </p:spTree>
+    <p:extLst>
+      <p:ext uri="{BB962C8B-B14F-4D97-AF65-F5344CB8AC3E}">
+        <p14:creationId xmlns:p14="http://schemas.microsoft.com/office/powerpoint/2010/main" val="2890527066"/>
+      </p:ext>
+    </p:extLst>
+  </p:cSld>
+  <p:clrMapOvr>
+    <a:masterClrMapping/>
+  </p:clrMapOvr>
+  <p:timing>
+    <p:tnLst>
+      <p:par>
+        <p:cTn id="1" dur="indefinite" restart="never" nodeType="tmRoot"/>
+      </p:par>
+    </p:tnLst>
+  </p:timing>
+</p:sld>
+</file>
+
+<file path=ppt/slides/slide63.xml><?xml version="1.0" encoding="utf-8"?>
+<p:sld xmlns:a="http://schemas.openxmlformats.org/drawingml/2006/main" xmlns:r="http://schemas.openxmlformats.org/officeDocument/2006/relationships" xmlns:p="http://schemas.openxmlformats.org/presentationml/2006/main">
+  <p:cSld>
+    <p:spTree>
+      <p:nvGrpSpPr>
+        <p:cNvPr id="1" name=""/>
+        <p:cNvGrpSpPr/>
+        <p:nvPr/>
+      </p:nvGrpSpPr>
+      <p:grpSpPr>
+        <a:xfrm>
+          <a:off x="0" y="0"/>
+          <a:ext cx="0" cy="0"/>
+          <a:chOff x="0" y="0"/>
+          <a:chExt cx="0" cy="0"/>
+        </a:xfrm>
+      </p:grpSpPr>
+      <p:sp>
+        <p:nvSpPr>
+          <p:cNvPr id="2" name="Title 1"/>
+          <p:cNvSpPr>
+            <a:spLocks noGrp="1"/>
+          </p:cNvSpPr>
+          <p:nvPr>
+            <p:ph type="title"/>
+          </p:nvPr>
+        </p:nvSpPr>
+        <p:spPr/>
+        <p:txBody>
+          <a:bodyPr>
+            <a:normAutofit/>
+          </a:bodyPr>
+          <a:lstStyle/>
+          <a:p>
+            <a:r>
+              <a:rPr lang="en-US" dirty="0" smtClean="0"/>
+              <a:t>How </a:t>
+            </a:r>
+            <a:r>
+              <a:rPr lang="en-US" dirty="0"/>
+              <a:t>are active links different from normal links? </a:t>
+            </a:r>
+          </a:p>
+        </p:txBody>
+      </p:sp>
+      <p:sp>
+        <p:nvSpPr>
+          <p:cNvPr id="3" name="Content Placeholder 2"/>
+          <p:cNvSpPr>
+            <a:spLocks noGrp="1"/>
+          </p:cNvSpPr>
+          <p:nvPr>
+            <p:ph idx="1"/>
+          </p:nvPr>
+        </p:nvSpPr>
+        <p:spPr/>
+        <p:txBody>
+          <a:bodyPr/>
+          <a:lstStyle/>
+          <a:p>
+            <a:r>
+              <a:rPr lang="en-US" dirty="0"/>
+              <a:t>The default color for normal and active links is</a:t>
+            </a:r>
+            <a:r>
+              <a:rPr lang="en-US" dirty="0">
+                <a:solidFill>
+                  <a:srgbClr val="0070C0"/>
+                </a:solidFill>
+              </a:rPr>
+              <a:t> blue. </a:t>
+            </a:r>
+            <a:endParaRPr lang="en-US" dirty="0" smtClean="0">
+              <a:solidFill>
+                <a:srgbClr val="0070C0"/>
+              </a:solidFill>
+            </a:endParaRPr>
+          </a:p>
+          <a:p>
+            <a:r>
+              <a:rPr lang="en-US" dirty="0" smtClean="0"/>
+              <a:t>Some </a:t>
+            </a:r>
+            <a:r>
+              <a:rPr lang="en-US" dirty="0"/>
+              <a:t>browsers recognize an active link when the mouse cursor is placed over that link. </a:t>
+            </a:r>
+            <a:endParaRPr lang="en-US" dirty="0" smtClean="0"/>
+          </a:p>
+          <a:p>
+            <a:r>
+              <a:rPr lang="en-US" dirty="0" smtClean="0"/>
+              <a:t>Whereas</a:t>
+            </a:r>
+            <a:r>
+              <a:rPr lang="en-US" dirty="0"/>
+              <a:t>, others recognize active links when the link has the focus. Those that don’t have a mouse cursor over that link is considered a normal link.</a:t>
+            </a:r>
+            <a:endParaRPr lang="en-US" dirty="0"/>
+          </a:p>
+        </p:txBody>
+      </p:sp>
+    </p:spTree>
+    <p:extLst>
+      <p:ext uri="{BB962C8B-B14F-4D97-AF65-F5344CB8AC3E}">
+        <p14:creationId xmlns:p14="http://schemas.microsoft.com/office/powerpoint/2010/main" val="621329278"/>
+      </p:ext>
+    </p:extLst>
+  </p:cSld>
+  <p:clrMapOvr>
+    <a:masterClrMapping/>
+  </p:clrMapOvr>
+</p:sld>
+</file>
+
+<file path=ppt/slides/slide64.xml><?xml version="1.0" encoding="utf-8"?>
+<p:sld xmlns:a="http://schemas.openxmlformats.org/drawingml/2006/main" xmlns:r="http://schemas.openxmlformats.org/officeDocument/2006/relationships" xmlns:p="http://schemas.openxmlformats.org/presentationml/2006/main">
+  <p:cSld>
+    <p:spTree>
+      <p:nvGrpSpPr>
+        <p:cNvPr id="1" name=""/>
+        <p:cNvGrpSpPr/>
+        <p:nvPr/>
+      </p:nvGrpSpPr>
+      <p:grpSpPr>
+        <a:xfrm>
+          <a:off x="0" y="0"/>
+          <a:ext cx="0" cy="0"/>
+          <a:chOff x="0" y="0"/>
+          <a:chExt cx="0" cy="0"/>
+        </a:xfrm>
+      </p:grpSpPr>
+      <p:sp>
+        <p:nvSpPr>
+          <p:cNvPr id="2" name="Title 1"/>
+          <p:cNvSpPr>
+            <a:spLocks noGrp="1"/>
+          </p:cNvSpPr>
+          <p:nvPr>
+            <p:ph type="title"/>
+          </p:nvPr>
+        </p:nvSpPr>
+        <p:spPr/>
+        <p:txBody>
+          <a:bodyPr/>
+          <a:lstStyle/>
+          <a:p>
+            <a:r>
+              <a:rPr lang="en-US" b="1" dirty="0"/>
+              <a:t>What is SVG?</a:t>
+            </a:r>
+            <a:endParaRPr lang="en-US" dirty="0"/>
+          </a:p>
+        </p:txBody>
+      </p:sp>
+      <p:sp>
+        <p:nvSpPr>
+          <p:cNvPr id="3" name="Content Placeholder 2"/>
+          <p:cNvSpPr>
+            <a:spLocks noGrp="1"/>
+          </p:cNvSpPr>
+          <p:nvPr>
+            <p:ph idx="1"/>
+          </p:nvPr>
+        </p:nvSpPr>
+        <p:spPr/>
+        <p:txBody>
+          <a:bodyPr/>
+          <a:lstStyle/>
+          <a:p>
+            <a:r>
+              <a:rPr lang="en-US" b="1" dirty="0"/>
+              <a:t>HTML SVG</a:t>
+            </a:r>
+            <a:r>
+              <a:rPr lang="en-US" dirty="0"/>
+              <a:t> is used to describe the two-dimensional vector and vector or raster graphics. </a:t>
+            </a:r>
+            <a:endParaRPr lang="en-US" dirty="0" smtClean="0"/>
+          </a:p>
+          <a:p>
+            <a:r>
+              <a:rPr lang="en-US" dirty="0" smtClean="0"/>
+              <a:t>SVG </a:t>
+            </a:r>
+            <a:r>
+              <a:rPr lang="en-US" dirty="0"/>
+              <a:t>images and their behaviors are defined in XML text files. So as XML files, you can create and edit an </a:t>
+            </a:r>
+            <a:r>
+              <a:rPr lang="en-US" b="1" dirty="0"/>
+              <a:t>SVG image</a:t>
+            </a:r>
+            <a:r>
+              <a:rPr lang="en-US" dirty="0"/>
+              <a:t> with the text editor. </a:t>
+            </a:r>
+            <a:endParaRPr lang="en-US" dirty="0" smtClean="0"/>
+          </a:p>
+          <a:p>
+            <a:r>
+              <a:rPr lang="en-US" dirty="0" smtClean="0"/>
+              <a:t>It </a:t>
+            </a:r>
+            <a:r>
+              <a:rPr lang="en-US" dirty="0"/>
+              <a:t>is mostly used for vector type diagrams like pie charts, 2-Dimensional graphs in an X, Y coordinate system</a:t>
+            </a:r>
+            <a:r>
+              <a:rPr lang="en-US" dirty="0" smtClean="0"/>
+              <a:t>.</a:t>
+            </a:r>
+          </a:p>
+          <a:p>
+            <a:pPr marL="0" indent="0">
+              <a:buNone/>
+            </a:pPr>
+            <a:endParaRPr lang="en-US" dirty="0" smtClean="0"/>
+          </a:p>
+        </p:txBody>
+      </p:sp>
+    </p:spTree>
+    <p:extLst>
+      <p:ext uri="{BB962C8B-B14F-4D97-AF65-F5344CB8AC3E}">
+        <p14:creationId xmlns:p14="http://schemas.microsoft.com/office/powerpoint/2010/main" val="152206306"/>
+      </p:ext>
+    </p:extLst>
+  </p:cSld>
+  <p:clrMapOvr>
+    <a:masterClrMapping/>
+  </p:clrMapOvr>
+  <p:timing>
+    <p:tnLst>
+      <p:par>
+        <p:cTn id="1" dur="indefinite" restart="never" nodeType="tmRoot"/>
+      </p:par>
+    </p:tnLst>
+  </p:timing>
+</p:sld>
+</file>
+
+<file path=ppt/slides/slide65.xml><?xml version="1.0" encoding="utf-8"?>
+<p:sld xmlns:a="http://schemas.openxmlformats.org/drawingml/2006/main" xmlns:r="http://schemas.openxmlformats.org/officeDocument/2006/relationships" xmlns:p="http://schemas.openxmlformats.org/presentationml/2006/main">
+  <p:cSld>
+    <p:spTree>
+      <p:nvGrpSpPr>
+        <p:cNvPr id="1" name=""/>
+        <p:cNvGrpSpPr/>
+        <p:nvPr/>
+      </p:nvGrpSpPr>
+      <p:grpSpPr>
+        <a:xfrm>
+          <a:off x="0" y="0"/>
+          <a:ext cx="0" cy="0"/>
+          <a:chOff x="0" y="0"/>
+          <a:chExt cx="0" cy="0"/>
+        </a:xfrm>
+      </p:grpSpPr>
+      <p:sp>
+        <p:nvSpPr>
+          <p:cNvPr id="2" name="Title 1"/>
+          <p:cNvSpPr>
+            <a:spLocks noGrp="1"/>
+          </p:cNvSpPr>
+          <p:nvPr>
+            <p:ph type="title"/>
+          </p:nvPr>
+        </p:nvSpPr>
+        <p:spPr/>
+        <p:txBody>
+          <a:bodyPr>
+            <a:normAutofit fontScale="90000"/>
+          </a:bodyPr>
+          <a:lstStyle/>
+          <a:p>
+            <a:r>
+              <a:rPr lang="en-US" dirty="0" smtClean="0"/>
+              <a:t>What </a:t>
+            </a:r>
+            <a:r>
+              <a:rPr lang="en-US" dirty="0"/>
+              <a:t>is difference between HTML and XHTML? </a:t>
+            </a:r>
+            <a:r>
+              <a:rPr lang="en-US" dirty="0" smtClean="0"/>
+              <a:t/>
+            </a:r>
+            <a:br>
+              <a:rPr lang="en-US" dirty="0" smtClean="0"/>
+            </a:br>
+            <a:endParaRPr lang="en-US" dirty="0"/>
+          </a:p>
+        </p:txBody>
+      </p:sp>
+      <p:pic>
+        <p:nvPicPr>
+          <p:cNvPr id="4" name="Content Placeholder 3"/>
+          <p:cNvPicPr>
+            <a:picLocks noGrp="1" noChangeAspect="1"/>
+          </p:cNvPicPr>
+          <p:nvPr>
+            <p:ph idx="1"/>
+          </p:nvPr>
+        </p:nvPicPr>
+        <p:blipFill>
+          <a:blip r:embed="rId2">
+            <a:extLst>
+              <a:ext uri="{28A0092B-C50C-407E-A947-70E740481C1C}">
+                <a14:useLocalDpi xmlns:a14="http://schemas.microsoft.com/office/drawing/2010/main" val="0"/>
+              </a:ext>
+            </a:extLst>
+          </a:blip>
+          <a:stretch>
+            <a:fillRect/>
+          </a:stretch>
+        </p:blipFill>
+        <p:spPr>
+          <a:xfrm>
+            <a:off x="712576" y="2099256"/>
+            <a:ext cx="8561426" cy="2414241"/>
+          </a:xfrm>
+        </p:spPr>
+      </p:pic>
+    </p:spTree>
+    <p:extLst>
+      <p:ext uri="{BB962C8B-B14F-4D97-AF65-F5344CB8AC3E}">
+        <p14:creationId xmlns:p14="http://schemas.microsoft.com/office/powerpoint/2010/main" val="2253322303"/>
+      </p:ext>
+    </p:extLst>
+  </p:cSld>
+  <p:clrMapOvr>
+    <a:masterClrMapping/>
+  </p:clrMapOvr>
+</p:sld>
+</file>
+
+<file path=ppt/slides/slide66.xml><?xml version="1.0" encoding="utf-8"?>
+<p:sld xmlns:a="http://schemas.openxmlformats.org/drawingml/2006/main" xmlns:r="http://schemas.openxmlformats.org/officeDocument/2006/relationships" xmlns:p="http://schemas.openxmlformats.org/presentationml/2006/main">
+  <p:cSld>
+    <p:spTree>
+      <p:nvGrpSpPr>
+        <p:cNvPr id="1" name=""/>
+        <p:cNvGrpSpPr/>
+        <p:nvPr/>
+      </p:nvGrpSpPr>
+      <p:grpSpPr>
+        <a:xfrm>
+          <a:off x="0" y="0"/>
+          <a:ext cx="0" cy="0"/>
+          <a:chOff x="0" y="0"/>
+          <a:chExt cx="0" cy="0"/>
+        </a:xfrm>
+      </p:grpSpPr>
+      <p:sp>
+        <p:nvSpPr>
+          <p:cNvPr id="2" name="Title 1"/>
+          <p:cNvSpPr>
+            <a:spLocks noGrp="1"/>
+          </p:cNvSpPr>
+          <p:nvPr>
+            <p:ph type="title"/>
+          </p:nvPr>
+        </p:nvSpPr>
+        <p:spPr/>
+        <p:txBody>
+          <a:bodyPr>
+            <a:normAutofit fontScale="90000"/>
+          </a:bodyPr>
+          <a:lstStyle/>
+          <a:p>
+            <a:r>
+              <a:rPr lang="en-US" b="1" smtClean="0"/>
+              <a:t>What </a:t>
+            </a:r>
+            <a:r>
+              <a:rPr lang="en-US" b="1" dirty="0"/>
+              <a:t>are logical and physical tags in HTML?</a:t>
+            </a:r>
+            <a:r>
+              <a:rPr lang="en-US" dirty="0"/>
+              <a:t/>
+            </a:r>
+            <a:br>
+              <a:rPr lang="en-US" dirty="0"/>
+            </a:br>
+            <a:endParaRPr lang="en-US" dirty="0"/>
+          </a:p>
+        </p:txBody>
+      </p:sp>
+      <p:sp>
+        <p:nvSpPr>
+          <p:cNvPr id="3" name="Content Placeholder 2"/>
+          <p:cNvSpPr>
+            <a:spLocks noGrp="1"/>
+          </p:cNvSpPr>
+          <p:nvPr>
+            <p:ph idx="1"/>
+          </p:nvPr>
+        </p:nvSpPr>
+        <p:spPr/>
+        <p:txBody>
+          <a:bodyPr/>
+          <a:lstStyle/>
+          <a:p>
+            <a:r>
+              <a:rPr lang="en-US" b="1" dirty="0">
+                <a:solidFill>
+                  <a:srgbClr val="FF0000"/>
+                </a:solidFill>
+              </a:rPr>
+              <a:t>Logical tags</a:t>
+            </a:r>
+            <a:r>
+              <a:rPr lang="en-US" dirty="0"/>
+              <a:t> are used to tell the meaning of the </a:t>
+            </a:r>
+            <a:r>
+              <a:rPr lang="en-US" b="1" u="sng" dirty="0"/>
+              <a:t>enclosed text</a:t>
+            </a:r>
+            <a:r>
+              <a:rPr lang="en-US" b="1" u="sng" dirty="0" smtClean="0"/>
+              <a:t>.</a:t>
+            </a:r>
+          </a:p>
+          <a:p>
+            <a:r>
+              <a:rPr lang="en-US" dirty="0" smtClean="0"/>
+              <a:t> </a:t>
+            </a:r>
+            <a:r>
+              <a:rPr lang="en-US" dirty="0"/>
+              <a:t>The example of the logical tag is</a:t>
+            </a:r>
+            <a:r>
+              <a:rPr lang="en-US" b="1" u="sng" dirty="0"/>
+              <a:t> &lt;strong&gt; &lt;/strong&gt; tag. </a:t>
+            </a:r>
+            <a:endParaRPr lang="en-US" b="1" u="sng" dirty="0" smtClean="0"/>
+          </a:p>
+          <a:p>
+            <a:r>
+              <a:rPr lang="en-US" dirty="0" smtClean="0"/>
+              <a:t>When </a:t>
+            </a:r>
+            <a:r>
+              <a:rPr lang="en-US" dirty="0"/>
+              <a:t>we enclose the text in the strong tag, it tells the browser that enclosed text is more important than other texts</a:t>
+            </a:r>
+            <a:r>
+              <a:rPr lang="en-US" dirty="0" smtClean="0"/>
+              <a:t>.</a:t>
+            </a:r>
+          </a:p>
+          <a:p>
+            <a:r>
+              <a:rPr lang="en-US" b="1" dirty="0">
+                <a:solidFill>
+                  <a:srgbClr val="FF0000"/>
+                </a:solidFill>
+              </a:rPr>
+              <a:t>Physical tags</a:t>
+            </a:r>
+            <a:r>
+              <a:rPr lang="en-US" dirty="0"/>
+              <a:t> are used to tell the browser how to display the text enclosed in the physical tag. </a:t>
+            </a:r>
+            <a:endParaRPr lang="en-US" dirty="0" smtClean="0"/>
+          </a:p>
+          <a:p>
+            <a:r>
+              <a:rPr lang="en-US" dirty="0" smtClean="0"/>
+              <a:t>Some </a:t>
+            </a:r>
+            <a:r>
+              <a:rPr lang="en-US" dirty="0"/>
+              <a:t>of the examples of physical tags are </a:t>
+            </a:r>
+            <a:r>
+              <a:rPr lang="en-US" b="1" dirty="0"/>
+              <a:t>&lt;b&gt;, &lt;big&gt;, &lt;</a:t>
+            </a:r>
+            <a:r>
+              <a:rPr lang="en-US" b="1" dirty="0" err="1"/>
+              <a:t>i</a:t>
+            </a:r>
+            <a:r>
+              <a:rPr lang="en-US" b="1" dirty="0"/>
+              <a:t>&gt;.</a:t>
+            </a:r>
+            <a:endParaRPr lang="en-US" dirty="0"/>
+          </a:p>
+        </p:txBody>
+      </p:sp>
+    </p:spTree>
+    <p:extLst>
+      <p:ext uri="{BB962C8B-B14F-4D97-AF65-F5344CB8AC3E}">
+        <p14:creationId xmlns:p14="http://schemas.microsoft.com/office/powerpoint/2010/main" val="1322298002"/>
+      </p:ext>
+    </p:extLst>
+  </p:cSld>
+  <p:clrMapOvr>
+    <a:masterClrMapping/>
+  </p:clrMapOvr>
+</p:sld>
+</file>
+
 <file path=ppt/slides/slide7.xml><?xml version="1.0" encoding="utf-8"?>
 <p:sld xmlns:a="http://schemas.openxmlformats.org/drawingml/2006/main" xmlns:r="http://schemas.openxmlformats.org/officeDocument/2006/relationships" xmlns:p="http://schemas.openxmlformats.org/presentationml/2006/main">
   <p:cSld>
@@ -15605,19 +23253,7 @@
               <a:rPr lang="en-US" u="sng" dirty="0">
                 <a:hlinkClick r:id="rId3"/>
               </a:rPr>
-              <a:t>&lt;</a:t>
-            </a:r>
-            <a:r>
-              <a:rPr lang="en-US" u="sng" dirty="0" err="1">
-                <a:hlinkClick r:id="rId3"/>
-              </a:rPr>
-              <a:t>br</a:t>
-            </a:r>
-            <a:r>
-              <a:rPr lang="en-US" u="sng" dirty="0">
-                <a:hlinkClick r:id="rId3"/>
-              </a:rPr>
-              <a:t>&gt;</a:t>
+              <a:t>&lt;br&gt;</a:t>
             </a:r>
             <a:r>
               <a:rPr lang="en-US" dirty="0"/>
